--- a/notes/14-ANN.pptx
+++ b/notes/14-ANN.pptx
@@ -12338,7 +12338,7 @@
               <a:buNone/>
             </a:pPr>
             <a:r>
-              <a:rPr lang="en-US" sz="1400" b="0" i="0" u="none">
+              <a:rPr lang="en-US" sz="1400" b="0" i="0" u="none" dirty="0">
                 <a:solidFill>
                   <a:schemeClr val="dk1"/>
                 </a:solidFill>
@@ -12350,7 +12350,7 @@
               <a:t>Every time we found an error of the predicted value f(x</a:t>
             </a:r>
             <a:r>
-              <a:rPr lang="en-US" sz="1400" b="0" i="0" u="none" baseline="-25000">
+              <a:rPr lang="en-US" sz="1400" b="0" i="0" u="none" baseline="-25000" dirty="0">
                 <a:solidFill>
                   <a:schemeClr val="dk1"/>
                 </a:solidFill>
@@ -12362,7 +12362,7 @@
               <a:t>i</a:t>
             </a:r>
             <a:r>
-              <a:rPr lang="en-US" sz="1400" b="0" i="0" u="none">
+              <a:rPr lang="en-US" sz="1400" b="0" i="0" u="none" dirty="0">
                 <a:solidFill>
                   <a:schemeClr val="dk1"/>
                 </a:solidFill>
@@ -12374,7 +12374,7 @@
               <a:t>) compared</a:t>
             </a:r>
             <a:br>
-              <a:rPr lang="en-US" sz="1400" b="0" i="0" u="none">
+              <a:rPr lang="en-US" sz="1400" b="0" i="0" u="none" dirty="0">
                 <a:solidFill>
                   <a:schemeClr val="dk1"/>
                 </a:solidFill>
@@ -12385,7 +12385,7 @@
               </a:rPr>
             </a:br>
             <a:r>
-              <a:rPr lang="en-US" sz="1400" b="0" i="0" u="none">
+              <a:rPr lang="en-US" sz="1400" b="0" i="0" u="none" dirty="0">
                 <a:solidFill>
                   <a:schemeClr val="dk1"/>
                 </a:solidFill>
@@ -12394,10 +12394,22 @@
                 <a:cs typeface="Arial"/>
                 <a:sym typeface="Arial"/>
               </a:rPr>
-              <a:t>to the label in the training set y</a:t>
+              <a:t>to the label in the training set </a:t>
             </a:r>
             <a:r>
-              <a:rPr lang="en-US" sz="1400" b="0" i="0" u="none" baseline="-25000">
+              <a:rPr lang="en-US" sz="1400" b="0" i="0" u="none" dirty="0" err="1">
+                <a:solidFill>
+                  <a:schemeClr val="dk1"/>
+                </a:solidFill>
+                <a:latin typeface="Arial"/>
+                <a:ea typeface="Arial"/>
+                <a:cs typeface="Arial"/>
+                <a:sym typeface="Arial"/>
+              </a:rPr>
+              <a:t>y</a:t>
+            </a:r>
+            <a:r>
+              <a:rPr lang="en-US" sz="1400" b="0" i="0" u="none" baseline="-25000" dirty="0" err="1">
                 <a:solidFill>
                   <a:schemeClr val="dk1"/>
                 </a:solidFill>
@@ -12409,7 +12421,7 @@
               <a:t>i</a:t>
             </a:r>
             <a:r>
-              <a:rPr lang="en-US" sz="1400" b="0" i="0" u="none">
+              <a:rPr lang="en-US" sz="1400" b="0" i="0" u="none" dirty="0">
                 <a:solidFill>
                   <a:schemeClr val="dk1"/>
                 </a:solidFill>
@@ -12420,7 +12432,56 @@
               </a:rPr>
               <a:t>, we update w and b.</a:t>
             </a:r>
-            <a:endParaRPr/>
+          </a:p>
+          <a:p>
+            <a:pPr marL="0" marR="0" lvl="0" indent="0" algn="l" rtl="0">
+              <a:lnSpc>
+                <a:spcPct val="100000"/>
+              </a:lnSpc>
+              <a:spcBef>
+                <a:spcPts val="0"/>
+              </a:spcBef>
+              <a:spcAft>
+                <a:spcPts val="0"/>
+              </a:spcAft>
+              <a:buClr>
+                <a:schemeClr val="dk1"/>
+              </a:buClr>
+              <a:buFont typeface="Arial"/>
+              <a:buNone/>
+            </a:pPr>
+            <a:endParaRPr lang="en-US" dirty="0">
+              <a:solidFill>
+                <a:schemeClr val="dk1"/>
+              </a:solidFill>
+            </a:endParaRPr>
+          </a:p>
+          <a:p>
+            <a:pPr marL="0" marR="0" lvl="0" indent="0" algn="l" rtl="0">
+              <a:lnSpc>
+                <a:spcPct val="100000"/>
+              </a:lnSpc>
+              <a:spcBef>
+                <a:spcPts val="0"/>
+              </a:spcBef>
+              <a:spcAft>
+                <a:spcPts val="0"/>
+              </a:spcAft>
+              <a:buClr>
+                <a:schemeClr val="dk1"/>
+              </a:buClr>
+              <a:buFont typeface="Arial"/>
+              <a:buNone/>
+            </a:pPr>
+            <a:r>
+              <a:rPr lang="en-US" dirty="0">
+                <a:solidFill>
+                  <a:schemeClr val="dk1"/>
+                </a:solidFill>
+              </a:rPr>
+              <a:t>Not so easy in multi-layer neural networks – the error can occur deep in the network!</a:t>
+            </a:r>
+            <a:endParaRPr dirty="0"/>
           </a:p>
         </p:txBody>
       </p:sp>
@@ -14677,7 +14738,7 @@
         <p:spPr>
           <a:xfrm>
             <a:off x="228600" y="2514600"/>
-            <a:ext cx="2111375" cy="2016125"/>
+            <a:ext cx="2111375" cy="2166937"/>
           </a:xfrm>
           <a:prstGeom prst="rect">
             <a:avLst/>
@@ -14716,7 +14777,7 @@
               <a:buNone/>
             </a:pPr>
             <a:r>
-              <a:rPr lang="en-US" sz="1400" b="0" i="0" u="none">
+              <a:rPr lang="en-US" sz="1400" b="0" i="0" u="none" dirty="0">
                 <a:solidFill>
                   <a:schemeClr val="dk1"/>
                 </a:solidFill>
@@ -14728,7 +14789,7 @@
               <a:t>We have to be a</a:t>
             </a:r>
             <a:br>
-              <a:rPr lang="en-US" sz="1400" b="0" i="0" u="none">
+              <a:rPr lang="en-US" sz="1400" b="0" i="0" u="none" dirty="0">
                 <a:solidFill>
                   <a:schemeClr val="dk1"/>
                 </a:solidFill>
@@ -14739,7 +14800,7 @@
               </a:rPr>
             </a:br>
             <a:r>
-              <a:rPr lang="en-US" sz="1400" b="0" i="0" u="none">
+              <a:rPr lang="en-US" sz="1400" b="0" i="0" u="none" dirty="0">
                 <a:solidFill>
                   <a:schemeClr val="dk1"/>
                 </a:solidFill>
@@ -14751,7 +14812,7 @@
               <a:t>bit smarter in the</a:t>
             </a:r>
             <a:br>
-              <a:rPr lang="en-US" sz="1400" b="0" i="0" u="none">
+              <a:rPr lang="en-US" sz="1400" b="0" i="0" u="none" dirty="0">
                 <a:solidFill>
                   <a:schemeClr val="dk1"/>
                 </a:solidFill>
@@ -14762,7 +14823,7 @@
               </a:rPr>
             </a:br>
             <a:r>
-              <a:rPr lang="en-US" sz="1400" b="0" i="0" u="none">
+              <a:rPr lang="en-US" sz="1400" b="0" i="0" u="none" dirty="0">
                 <a:solidFill>
                   <a:schemeClr val="dk1"/>
                 </a:solidFill>
@@ -14774,7 +14835,7 @@
               <a:t>case of ANNs: </a:t>
             </a:r>
             <a:br>
-              <a:rPr lang="en-US" sz="1400" b="0" i="0" u="none">
+              <a:rPr lang="en-US" sz="1400" b="0" i="0" u="none" dirty="0">
                 <a:solidFill>
                   <a:schemeClr val="dk1"/>
                 </a:solidFill>
@@ -14785,7 +14846,7 @@
               </a:rPr>
             </a:br>
             <a:r>
-              <a:rPr lang="en-US" sz="1400" b="0" i="0" u="none">
+              <a:rPr lang="en-US" sz="1400" b="0" i="0" u="none" dirty="0">
                 <a:solidFill>
                   <a:schemeClr val="dk1"/>
                 </a:solidFill>
@@ -14794,10 +14855,10 @@
                 <a:cs typeface="Arial"/>
                 <a:sym typeface="Arial"/>
               </a:rPr>
-              <a:t>compute the error</a:t>
+              <a:t>compute the signal</a:t>
             </a:r>
             <a:br>
-              <a:rPr lang="en-US" sz="1400" b="0" i="0" u="none">
+              <a:rPr lang="en-US" sz="1400" b="0" i="0" u="none" dirty="0">
                 <a:solidFill>
                   <a:schemeClr val="dk1"/>
                 </a:solidFill>
@@ -14808,7 +14869,7 @@
               </a:rPr>
             </a:br>
             <a:r>
-              <a:rPr lang="en-US" sz="1400" b="0" i="0" u="none">
+              <a:rPr lang="en-US" sz="1400" b="0" i="0" u="none" dirty="0">
                 <a:solidFill>
                   <a:schemeClr val="dk1"/>
                 </a:solidFill>
@@ -14820,7 +14881,7 @@
               <a:t>(feed forward) and</a:t>
             </a:r>
             <a:br>
-              <a:rPr lang="en-US" sz="1400" b="0" i="0" u="none">
+              <a:rPr lang="en-US" sz="1400" b="0" i="0" u="none" dirty="0">
                 <a:solidFill>
                   <a:schemeClr val="dk1"/>
                 </a:solidFill>
@@ -14831,7 +14892,7 @@
               </a:rPr>
             </a:br>
             <a:r>
-              <a:rPr lang="en-US" sz="1400" b="0" i="0" u="none">
+              <a:rPr lang="en-US" sz="1400" b="0" i="0" u="none" dirty="0">
                 <a:solidFill>
                   <a:schemeClr val="dk1"/>
                 </a:solidFill>
@@ -14840,21 +14901,18 @@
                 <a:cs typeface="Arial"/>
                 <a:sym typeface="Arial"/>
               </a:rPr>
-              <a:t>then use the error</a:t>
+              <a:t>then use the error at the output</a:t>
             </a:r>
-            <a:br>
-              <a:rPr lang="en-US" sz="1400" b="0" i="0" u="none">
+            <a:r>
+              <a:rPr lang="en-US" dirty="0">
                 <a:solidFill>
                   <a:schemeClr val="dk1"/>
                 </a:solidFill>
-                <a:latin typeface="Arial"/>
-                <a:ea typeface="Arial"/>
-                <a:cs typeface="Arial"/>
-                <a:sym typeface="Arial"/>
               </a:rPr>
-            </a:br>
+              <a:t> </a:t>
+            </a:r>
             <a:r>
-              <a:rPr lang="en-US" sz="1400" b="0" i="0" u="none">
+              <a:rPr lang="en-US" sz="1400" b="0" i="0" u="none" dirty="0">
                 <a:solidFill>
                   <a:schemeClr val="dk1"/>
                 </a:solidFill>
@@ -14863,55 +14921,17 @@
                 <a:cs typeface="Arial"/>
                 <a:sym typeface="Arial"/>
               </a:rPr>
-              <a:t>to update all the weights</a:t>
+              <a:t>to update all the weights by propagating the error back</a:t>
             </a:r>
-            <a:br>
-              <a:rPr lang="en-US" sz="1400" b="0" i="0" u="none">
+            <a:r>
+              <a:rPr lang="en-US" dirty="0">
                 <a:solidFill>
                   <a:schemeClr val="dk1"/>
                 </a:solidFill>
-                <a:latin typeface="Arial"/>
-                <a:ea typeface="Arial"/>
-                <a:cs typeface="Arial"/>
-                <a:sym typeface="Arial"/>
               </a:rPr>
-            </a:br>
-            <a:r>
-              <a:rPr lang="en-US" sz="1400" b="0" i="0" u="none">
-                <a:solidFill>
-                  <a:schemeClr val="dk1"/>
-                </a:solidFill>
-                <a:latin typeface="Arial"/>
-                <a:ea typeface="Arial"/>
-                <a:cs typeface="Arial"/>
-                <a:sym typeface="Arial"/>
-              </a:rPr>
-              <a:t>by propagating the error</a:t>
+              <a:t> through the network.</a:t>
             </a:r>
-            <a:br>
-              <a:rPr lang="en-US" sz="1400" b="0" i="0" u="none">
-                <a:solidFill>
-                  <a:schemeClr val="dk1"/>
-                </a:solidFill>
-                <a:latin typeface="Arial"/>
-                <a:ea typeface="Arial"/>
-                <a:cs typeface="Arial"/>
-                <a:sym typeface="Arial"/>
-              </a:rPr>
-            </a:br>
-            <a:r>
-              <a:rPr lang="en-US" sz="1400" b="0" i="0" u="none">
-                <a:solidFill>
-                  <a:schemeClr val="dk1"/>
-                </a:solidFill>
-                <a:latin typeface="Arial"/>
-                <a:ea typeface="Arial"/>
-                <a:cs typeface="Arial"/>
-                <a:sym typeface="Arial"/>
-              </a:rPr>
-              <a:t>back.</a:t>
-            </a:r>
-            <a:endParaRPr/>
+            <a:endParaRPr dirty="0"/>
           </a:p>
         </p:txBody>
       </p:sp>
@@ -15001,114 +15021,6 @@
           </a:p>
         </p:txBody>
       </p:sp>
-      <p:pic>
-        <p:nvPicPr>
-          <p:cNvPr id="256" name="Shape 256"/>
-          <p:cNvPicPr preferRelativeResize="0"/>
-          <p:nvPr/>
-        </p:nvPicPr>
-        <p:blipFill rotWithShape="1">
-          <a:blip r:embed="rId3">
-            <a:alphaModFix/>
-          </a:blip>
-          <a:srcRect/>
-          <a:stretch/>
-        </p:blipFill>
-        <p:spPr>
-          <a:xfrm>
-            <a:off x="663575" y="2589212"/>
-            <a:ext cx="1497012" cy="306387"/>
-          </a:xfrm>
-          <a:prstGeom prst="rect">
-            <a:avLst/>
-          </a:prstGeom>
-          <a:noFill/>
-          <a:ln>
-            <a:noFill/>
-          </a:ln>
-        </p:spPr>
-      </p:pic>
-      <p:pic>
-        <p:nvPicPr>
-          <p:cNvPr id="257" name="Shape 257"/>
-          <p:cNvPicPr preferRelativeResize="0"/>
-          <p:nvPr/>
-        </p:nvPicPr>
-        <p:blipFill rotWithShape="1">
-          <a:blip r:embed="rId4">
-            <a:alphaModFix/>
-          </a:blip>
-          <a:srcRect/>
-          <a:stretch/>
-        </p:blipFill>
-        <p:spPr>
-          <a:xfrm>
-            <a:off x="685800" y="3446462"/>
-            <a:ext cx="1763712" cy="287337"/>
-          </a:xfrm>
-          <a:prstGeom prst="rect">
-            <a:avLst/>
-          </a:prstGeom>
-          <a:noFill/>
-          <a:ln>
-            <a:noFill/>
-          </a:ln>
-        </p:spPr>
-      </p:pic>
-      <p:pic>
-        <p:nvPicPr>
-          <p:cNvPr id="258" name="Shape 258"/>
-          <p:cNvPicPr preferRelativeResize="0"/>
-          <p:nvPr/>
-        </p:nvPicPr>
-        <p:blipFill rotWithShape="1">
-          <a:blip r:embed="rId5">
-            <a:alphaModFix/>
-          </a:blip>
-          <a:srcRect/>
-          <a:stretch/>
-        </p:blipFill>
-        <p:spPr>
-          <a:xfrm>
-            <a:off x="641350" y="2884487"/>
-            <a:ext cx="1919287" cy="315912"/>
-          </a:xfrm>
-          <a:prstGeom prst="rect">
-            <a:avLst/>
-          </a:prstGeom>
-          <a:noFill/>
-          <a:ln>
-            <a:noFill/>
-          </a:ln>
-        </p:spPr>
-      </p:pic>
-      <p:pic>
-        <p:nvPicPr>
-          <p:cNvPr id="259" name="Shape 259"/>
-          <p:cNvPicPr preferRelativeResize="0"/>
-          <p:nvPr/>
-        </p:nvPicPr>
-        <p:blipFill rotWithShape="1">
-          <a:blip r:embed="rId6">
-            <a:alphaModFix/>
-          </a:blip>
-          <a:srcRect/>
-          <a:stretch/>
-        </p:blipFill>
-        <p:spPr>
-          <a:xfrm>
-            <a:off x="630237" y="3798887"/>
-            <a:ext cx="1897062" cy="315912"/>
-          </a:xfrm>
-          <a:prstGeom prst="rect">
-            <a:avLst/>
-          </a:prstGeom>
-          <a:noFill/>
-          <a:ln>
-            <a:noFill/>
-          </a:ln>
-        </p:spPr>
-      </p:pic>
       <p:sp>
         <p:nvSpPr>
           <p:cNvPr id="260" name="Shape 260"/>
@@ -15173,7 +15085,7 @@
           <p:nvPr/>
         </p:nvPicPr>
         <p:blipFill rotWithShape="1">
-          <a:blip r:embed="rId7">
+          <a:blip r:embed="rId3">
             <a:alphaModFix/>
           </a:blip>
           <a:srcRect/>
@@ -15181,7 +15093,7 @@
         </p:blipFill>
         <p:spPr>
           <a:xfrm>
-            <a:off x="2098675" y="4743450"/>
+            <a:off x="4410075" y="396874"/>
             <a:ext cx="3392487" cy="628650"/>
           </a:xfrm>
           <a:prstGeom prst="rect">
@@ -15235,7 +15147,7 @@
               <a:buNone/>
             </a:pPr>
             <a:r>
-              <a:rPr lang="en-US" sz="1200" b="0" i="0" u="none">
+              <a:rPr lang="en-US" sz="1200" b="0" i="0" u="none" dirty="0">
                 <a:solidFill>
                   <a:schemeClr val="dk1"/>
                 </a:solidFill>
@@ -15247,7 +15159,7 @@
               <a:t>and the output y is differentiable because the transfer function is differentiable.  Also note,</a:t>
             </a:r>
             <a:br>
-              <a:rPr lang="en-US" sz="1200" b="0" i="0" u="none">
+              <a:rPr lang="en-US" sz="1200" b="0" i="0" u="none" dirty="0">
                 <a:solidFill>
                   <a:schemeClr val="dk1"/>
                 </a:solidFill>
@@ -15258,7 +15170,7 @@
               </a:rPr>
             </a:br>
             <a:r>
-              <a:rPr lang="en-US" sz="1200" b="0" i="0" u="none">
+              <a:rPr lang="en-US" sz="1200" b="0" i="0" u="none" dirty="0">
                 <a:solidFill>
                   <a:schemeClr val="dk1"/>
                 </a:solidFill>
@@ -15270,7 +15182,7 @@
               <a:t>everything is based on the </a:t>
             </a:r>
             <a:r>
-              <a:rPr lang="en-US" sz="1200" b="0" i="1" u="none">
+              <a:rPr lang="en-US" sz="1200" b="0" i="1" u="none" dirty="0">
                 <a:solidFill>
                   <a:schemeClr val="dk1"/>
                 </a:solidFill>
@@ -15282,7 +15194,7 @@
               <a:t>rate of change</a:t>
             </a:r>
             <a:r>
-              <a:rPr lang="en-US" sz="1200" b="0" i="0" u="none">
+              <a:rPr lang="en-US" sz="1200" b="0" i="0" u="none" dirty="0">
                 <a:solidFill>
                   <a:schemeClr val="dk1"/>
                 </a:solidFill>
@@ -15294,7 +15206,7 @@
               <a:t> of the error…we are searching in the direction where</a:t>
             </a:r>
             <a:br>
-              <a:rPr lang="en-US" sz="1200" b="0" i="0" u="none">
+              <a:rPr lang="en-US" sz="1200" b="0" i="0" u="none" dirty="0">
                 <a:solidFill>
                   <a:schemeClr val="dk1"/>
                 </a:solidFill>
@@ -15305,7 +15217,7 @@
               </a:rPr>
             </a:br>
             <a:r>
-              <a:rPr lang="en-US" sz="1200" b="0" i="0" u="none">
+              <a:rPr lang="en-US" sz="1200" b="0" i="0" u="none" dirty="0">
                 <a:solidFill>
                   <a:schemeClr val="dk1"/>
                 </a:solidFill>
@@ -15316,7 +15228,7 @@
               </a:rPr>
               <a:t>the rate of change will minimize the output error.</a:t>
             </a:r>
-            <a:endParaRPr/>
+            <a:endParaRPr dirty="0"/>
           </a:p>
         </p:txBody>
       </p:sp>
@@ -17648,87 +17560,1814 @@
           </p:txBody>
         </p:sp>
       </p:grpSp>
+      <mc:AlternateContent xmlns:mc="http://schemas.openxmlformats.org/markup-compatibility/2006">
+        <mc:Choice xmlns:a14="http://schemas.microsoft.com/office/drawing/2010/main" Requires="a14">
+          <p:sp>
+            <p:nvSpPr>
+              <p:cNvPr id="2" name="TextBox 1">
+                <a:extLst>
+                  <a:ext uri="{FF2B5EF4-FFF2-40B4-BE49-F238E27FC236}">
+                    <a16:creationId xmlns:a16="http://schemas.microsoft.com/office/drawing/2014/main" id="{DFB09E90-7AC5-FC47-97D6-30658A5C4C5F}"/>
+                  </a:ext>
+                </a:extLst>
+              </p:cNvPr>
+              <p:cNvSpPr txBox="1"/>
+              <p:nvPr/>
+            </p:nvSpPr>
+            <p:spPr>
+              <a:xfrm>
+                <a:off x="4232402" y="3322320"/>
+                <a:ext cx="679196" cy="213360"/>
+              </a:xfrm>
+              <a:prstGeom prst="rect">
+                <a:avLst/>
+              </a:prstGeom>
+              <a:noFill/>
+            </p:spPr>
+            <p:txBody>
+              <a:bodyPr wrap="none" lIns="0" tIns="0" rIns="0" bIns="0" rtlCol="0">
+                <a:spAutoFit/>
+              </a:bodyPr>
+              <a:lstStyle/>
+              <a:p>
+                <a14:m>
+                  <m:oMathPara xmlns:m="http://schemas.openxmlformats.org/officeDocument/2006/math">
+                    <m:oMathParaPr>
+                      <m:jc m:val="centerGroup"/>
+                    </m:oMathParaPr>
+                    <m:oMath xmlns:m="http://schemas.openxmlformats.org/officeDocument/2006/math">
+                      <m:r>
+                        <a:rPr lang="en-US" i="1" smtClean="0">
+                          <a:latin typeface="Cambria Math" panose="02040503050406030204" pitchFamily="18" charset="0"/>
+                        </a:rPr>
+                        <m:t>𝐴</m:t>
+                      </m:r>
+                      <m:r>
+                        <a:rPr lang="en-US" i="1" smtClean="0">
+                          <a:latin typeface="Cambria Math" panose="02040503050406030204" pitchFamily="18" charset="0"/>
+                        </a:rPr>
+                        <m:t>=</m:t>
+                      </m:r>
+                      <m:r>
+                        <a:rPr lang="el-GR" i="1" smtClean="0">
+                          <a:latin typeface="Cambria Math" panose="02040503050406030204" pitchFamily="18" charset="0"/>
+                        </a:rPr>
+                        <m:t>𝜋</m:t>
+                      </m:r>
+                      <m:sSup>
+                        <m:sSupPr>
+                          <m:ctrlPr>
+                            <a:rPr lang="en-US" i="1" smtClean="0">
+                              <a:latin typeface="Cambria Math" panose="02040503050406030204" pitchFamily="18" charset="0"/>
+                            </a:rPr>
+                          </m:ctrlPr>
+                        </m:sSupPr>
+                        <m:e>
+                          <m:r>
+                            <a:rPr lang="en-US" i="1" smtClean="0">
+                              <a:latin typeface="Cambria Math" panose="02040503050406030204" pitchFamily="18" charset="0"/>
+                            </a:rPr>
+                            <m:t>𝑟</m:t>
+                          </m:r>
+                        </m:e>
+                        <m:sup>
+                          <m:r>
+                            <a:rPr lang="en-US" i="1" smtClean="0">
+                              <a:latin typeface="Cambria Math" panose="02040503050406030204" pitchFamily="18" charset="0"/>
+                            </a:rPr>
+                            <m:t>2</m:t>
+                          </m:r>
+                        </m:sup>
+                      </m:sSup>
+                    </m:oMath>
+                  </m:oMathPara>
+                </a14:m>
+                <a:endParaRPr lang="en-US" dirty="0"/>
+              </a:p>
+            </p:txBody>
+          </p:sp>
+        </mc:Choice>
+        <mc:Fallback>
+          <p:sp>
+            <p:nvSpPr>
+              <p:cNvPr id="2" name="TextBox 1">
+                <a:extLst>
+                  <a:ext uri="{FF2B5EF4-FFF2-40B4-BE49-F238E27FC236}">
+                    <a16:creationId xmlns:a16="http://schemas.microsoft.com/office/drawing/2014/main" id="{DFB09E90-7AC5-FC47-97D6-30658A5C4C5F}"/>
+                  </a:ext>
+                </a:extLst>
+              </p:cNvPr>
+              <p:cNvSpPr txBox="1">
+                <a:spLocks noRot="1" noChangeAspect="1" noMove="1" noResize="1" noEditPoints="1" noAdjustHandles="1" noChangeArrowheads="1" noChangeShapeType="1" noTextEdit="1"/>
+              </p:cNvSpPr>
+              <p:nvPr/>
+            </p:nvSpPr>
+            <p:spPr>
+              <a:xfrm>
+                <a:off x="4232402" y="3322320"/>
+                <a:ext cx="679196" cy="213360"/>
+              </a:xfrm>
+              <a:prstGeom prst="rect">
+                <a:avLst/>
+              </a:prstGeom>
+              <a:blipFill>
+                <a:blip r:embed="rId4"/>
+                <a:stretch>
+                  <a:fillRect l="-3636" b="-11765"/>
+                </a:stretch>
+              </a:blipFill>
+            </p:spPr>
+            <p:txBody>
+              <a:bodyPr/>
+              <a:lstStyle/>
+              <a:p>
+                <a:r>
+                  <a:rPr lang="en-US">
+                    <a:noFill/>
+                  </a:rPr>
+                  <a:t> </a:t>
+                </a:r>
+              </a:p>
+            </p:txBody>
+          </p:sp>
+        </mc:Fallback>
+      </mc:AlternateContent>
+      <mc:AlternateContent xmlns:mc="http://schemas.openxmlformats.org/markup-compatibility/2006">
+        <mc:Choice xmlns:a14="http://schemas.microsoft.com/office/drawing/2010/main" Requires="a14">
+          <p:sp>
+            <p:nvSpPr>
+              <p:cNvPr id="3" name="TextBox 2">
+                <a:extLst>
+                  <a:ext uri="{FF2B5EF4-FFF2-40B4-BE49-F238E27FC236}">
+                    <a16:creationId xmlns:a16="http://schemas.microsoft.com/office/drawing/2014/main" id="{7F8D6FE7-0117-9E48-9BA2-452D8F6A8164}"/>
+                  </a:ext>
+                </a:extLst>
+              </p:cNvPr>
+              <p:cNvSpPr txBox="1"/>
+              <p:nvPr/>
+            </p:nvSpPr>
+            <p:spPr>
+              <a:xfrm>
+                <a:off x="685800" y="1730522"/>
+                <a:ext cx="1155829" cy="215444"/>
+              </a:xfrm>
+              <a:prstGeom prst="rect">
+                <a:avLst/>
+              </a:prstGeom>
+              <a:noFill/>
+            </p:spPr>
+            <p:txBody>
+              <a:bodyPr wrap="none" lIns="0" tIns="0" rIns="0" bIns="0" rtlCol="0">
+                <a:spAutoFit/>
+              </a:bodyPr>
+              <a:lstStyle/>
+              <a:p>
+                <a14:m>
+                  <m:oMathPara xmlns:m="http://schemas.openxmlformats.org/officeDocument/2006/math">
+                    <m:oMathParaPr>
+                      <m:jc m:val="centerGroup"/>
+                    </m:oMathParaPr>
+                    <m:oMath xmlns:m="http://schemas.openxmlformats.org/officeDocument/2006/math">
+                      <m:r>
+                        <a:rPr lang="en-US" b="0" i="1" smtClean="0">
+                          <a:latin typeface="Cambria Math" panose="02040503050406030204" pitchFamily="18" charset="0"/>
+                        </a:rPr>
+                        <m:t>𝐸</m:t>
+                      </m:r>
+                      <m:r>
+                        <a:rPr lang="en-US" b="0" i="1" smtClean="0">
+                          <a:latin typeface="Cambria Math" panose="02040503050406030204" pitchFamily="18" charset="0"/>
+                        </a:rPr>
+                        <m:t>= </m:t>
+                      </m:r>
+                      <m:sSup>
+                        <m:sSupPr>
+                          <m:ctrlPr>
+                            <a:rPr lang="en-US" b="0" i="1" smtClean="0">
+                              <a:latin typeface="Cambria Math" panose="02040503050406030204" pitchFamily="18" charset="0"/>
+                            </a:rPr>
+                          </m:ctrlPr>
+                        </m:sSupPr>
+                        <m:e>
+                          <m:r>
+                            <a:rPr lang="en-US" b="0" i="1" smtClean="0">
+                              <a:latin typeface="Cambria Math" panose="02040503050406030204" pitchFamily="18" charset="0"/>
+                            </a:rPr>
+                            <m:t>(</m:t>
+                          </m:r>
+                          <m:sSup>
+                            <m:sSupPr>
+                              <m:ctrlPr>
+                                <a:rPr lang="en-US" b="0" i="1" smtClean="0">
+                                  <a:latin typeface="Cambria Math" panose="02040503050406030204" pitchFamily="18" charset="0"/>
+                                </a:rPr>
+                              </m:ctrlPr>
+                            </m:sSupPr>
+                            <m:e>
+                              <m:r>
+                                <a:rPr lang="en-US" b="0" i="1" smtClean="0">
+                                  <a:latin typeface="Cambria Math" panose="02040503050406030204" pitchFamily="18" charset="0"/>
+                                </a:rPr>
+                                <m:t>𝑦</m:t>
+                              </m:r>
+                            </m:e>
+                            <m:sup>
+                              <m:r>
+                                <a:rPr lang="en-US" b="0" i="1" smtClean="0">
+                                  <a:latin typeface="Cambria Math" panose="02040503050406030204" pitchFamily="18" charset="0"/>
+                                </a:rPr>
+                                <m:t>′</m:t>
+                              </m:r>
+                            </m:sup>
+                          </m:sSup>
+                          <m:r>
+                            <a:rPr lang="en-US" b="0" i="1" smtClean="0">
+                              <a:latin typeface="Cambria Math" panose="02040503050406030204" pitchFamily="18" charset="0"/>
+                            </a:rPr>
+                            <m:t>−</m:t>
+                          </m:r>
+                          <m:r>
+                            <a:rPr lang="en-US" b="0" i="1" smtClean="0">
+                              <a:latin typeface="Cambria Math" panose="02040503050406030204" pitchFamily="18" charset="0"/>
+                            </a:rPr>
+                            <m:t>𝑦</m:t>
+                          </m:r>
+                          <m:r>
+                            <a:rPr lang="en-US" b="0" i="1" smtClean="0">
+                              <a:latin typeface="Cambria Math" panose="02040503050406030204" pitchFamily="18" charset="0"/>
+                            </a:rPr>
+                            <m:t>)</m:t>
+                          </m:r>
+                        </m:e>
+                        <m:sup>
+                          <m:r>
+                            <a:rPr lang="en-US" b="0" i="1" smtClean="0">
+                              <a:latin typeface="Cambria Math" panose="02040503050406030204" pitchFamily="18" charset="0"/>
+                            </a:rPr>
+                            <m:t>2</m:t>
+                          </m:r>
+                        </m:sup>
+                      </m:sSup>
+                    </m:oMath>
+                  </m:oMathPara>
+                </a14:m>
+                <a:endParaRPr lang="en-US" dirty="0"/>
+              </a:p>
+            </p:txBody>
+          </p:sp>
+        </mc:Choice>
+        <mc:Fallback>
+          <p:sp>
+            <p:nvSpPr>
+              <p:cNvPr id="3" name="TextBox 2">
+                <a:extLst>
+                  <a:ext uri="{FF2B5EF4-FFF2-40B4-BE49-F238E27FC236}">
+                    <a16:creationId xmlns:a16="http://schemas.microsoft.com/office/drawing/2014/main" id="{7F8D6FE7-0117-9E48-9BA2-452D8F6A8164}"/>
+                  </a:ext>
+                </a:extLst>
+              </p:cNvPr>
+              <p:cNvSpPr txBox="1">
+                <a:spLocks noRot="1" noChangeAspect="1" noMove="1" noResize="1" noEditPoints="1" noAdjustHandles="1" noChangeArrowheads="1" noChangeShapeType="1" noTextEdit="1"/>
+              </p:cNvSpPr>
+              <p:nvPr/>
+            </p:nvSpPr>
+            <p:spPr>
+              <a:xfrm>
+                <a:off x="685800" y="1730522"/>
+                <a:ext cx="1155829" cy="215444"/>
+              </a:xfrm>
+              <a:prstGeom prst="rect">
+                <a:avLst/>
+              </a:prstGeom>
+              <a:blipFill>
+                <a:blip r:embed="rId5"/>
+                <a:stretch>
+                  <a:fillRect l="-2174" b="-38889"/>
+                </a:stretch>
+              </a:blipFill>
+            </p:spPr>
+            <p:txBody>
+              <a:bodyPr/>
+              <a:lstStyle/>
+              <a:p>
+                <a:r>
+                  <a:rPr lang="en-US">
+                    <a:noFill/>
+                  </a:rPr>
+                  <a:t> </a:t>
+                </a:r>
+              </a:p>
+            </p:txBody>
+          </p:sp>
+        </mc:Fallback>
+      </mc:AlternateContent>
+      <mc:AlternateContent xmlns:mc="http://schemas.openxmlformats.org/markup-compatibility/2006">
+        <mc:Choice xmlns:a14="http://schemas.microsoft.com/office/drawing/2010/main" Requires="a14">
+          <p:sp>
+            <p:nvSpPr>
+              <p:cNvPr id="4" name="TextBox 3">
+                <a:extLst>
+                  <a:ext uri="{FF2B5EF4-FFF2-40B4-BE49-F238E27FC236}">
+                    <a16:creationId xmlns:a16="http://schemas.microsoft.com/office/drawing/2014/main" id="{C7186D08-4691-C749-8776-E69A0B4536B3}"/>
+                  </a:ext>
+                </a:extLst>
+              </p:cNvPr>
+              <p:cNvSpPr txBox="1"/>
+              <p:nvPr/>
+            </p:nvSpPr>
+            <p:spPr>
+              <a:xfrm>
+                <a:off x="663575" y="2275932"/>
+                <a:ext cx="1247970" cy="215444"/>
+              </a:xfrm>
+              <a:prstGeom prst="rect">
+                <a:avLst/>
+              </a:prstGeom>
+              <a:noFill/>
+            </p:spPr>
+            <p:txBody>
+              <a:bodyPr wrap="none" lIns="0" tIns="0" rIns="0" bIns="0" rtlCol="0">
+                <a:spAutoFit/>
+              </a:bodyPr>
+              <a:lstStyle/>
+              <a:p>
+                <a14:m>
+                  <m:oMathPara xmlns:m="http://schemas.openxmlformats.org/officeDocument/2006/math">
+                    <m:oMathParaPr>
+                      <m:jc m:val="centerGroup"/>
+                    </m:oMathParaPr>
+                    <m:oMath xmlns:m="http://schemas.openxmlformats.org/officeDocument/2006/math">
+                      <m:sSub>
+                        <m:sSubPr>
+                          <m:ctrlPr>
+                            <a:rPr lang="en-US" i="1" smtClean="0">
+                              <a:latin typeface="Cambria Math" panose="02040503050406030204" pitchFamily="18" charset="0"/>
+                            </a:rPr>
+                          </m:ctrlPr>
+                        </m:sSubPr>
+                        <m:e>
+                          <m:r>
+                            <a:rPr lang="en-US" i="1" smtClean="0">
+                              <a:latin typeface="Cambria Math" panose="02040503050406030204" pitchFamily="18" charset="0"/>
+                              <a:ea typeface="Cambria Math" panose="02040503050406030204" pitchFamily="18" charset="0"/>
+                            </a:rPr>
+                            <m:t>𝛿</m:t>
+                          </m:r>
+                        </m:e>
+                        <m:sub>
+                          <m:r>
+                            <a:rPr lang="en-US" b="0" i="1" smtClean="0">
+                              <a:latin typeface="Cambria Math" panose="02040503050406030204" pitchFamily="18" charset="0"/>
+                            </a:rPr>
+                            <m:t>0</m:t>
+                          </m:r>
+                        </m:sub>
+                      </m:sSub>
+                      <m:r>
+                        <a:rPr lang="en-US" b="0" i="1" smtClean="0">
+                          <a:latin typeface="Cambria Math" panose="02040503050406030204" pitchFamily="18" charset="0"/>
+                        </a:rPr>
+                        <m:t>=</m:t>
+                      </m:r>
+                      <m:r>
+                        <a:rPr lang="en-US" b="0" i="1" smtClean="0">
+                          <a:latin typeface="Cambria Math" panose="02040503050406030204" pitchFamily="18" charset="0"/>
+                        </a:rPr>
+                        <m:t>𝑦</m:t>
+                      </m:r>
+                      <m:d>
+                        <m:dPr>
+                          <m:ctrlPr>
+                            <a:rPr lang="en-US" b="0" i="1" smtClean="0">
+                              <a:latin typeface="Cambria Math" panose="02040503050406030204" pitchFamily="18" charset="0"/>
+                            </a:rPr>
+                          </m:ctrlPr>
+                        </m:dPr>
+                        <m:e>
+                          <m:r>
+                            <a:rPr lang="en-US" b="0" i="1" smtClean="0">
+                              <a:latin typeface="Cambria Math" panose="02040503050406030204" pitchFamily="18" charset="0"/>
+                            </a:rPr>
+                            <m:t>1−</m:t>
+                          </m:r>
+                          <m:r>
+                            <a:rPr lang="en-US" b="0" i="1" smtClean="0">
+                              <a:latin typeface="Cambria Math" panose="02040503050406030204" pitchFamily="18" charset="0"/>
+                            </a:rPr>
+                            <m:t>𝑦</m:t>
+                          </m:r>
+                        </m:e>
+                      </m:d>
+                      <m:r>
+                        <a:rPr lang="en-US" b="0" i="1" smtClean="0">
+                          <a:latin typeface="Cambria Math" panose="02040503050406030204" pitchFamily="18" charset="0"/>
+                        </a:rPr>
+                        <m:t>𝐸</m:t>
+                      </m:r>
+                    </m:oMath>
+                  </m:oMathPara>
+                </a14:m>
+                <a:endParaRPr lang="en-US" dirty="0"/>
+              </a:p>
+            </p:txBody>
+          </p:sp>
+        </mc:Choice>
+        <mc:Fallback>
+          <p:sp>
+            <p:nvSpPr>
+              <p:cNvPr id="4" name="TextBox 3">
+                <a:extLst>
+                  <a:ext uri="{FF2B5EF4-FFF2-40B4-BE49-F238E27FC236}">
+                    <a16:creationId xmlns:a16="http://schemas.microsoft.com/office/drawing/2014/main" id="{C7186D08-4691-C749-8776-E69A0B4536B3}"/>
+                  </a:ext>
+                </a:extLst>
+              </p:cNvPr>
+              <p:cNvSpPr txBox="1">
+                <a:spLocks noRot="1" noChangeAspect="1" noMove="1" noResize="1" noEditPoints="1" noAdjustHandles="1" noChangeArrowheads="1" noChangeShapeType="1" noTextEdit="1"/>
+              </p:cNvSpPr>
+              <p:nvPr/>
+            </p:nvSpPr>
+            <p:spPr>
+              <a:xfrm>
+                <a:off x="663575" y="2275932"/>
+                <a:ext cx="1247970" cy="215444"/>
+              </a:xfrm>
+              <a:prstGeom prst="rect">
+                <a:avLst/>
+              </a:prstGeom>
+              <a:blipFill>
+                <a:blip r:embed="rId6"/>
+                <a:stretch>
+                  <a:fillRect l="-2000" r="-1000" b="-27778"/>
+                </a:stretch>
+              </a:blipFill>
+            </p:spPr>
+            <p:txBody>
+              <a:bodyPr/>
+              <a:lstStyle/>
+              <a:p>
+                <a:r>
+                  <a:rPr lang="en-US">
+                    <a:noFill/>
+                  </a:rPr>
+                  <a:t> </a:t>
+                </a:r>
+              </a:p>
+            </p:txBody>
+          </p:sp>
+        </mc:Fallback>
+      </mc:AlternateContent>
+      <mc:AlternateContent xmlns:mc="http://schemas.openxmlformats.org/markup-compatibility/2006">
+        <mc:Choice xmlns:a14="http://schemas.microsoft.com/office/drawing/2010/main" Requires="a14">
+          <p:sp>
+            <p:nvSpPr>
+              <p:cNvPr id="5" name="TextBox 4">
+                <a:extLst>
+                  <a:ext uri="{FF2B5EF4-FFF2-40B4-BE49-F238E27FC236}">
+                    <a16:creationId xmlns:a16="http://schemas.microsoft.com/office/drawing/2014/main" id="{8C58F74E-96C3-DB42-A38F-BB53713A3FB7}"/>
+                  </a:ext>
+                </a:extLst>
+              </p:cNvPr>
+              <p:cNvSpPr txBox="1"/>
+              <p:nvPr/>
+            </p:nvSpPr>
+            <p:spPr>
+              <a:xfrm>
+                <a:off x="659245" y="2639070"/>
+                <a:ext cx="1277144" cy="215444"/>
+              </a:xfrm>
+              <a:prstGeom prst="rect">
+                <a:avLst/>
+              </a:prstGeom>
+              <a:noFill/>
+            </p:spPr>
+            <p:txBody>
+              <a:bodyPr wrap="none" lIns="0" tIns="0" rIns="0" bIns="0" rtlCol="0">
+                <a:spAutoFit/>
+              </a:bodyPr>
+              <a:lstStyle/>
+              <a:p>
+                <a14:m>
+                  <m:oMath xmlns:m="http://schemas.openxmlformats.org/officeDocument/2006/math">
+                    <m:sSub>
+                      <m:sSubPr>
+                        <m:ctrlPr>
+                          <a:rPr lang="en-US" i="1" smtClean="0">
+                            <a:latin typeface="Cambria Math" panose="02040503050406030204" pitchFamily="18" charset="0"/>
+                          </a:rPr>
+                        </m:ctrlPr>
+                      </m:sSubPr>
+                      <m:e>
+                        <m:r>
+                          <a:rPr lang="en-US" b="0" i="1" smtClean="0">
+                            <a:latin typeface="Cambria Math" panose="02040503050406030204" pitchFamily="18" charset="0"/>
+                          </a:rPr>
+                          <m:t>𝑤</m:t>
+                        </m:r>
+                      </m:e>
+                      <m:sub>
+                        <m:r>
+                          <a:rPr lang="en-US" b="0" i="1" smtClean="0">
+                            <a:latin typeface="Cambria Math" panose="02040503050406030204" pitchFamily="18" charset="0"/>
+                          </a:rPr>
+                          <m:t>h𝑜</m:t>
+                        </m:r>
+                      </m:sub>
+                    </m:sSub>
+                    <m:r>
+                      <a:rPr lang="en-US" i="1" smtClean="0">
+                        <a:latin typeface="Cambria Math" panose="02040503050406030204" pitchFamily="18" charset="0"/>
+                        <a:ea typeface="Cambria Math" panose="02040503050406030204" pitchFamily="18" charset="0"/>
+                      </a:rPr>
+                      <m:t>←</m:t>
+                    </m:r>
+                  </m:oMath>
+                </a14:m>
+                <a:r>
+                  <a:rPr lang="en-US" dirty="0"/>
+                  <a:t> </a:t>
+                </a:r>
+                <a14:m>
+                  <m:oMath xmlns:m="http://schemas.openxmlformats.org/officeDocument/2006/math">
+                    <m:sSub>
+                      <m:sSubPr>
+                        <m:ctrlPr>
+                          <a:rPr lang="en-US" i="1">
+                            <a:latin typeface="Cambria Math" panose="02040503050406030204" pitchFamily="18" charset="0"/>
+                          </a:rPr>
+                        </m:ctrlPr>
+                      </m:sSubPr>
+                      <m:e>
+                        <m:r>
+                          <a:rPr lang="en-US" i="1">
+                            <a:latin typeface="Cambria Math" panose="02040503050406030204" pitchFamily="18" charset="0"/>
+                          </a:rPr>
+                          <m:t>𝑤</m:t>
+                        </m:r>
+                      </m:e>
+                      <m:sub>
+                        <m:r>
+                          <a:rPr lang="en-US" i="1">
+                            <a:latin typeface="Cambria Math" panose="02040503050406030204" pitchFamily="18" charset="0"/>
+                          </a:rPr>
+                          <m:t>h𝑜</m:t>
+                        </m:r>
+                      </m:sub>
+                    </m:sSub>
+                  </m:oMath>
+                </a14:m>
+                <a:r>
+                  <a:rPr lang="en-US" dirty="0"/>
+                  <a:t>+ </a:t>
+                </a:r>
+                <a14:m>
+                  <m:oMath xmlns:m="http://schemas.openxmlformats.org/officeDocument/2006/math">
+                    <m:r>
+                      <m:rPr>
+                        <m:sty m:val="p"/>
+                      </m:rPr>
+                      <a:rPr lang="el-GR" i="1" smtClean="0">
+                        <a:latin typeface="Cambria Math" panose="02040503050406030204" pitchFamily="18" charset="0"/>
+                        <a:ea typeface="Cambria Math" panose="02040503050406030204" pitchFamily="18" charset="0"/>
+                      </a:rPr>
+                      <m:t>α</m:t>
+                    </m:r>
+                    <m:sSub>
+                      <m:sSubPr>
+                        <m:ctrlPr>
+                          <a:rPr lang="en-US" i="1" smtClean="0">
+                            <a:latin typeface="Cambria Math" panose="02040503050406030204" pitchFamily="18" charset="0"/>
+                          </a:rPr>
+                        </m:ctrlPr>
+                      </m:sSubPr>
+                      <m:e>
+                        <m:r>
+                          <a:rPr lang="en-US" i="1" smtClean="0">
+                            <a:latin typeface="Cambria Math" panose="02040503050406030204" pitchFamily="18" charset="0"/>
+                            <a:ea typeface="Cambria Math" panose="02040503050406030204" pitchFamily="18" charset="0"/>
+                          </a:rPr>
+                          <m:t>𝛿</m:t>
+                        </m:r>
+                      </m:e>
+                      <m:sub>
+                        <m:r>
+                          <a:rPr lang="en-US" b="0" i="1" smtClean="0">
+                            <a:latin typeface="Cambria Math" panose="02040503050406030204" pitchFamily="18" charset="0"/>
+                          </a:rPr>
+                          <m:t>𝑜</m:t>
+                        </m:r>
+                      </m:sub>
+                    </m:sSub>
+                  </m:oMath>
+                </a14:m>
+                <a:endParaRPr lang="en-US" dirty="0"/>
+              </a:p>
+            </p:txBody>
+          </p:sp>
+        </mc:Choice>
+        <mc:Fallback>
+          <p:sp>
+            <p:nvSpPr>
+              <p:cNvPr id="5" name="TextBox 4">
+                <a:extLst>
+                  <a:ext uri="{FF2B5EF4-FFF2-40B4-BE49-F238E27FC236}">
+                    <a16:creationId xmlns:a16="http://schemas.microsoft.com/office/drawing/2014/main" id="{8C58F74E-96C3-DB42-A38F-BB53713A3FB7}"/>
+                  </a:ext>
+                </a:extLst>
+              </p:cNvPr>
+              <p:cNvSpPr txBox="1">
+                <a:spLocks noRot="1" noChangeAspect="1" noMove="1" noResize="1" noEditPoints="1" noAdjustHandles="1" noChangeArrowheads="1" noChangeShapeType="1" noTextEdit="1"/>
+              </p:cNvSpPr>
+              <p:nvPr/>
+            </p:nvSpPr>
+            <p:spPr>
+              <a:xfrm>
+                <a:off x="659245" y="2639070"/>
+                <a:ext cx="1277144" cy="215444"/>
+              </a:xfrm>
+              <a:prstGeom prst="rect">
+                <a:avLst/>
+              </a:prstGeom>
+              <a:blipFill>
+                <a:blip r:embed="rId7"/>
+                <a:stretch>
+                  <a:fillRect l="-2970" t="-22222" r="-990" b="-44444"/>
+                </a:stretch>
+              </a:blipFill>
+            </p:spPr>
+            <p:txBody>
+              <a:bodyPr/>
+              <a:lstStyle/>
+              <a:p>
+                <a:r>
+                  <a:rPr lang="en-US">
+                    <a:noFill/>
+                  </a:rPr>
+                  <a:t> </a:t>
+                </a:r>
+              </a:p>
+            </p:txBody>
+          </p:sp>
+        </mc:Fallback>
+      </mc:AlternateContent>
+      <mc:AlternateContent xmlns:mc="http://schemas.openxmlformats.org/markup-compatibility/2006">
+        <mc:Choice xmlns:a14="http://schemas.microsoft.com/office/drawing/2010/main" Requires="a14">
+          <p:sp>
+            <p:nvSpPr>
+              <p:cNvPr id="68" name="TextBox 67">
+                <a:extLst>
+                  <a:ext uri="{FF2B5EF4-FFF2-40B4-BE49-F238E27FC236}">
+                    <a16:creationId xmlns:a16="http://schemas.microsoft.com/office/drawing/2014/main" id="{4D313F58-B016-A048-BCFF-27F726EAFF8F}"/>
+                  </a:ext>
+                </a:extLst>
+              </p:cNvPr>
+              <p:cNvSpPr txBox="1"/>
+              <p:nvPr/>
+            </p:nvSpPr>
+            <p:spPr>
+              <a:xfrm>
+                <a:off x="663575" y="3190341"/>
+                <a:ext cx="1612814" cy="215444"/>
+              </a:xfrm>
+              <a:prstGeom prst="rect">
+                <a:avLst/>
+              </a:prstGeom>
+              <a:noFill/>
+            </p:spPr>
+            <p:txBody>
+              <a:bodyPr wrap="none" lIns="0" tIns="0" rIns="0" bIns="0" rtlCol="0">
+                <a:spAutoFit/>
+              </a:bodyPr>
+              <a:lstStyle/>
+              <a:p>
+                <a14:m>
+                  <m:oMathPara xmlns:m="http://schemas.openxmlformats.org/officeDocument/2006/math">
+                    <m:oMathParaPr>
+                      <m:jc m:val="centerGroup"/>
+                    </m:oMathParaPr>
+                    <m:oMath xmlns:m="http://schemas.openxmlformats.org/officeDocument/2006/math">
+                      <m:sSub>
+                        <m:sSubPr>
+                          <m:ctrlPr>
+                            <a:rPr lang="en-US" i="1" smtClean="0">
+                              <a:latin typeface="Cambria Math" panose="02040503050406030204" pitchFamily="18" charset="0"/>
+                            </a:rPr>
+                          </m:ctrlPr>
+                        </m:sSubPr>
+                        <m:e>
+                          <m:r>
+                            <a:rPr lang="en-US" i="1" smtClean="0">
+                              <a:latin typeface="Cambria Math" panose="02040503050406030204" pitchFamily="18" charset="0"/>
+                              <a:ea typeface="Cambria Math" panose="02040503050406030204" pitchFamily="18" charset="0"/>
+                            </a:rPr>
+                            <m:t>𝛿</m:t>
+                          </m:r>
+                        </m:e>
+                        <m:sub>
+                          <m:r>
+                            <a:rPr lang="en-US" b="0" i="1" smtClean="0">
+                              <a:latin typeface="Cambria Math" panose="02040503050406030204" pitchFamily="18" charset="0"/>
+                            </a:rPr>
+                            <m:t>h</m:t>
+                          </m:r>
+                        </m:sub>
+                      </m:sSub>
+                      <m:r>
+                        <a:rPr lang="en-US" b="0" i="1" smtClean="0">
+                          <a:latin typeface="Cambria Math" panose="02040503050406030204" pitchFamily="18" charset="0"/>
+                        </a:rPr>
+                        <m:t>=</m:t>
+                      </m:r>
+                      <m:r>
+                        <a:rPr lang="en-US" b="0" i="1" smtClean="0">
+                          <a:latin typeface="Cambria Math" panose="02040503050406030204" pitchFamily="18" charset="0"/>
+                        </a:rPr>
+                        <m:t>𝑦</m:t>
+                      </m:r>
+                      <m:d>
+                        <m:dPr>
+                          <m:ctrlPr>
+                            <a:rPr lang="en-US" b="0" i="1" smtClean="0">
+                              <a:latin typeface="Cambria Math" panose="02040503050406030204" pitchFamily="18" charset="0"/>
+                            </a:rPr>
+                          </m:ctrlPr>
+                        </m:dPr>
+                        <m:e>
+                          <m:r>
+                            <a:rPr lang="en-US" b="0" i="1" smtClean="0">
+                              <a:latin typeface="Cambria Math" panose="02040503050406030204" pitchFamily="18" charset="0"/>
+                            </a:rPr>
+                            <m:t>1−</m:t>
+                          </m:r>
+                          <m:r>
+                            <a:rPr lang="en-US" b="0" i="1" smtClean="0">
+                              <a:latin typeface="Cambria Math" panose="02040503050406030204" pitchFamily="18" charset="0"/>
+                            </a:rPr>
+                            <m:t>𝑦</m:t>
+                          </m:r>
+                        </m:e>
+                      </m:d>
+                      <m:sSub>
+                        <m:sSubPr>
+                          <m:ctrlPr>
+                            <a:rPr lang="en-US" i="1">
+                              <a:latin typeface="Cambria Math" panose="02040503050406030204" pitchFamily="18" charset="0"/>
+                            </a:rPr>
+                          </m:ctrlPr>
+                        </m:sSubPr>
+                        <m:e>
+                          <m:r>
+                            <a:rPr lang="en-US" i="1">
+                              <a:latin typeface="Cambria Math" panose="02040503050406030204" pitchFamily="18" charset="0"/>
+                            </a:rPr>
+                            <m:t>𝑤</m:t>
+                          </m:r>
+                        </m:e>
+                        <m:sub>
+                          <m:r>
+                            <a:rPr lang="en-US" i="1">
+                              <a:latin typeface="Cambria Math" panose="02040503050406030204" pitchFamily="18" charset="0"/>
+                            </a:rPr>
+                            <m:t>h𝑜</m:t>
+                          </m:r>
+                        </m:sub>
+                      </m:sSub>
+                      <m:sSub>
+                        <m:sSubPr>
+                          <m:ctrlPr>
+                            <a:rPr lang="en-US" i="1">
+                              <a:latin typeface="Cambria Math" panose="02040503050406030204" pitchFamily="18" charset="0"/>
+                            </a:rPr>
+                          </m:ctrlPr>
+                        </m:sSubPr>
+                        <m:e>
+                          <m:r>
+                            <a:rPr lang="en-US" i="1">
+                              <a:latin typeface="Cambria Math" panose="02040503050406030204" pitchFamily="18" charset="0"/>
+                              <a:ea typeface="Cambria Math" panose="02040503050406030204" pitchFamily="18" charset="0"/>
+                            </a:rPr>
+                            <m:t>𝛿</m:t>
+                          </m:r>
+                        </m:e>
+                        <m:sub>
+                          <m:r>
+                            <a:rPr lang="en-US" i="1">
+                              <a:latin typeface="Cambria Math" panose="02040503050406030204" pitchFamily="18" charset="0"/>
+                            </a:rPr>
+                            <m:t>𝑜</m:t>
+                          </m:r>
+                        </m:sub>
+                      </m:sSub>
+                    </m:oMath>
+                  </m:oMathPara>
+                </a14:m>
+                <a:endParaRPr lang="en-US" dirty="0"/>
+              </a:p>
+            </p:txBody>
+          </p:sp>
+        </mc:Choice>
+        <mc:Fallback>
+          <p:sp>
+            <p:nvSpPr>
+              <p:cNvPr id="68" name="TextBox 67">
+                <a:extLst>
+                  <a:ext uri="{FF2B5EF4-FFF2-40B4-BE49-F238E27FC236}">
+                    <a16:creationId xmlns:a16="http://schemas.microsoft.com/office/drawing/2014/main" id="{4D313F58-B016-A048-BCFF-27F726EAFF8F}"/>
+                  </a:ext>
+                </a:extLst>
+              </p:cNvPr>
+              <p:cNvSpPr txBox="1">
+                <a:spLocks noRot="1" noChangeAspect="1" noMove="1" noResize="1" noEditPoints="1" noAdjustHandles="1" noChangeArrowheads="1" noChangeShapeType="1" noTextEdit="1"/>
+              </p:cNvSpPr>
+              <p:nvPr/>
+            </p:nvSpPr>
+            <p:spPr>
+              <a:xfrm>
+                <a:off x="663575" y="3190341"/>
+                <a:ext cx="1612814" cy="215444"/>
+              </a:xfrm>
+              <a:prstGeom prst="rect">
+                <a:avLst/>
+              </a:prstGeom>
+              <a:blipFill>
+                <a:blip r:embed="rId8"/>
+                <a:stretch>
+                  <a:fillRect l="-1563" b="-27778"/>
+                </a:stretch>
+              </a:blipFill>
+            </p:spPr>
+            <p:txBody>
+              <a:bodyPr/>
+              <a:lstStyle/>
+              <a:p>
+                <a:r>
+                  <a:rPr lang="en-US">
+                    <a:noFill/>
+                  </a:rPr>
+                  <a:t> </a:t>
+                </a:r>
+              </a:p>
+            </p:txBody>
+          </p:sp>
+        </mc:Fallback>
+      </mc:AlternateContent>
+      <mc:AlternateContent xmlns:mc="http://schemas.openxmlformats.org/markup-compatibility/2006">
+        <mc:Choice xmlns:a14="http://schemas.microsoft.com/office/drawing/2010/main" Requires="a14">
+          <p:sp>
+            <p:nvSpPr>
+              <p:cNvPr id="69" name="TextBox 68">
+                <a:extLst>
+                  <a:ext uri="{FF2B5EF4-FFF2-40B4-BE49-F238E27FC236}">
+                    <a16:creationId xmlns:a16="http://schemas.microsoft.com/office/drawing/2014/main" id="{E9565709-18E1-6F49-9AB9-7345AB6CD5DD}"/>
+                  </a:ext>
+                </a:extLst>
+              </p:cNvPr>
+              <p:cNvSpPr txBox="1"/>
+              <p:nvPr/>
+            </p:nvSpPr>
+            <p:spPr>
+              <a:xfrm>
+                <a:off x="659245" y="3553479"/>
+                <a:ext cx="1222386" cy="215444"/>
+              </a:xfrm>
+              <a:prstGeom prst="rect">
+                <a:avLst/>
+              </a:prstGeom>
+              <a:noFill/>
+            </p:spPr>
+            <p:txBody>
+              <a:bodyPr wrap="none" lIns="0" tIns="0" rIns="0" bIns="0" rtlCol="0">
+                <a:spAutoFit/>
+              </a:bodyPr>
+              <a:lstStyle/>
+              <a:p>
+                <a14:m>
+                  <m:oMath xmlns:m="http://schemas.openxmlformats.org/officeDocument/2006/math">
+                    <m:sSub>
+                      <m:sSubPr>
+                        <m:ctrlPr>
+                          <a:rPr lang="en-US" i="1" smtClean="0">
+                            <a:latin typeface="Cambria Math" panose="02040503050406030204" pitchFamily="18" charset="0"/>
+                          </a:rPr>
+                        </m:ctrlPr>
+                      </m:sSubPr>
+                      <m:e>
+                        <m:r>
+                          <a:rPr lang="en-US" b="0" i="1" smtClean="0">
+                            <a:latin typeface="Cambria Math" panose="02040503050406030204" pitchFamily="18" charset="0"/>
+                          </a:rPr>
+                          <m:t>𝑤</m:t>
+                        </m:r>
+                      </m:e>
+                      <m:sub>
+                        <m:r>
+                          <a:rPr lang="en-US" b="0" i="1" smtClean="0">
+                            <a:latin typeface="Cambria Math" panose="02040503050406030204" pitchFamily="18" charset="0"/>
+                          </a:rPr>
+                          <m:t>𝑖h</m:t>
+                        </m:r>
+                      </m:sub>
+                    </m:sSub>
+                    <m:r>
+                      <a:rPr lang="en-US" i="1" smtClean="0">
+                        <a:latin typeface="Cambria Math" panose="02040503050406030204" pitchFamily="18" charset="0"/>
+                        <a:ea typeface="Cambria Math" panose="02040503050406030204" pitchFamily="18" charset="0"/>
+                      </a:rPr>
+                      <m:t>←</m:t>
+                    </m:r>
+                  </m:oMath>
+                </a14:m>
+                <a:r>
+                  <a:rPr lang="en-US" dirty="0"/>
+                  <a:t> </a:t>
+                </a:r>
+                <a14:m>
+                  <m:oMath xmlns:m="http://schemas.openxmlformats.org/officeDocument/2006/math">
+                    <m:sSub>
+                      <m:sSubPr>
+                        <m:ctrlPr>
+                          <a:rPr lang="en-US" i="1">
+                            <a:latin typeface="Cambria Math" panose="02040503050406030204" pitchFamily="18" charset="0"/>
+                          </a:rPr>
+                        </m:ctrlPr>
+                      </m:sSubPr>
+                      <m:e>
+                        <m:r>
+                          <a:rPr lang="en-US" i="1">
+                            <a:latin typeface="Cambria Math" panose="02040503050406030204" pitchFamily="18" charset="0"/>
+                          </a:rPr>
+                          <m:t>𝑤</m:t>
+                        </m:r>
+                      </m:e>
+                      <m:sub>
+                        <m:r>
+                          <a:rPr lang="en-US" b="0" i="1" smtClean="0">
+                            <a:latin typeface="Cambria Math" panose="02040503050406030204" pitchFamily="18" charset="0"/>
+                          </a:rPr>
+                          <m:t>𝑖h</m:t>
+                        </m:r>
+                      </m:sub>
+                    </m:sSub>
+                  </m:oMath>
+                </a14:m>
+                <a:r>
+                  <a:rPr lang="en-US" dirty="0"/>
+                  <a:t>+ </a:t>
+                </a:r>
+                <a14:m>
+                  <m:oMath xmlns:m="http://schemas.openxmlformats.org/officeDocument/2006/math">
+                    <m:r>
+                      <m:rPr>
+                        <m:sty m:val="p"/>
+                      </m:rPr>
+                      <a:rPr lang="el-GR" i="1" smtClean="0">
+                        <a:latin typeface="Cambria Math" panose="02040503050406030204" pitchFamily="18" charset="0"/>
+                        <a:ea typeface="Cambria Math" panose="02040503050406030204" pitchFamily="18" charset="0"/>
+                      </a:rPr>
+                      <m:t>α</m:t>
+                    </m:r>
+                    <m:sSub>
+                      <m:sSubPr>
+                        <m:ctrlPr>
+                          <a:rPr lang="en-US" i="1" smtClean="0">
+                            <a:latin typeface="Cambria Math" panose="02040503050406030204" pitchFamily="18" charset="0"/>
+                          </a:rPr>
+                        </m:ctrlPr>
+                      </m:sSubPr>
+                      <m:e>
+                        <m:r>
+                          <a:rPr lang="en-US" i="1" smtClean="0">
+                            <a:latin typeface="Cambria Math" panose="02040503050406030204" pitchFamily="18" charset="0"/>
+                            <a:ea typeface="Cambria Math" panose="02040503050406030204" pitchFamily="18" charset="0"/>
+                          </a:rPr>
+                          <m:t>𝛿</m:t>
+                        </m:r>
+                      </m:e>
+                      <m:sub>
+                        <m:r>
+                          <a:rPr lang="en-US" b="0" i="1" smtClean="0">
+                            <a:latin typeface="Cambria Math" panose="02040503050406030204" pitchFamily="18" charset="0"/>
+                          </a:rPr>
+                          <m:t>h</m:t>
+                        </m:r>
+                      </m:sub>
+                    </m:sSub>
+                  </m:oMath>
+                </a14:m>
+                <a:endParaRPr lang="en-US" dirty="0"/>
+              </a:p>
+            </p:txBody>
+          </p:sp>
+        </mc:Choice>
+        <mc:Fallback>
+          <p:sp>
+            <p:nvSpPr>
+              <p:cNvPr id="69" name="TextBox 68">
+                <a:extLst>
+                  <a:ext uri="{FF2B5EF4-FFF2-40B4-BE49-F238E27FC236}">
+                    <a16:creationId xmlns:a16="http://schemas.microsoft.com/office/drawing/2014/main" id="{E9565709-18E1-6F49-9AB9-7345AB6CD5DD}"/>
+                  </a:ext>
+                </a:extLst>
+              </p:cNvPr>
+              <p:cNvSpPr txBox="1">
+                <a:spLocks noRot="1" noChangeAspect="1" noMove="1" noResize="1" noEditPoints="1" noAdjustHandles="1" noChangeArrowheads="1" noChangeShapeType="1" noTextEdit="1"/>
+              </p:cNvSpPr>
+              <p:nvPr/>
+            </p:nvSpPr>
+            <p:spPr>
+              <a:xfrm>
+                <a:off x="659245" y="3553479"/>
+                <a:ext cx="1222386" cy="215444"/>
+              </a:xfrm>
+              <a:prstGeom prst="rect">
+                <a:avLst/>
+              </a:prstGeom>
+              <a:blipFill>
+                <a:blip r:embed="rId9"/>
+                <a:stretch>
+                  <a:fillRect l="-3093" t="-22222" r="-2062" b="-44444"/>
+                </a:stretch>
+              </a:blipFill>
+            </p:spPr>
+            <p:txBody>
+              <a:bodyPr/>
+              <a:lstStyle/>
+              <a:p>
+                <a:r>
+                  <a:rPr lang="en-US">
+                    <a:noFill/>
+                  </a:rPr>
+                  <a:t> </a:t>
+                </a:r>
+              </a:p>
+            </p:txBody>
+          </p:sp>
+        </mc:Fallback>
+      </mc:AlternateContent>
       <p:sp>
         <p:nvSpPr>
-          <p:cNvPr id="316" name="Shape 316"/>
+          <p:cNvPr id="6" name="TextBox 5">
+            <a:extLst>
+              <a:ext uri="{FF2B5EF4-FFF2-40B4-BE49-F238E27FC236}">
+                <a16:creationId xmlns:a16="http://schemas.microsoft.com/office/drawing/2014/main" id="{7EC523A5-85F2-C342-933D-F69423F8AA3C}"/>
+              </a:ext>
+            </a:extLst>
+          </p:cNvPr>
           <p:cNvSpPr txBox="1"/>
           <p:nvPr/>
         </p:nvSpPr>
         <p:spPr>
           <a:xfrm>
-            <a:off x="614361" y="1957387"/>
-            <a:ext cx="1484313" cy="336550"/>
+            <a:off x="2230582" y="1648687"/>
+            <a:ext cx="1226618" cy="307777"/>
           </a:xfrm>
           <a:prstGeom prst="rect">
             <a:avLst/>
           </a:prstGeom>
           <a:noFill/>
-          <a:ln>
-            <a:noFill/>
-          </a:ln>
         </p:spPr>
         <p:txBody>
-          <a:bodyPr spcFirstLastPara="1" wrap="square" lIns="91425" tIns="45700" rIns="91425" bIns="45700" anchor="t" anchorCtr="0">
-            <a:noAutofit/>
+          <a:bodyPr wrap="none" rtlCol="0">
+            <a:spAutoFit/>
           </a:bodyPr>
           <a:lstStyle/>
           <a:p>
-            <a:pPr marL="0" marR="0" lvl="0" indent="0" algn="l" rtl="0">
-              <a:lnSpc>
-                <a:spcPct val="100000"/>
-              </a:lnSpc>
-              <a:spcBef>
-                <a:spcPts val="0"/>
-              </a:spcBef>
-              <a:spcAft>
-                <a:spcPts val="0"/>
-              </a:spcAft>
-              <a:buClr>
-                <a:schemeClr val="dk1"/>
-              </a:buClr>
-              <a:buFont typeface="Arial"/>
-              <a:buNone/>
-            </a:pPr>
             <a:r>
-              <a:rPr lang="en-US" sz="1600" b="0" i="0" u="none" dirty="0" err="1">
-                <a:solidFill>
-                  <a:schemeClr val="dk1"/>
-                </a:solidFill>
-                <a:latin typeface="Arial"/>
-                <a:ea typeface="Arial"/>
-                <a:cs typeface="Arial"/>
-                <a:sym typeface="Arial"/>
-              </a:rPr>
-              <a:t>Δ</a:t>
+              <a:rPr lang="en-US" dirty="0"/>
+              <a:t>(output error)</a:t>
             </a:r>
-            <a:r>
-              <a:rPr lang="en-US" sz="1600" b="0" i="0" u="none" dirty="0">
-                <a:solidFill>
-                  <a:schemeClr val="dk1"/>
-                </a:solidFill>
-                <a:latin typeface="Arial"/>
-                <a:ea typeface="Arial"/>
-                <a:cs typeface="Arial"/>
-                <a:sym typeface="Arial"/>
-              </a:rPr>
-              <a:t> = (t - y)</a:t>
-            </a:r>
-            <a:r>
-              <a:rPr lang="en-US" sz="1600" b="0" i="0" u="none" baseline="30000" dirty="0">
-                <a:solidFill>
-                  <a:schemeClr val="dk1"/>
-                </a:solidFill>
-                <a:latin typeface="Arial"/>
-                <a:ea typeface="Arial"/>
-                <a:cs typeface="Arial"/>
-                <a:sym typeface="Arial"/>
-              </a:rPr>
-              <a:t>2</a:t>
-            </a:r>
-            <a:endParaRPr dirty="0"/>
           </a:p>
         </p:txBody>
       </p:sp>
+      <p:sp>
+        <p:nvSpPr>
+          <p:cNvPr id="7" name="TextBox 6">
+            <a:extLst>
+              <a:ext uri="{FF2B5EF4-FFF2-40B4-BE49-F238E27FC236}">
+                <a16:creationId xmlns:a16="http://schemas.microsoft.com/office/drawing/2014/main" id="{22C20F50-759C-2A4B-992B-5E1BA060903E}"/>
+              </a:ext>
+            </a:extLst>
+          </p:cNvPr>
+          <p:cNvSpPr txBox="1"/>
+          <p:nvPr/>
+        </p:nvSpPr>
+        <p:spPr>
+          <a:xfrm>
+            <a:off x="2230582" y="2244389"/>
+            <a:ext cx="1673856" cy="307777"/>
+          </a:xfrm>
+          <a:prstGeom prst="rect">
+            <a:avLst/>
+          </a:prstGeom>
+          <a:noFill/>
+        </p:spPr>
+        <p:txBody>
+          <a:bodyPr wrap="none" rtlCol="0">
+            <a:spAutoFit/>
+          </a:bodyPr>
+          <a:lstStyle/>
+          <a:p>
+            <a:r>
+              <a:rPr lang="en-US" dirty="0"/>
+              <a:t>(output node error)</a:t>
+            </a:r>
+          </a:p>
+        </p:txBody>
+      </p:sp>
+      <p:sp>
+        <p:nvSpPr>
+          <p:cNvPr id="8" name="TextBox 7">
+            <a:extLst>
+              <a:ext uri="{FF2B5EF4-FFF2-40B4-BE49-F238E27FC236}">
+                <a16:creationId xmlns:a16="http://schemas.microsoft.com/office/drawing/2014/main" id="{4BB60D3B-CEFB-054D-A672-7FFCF0BC3E43}"/>
+              </a:ext>
+            </a:extLst>
+          </p:cNvPr>
+          <p:cNvSpPr txBox="1"/>
+          <p:nvPr/>
+        </p:nvSpPr>
+        <p:spPr>
+          <a:xfrm>
+            <a:off x="2230582" y="2590440"/>
+            <a:ext cx="1417376" cy="307777"/>
+          </a:xfrm>
+          <a:prstGeom prst="rect">
+            <a:avLst/>
+          </a:prstGeom>
+          <a:noFill/>
+        </p:spPr>
+        <p:txBody>
+          <a:bodyPr wrap="none" rtlCol="0">
+            <a:spAutoFit/>
+          </a:bodyPr>
+          <a:lstStyle/>
+          <a:p>
+            <a:r>
+              <a:rPr lang="en-US" dirty="0"/>
+              <a:t>(weight update)</a:t>
+            </a:r>
+          </a:p>
+        </p:txBody>
+      </p:sp>
+      <p:sp>
+        <p:nvSpPr>
+          <p:cNvPr id="73" name="TextBox 72">
+            <a:extLst>
+              <a:ext uri="{FF2B5EF4-FFF2-40B4-BE49-F238E27FC236}">
+                <a16:creationId xmlns:a16="http://schemas.microsoft.com/office/drawing/2014/main" id="{475E9F96-159D-594E-BA7A-B4B6F66BE754}"/>
+              </a:ext>
+            </a:extLst>
+          </p:cNvPr>
+          <p:cNvSpPr txBox="1"/>
+          <p:nvPr/>
+        </p:nvSpPr>
+        <p:spPr>
+          <a:xfrm>
+            <a:off x="2230582" y="3116286"/>
+            <a:ext cx="1713931" cy="307777"/>
+          </a:xfrm>
+          <a:prstGeom prst="rect">
+            <a:avLst/>
+          </a:prstGeom>
+          <a:noFill/>
+        </p:spPr>
+        <p:txBody>
+          <a:bodyPr wrap="none" rtlCol="0">
+            <a:spAutoFit/>
+          </a:bodyPr>
+          <a:lstStyle/>
+          <a:p>
+            <a:r>
+              <a:rPr lang="en-US" dirty="0"/>
+              <a:t>(hidden node error)</a:t>
+            </a:r>
+          </a:p>
+        </p:txBody>
+      </p:sp>
+      <p:sp>
+        <p:nvSpPr>
+          <p:cNvPr id="74" name="TextBox 73">
+            <a:extLst>
+              <a:ext uri="{FF2B5EF4-FFF2-40B4-BE49-F238E27FC236}">
+                <a16:creationId xmlns:a16="http://schemas.microsoft.com/office/drawing/2014/main" id="{491600B8-98F3-684D-86CE-ECE05484668E}"/>
+              </a:ext>
+            </a:extLst>
+          </p:cNvPr>
+          <p:cNvSpPr txBox="1"/>
+          <p:nvPr/>
+        </p:nvSpPr>
+        <p:spPr>
+          <a:xfrm>
+            <a:off x="2230582" y="3462337"/>
+            <a:ext cx="1417376" cy="307777"/>
+          </a:xfrm>
+          <a:prstGeom prst="rect">
+            <a:avLst/>
+          </a:prstGeom>
+          <a:noFill/>
+        </p:spPr>
+        <p:txBody>
+          <a:bodyPr wrap="none" rtlCol="0">
+            <a:spAutoFit/>
+          </a:bodyPr>
+          <a:lstStyle/>
+          <a:p>
+            <a:r>
+              <a:rPr lang="en-US" dirty="0"/>
+              <a:t>(weight update)</a:t>
+            </a:r>
+          </a:p>
+        </p:txBody>
+      </p:sp>
+      <mc:AlternateContent xmlns:mc="http://schemas.openxmlformats.org/markup-compatibility/2006">
+        <mc:Choice xmlns:a14="http://schemas.microsoft.com/office/drawing/2010/main" Requires="a14">
+          <p:sp>
+            <p:nvSpPr>
+              <p:cNvPr id="9" name="TextBox 8">
+                <a:extLst>
+                  <a:ext uri="{FF2B5EF4-FFF2-40B4-BE49-F238E27FC236}">
+                    <a16:creationId xmlns:a16="http://schemas.microsoft.com/office/drawing/2014/main" id="{7E8D1D1C-D7AB-544D-9DED-1B35CC79BED6}"/>
+                  </a:ext>
+                </a:extLst>
+              </p:cNvPr>
+              <p:cNvSpPr txBox="1"/>
+              <p:nvPr/>
+            </p:nvSpPr>
+            <p:spPr>
+              <a:xfrm>
+                <a:off x="1349090" y="4863670"/>
+                <a:ext cx="6572250" cy="431849"/>
+              </a:xfrm>
+              <a:prstGeom prst="rect">
+                <a:avLst/>
+              </a:prstGeom>
+              <a:noFill/>
+            </p:spPr>
+            <p:txBody>
+              <a:bodyPr wrap="square" lIns="0" tIns="0" rIns="0" bIns="0" rtlCol="0">
+                <a:spAutoFit/>
+              </a:bodyPr>
+              <a:lstStyle/>
+              <a:p>
+                <a14:m>
+                  <m:oMath xmlns:m="http://schemas.openxmlformats.org/officeDocument/2006/math">
+                    <m:sSub>
+                      <m:sSubPr>
+                        <m:ctrlPr>
+                          <a:rPr lang="en-US" sz="1800" i="1" smtClean="0">
+                            <a:latin typeface="Cambria Math" panose="02040503050406030204" pitchFamily="18" charset="0"/>
+                          </a:rPr>
+                        </m:ctrlPr>
+                      </m:sSubPr>
+                      <m:e>
+                        <m:r>
+                          <a:rPr lang="en-US" sz="1800" i="1" smtClean="0">
+                            <a:latin typeface="Cambria Math" panose="02040503050406030204" pitchFamily="18" charset="0"/>
+                            <a:ea typeface="Cambria Math" panose="02040503050406030204" pitchFamily="18" charset="0"/>
+                          </a:rPr>
+                          <m:t>𝛿</m:t>
+                        </m:r>
+                      </m:e>
+                      <m:sub>
+                        <m:r>
+                          <a:rPr lang="en-US" sz="1800" b="0" i="1" smtClean="0">
+                            <a:latin typeface="Cambria Math" panose="02040503050406030204" pitchFamily="18" charset="0"/>
+                          </a:rPr>
+                          <m:t>𝑜</m:t>
+                        </m:r>
+                      </m:sub>
+                    </m:sSub>
+                    <m:r>
+                      <a:rPr lang="en-US" sz="1800" b="0" i="1" smtClean="0">
+                        <a:latin typeface="Cambria Math" panose="02040503050406030204" pitchFamily="18" charset="0"/>
+                      </a:rPr>
+                      <m:t>=</m:t>
+                    </m:r>
+                    <m:r>
+                      <a:rPr lang="en-US" sz="1800" b="0" i="1" smtClean="0">
+                        <a:latin typeface="Cambria Math" panose="02040503050406030204" pitchFamily="18" charset="0"/>
+                      </a:rPr>
+                      <m:t>𝑦</m:t>
+                    </m:r>
+                    <m:d>
+                      <m:dPr>
+                        <m:ctrlPr>
+                          <a:rPr lang="en-US" sz="1800" b="0" i="1" smtClean="0">
+                            <a:latin typeface="Cambria Math" panose="02040503050406030204" pitchFamily="18" charset="0"/>
+                          </a:rPr>
+                        </m:ctrlPr>
+                      </m:dPr>
+                      <m:e>
+                        <m:r>
+                          <a:rPr lang="en-US" sz="1800" b="0" i="1" smtClean="0">
+                            <a:latin typeface="Cambria Math" panose="02040503050406030204" pitchFamily="18" charset="0"/>
+                          </a:rPr>
+                          <m:t>1−</m:t>
+                        </m:r>
+                        <m:r>
+                          <a:rPr lang="en-US" sz="1800" b="0" i="1" smtClean="0">
+                            <a:latin typeface="Cambria Math" panose="02040503050406030204" pitchFamily="18" charset="0"/>
+                          </a:rPr>
+                          <m:t>𝑦</m:t>
+                        </m:r>
+                      </m:e>
+                    </m:d>
+                    <m:r>
+                      <a:rPr lang="en-US" sz="1800" b="0" i="1" smtClean="0">
+                        <a:latin typeface="Cambria Math" panose="02040503050406030204" pitchFamily="18" charset="0"/>
+                      </a:rPr>
+                      <m:t>𝐸</m:t>
+                    </m:r>
+                    <m:r>
+                      <a:rPr lang="en-US" sz="1800" b="0" i="1" smtClean="0">
+                        <a:latin typeface="Cambria Math" panose="02040503050406030204" pitchFamily="18" charset="0"/>
+                      </a:rPr>
+                      <m:t>=</m:t>
+                    </m:r>
+                    <m:f>
+                      <m:fPr>
+                        <m:ctrlPr>
+                          <a:rPr lang="en-US" sz="1800" b="0" i="1" smtClean="0">
+                            <a:latin typeface="Cambria Math" panose="02040503050406030204" pitchFamily="18" charset="0"/>
+                          </a:rPr>
+                        </m:ctrlPr>
+                      </m:fPr>
+                      <m:num>
+                        <m:r>
+                          <a:rPr lang="en-US" sz="1800" b="0" i="1" smtClean="0">
+                            <a:latin typeface="Cambria Math" panose="02040503050406030204" pitchFamily="18" charset="0"/>
+                          </a:rPr>
+                          <m:t>𝜕</m:t>
+                        </m:r>
+                        <m:r>
+                          <a:rPr lang="en-US" sz="1800" b="0" i="1" smtClean="0">
+                            <a:latin typeface="Cambria Math" panose="02040503050406030204" pitchFamily="18" charset="0"/>
+                          </a:rPr>
+                          <m:t>𝐸</m:t>
+                        </m:r>
+                      </m:num>
+                      <m:den>
+                        <m:r>
+                          <a:rPr lang="en-US" sz="1800" b="0" i="1" smtClean="0">
+                            <a:latin typeface="Cambria Math" panose="02040503050406030204" pitchFamily="18" charset="0"/>
+                          </a:rPr>
+                          <m:t>𝜕</m:t>
+                        </m:r>
+                        <m:r>
+                          <a:rPr lang="en-US" sz="1800" b="1" i="1" smtClean="0">
+                            <a:latin typeface="Cambria Math" panose="02040503050406030204" pitchFamily="18" charset="0"/>
+                          </a:rPr>
+                          <m:t>𝒘</m:t>
+                        </m:r>
+                        <m:r>
+                          <a:rPr lang="en-US" sz="1800" b="1" i="1" smtClean="0">
+                            <a:latin typeface="Cambria Math" panose="02040503050406030204" pitchFamily="18" charset="0"/>
+                            <a:ea typeface="Cambria Math" panose="02040503050406030204" pitchFamily="18" charset="0"/>
+                          </a:rPr>
+                          <m:t>∙</m:t>
+                        </m:r>
+                        <m:r>
+                          <a:rPr lang="en-US" sz="1800" b="1" i="1" smtClean="0">
+                            <a:latin typeface="Cambria Math" panose="02040503050406030204" pitchFamily="18" charset="0"/>
+                            <a:ea typeface="Cambria Math" panose="02040503050406030204" pitchFamily="18" charset="0"/>
+                          </a:rPr>
+                          <m:t>𝒙</m:t>
+                        </m:r>
+                      </m:den>
+                    </m:f>
+                    <m:r>
+                      <a:rPr lang="en-US" sz="1800" b="0" i="1" smtClean="0">
+                        <a:latin typeface="Cambria Math" panose="02040503050406030204" pitchFamily="18" charset="0"/>
+                      </a:rPr>
+                      <m:t>=</m:t>
+                    </m:r>
+                    <m:f>
+                      <m:fPr>
+                        <m:ctrlPr>
+                          <a:rPr lang="en-US" sz="1800" b="0" i="1" smtClean="0">
+                            <a:latin typeface="Cambria Math" panose="02040503050406030204" pitchFamily="18" charset="0"/>
+                          </a:rPr>
+                        </m:ctrlPr>
+                      </m:fPr>
+                      <m:num>
+                        <m:r>
+                          <a:rPr lang="en-US" sz="1800" b="0" i="1" smtClean="0">
+                            <a:latin typeface="Cambria Math" panose="02040503050406030204" pitchFamily="18" charset="0"/>
+                          </a:rPr>
+                          <m:t>𝜕</m:t>
+                        </m:r>
+                        <m:sSup>
+                          <m:sSupPr>
+                            <m:ctrlPr>
+                              <a:rPr lang="en-US" sz="1800" b="0" i="1" smtClean="0">
+                                <a:latin typeface="Cambria Math" panose="02040503050406030204" pitchFamily="18" charset="0"/>
+                              </a:rPr>
+                            </m:ctrlPr>
+                          </m:sSupPr>
+                          <m:e>
+                            <m:r>
+                              <a:rPr lang="en-US" sz="1800" i="1">
+                                <a:latin typeface="Cambria Math" panose="02040503050406030204" pitchFamily="18" charset="0"/>
+                              </a:rPr>
+                              <m:t>(</m:t>
+                            </m:r>
+                            <m:sSup>
+                              <m:sSupPr>
+                                <m:ctrlPr>
+                                  <a:rPr lang="en-US" sz="1800" i="1">
+                                    <a:latin typeface="Cambria Math" panose="02040503050406030204" pitchFamily="18" charset="0"/>
+                                  </a:rPr>
+                                </m:ctrlPr>
+                              </m:sSupPr>
+                              <m:e>
+                                <m:r>
+                                  <a:rPr lang="en-US" sz="1800" i="1">
+                                    <a:latin typeface="Cambria Math" panose="02040503050406030204" pitchFamily="18" charset="0"/>
+                                  </a:rPr>
+                                  <m:t>𝑦</m:t>
+                                </m:r>
+                              </m:e>
+                              <m:sup>
+                                <m:r>
+                                  <a:rPr lang="en-US" sz="1800" i="1">
+                                    <a:latin typeface="Cambria Math" panose="02040503050406030204" pitchFamily="18" charset="0"/>
+                                  </a:rPr>
+                                  <m:t>′</m:t>
+                                </m:r>
+                              </m:sup>
+                            </m:sSup>
+                            <m:r>
+                              <a:rPr lang="en-US" sz="1800" i="1">
+                                <a:latin typeface="Cambria Math" panose="02040503050406030204" pitchFamily="18" charset="0"/>
+                              </a:rPr>
+                              <m:t>−</m:t>
+                            </m:r>
+                            <m:r>
+                              <a:rPr lang="en-US" sz="1800" i="1">
+                                <a:latin typeface="Cambria Math" panose="02040503050406030204" pitchFamily="18" charset="0"/>
+                              </a:rPr>
+                              <m:t>𝑦</m:t>
+                            </m:r>
+                            <m:r>
+                              <a:rPr lang="en-US" sz="1800" i="1">
+                                <a:latin typeface="Cambria Math" panose="02040503050406030204" pitchFamily="18" charset="0"/>
+                              </a:rPr>
+                              <m:t>)</m:t>
+                            </m:r>
+                          </m:e>
+                          <m:sup>
+                            <m:r>
+                              <a:rPr lang="en-US" sz="1800" b="0" i="1" smtClean="0">
+                                <a:latin typeface="Cambria Math" panose="02040503050406030204" pitchFamily="18" charset="0"/>
+                              </a:rPr>
+                              <m:t>2</m:t>
+                            </m:r>
+                          </m:sup>
+                        </m:sSup>
+                      </m:num>
+                      <m:den>
+                        <m:r>
+                          <a:rPr lang="en-US" sz="1800" b="0" i="1" smtClean="0">
+                            <a:latin typeface="Cambria Math" panose="02040503050406030204" pitchFamily="18" charset="0"/>
+                          </a:rPr>
+                          <m:t>𝜕</m:t>
+                        </m:r>
+                        <m:r>
+                          <a:rPr lang="en-US" sz="1800" b="1" i="1">
+                            <a:latin typeface="Cambria Math" panose="02040503050406030204" pitchFamily="18" charset="0"/>
+                          </a:rPr>
+                          <m:t>𝒘</m:t>
+                        </m:r>
+                        <m:r>
+                          <a:rPr lang="en-US" sz="1800" b="1" i="1">
+                            <a:latin typeface="Cambria Math" panose="02040503050406030204" pitchFamily="18" charset="0"/>
+                            <a:ea typeface="Cambria Math" panose="02040503050406030204" pitchFamily="18" charset="0"/>
+                          </a:rPr>
+                          <m:t>∙</m:t>
+                        </m:r>
+                        <m:r>
+                          <a:rPr lang="en-US" sz="1800" b="1" i="1">
+                            <a:latin typeface="Cambria Math" panose="02040503050406030204" pitchFamily="18" charset="0"/>
+                            <a:ea typeface="Cambria Math" panose="02040503050406030204" pitchFamily="18" charset="0"/>
+                          </a:rPr>
+                          <m:t>𝒙</m:t>
+                        </m:r>
+                      </m:den>
+                    </m:f>
+                    <m:r>
+                      <a:rPr lang="en-US" sz="1800" b="0" i="0" smtClean="0">
+                        <a:latin typeface="Cambria Math" panose="02040503050406030204" pitchFamily="18" charset="0"/>
+                      </a:rPr>
+                      <m:t>=2(</m:t>
+                    </m:r>
+                    <m:sSup>
+                      <m:sSupPr>
+                        <m:ctrlPr>
+                          <a:rPr lang="en-US" sz="1800" b="0" i="0" smtClean="0">
+                            <a:latin typeface="Cambria Math" panose="02040503050406030204" pitchFamily="18" charset="0"/>
+                          </a:rPr>
+                        </m:ctrlPr>
+                      </m:sSupPr>
+                      <m:e>
+                        <m:r>
+                          <m:rPr>
+                            <m:sty m:val="p"/>
+                          </m:rPr>
+                          <a:rPr lang="en-US" sz="1800" b="0" i="0" smtClean="0">
+                            <a:latin typeface="Cambria Math" panose="02040503050406030204" pitchFamily="18" charset="0"/>
+                          </a:rPr>
+                          <m:t>y</m:t>
+                        </m:r>
+                      </m:e>
+                      <m:sup>
+                        <m:r>
+                          <a:rPr lang="en-US" sz="1800" b="0" i="0" smtClean="0">
+                            <a:latin typeface="Cambria Math" panose="02040503050406030204" pitchFamily="18" charset="0"/>
+                          </a:rPr>
+                          <m:t>′</m:t>
+                        </m:r>
+                      </m:sup>
+                    </m:sSup>
+                    <m:r>
+                      <a:rPr lang="en-US" sz="1800" b="0" i="0" smtClean="0">
+                        <a:latin typeface="Cambria Math" panose="02040503050406030204" pitchFamily="18" charset="0"/>
+                      </a:rPr>
+                      <m:t>−</m:t>
+                    </m:r>
+                    <m:r>
+                      <m:rPr>
+                        <m:sty m:val="p"/>
+                      </m:rPr>
+                      <a:rPr lang="en-US" sz="1800" b="0" i="0" smtClean="0">
+                        <a:latin typeface="Cambria Math" panose="02040503050406030204" pitchFamily="18" charset="0"/>
+                      </a:rPr>
+                      <m:t>y</m:t>
+                    </m:r>
+                  </m:oMath>
+                </a14:m>
+                <a:r>
+                  <a:rPr lang="en-US" sz="1800" dirty="0"/>
+                  <a:t>)</a:t>
+                </a:r>
+                <a14:m>
+                  <m:oMath xmlns:m="http://schemas.openxmlformats.org/officeDocument/2006/math">
+                    <m:d>
+                      <m:dPr>
+                        <m:ctrlPr>
+                          <a:rPr lang="en-US" sz="1800" i="1" dirty="0" smtClean="0">
+                            <a:latin typeface="Cambria Math" panose="02040503050406030204" pitchFamily="18" charset="0"/>
+                          </a:rPr>
+                        </m:ctrlPr>
+                      </m:dPr>
+                      <m:e>
+                        <m:f>
+                          <m:fPr>
+                            <m:ctrlPr>
+                              <a:rPr lang="en-US" sz="1800" i="1" dirty="0">
+                                <a:latin typeface="Cambria Math" panose="02040503050406030204" pitchFamily="18" charset="0"/>
+                              </a:rPr>
+                            </m:ctrlPr>
+                          </m:fPr>
+                          <m:num>
+                            <m:r>
+                              <a:rPr lang="en-US" sz="1800" i="1" dirty="0">
+                                <a:latin typeface="Cambria Math" panose="02040503050406030204" pitchFamily="18" charset="0"/>
+                              </a:rPr>
+                              <m:t>𝜕</m:t>
+                            </m:r>
+                            <m:r>
+                              <a:rPr lang="en-US" sz="1800" i="1" dirty="0">
+                                <a:latin typeface="Cambria Math" panose="02040503050406030204" pitchFamily="18" charset="0"/>
+                              </a:rPr>
+                              <m:t>𝑦</m:t>
+                            </m:r>
+                            <m:r>
+                              <a:rPr lang="en-US" sz="1800" b="0" i="1" dirty="0" smtClean="0">
+                                <a:latin typeface="Cambria Math" panose="02040503050406030204" pitchFamily="18" charset="0"/>
+                              </a:rPr>
+                              <m:t>′</m:t>
+                            </m:r>
+                          </m:num>
+                          <m:den>
+                            <m:r>
+                              <a:rPr lang="en-US" sz="1800" i="1" dirty="0">
+                                <a:latin typeface="Cambria Math" panose="02040503050406030204" pitchFamily="18" charset="0"/>
+                              </a:rPr>
+                              <m:t>𝜕</m:t>
+                            </m:r>
+                            <m:r>
+                              <a:rPr lang="en-US" sz="1800" b="1" i="1">
+                                <a:latin typeface="Cambria Math" panose="02040503050406030204" pitchFamily="18" charset="0"/>
+                              </a:rPr>
+                              <m:t>𝒘</m:t>
+                            </m:r>
+                            <m:r>
+                              <a:rPr lang="en-US" sz="1800" b="1" i="1">
+                                <a:latin typeface="Cambria Math" panose="02040503050406030204" pitchFamily="18" charset="0"/>
+                                <a:ea typeface="Cambria Math" panose="02040503050406030204" pitchFamily="18" charset="0"/>
+                              </a:rPr>
+                              <m:t>∙</m:t>
+                            </m:r>
+                            <m:r>
+                              <a:rPr lang="en-US" sz="1800" b="1" i="1">
+                                <a:latin typeface="Cambria Math" panose="02040503050406030204" pitchFamily="18" charset="0"/>
+                                <a:ea typeface="Cambria Math" panose="02040503050406030204" pitchFamily="18" charset="0"/>
+                              </a:rPr>
+                              <m:t>𝒙</m:t>
+                            </m:r>
+                          </m:den>
+                        </m:f>
+                        <m:r>
+                          <a:rPr lang="en-US" sz="1800" i="1" dirty="0">
+                            <a:latin typeface="Cambria Math" panose="02040503050406030204" pitchFamily="18" charset="0"/>
+                          </a:rPr>
+                          <m:t>− </m:t>
+                        </m:r>
+                        <m:f>
+                          <m:fPr>
+                            <m:ctrlPr>
+                              <a:rPr lang="en-US" sz="1800" i="1" dirty="0">
+                                <a:latin typeface="Cambria Math" panose="02040503050406030204" pitchFamily="18" charset="0"/>
+                              </a:rPr>
+                            </m:ctrlPr>
+                          </m:fPr>
+                          <m:num>
+                            <m:r>
+                              <a:rPr lang="en-US" sz="1800" i="1" dirty="0">
+                                <a:latin typeface="Cambria Math" panose="02040503050406030204" pitchFamily="18" charset="0"/>
+                              </a:rPr>
+                              <m:t>𝜕</m:t>
+                            </m:r>
+                            <m:r>
+                              <a:rPr lang="en-US" sz="1800" i="1" dirty="0">
+                                <a:latin typeface="Cambria Math" panose="02040503050406030204" pitchFamily="18" charset="0"/>
+                              </a:rPr>
+                              <m:t>𝑦</m:t>
+                            </m:r>
+                          </m:num>
+                          <m:den>
+                            <m:r>
+                              <a:rPr lang="en-US" sz="1800" i="1" dirty="0">
+                                <a:latin typeface="Cambria Math" panose="02040503050406030204" pitchFamily="18" charset="0"/>
+                              </a:rPr>
+                              <m:t>𝜕</m:t>
+                            </m:r>
+                            <m:r>
+                              <a:rPr lang="en-US" sz="1800" b="1" i="1">
+                                <a:latin typeface="Cambria Math" panose="02040503050406030204" pitchFamily="18" charset="0"/>
+                              </a:rPr>
+                              <m:t>𝒘</m:t>
+                            </m:r>
+                            <m:r>
+                              <a:rPr lang="en-US" sz="1800" b="1" i="1">
+                                <a:latin typeface="Cambria Math" panose="02040503050406030204" pitchFamily="18" charset="0"/>
+                                <a:ea typeface="Cambria Math" panose="02040503050406030204" pitchFamily="18" charset="0"/>
+                              </a:rPr>
+                              <m:t>∙</m:t>
+                            </m:r>
+                            <m:r>
+                              <a:rPr lang="en-US" sz="1800" b="1" i="1">
+                                <a:latin typeface="Cambria Math" panose="02040503050406030204" pitchFamily="18" charset="0"/>
+                                <a:ea typeface="Cambria Math" panose="02040503050406030204" pitchFamily="18" charset="0"/>
+                              </a:rPr>
+                              <m:t>𝒙</m:t>
+                            </m:r>
+                          </m:den>
+                        </m:f>
+                      </m:e>
+                    </m:d>
+                  </m:oMath>
+                </a14:m>
+                <a:endParaRPr lang="en-US" sz="1800" dirty="0"/>
+              </a:p>
+            </p:txBody>
+          </p:sp>
+        </mc:Choice>
+        <mc:Fallback>
+          <p:sp>
+            <p:nvSpPr>
+              <p:cNvPr id="9" name="TextBox 8">
+                <a:extLst>
+                  <a:ext uri="{FF2B5EF4-FFF2-40B4-BE49-F238E27FC236}">
+                    <a16:creationId xmlns:a16="http://schemas.microsoft.com/office/drawing/2014/main" id="{7E8D1D1C-D7AB-544D-9DED-1B35CC79BED6}"/>
+                  </a:ext>
+                </a:extLst>
+              </p:cNvPr>
+              <p:cNvSpPr txBox="1">
+                <a:spLocks noRot="1" noChangeAspect="1" noMove="1" noResize="1" noEditPoints="1" noAdjustHandles="1" noChangeArrowheads="1" noChangeShapeType="1" noTextEdit="1"/>
+              </p:cNvSpPr>
+              <p:nvPr/>
+            </p:nvSpPr>
+            <p:spPr>
+              <a:xfrm>
+                <a:off x="1349090" y="4863670"/>
+                <a:ext cx="6572250" cy="431849"/>
+              </a:xfrm>
+              <a:prstGeom prst="rect">
+                <a:avLst/>
+              </a:prstGeom>
+              <a:blipFill>
+                <a:blip r:embed="rId10"/>
+                <a:stretch>
+                  <a:fillRect l="-1156" b="-14286"/>
+                </a:stretch>
+              </a:blipFill>
+            </p:spPr>
+            <p:txBody>
+              <a:bodyPr/>
+              <a:lstStyle/>
+              <a:p>
+                <a:r>
+                  <a:rPr lang="en-US">
+                    <a:noFill/>
+                  </a:rPr>
+                  <a:t> </a:t>
+                </a:r>
+              </a:p>
+            </p:txBody>
+          </p:sp>
+        </mc:Fallback>
+      </mc:AlternateContent>
+      <p:sp>
+        <p:nvSpPr>
+          <p:cNvPr id="10" name="TextBox 9">
+            <a:extLst>
+              <a:ext uri="{FF2B5EF4-FFF2-40B4-BE49-F238E27FC236}">
+                <a16:creationId xmlns:a16="http://schemas.microsoft.com/office/drawing/2014/main" id="{9C0038DD-6EE8-A846-BDDC-89591B0509AE}"/>
+              </a:ext>
+            </a:extLst>
+          </p:cNvPr>
+          <p:cNvSpPr txBox="1"/>
+          <p:nvPr/>
+        </p:nvSpPr>
+        <p:spPr>
+          <a:xfrm>
+            <a:off x="6483927" y="4184073"/>
+            <a:ext cx="2392001" cy="523220"/>
+          </a:xfrm>
+          <a:prstGeom prst="rect">
+            <a:avLst/>
+          </a:prstGeom>
+          <a:noFill/>
+        </p:spPr>
+        <p:txBody>
+          <a:bodyPr wrap="none" rtlCol="0">
+            <a:spAutoFit/>
+          </a:bodyPr>
+          <a:lstStyle/>
+          <a:p>
+            <a:r>
+              <a:rPr lang="en-US" dirty="0"/>
+              <a:t>For this to work transfer</a:t>
+            </a:r>
+          </a:p>
+          <a:p>
+            <a:r>
+              <a:rPr lang="en-US" dirty="0"/>
+              <a:t>Function has to be smooth!!</a:t>
+            </a:r>
+          </a:p>
+        </p:txBody>
+      </p:sp>
+      <p:cxnSp>
+        <p:nvCxnSpPr>
+          <p:cNvPr id="12" name="Straight Arrow Connector 11">
+            <a:extLst>
+              <a:ext uri="{FF2B5EF4-FFF2-40B4-BE49-F238E27FC236}">
+                <a16:creationId xmlns:a16="http://schemas.microsoft.com/office/drawing/2014/main" id="{037EFD1F-B3C5-054C-AD7F-0379A8097D53}"/>
+              </a:ext>
+            </a:extLst>
+          </p:cNvPr>
+          <p:cNvCxnSpPr/>
+          <p:nvPr/>
+        </p:nvCxnSpPr>
+        <p:spPr>
+          <a:xfrm flipH="1">
+            <a:off x="6148390" y="4495800"/>
+            <a:ext cx="220660" cy="274637"/>
+          </a:xfrm>
+          <a:prstGeom prst="straightConnector1">
+            <a:avLst/>
+          </a:prstGeom>
+          <a:ln>
+            <a:tailEnd type="triangle"/>
+          </a:ln>
+        </p:spPr>
+        <p:style>
+          <a:lnRef idx="1">
+            <a:schemeClr val="accent2"/>
+          </a:lnRef>
+          <a:fillRef idx="0">
+            <a:schemeClr val="accent2"/>
+          </a:fillRef>
+          <a:effectRef idx="0">
+            <a:schemeClr val="accent2"/>
+          </a:effectRef>
+          <a:fontRef idx="minor">
+            <a:schemeClr val="tx1"/>
+          </a:fontRef>
+        </p:style>
+      </p:cxnSp>
     </p:spTree>
   </p:cSld>
   <p:clrMapOvr>
@@ -17863,7 +19502,7 @@
               <a:buNone/>
             </a:pPr>
             <a:r>
-              <a:rPr lang="en-US" sz="1400" b="0" i="0" u="none">
+              <a:rPr lang="en-US" sz="1400" b="0" i="0" u="none" dirty="0">
                 <a:solidFill>
                   <a:schemeClr val="dk1"/>
                 </a:solidFill>
@@ -17874,7 +19513,7 @@
               </a:rPr>
               <a:t>Initialize the weights in the network (often randomly)</a:t>
             </a:r>
-            <a:endParaRPr/>
+            <a:endParaRPr dirty="0"/>
           </a:p>
           <a:p>
             <a:pPr marL="0" marR="0" lvl="0" indent="0" algn="l" rtl="0">
@@ -17894,7 +19533,7 @@
               <a:buNone/>
             </a:pPr>
             <a:r>
-              <a:rPr lang="en-US" sz="1400" b="0" i="0" u="none">
+              <a:rPr lang="en-US" sz="1400" b="0" i="0" u="none" dirty="0">
                 <a:solidFill>
                   <a:schemeClr val="dk1"/>
                 </a:solidFill>
@@ -17905,7 +19544,7 @@
               </a:rPr>
               <a:t>  Do</a:t>
             </a:r>
-            <a:endParaRPr/>
+            <a:endParaRPr dirty="0"/>
           </a:p>
           <a:p>
             <a:pPr marL="0" marR="0" lvl="0" indent="0" algn="l" rtl="0">
@@ -17925,7 +19564,7 @@
               <a:buNone/>
             </a:pPr>
             <a:r>
-              <a:rPr lang="en-US" sz="1400" b="0" i="0" u="none">
+              <a:rPr lang="en-US" sz="1400" b="0" i="0" u="none" dirty="0">
                 <a:solidFill>
                   <a:schemeClr val="dk1"/>
                 </a:solidFill>
@@ -17936,7 +19575,7 @@
               </a:rPr>
               <a:t>         For each example e in the training set</a:t>
             </a:r>
-            <a:endParaRPr/>
+            <a:endParaRPr dirty="0"/>
           </a:p>
           <a:p>
             <a:pPr marL="0" marR="0" lvl="0" indent="0" algn="l" rtl="0">
@@ -17956,7 +19595,7 @@
               <a:buNone/>
             </a:pPr>
             <a:r>
-              <a:rPr lang="en-US" sz="1400" b="0" i="0" u="none">
+              <a:rPr lang="en-US" sz="1400" b="0" i="0" u="none" dirty="0">
                 <a:solidFill>
                   <a:schemeClr val="dk1"/>
                 </a:solidFill>
@@ -17967,7 +19606,7 @@
               </a:rPr>
               <a:t>              // forward pass</a:t>
             </a:r>
-            <a:endParaRPr/>
+            <a:endParaRPr dirty="0"/>
           </a:p>
           <a:p>
             <a:pPr marL="0" marR="0" lvl="0" indent="0" algn="l" rtl="0">
@@ -17987,7 +19626,7 @@
               <a:buNone/>
             </a:pPr>
             <a:r>
-              <a:rPr lang="en-US" sz="1400" b="0" i="0" u="none">
+              <a:rPr lang="en-US" sz="1400" b="0" i="0" u="none" dirty="0">
                 <a:solidFill>
                   <a:schemeClr val="dk1"/>
                 </a:solidFill>
@@ -17998,7 +19637,7 @@
               </a:rPr>
               <a:t>              y = compute neural net output</a:t>
             </a:r>
-            <a:endParaRPr/>
+            <a:endParaRPr dirty="0"/>
           </a:p>
           <a:p>
             <a:pPr marL="0" marR="0" lvl="0" indent="0" algn="l" rtl="0">
@@ -18018,7 +19657,7 @@
               <a:buNone/>
             </a:pPr>
             <a:r>
-              <a:rPr lang="en-US" sz="1400" b="0" i="0" u="none">
+              <a:rPr lang="en-US" sz="1400" b="0" i="0" u="none" dirty="0">
                 <a:solidFill>
                   <a:schemeClr val="dk1"/>
                 </a:solidFill>
@@ -18027,9 +19666,9 @@
                 <a:cs typeface="Arial"/>
                 <a:sym typeface="Arial"/>
               </a:rPr>
-              <a:t>              t = label for e from training data</a:t>
+              <a:t>              y’ = label for e from training data</a:t>
             </a:r>
-            <a:endParaRPr/>
+            <a:endParaRPr dirty="0"/>
           </a:p>
           <a:p>
             <a:pPr marL="0" marR="0" lvl="0" indent="0" algn="l" rtl="0">
@@ -18049,7 +19688,7 @@
               <a:buNone/>
             </a:pPr>
             <a:r>
-              <a:rPr lang="en-US" sz="1400" b="0" i="0" u="none">
+              <a:rPr lang="en-US" sz="1400" b="0" i="0" u="none" dirty="0">
                 <a:solidFill>
                   <a:schemeClr val="dk1"/>
                 </a:solidFill>
@@ -18058,10 +19697,30 @@
                 <a:cs typeface="Arial"/>
                 <a:sym typeface="Arial"/>
               </a:rPr>
-              <a:t>              Calculate error Δ = (t - y)</a:t>
+              <a:t>              Calculate error </a:t>
             </a:r>
             <a:r>
-              <a:rPr lang="en-US" sz="1400" b="0" i="0" u="none" baseline="30000">
+              <a:rPr lang="en-US" dirty="0">
+                <a:solidFill>
+                  <a:schemeClr val="dk1"/>
+                </a:solidFill>
+              </a:rPr>
+              <a:t>E</a:t>
+            </a:r>
+            <a:r>
+              <a:rPr lang="en-US" sz="1400" b="0" i="0" u="none" dirty="0">
+                <a:solidFill>
+                  <a:schemeClr val="dk1"/>
+                </a:solidFill>
+                <a:latin typeface="Arial"/>
+                <a:ea typeface="Arial"/>
+                <a:cs typeface="Arial"/>
+                <a:sym typeface="Arial"/>
+              </a:rPr>
+              <a:t> = (y’ - y)</a:t>
+            </a:r>
+            <a:r>
+              <a:rPr lang="en-US" sz="1400" b="0" i="0" u="none" baseline="30000" dirty="0">
                 <a:solidFill>
                   <a:schemeClr val="dk1"/>
                 </a:solidFill>
@@ -18073,7 +19732,7 @@
               <a:t>2</a:t>
             </a:r>
             <a:r>
-              <a:rPr lang="en-US" sz="1400" b="0" i="0" u="none">
+              <a:rPr lang="en-US" sz="1400" b="0" i="0" u="none" dirty="0">
                 <a:solidFill>
                   <a:schemeClr val="dk1"/>
                 </a:solidFill>
@@ -18084,7 +19743,7 @@
               </a:rPr>
               <a:t> at the output units</a:t>
             </a:r>
-            <a:endParaRPr/>
+            <a:endParaRPr dirty="0"/>
           </a:p>
           <a:p>
             <a:pPr marL="0" marR="0" lvl="0" indent="0" algn="l" rtl="0">
@@ -18104,7 +19763,7 @@
               <a:buNone/>
             </a:pPr>
             <a:r>
-              <a:rPr lang="en-US" sz="1400" b="0" i="0" u="none">
+              <a:rPr lang="en-US" sz="1400" b="0" i="0" u="none" dirty="0">
                 <a:solidFill>
                   <a:schemeClr val="dk1"/>
                 </a:solidFill>
@@ -18115,7 +19774,7 @@
               </a:rPr>
               <a:t>               // backward pass</a:t>
             </a:r>
-            <a:endParaRPr/>
+            <a:endParaRPr dirty="0"/>
           </a:p>
           <a:p>
             <a:pPr marL="0" marR="0" lvl="0" indent="0" algn="l" rtl="0">
@@ -18135,7 +19794,7 @@
               <a:buNone/>
             </a:pPr>
             <a:r>
-              <a:rPr lang="en-US" sz="1400" b="0" i="0" u="none">
+              <a:rPr lang="en-US" sz="1400" b="0" i="0" u="none" dirty="0">
                 <a:solidFill>
                   <a:schemeClr val="dk1"/>
                 </a:solidFill>
@@ -18144,10 +19803,22 @@
                 <a:cs typeface="Arial"/>
                 <a:sym typeface="Arial"/>
               </a:rPr>
-              <a:t>              Compute error δ</a:t>
+              <a:t>              Compute error </a:t>
             </a:r>
             <a:r>
-              <a:rPr lang="en-US" sz="1400" b="0" i="0" u="none" baseline="-25000">
+              <a:rPr lang="en-US" sz="1400" b="0" i="0" u="none" dirty="0" err="1">
+                <a:solidFill>
+                  <a:schemeClr val="dk1"/>
+                </a:solidFill>
+                <a:latin typeface="Arial"/>
+                <a:ea typeface="Arial"/>
+                <a:cs typeface="Arial"/>
+                <a:sym typeface="Arial"/>
+              </a:rPr>
+              <a:t>δ</a:t>
+            </a:r>
+            <a:r>
+              <a:rPr lang="en-US" sz="1400" b="0" i="0" u="none" baseline="-25000" dirty="0" err="1">
                 <a:solidFill>
                   <a:schemeClr val="dk1"/>
                 </a:solidFill>
@@ -18159,7 +19830,7 @@
               <a:t>o</a:t>
             </a:r>
             <a:r>
-              <a:rPr lang="en-US" sz="1400" b="0" i="0" u="none">
+              <a:rPr lang="en-US" sz="1400" b="0" i="0" u="none" dirty="0">
                 <a:solidFill>
                   <a:schemeClr val="dk1"/>
                 </a:solidFill>
@@ -18168,9 +19839,29 @@
                 <a:cs typeface="Arial"/>
                 <a:sym typeface="Arial"/>
               </a:rPr>
-              <a:t> for weights from a hidden node h to the output node o using Δ </a:t>
+              <a:t> for weights from a hidden node h to the output node o using </a:t>
             </a:r>
-            <a:endParaRPr/>
+            <a:r>
+              <a:rPr lang="en-US" dirty="0">
+                <a:solidFill>
+                  <a:schemeClr val="dk1"/>
+                </a:solidFill>
+              </a:rPr>
+              <a:t>E</a:t>
+            </a:r>
+            <a:r>
+              <a:rPr lang="en-US" sz="1400" b="0" i="0" u="none" dirty="0">
+                <a:solidFill>
+                  <a:schemeClr val="dk1"/>
+                </a:solidFill>
+                <a:latin typeface="Arial"/>
+                <a:ea typeface="Arial"/>
+                <a:cs typeface="Arial"/>
+                <a:sym typeface="Arial"/>
+              </a:rPr>
+              <a:t> </a:t>
+            </a:r>
+            <a:endParaRPr dirty="0"/>
           </a:p>
           <a:p>
             <a:pPr marL="0" marR="0" lvl="0" indent="0" algn="l" rtl="0">
@@ -18190,7 +19881,7 @@
               <a:buNone/>
             </a:pPr>
             <a:r>
-              <a:rPr lang="en-US" sz="1400" b="0" i="0" u="none">
+              <a:rPr lang="en-US" sz="1400" b="0" i="0" u="none" dirty="0">
                 <a:solidFill>
                   <a:schemeClr val="dk1"/>
                 </a:solidFill>
@@ -18199,10 +19890,22 @@
                 <a:cs typeface="Arial"/>
                 <a:sym typeface="Arial"/>
               </a:rPr>
-              <a:t>              Compute error δ</a:t>
+              <a:t>              Compute error </a:t>
             </a:r>
             <a:r>
-              <a:rPr lang="en-US" sz="1400" b="0" i="0" u="none" baseline="-25000">
+              <a:rPr lang="en-US" sz="1400" b="0" i="0" u="none" dirty="0" err="1">
+                <a:solidFill>
+                  <a:schemeClr val="dk1"/>
+                </a:solidFill>
+                <a:latin typeface="Arial"/>
+                <a:ea typeface="Arial"/>
+                <a:cs typeface="Arial"/>
+                <a:sym typeface="Arial"/>
+              </a:rPr>
+              <a:t>δ</a:t>
+            </a:r>
+            <a:r>
+              <a:rPr lang="en-US" sz="1400" b="0" i="0" u="none" baseline="-25000" dirty="0" err="1">
                 <a:solidFill>
                   <a:schemeClr val="dk1"/>
                 </a:solidFill>
@@ -18214,7 +19917,7 @@
               <a:t>h</a:t>
             </a:r>
             <a:r>
-              <a:rPr lang="en-US" sz="1400" b="0" i="0" u="none">
+              <a:rPr lang="en-US" sz="1400" b="0" i="0" u="none" dirty="0">
                 <a:solidFill>
                   <a:schemeClr val="dk1"/>
                 </a:solidFill>
@@ -18223,10 +19926,46 @@
                 <a:cs typeface="Arial"/>
                 <a:sym typeface="Arial"/>
               </a:rPr>
-              <a:t> for weights from an input node i to hidden node h using δ</a:t>
+              <a:t> for weights from an input node </a:t>
             </a:r>
             <a:r>
-              <a:rPr lang="en-US" sz="1400" b="0" i="0" u="none" baseline="-25000">
+              <a:rPr lang="en-US" sz="1400" b="0" i="0" u="none" dirty="0" err="1">
+                <a:solidFill>
+                  <a:schemeClr val="dk1"/>
+                </a:solidFill>
+                <a:latin typeface="Arial"/>
+                <a:ea typeface="Arial"/>
+                <a:cs typeface="Arial"/>
+                <a:sym typeface="Arial"/>
+              </a:rPr>
+              <a:t>i</a:t>
+            </a:r>
+            <a:r>
+              <a:rPr lang="en-US" sz="1400" b="0" i="0" u="none" dirty="0">
+                <a:solidFill>
+                  <a:schemeClr val="dk1"/>
+                </a:solidFill>
+                <a:latin typeface="Arial"/>
+                <a:ea typeface="Arial"/>
+                <a:cs typeface="Arial"/>
+                <a:sym typeface="Arial"/>
+              </a:rPr>
+              <a:t> to hidden node h using </a:t>
+            </a:r>
+            <a:r>
+              <a:rPr lang="en-US" sz="1400" b="0" i="0" u="none" dirty="0" err="1">
+                <a:solidFill>
+                  <a:schemeClr val="dk1"/>
+                </a:solidFill>
+                <a:latin typeface="Arial"/>
+                <a:ea typeface="Arial"/>
+                <a:cs typeface="Arial"/>
+                <a:sym typeface="Arial"/>
+              </a:rPr>
+              <a:t>δ</a:t>
+            </a:r>
+            <a:r>
+              <a:rPr lang="en-US" sz="1400" b="0" i="0" u="none" baseline="-25000" dirty="0" err="1">
                 <a:solidFill>
                   <a:schemeClr val="dk1"/>
                 </a:solidFill>
@@ -18237,7 +19976,7 @@
               </a:rPr>
               <a:t>o</a:t>
             </a:r>
-            <a:endParaRPr/>
+            <a:endParaRPr dirty="0"/>
           </a:p>
           <a:p>
             <a:pPr marL="0" marR="0" lvl="0" indent="0" algn="l" rtl="0">
@@ -18257,7 +19996,7 @@
               <a:buNone/>
             </a:pPr>
             <a:r>
-              <a:rPr lang="en-US" sz="1400" b="0" i="0" u="none">
+              <a:rPr lang="en-US" sz="1400" b="0" i="0" u="none" dirty="0">
                 <a:solidFill>
                   <a:schemeClr val="dk1"/>
                 </a:solidFill>
@@ -18268,7 +20007,7 @@
               </a:rPr>
               <a:t>              Update the weights in the network</a:t>
             </a:r>
-            <a:endParaRPr/>
+            <a:endParaRPr dirty="0"/>
           </a:p>
           <a:p>
             <a:pPr marL="0" marR="0" lvl="0" indent="0" algn="l" rtl="0">
@@ -18288,7 +20027,7 @@
               <a:buNone/>
             </a:pPr>
             <a:r>
-              <a:rPr lang="en-US" sz="1400" b="0" i="0" u="none">
+              <a:rPr lang="en-US" sz="1400" b="0" i="0" u="none" dirty="0">
                 <a:solidFill>
                   <a:schemeClr val="dk1"/>
                 </a:solidFill>
@@ -18299,7 +20038,7 @@
               </a:rPr>
               <a:t>  Until all examples classified correctly or stopping criterion satisfied</a:t>
             </a:r>
-            <a:endParaRPr/>
+            <a:endParaRPr dirty="0"/>
           </a:p>
           <a:p>
             <a:pPr marL="0" marR="0" lvl="0" indent="0" algn="l" rtl="0">
@@ -18319,7 +20058,7 @@
               <a:buNone/>
             </a:pPr>
             <a:r>
-              <a:rPr lang="en-US" sz="1400" b="0" i="0" u="none">
+              <a:rPr lang="en-US" sz="1400" b="0" i="0" u="none" dirty="0">
                 <a:solidFill>
                   <a:schemeClr val="dk1"/>
                 </a:solidFill>
@@ -18330,7 +20069,7 @@
               </a:rPr>
               <a:t>  Return the network</a:t>
             </a:r>
-            <a:endParaRPr/>
+            <a:endParaRPr dirty="0"/>
           </a:p>
         </p:txBody>
       </p:sp>
@@ -18612,7 +20351,7 @@
               <a:buChar char="•"/>
             </a:pPr>
             <a:r>
-              <a:rPr lang="en-US" sz="1600" b="0" i="0" u="none" strike="noStrike" cap="none">
+              <a:rPr lang="en-US" sz="1600" b="0" i="0" u="none" strike="noStrike" cap="none" dirty="0">
                 <a:solidFill>
                   <a:srgbClr val="000000"/>
                 </a:solidFill>
@@ -18621,10 +20360,43 @@
                 <a:cs typeface="Arial"/>
                 <a:sym typeface="Arial"/>
               </a:rPr>
-              <a:t>Define the network error as</a:t>
+              <a:t>Define the network error in terms of weights w as</a:t>
             </a:r>
             <a:br>
-              <a:rPr lang="en-US" sz="1600" b="0" i="0" u="none" strike="noStrike" cap="none">
+              <a:rPr lang="en-US" sz="1600" b="0" i="0" u="none" strike="noStrike" cap="none" dirty="0">
+                <a:solidFill>
+                  <a:srgbClr val="000000"/>
+                </a:solidFill>
+                <a:latin typeface="Arial"/>
+                <a:ea typeface="Arial"/>
+                <a:cs typeface="Arial"/>
+                <a:sym typeface="Arial"/>
+              </a:rPr>
+            </a:br>
+            <a:br>
+              <a:rPr lang="en-US" sz="1600" b="0" i="0" u="none" strike="noStrike" cap="none" dirty="0">
+                <a:solidFill>
+                  <a:srgbClr val="000000"/>
+                </a:solidFill>
+                <a:latin typeface="Arial"/>
+                <a:ea typeface="Arial"/>
+                <a:cs typeface="Arial"/>
+                <a:sym typeface="Arial"/>
+              </a:rPr>
+            </a:br>
+            <a:br>
+              <a:rPr lang="en-US" sz="1600" b="0" i="0" u="none" strike="noStrike" cap="none" dirty="0">
+                <a:solidFill>
+                  <a:srgbClr val="000000"/>
+                </a:solidFill>
+                <a:latin typeface="Arial"/>
+                <a:ea typeface="Arial"/>
+                <a:cs typeface="Arial"/>
+                <a:sym typeface="Arial"/>
+              </a:rPr>
+            </a:br>
+            <a:br>
+              <a:rPr lang="en-US" sz="1600" b="0" i="0" u="none" strike="noStrike" cap="none" dirty="0">
                 <a:solidFill>
                   <a:srgbClr val="000000"/>
                 </a:solidFill>
@@ -18635,76 +20407,7 @@
               </a:rPr>
             </a:br>
             <a:r>
-              <a:rPr lang="en-US" sz="1600" b="0" i="0" u="none" strike="noStrike" cap="none">
-                <a:solidFill>
-                  <a:srgbClr val="000000"/>
-                </a:solidFill>
-                <a:latin typeface="Arial"/>
-                <a:ea typeface="Arial"/>
-                <a:cs typeface="Arial"/>
-                <a:sym typeface="Arial"/>
-              </a:rPr>
-              <a:t/>
-            </a:r>
-            <a:br>
-              <a:rPr lang="en-US" sz="1600" b="0" i="0" u="none" strike="noStrike" cap="none">
-                <a:solidFill>
-                  <a:srgbClr val="000000"/>
-                </a:solidFill>
-                <a:latin typeface="Arial"/>
-                <a:ea typeface="Arial"/>
-                <a:cs typeface="Arial"/>
-                <a:sym typeface="Arial"/>
-              </a:rPr>
-            </a:br>
-            <a:r>
-              <a:rPr lang="en-US" sz="1600" b="0" i="0" u="none" strike="noStrike" cap="none">
-                <a:solidFill>
-                  <a:srgbClr val="000000"/>
-                </a:solidFill>
-                <a:latin typeface="Arial"/>
-                <a:ea typeface="Arial"/>
-                <a:cs typeface="Arial"/>
-                <a:sym typeface="Arial"/>
-              </a:rPr>
-              <a:t/>
-            </a:r>
-            <a:br>
-              <a:rPr lang="en-US" sz="1600" b="0" i="0" u="none" strike="noStrike" cap="none">
-                <a:solidFill>
-                  <a:srgbClr val="000000"/>
-                </a:solidFill>
-                <a:latin typeface="Arial"/>
-                <a:ea typeface="Arial"/>
-                <a:cs typeface="Arial"/>
-                <a:sym typeface="Arial"/>
-              </a:rPr>
-            </a:br>
-            <a:r>
-              <a:rPr lang="en-US" sz="1600" b="0" i="0" u="none" strike="noStrike" cap="none">
-                <a:solidFill>
-                  <a:srgbClr val="000000"/>
-                </a:solidFill>
-                <a:latin typeface="Arial"/>
-                <a:ea typeface="Arial"/>
-                <a:cs typeface="Arial"/>
-                <a:sym typeface="Arial"/>
-              </a:rPr>
-              <a:t/>
-            </a:r>
-            <a:br>
-              <a:rPr lang="en-US" sz="1600" b="0" i="0" u="none" strike="noStrike" cap="none">
-                <a:solidFill>
-                  <a:srgbClr val="000000"/>
-                </a:solidFill>
-                <a:latin typeface="Arial"/>
-                <a:ea typeface="Arial"/>
-                <a:cs typeface="Arial"/>
-                <a:sym typeface="Arial"/>
-              </a:rPr>
-            </a:br>
-            <a:r>
-              <a:rPr lang="en-US" sz="1600" b="0" i="0" u="none" strike="noStrike" cap="none">
+              <a:rPr lang="en-US" sz="1600" b="0" i="0" u="none" strike="noStrike" cap="none" dirty="0">
                 <a:solidFill>
                   <a:srgbClr val="000000"/>
                 </a:solidFill>
@@ -18716,7 +20419,7 @@
               <a:t>for some </a:t>
             </a:r>
             <a:r>
-              <a:rPr lang="en-US" sz="1600" b="0" i="1" u="none" strike="noStrike" cap="none">
+              <a:rPr lang="en-US" sz="1600" b="0" u="none" strike="noStrike" cap="none" dirty="0">
                 <a:solidFill>
                   <a:srgbClr val="000000"/>
                 </a:solidFill>
@@ -18725,10 +20428,10 @@
                 <a:cs typeface="Arial"/>
                 <a:sym typeface="Arial"/>
               </a:rPr>
-              <a:t>x∈X</a:t>
+              <a:t>training instance </a:t>
             </a:r>
             <a:r>
-              <a:rPr lang="en-US" sz="1600" b="0" i="0" u="none" strike="noStrike" cap="none">
+              <a:rPr lang="en-US" sz="1600" b="0" i="1" u="none" strike="noStrike" cap="none" dirty="0">
                 <a:solidFill>
                   <a:srgbClr val="000000"/>
                 </a:solidFill>
@@ -18737,33 +20440,9 @@
                 <a:cs typeface="Arial"/>
                 <a:sym typeface="Arial"/>
               </a:rPr>
-              <a:t>, where </a:t>
+              <a:t>x.</a:t>
             </a:r>
-            <a:r>
-              <a:rPr lang="en-US" sz="1600" b="0" i="1" u="none" strike="noStrike" cap="none">
-                <a:solidFill>
-                  <a:srgbClr val="000000"/>
-                </a:solidFill>
-                <a:latin typeface="Arial"/>
-                <a:ea typeface="Arial"/>
-                <a:cs typeface="Arial"/>
-                <a:sym typeface="Arial"/>
-              </a:rPr>
-              <a:t>i </a:t>
-            </a:r>
-            <a:r>
-              <a:rPr lang="en-US" sz="1600" b="0" i="0" u="none" strike="noStrike" cap="none">
-                <a:solidFill>
-                  <a:srgbClr val="000000"/>
-                </a:solidFill>
-                <a:latin typeface="Arial"/>
-                <a:ea typeface="Arial"/>
-                <a:cs typeface="Arial"/>
-                <a:sym typeface="Arial"/>
-              </a:rPr>
-              <a:t>is an index over the output units.</a:t>
-            </a:r>
-            <a:endParaRPr/>
+            <a:endParaRPr dirty="0"/>
           </a:p>
           <a:p>
             <a:pPr marL="342900" marR="0" lvl="0" indent="-342900" algn="l" rtl="0">
@@ -18784,159 +20463,7 @@
               <a:buChar char="•"/>
             </a:pPr>
             <a:r>
-              <a:rPr lang="en-US" sz="1600" b="0" i="0" u="none" strike="noStrike" cap="none">
-                <a:solidFill>
-                  <a:srgbClr val="000000"/>
-                </a:solidFill>
-                <a:latin typeface="Arial"/>
-                <a:ea typeface="Arial"/>
-                <a:cs typeface="Arial"/>
-                <a:sym typeface="Arial"/>
-              </a:rPr>
-              <a:t>Let </a:t>
-            </a:r>
-            <a:r>
-              <a:rPr lang="en-US" sz="1600" b="0" i="1" u="none" strike="noStrike" cap="none">
-                <a:solidFill>
-                  <a:srgbClr val="000000"/>
-                </a:solidFill>
-                <a:latin typeface="Arial"/>
-                <a:ea typeface="Arial"/>
-                <a:cs typeface="Arial"/>
-                <a:sym typeface="Arial"/>
-              </a:rPr>
-              <a:t>∆</a:t>
-            </a:r>
-            <a:r>
-              <a:rPr lang="en-US" sz="1600" b="0" i="1" u="none" strike="noStrike" cap="none" baseline="-25000">
-                <a:solidFill>
-                  <a:srgbClr val="000000"/>
-                </a:solidFill>
-                <a:latin typeface="Arial"/>
-                <a:ea typeface="Arial"/>
-                <a:cs typeface="Arial"/>
-                <a:sym typeface="Arial"/>
-              </a:rPr>
-              <a:t>x</a:t>
-            </a:r>
-            <a:r>
-              <a:rPr lang="en-US" sz="1600" b="0" i="1" u="none" strike="noStrike" cap="none">
-                <a:solidFill>
-                  <a:srgbClr val="000000"/>
-                </a:solidFill>
-                <a:latin typeface="Arial"/>
-                <a:ea typeface="Arial"/>
-                <a:cs typeface="Arial"/>
-                <a:sym typeface="Arial"/>
-              </a:rPr>
-              <a:t>(w) </a:t>
-            </a:r>
-            <a:r>
-              <a:rPr lang="en-US" sz="1600" b="0" i="0" u="none" strike="noStrike" cap="none">
-                <a:solidFill>
-                  <a:srgbClr val="000000"/>
-                </a:solidFill>
-                <a:latin typeface="Arial"/>
-                <a:ea typeface="Arial"/>
-                <a:cs typeface="Arial"/>
-                <a:sym typeface="Arial"/>
-              </a:rPr>
-              <a:t>be</a:t>
-            </a:r>
-            <a:r>
-              <a:rPr lang="en-US" sz="1600" b="0" i="1" u="none" strike="noStrike" cap="none">
-                <a:solidFill>
-                  <a:srgbClr val="000000"/>
-                </a:solidFill>
-                <a:latin typeface="Arial"/>
-                <a:ea typeface="Arial"/>
-                <a:cs typeface="Arial"/>
-                <a:sym typeface="Arial"/>
-              </a:rPr>
-              <a:t> </a:t>
-            </a:r>
-            <a:r>
-              <a:rPr lang="en-US" sz="1600" b="0" i="0" u="none" strike="noStrike" cap="none">
-                <a:solidFill>
-                  <a:srgbClr val="000000"/>
-                </a:solidFill>
-                <a:latin typeface="Arial"/>
-                <a:ea typeface="Arial"/>
-                <a:cs typeface="Arial"/>
-                <a:sym typeface="Arial"/>
-              </a:rPr>
-              <a:t>the error </a:t>
-            </a:r>
-            <a:r>
-              <a:rPr lang="en-US" sz="1600" b="0" i="1" u="none" strike="noStrike" cap="none">
-                <a:solidFill>
-                  <a:srgbClr val="000000"/>
-                </a:solidFill>
-                <a:latin typeface="Arial"/>
-                <a:ea typeface="Arial"/>
-                <a:cs typeface="Arial"/>
-                <a:sym typeface="Arial"/>
-              </a:rPr>
-              <a:t>E</a:t>
-            </a:r>
-            <a:r>
-              <a:rPr lang="en-US" sz="1600" b="0" i="1" u="none" strike="noStrike" cap="none" baseline="-25000">
-                <a:solidFill>
-                  <a:srgbClr val="000000"/>
-                </a:solidFill>
-                <a:latin typeface="Arial"/>
-                <a:ea typeface="Arial"/>
-                <a:cs typeface="Arial"/>
-                <a:sym typeface="Arial"/>
-              </a:rPr>
-              <a:t>x</a:t>
-            </a:r>
-            <a:r>
-              <a:rPr lang="en-US" sz="1600" b="0" i="0" u="none" strike="noStrike" cap="none">
-                <a:solidFill>
-                  <a:srgbClr val="000000"/>
-                </a:solidFill>
-                <a:latin typeface="Arial"/>
-                <a:ea typeface="Arial"/>
-                <a:cs typeface="Arial"/>
-                <a:sym typeface="Arial"/>
-              </a:rPr>
-              <a:t> as a function of the weights </a:t>
-            </a:r>
-            <a:r>
-              <a:rPr lang="en-US" sz="1600" b="0" i="1" u="none" strike="noStrike" cap="none">
-                <a:solidFill>
-                  <a:srgbClr val="000000"/>
-                </a:solidFill>
-                <a:latin typeface="Arial"/>
-                <a:ea typeface="Arial"/>
-                <a:cs typeface="Arial"/>
-                <a:sym typeface="Arial"/>
-              </a:rPr>
-              <a:t>w.</a:t>
-            </a:r>
-            <a:endParaRPr/>
-          </a:p>
-          <a:p>
-            <a:pPr marL="342900" marR="0" lvl="0" indent="-342900" algn="l" rtl="0">
-              <a:lnSpc>
-                <a:spcPct val="100000"/>
-              </a:lnSpc>
-              <a:spcBef>
-                <a:spcPts val="320"/>
-              </a:spcBef>
-              <a:spcAft>
-                <a:spcPts val="0"/>
-              </a:spcAft>
-              <a:buClr>
-                <a:schemeClr val="dk1"/>
-              </a:buClr>
-              <a:buSzPts val="1120"/>
-              <a:buFont typeface="Noto Sans Symbols"/>
-              <a:buChar char="•"/>
-            </a:pPr>
-            <a:r>
-              <a:rPr lang="en-US" sz="1600" b="0" i="0" u="none" strike="noStrike" cap="none">
+              <a:rPr lang="en-US" sz="1600" b="0" i="0" u="none" strike="noStrike" cap="none" dirty="0">
                 <a:solidFill>
                   <a:srgbClr val="000000"/>
                 </a:solidFill>
@@ -18947,7 +20474,7 @@
               </a:rPr>
               <a:t>Use the gradient (slope) of the error surface to guide the search towards appropriate weights:</a:t>
             </a:r>
-            <a:endParaRPr/>
+            <a:endParaRPr dirty="0"/>
           </a:p>
         </p:txBody>
       </p:sp>
@@ -19020,7 +20547,7 @@
         </p:nvGrpSpPr>
         <p:grpSpPr>
           <a:xfrm>
-            <a:off x="1371600" y="5503862"/>
+            <a:off x="1478556" y="4553668"/>
             <a:ext cx="1654175" cy="793750"/>
             <a:chOff x="1708150" y="5503862"/>
             <a:chExt cx="1654175" cy="793750"/>
@@ -19322,18 +20849,14 @@
                 <a:buNone/>
               </a:pPr>
               <a:r>
-                <a:rPr lang="en-US" sz="2200" b="0" i="1" u="none">
-                  <a:solidFill>
-                    <a:srgbClr val="000000"/>
-                  </a:solidFill>
+                <a:rPr lang="en-US" sz="2200" i="1" dirty="0">
                   <a:latin typeface="Times New Roman"/>
-                  <a:ea typeface="Times New Roman"/>
                   <a:cs typeface="Times New Roman"/>
                   <a:sym typeface="Times New Roman"/>
                 </a:rPr>
-                <a:t>∆</a:t>
+                <a:t>E</a:t>
               </a:r>
-              <a:endParaRPr/>
+              <a:endParaRPr dirty="0"/>
             </a:p>
           </p:txBody>
         </p:sp>
@@ -19379,7 +20902,7 @@
                 <a:buNone/>
               </a:pPr>
               <a:r>
-                <a:rPr lang="en-US" sz="2200" b="0" i="1" u="none">
+                <a:rPr lang="en-US" sz="2200" b="0" i="1" u="none" dirty="0">
                   <a:solidFill>
                     <a:srgbClr val="000000"/>
                   </a:solidFill>
@@ -19390,7 +20913,7 @@
                 </a:rPr>
                 <a:t>w</a:t>
               </a:r>
-              <a:endParaRPr/>
+              <a:endParaRPr dirty="0"/>
             </a:p>
           </p:txBody>
         </p:sp>
@@ -19436,7 +20959,7 @@
                 <a:buNone/>
               </a:pPr>
               <a:r>
-                <a:rPr lang="en-US" sz="2200" b="0" i="0" u="none">
+                <a:rPr lang="en-US" sz="2200" b="0" i="0" u="none" dirty="0">
                   <a:solidFill>
                     <a:srgbClr val="000000"/>
                   </a:solidFill>
@@ -19447,7 +20970,7 @@
                 </a:rPr>
                 <a:t>∂</a:t>
               </a:r>
-              <a:endParaRPr/>
+              <a:endParaRPr dirty="0"/>
             </a:p>
           </p:txBody>
         </p:sp>
@@ -19550,7 +21073,7 @@
                 <a:buNone/>
               </a:pPr>
               <a:r>
-                <a:rPr lang="en-US" sz="2200" b="0" i="0" u="none">
+                <a:rPr lang="en-US" sz="2200" b="0" i="0" u="none" dirty="0">
                   <a:solidFill>
                     <a:srgbClr val="000000"/>
                   </a:solidFill>
@@ -19561,7 +21084,7 @@
                 </a:rPr>
                 <a:t>−</a:t>
               </a:r>
-              <a:endParaRPr/>
+              <a:endParaRPr dirty="0"/>
             </a:p>
           </p:txBody>
         </p:sp>
@@ -19607,7 +21130,7 @@
                 <a:buNone/>
               </a:pPr>
               <a:r>
-                <a:rPr lang="en-US" sz="2200" b="0" i="0" u="none">
+                <a:rPr lang="en-US" sz="2200" b="0" i="0" u="none" dirty="0">
                   <a:solidFill>
                     <a:srgbClr val="000000"/>
                   </a:solidFill>
@@ -19618,7 +21141,7 @@
                 </a:rPr>
                 <a:t>=</a:t>
               </a:r>
-              <a:endParaRPr/>
+              <a:endParaRPr dirty="0"/>
             </a:p>
           </p:txBody>
         </p:sp>
@@ -19664,7 +21187,7 @@
                 <a:buNone/>
               </a:pPr>
               <a:r>
-                <a:rPr lang="en-US" sz="2200" b="0" i="0" u="none">
+                <a:rPr lang="en-US" sz="2200" b="0" i="0" u="none" dirty="0" err="1">
                   <a:solidFill>
                     <a:srgbClr val="000000"/>
                   </a:solidFill>
@@ -19675,7 +21198,7 @@
                 </a:rPr>
                 <a:t>Δ</a:t>
               </a:r>
-              <a:endParaRPr/>
+              <a:endParaRPr dirty="0"/>
             </a:p>
           </p:txBody>
         </p:sp>
@@ -20037,33 +21560,255 @@
           </a:ln>
         </p:spPr>
       </p:pic>
-      <p:pic>
-        <p:nvPicPr>
-          <p:cNvPr id="344" name="Shape 344"/>
-          <p:cNvPicPr preferRelativeResize="0"/>
+      <mc:AlternateContent xmlns:mc="http://schemas.openxmlformats.org/markup-compatibility/2006">
+        <mc:Choice xmlns:a14="http://schemas.microsoft.com/office/drawing/2010/main" Requires="a14">
+          <p:sp>
+            <p:nvSpPr>
+              <p:cNvPr id="25" name="TextBox 24">
+                <a:extLst>
+                  <a:ext uri="{FF2B5EF4-FFF2-40B4-BE49-F238E27FC236}">
+                    <a16:creationId xmlns:a16="http://schemas.microsoft.com/office/drawing/2014/main" id="{93F49D7D-EC00-914D-B64C-BBA2380C327C}"/>
+                  </a:ext>
+                </a:extLst>
+              </p:cNvPr>
+              <p:cNvSpPr txBox="1"/>
+              <p:nvPr/>
+            </p:nvSpPr>
+            <p:spPr>
+              <a:xfrm>
+                <a:off x="1410074" y="2672638"/>
+                <a:ext cx="2376805" cy="338554"/>
+              </a:xfrm>
+              <a:prstGeom prst="rect">
+                <a:avLst/>
+              </a:prstGeom>
+              <a:noFill/>
+            </p:spPr>
+            <p:txBody>
+              <a:bodyPr wrap="none" lIns="0" tIns="0" rIns="0" bIns="0" rtlCol="0">
+                <a:spAutoFit/>
+              </a:bodyPr>
+              <a:lstStyle/>
+              <a:p>
+                <a14:m>
+                  <m:oMathPara xmlns:m="http://schemas.openxmlformats.org/officeDocument/2006/math">
+                    <m:oMathParaPr>
+                      <m:jc m:val="centerGroup"/>
+                    </m:oMathParaPr>
+                    <m:oMath xmlns:m="http://schemas.openxmlformats.org/officeDocument/2006/math">
+                      <m:sSub>
+                        <m:sSubPr>
+                          <m:ctrlPr>
+                            <a:rPr lang="en-US" sz="2200" b="0" i="1" smtClean="0">
+                              <a:latin typeface="Cambria Math" panose="02040503050406030204" pitchFamily="18" charset="0"/>
+                            </a:rPr>
+                          </m:ctrlPr>
+                        </m:sSubPr>
+                        <m:e>
+                          <m:r>
+                            <a:rPr lang="en-US" sz="2200" b="0" i="1" smtClean="0">
+                              <a:latin typeface="Cambria Math" panose="02040503050406030204" pitchFamily="18" charset="0"/>
+                            </a:rPr>
+                            <m:t>𝐸</m:t>
+                          </m:r>
+                        </m:e>
+                        <m:sub>
+                          <m:r>
+                            <a:rPr lang="en-US" sz="2200" b="0" i="1" smtClean="0">
+                              <a:latin typeface="Cambria Math" panose="02040503050406030204" pitchFamily="18" charset="0"/>
+                            </a:rPr>
+                            <m:t>𝑥</m:t>
+                          </m:r>
+                        </m:sub>
+                      </m:sSub>
+                      <m:r>
+                        <a:rPr lang="en-US" sz="2200" b="0" i="1" smtClean="0">
+                          <a:latin typeface="Cambria Math" panose="02040503050406030204" pitchFamily="18" charset="0"/>
+                        </a:rPr>
+                        <m:t>(</m:t>
+                      </m:r>
+                      <m:r>
+                        <a:rPr lang="en-US" sz="2200" b="0" i="1" smtClean="0">
+                          <a:latin typeface="Cambria Math" panose="02040503050406030204" pitchFamily="18" charset="0"/>
+                        </a:rPr>
+                        <m:t>𝑤</m:t>
+                      </m:r>
+                      <m:r>
+                        <a:rPr lang="en-US" sz="2200" b="0" i="1" smtClean="0">
+                          <a:latin typeface="Cambria Math" panose="02040503050406030204" pitchFamily="18" charset="0"/>
+                        </a:rPr>
+                        <m:t>)= </m:t>
+                      </m:r>
+                      <m:sSup>
+                        <m:sSupPr>
+                          <m:ctrlPr>
+                            <a:rPr lang="en-US" sz="2200" b="0" i="1" smtClean="0">
+                              <a:latin typeface="Cambria Math" panose="02040503050406030204" pitchFamily="18" charset="0"/>
+                            </a:rPr>
+                          </m:ctrlPr>
+                        </m:sSupPr>
+                        <m:e>
+                          <m:r>
+                            <a:rPr lang="en-US" sz="2200" b="0" i="1" smtClean="0">
+                              <a:latin typeface="Cambria Math" panose="02040503050406030204" pitchFamily="18" charset="0"/>
+                            </a:rPr>
+                            <m:t>(</m:t>
+                          </m:r>
+                          <m:sSup>
+                            <m:sSupPr>
+                              <m:ctrlPr>
+                                <a:rPr lang="en-US" sz="2200" b="0" i="1" smtClean="0">
+                                  <a:latin typeface="Cambria Math" panose="02040503050406030204" pitchFamily="18" charset="0"/>
+                                </a:rPr>
+                              </m:ctrlPr>
+                            </m:sSupPr>
+                            <m:e>
+                              <m:r>
+                                <a:rPr lang="en-US" sz="2200" b="0" i="1" smtClean="0">
+                                  <a:latin typeface="Cambria Math" panose="02040503050406030204" pitchFamily="18" charset="0"/>
+                                </a:rPr>
+                                <m:t>𝑦</m:t>
+                              </m:r>
+                            </m:e>
+                            <m:sup>
+                              <m:r>
+                                <a:rPr lang="en-US" sz="2200" b="0" i="1" smtClean="0">
+                                  <a:latin typeface="Cambria Math" panose="02040503050406030204" pitchFamily="18" charset="0"/>
+                                </a:rPr>
+                                <m:t>′</m:t>
+                              </m:r>
+                            </m:sup>
+                          </m:sSup>
+                          <m:r>
+                            <a:rPr lang="en-US" sz="2200" b="0" i="1" smtClean="0">
+                              <a:latin typeface="Cambria Math" panose="02040503050406030204" pitchFamily="18" charset="0"/>
+                            </a:rPr>
+                            <m:t>−</m:t>
+                          </m:r>
+                          <m:r>
+                            <a:rPr lang="en-US" sz="2200" b="0" i="1" smtClean="0">
+                              <a:latin typeface="Cambria Math" panose="02040503050406030204" pitchFamily="18" charset="0"/>
+                            </a:rPr>
+                            <m:t>𝑦</m:t>
+                          </m:r>
+                          <m:r>
+                            <a:rPr lang="en-US" sz="2200" b="0" i="1" smtClean="0">
+                              <a:latin typeface="Cambria Math" panose="02040503050406030204" pitchFamily="18" charset="0"/>
+                            </a:rPr>
+                            <m:t>)</m:t>
+                          </m:r>
+                        </m:e>
+                        <m:sup>
+                          <m:r>
+                            <a:rPr lang="en-US" sz="2200" b="0" i="1" smtClean="0">
+                              <a:latin typeface="Cambria Math" panose="02040503050406030204" pitchFamily="18" charset="0"/>
+                            </a:rPr>
+                            <m:t>2</m:t>
+                          </m:r>
+                        </m:sup>
+                      </m:sSup>
+                    </m:oMath>
+                  </m:oMathPara>
+                </a14:m>
+                <a:endParaRPr lang="en-US" sz="2200" dirty="0"/>
+              </a:p>
+            </p:txBody>
+          </p:sp>
+        </mc:Choice>
+        <mc:Fallback>
+          <p:sp>
+            <p:nvSpPr>
+              <p:cNvPr id="25" name="TextBox 24">
+                <a:extLst>
+                  <a:ext uri="{FF2B5EF4-FFF2-40B4-BE49-F238E27FC236}">
+                    <a16:creationId xmlns:a16="http://schemas.microsoft.com/office/drawing/2014/main" id="{93F49D7D-EC00-914D-B64C-BBA2380C327C}"/>
+                  </a:ext>
+                </a:extLst>
+              </p:cNvPr>
+              <p:cNvSpPr txBox="1">
+                <a:spLocks noRot="1" noChangeAspect="1" noMove="1" noResize="1" noEditPoints="1" noAdjustHandles="1" noChangeArrowheads="1" noChangeShapeType="1" noTextEdit="1"/>
+              </p:cNvSpPr>
+              <p:nvPr/>
+            </p:nvSpPr>
+            <p:spPr>
+              <a:xfrm>
+                <a:off x="1410074" y="2672638"/>
+                <a:ext cx="2376805" cy="338554"/>
+              </a:xfrm>
+              <a:prstGeom prst="rect">
+                <a:avLst/>
+              </a:prstGeom>
+              <a:blipFill>
+                <a:blip r:embed="rId6"/>
+                <a:stretch>
+                  <a:fillRect l="-1596" t="-3571" b="-35714"/>
+                </a:stretch>
+              </a:blipFill>
+            </p:spPr>
+            <p:txBody>
+              <a:bodyPr/>
+              <a:lstStyle/>
+              <a:p>
+                <a:r>
+                  <a:rPr lang="en-US">
+                    <a:noFill/>
+                  </a:rPr>
+                  <a:t> </a:t>
+                </a:r>
+              </a:p>
+            </p:txBody>
+          </p:sp>
+        </mc:Fallback>
+      </mc:AlternateContent>
+      <p:sp>
+        <p:nvSpPr>
+          <p:cNvPr id="2" name="TextBox 1">
+            <a:extLst>
+              <a:ext uri="{FF2B5EF4-FFF2-40B4-BE49-F238E27FC236}">
+                <a16:creationId xmlns:a16="http://schemas.microsoft.com/office/drawing/2014/main" id="{DFC94913-3B3E-AD46-A806-974DF72A3675}"/>
+              </a:ext>
+            </a:extLst>
+          </p:cNvPr>
+          <p:cNvSpPr txBox="1"/>
           <p:nvPr/>
-        </p:nvPicPr>
-        <p:blipFill rotWithShape="1">
-          <a:blip r:embed="rId6">
-            <a:alphaModFix/>
-          </a:blip>
-          <a:srcRect/>
-          <a:stretch/>
-        </p:blipFill>
+        </p:nvSpPr>
         <p:spPr>
           <a:xfrm>
-            <a:off x="1525587" y="2438400"/>
-            <a:ext cx="1443037" cy="377825"/>
+            <a:off x="1080556" y="5869561"/>
+            <a:ext cx="7353295" cy="707886"/>
           </a:xfrm>
           <a:prstGeom prst="rect">
             <a:avLst/>
           </a:prstGeom>
           <a:noFill/>
-          <a:ln>
-            <a:noFill/>
-          </a:ln>
         </p:spPr>
-      </p:pic>
+        <p:txBody>
+          <a:bodyPr wrap="none" rtlCol="0">
+            <a:spAutoFit/>
+          </a:bodyPr>
+          <a:lstStyle/>
+          <a:p>
+            <a:r>
+              <a:rPr lang="en-US" sz="2000" dirty="0"/>
+              <a:t>☞ Backpropagation can be understood as a </a:t>
+            </a:r>
+            <a:r>
+              <a:rPr lang="en-US" sz="2000" u="sng" dirty="0"/>
+              <a:t>stochastic gradient </a:t>
+            </a:r>
+          </a:p>
+          <a:p>
+            <a:r>
+              <a:rPr lang="en-US" sz="2000" u="sng" dirty="0"/>
+              <a:t>search</a:t>
+            </a:r>
+            <a:r>
+              <a:rPr lang="en-US" sz="2000" dirty="0"/>
+              <a:t> on the error surface of the network.</a:t>
+            </a:r>
+          </a:p>
+        </p:txBody>
+      </p:sp>
     </p:spTree>
   </p:cSld>
   <p:clrMapOvr>
@@ -21038,58 +22783,73 @@
       </p:pic>
       <p:sp>
         <p:nvSpPr>
-          <p:cNvPr id="375" name="Shape 375"/>
+          <p:cNvPr id="2" name="TextBox 1">
+            <a:extLst>
+              <a:ext uri="{FF2B5EF4-FFF2-40B4-BE49-F238E27FC236}">
+                <a16:creationId xmlns:a16="http://schemas.microsoft.com/office/drawing/2014/main" id="{B07E290E-67DD-EF48-ACA9-7DDB2F93A0C8}"/>
+              </a:ext>
+            </a:extLst>
+          </p:cNvPr>
           <p:cNvSpPr txBox="1"/>
           <p:nvPr/>
         </p:nvSpPr>
         <p:spPr>
           <a:xfrm>
-            <a:off x="533400" y="5805487"/>
-            <a:ext cx="7985125" cy="396875"/>
+            <a:off x="904168" y="5374301"/>
+            <a:ext cx="7335663" cy="1015663"/>
           </a:xfrm>
           <a:prstGeom prst="rect">
             <a:avLst/>
           </a:prstGeom>
           <a:noFill/>
           <a:ln>
-            <a:noFill/>
+            <a:solidFill>
+              <a:schemeClr val="dk1"/>
+            </a:solidFill>
           </a:ln>
         </p:spPr>
         <p:txBody>
-          <a:bodyPr spcFirstLastPara="1" wrap="square" lIns="91425" tIns="45700" rIns="91425" bIns="45700" anchor="t" anchorCtr="0">
-            <a:noAutofit/>
+          <a:bodyPr wrap="none" rtlCol="0">
+            <a:spAutoFit/>
           </a:bodyPr>
           <a:lstStyle/>
           <a:p>
-            <a:pPr marL="0" marR="0" lvl="0" indent="0" algn="l" rtl="0">
-              <a:lnSpc>
-                <a:spcPct val="100000"/>
-              </a:lnSpc>
-              <a:spcBef>
-                <a:spcPts val="0"/>
-              </a:spcBef>
-              <a:spcAft>
-                <a:spcPts val="0"/>
-              </a:spcAft>
-              <a:buClr>
-                <a:schemeClr val="dk1"/>
-              </a:buClr>
-              <a:buFont typeface="Times New Roman"/>
-              <a:buNone/>
-            </a:pPr>
             <a:r>
-              <a:rPr lang="en-US" sz="2000" b="0" i="0" u="none">
-                <a:solidFill>
-                  <a:schemeClr val="dk1"/>
-                </a:solidFill>
-                <a:latin typeface="Times New Roman"/>
-                <a:ea typeface="Times New Roman"/>
-                <a:cs typeface="Times New Roman"/>
-                <a:sym typeface="Times New Roman"/>
+              <a:rPr lang="en-US" sz="2000" dirty="0"/>
+              <a:t>☞ </a:t>
+            </a:r>
+            <a:r>
+              <a:rPr lang="en-US" sz="2000" dirty="0">
+                <a:latin typeface="Times New Roman" panose="02020603050405020304" pitchFamily="18" charset="0"/>
+                <a:cs typeface="Times New Roman" panose="02020603050405020304" pitchFamily="18" charset="0"/>
               </a:rPr>
-              <a:t>Hidden layers allow a network to invent appropriate internal representations.</a:t>
+              <a:t>This neural network architecture is sometimes also called</a:t>
             </a:r>
-            <a:endParaRPr/>
+          </a:p>
+          <a:p>
+            <a:r>
+              <a:rPr lang="en-US" sz="2000" u="sng" dirty="0">
+                <a:latin typeface="Times New Roman" panose="02020603050405020304" pitchFamily="18" charset="0"/>
+                <a:cs typeface="Times New Roman" panose="02020603050405020304" pitchFamily="18" charset="0"/>
+              </a:rPr>
+              <a:t>autoencoder</a:t>
+            </a:r>
+            <a:r>
+              <a:rPr lang="en-US" sz="2000" dirty="0">
+                <a:latin typeface="Times New Roman" panose="02020603050405020304" pitchFamily="18" charset="0"/>
+                <a:cs typeface="Times New Roman" panose="02020603050405020304" pitchFamily="18" charset="0"/>
+              </a:rPr>
+              <a:t> because of its ability to invent new representations of the</a:t>
+            </a:r>
+          </a:p>
+          <a:p>
+            <a:r>
+              <a:rPr lang="en-US" sz="2000" dirty="0">
+                <a:latin typeface="Times New Roman" panose="02020603050405020304" pitchFamily="18" charset="0"/>
+                <a:cs typeface="Times New Roman" panose="02020603050405020304" pitchFamily="18" charset="0"/>
+              </a:rPr>
+              <a:t>input data and is a popular building block in deep-learning.</a:t>
+            </a:r>
           </a:p>
         </p:txBody>
       </p:sp>
@@ -21740,7 +23500,7 @@
               <a:buChar char="•"/>
             </a:pPr>
             <a:r>
-              <a:rPr lang="en-US" sz="3000" b="0" i="0" u="none" strike="noStrike" cap="none">
+              <a:rPr lang="en-US" sz="3000" b="0" i="0" u="none" strike="noStrike" cap="none" dirty="0">
                 <a:solidFill>
                   <a:srgbClr val="000000"/>
                 </a:solidFill>
@@ -21751,7 +23511,7 @@
               </a:rPr>
               <a:t>A simple, single layered neural “network” - only has a single neuron.</a:t>
             </a:r>
-            <a:endParaRPr/>
+            <a:endParaRPr dirty="0"/>
           </a:p>
           <a:p>
             <a:pPr marL="342900" marR="0" lvl="0" indent="-342900" algn="l" rtl="0">
@@ -21772,7 +23532,7 @@
               <a:buChar char="•"/>
             </a:pPr>
             <a:r>
-              <a:rPr lang="en-US" sz="3000" b="0" i="0" u="none" strike="noStrike" cap="none">
+              <a:rPr lang="en-US" sz="3000" b="0" i="0" u="none" strike="noStrike" cap="none" dirty="0">
                 <a:solidFill>
                   <a:srgbClr val="000000"/>
                 </a:solidFill>
@@ -21781,15 +23541,21 @@
                 <a:cs typeface="Arial"/>
                 <a:sym typeface="Arial"/>
               </a:rPr>
-              <a:t>However, even this simple neural network is already powerful enough to perform classification tasks.</a:t>
+              <a:t>However, even this simple neural network is already powerful enough to perform (linear) classification tasks.</a:t>
             </a:r>
-            <a:endParaRPr/>
+            <a:endParaRPr dirty="0"/>
           </a:p>
         </p:txBody>
       </p:sp>
       <p:pic>
         <p:nvPicPr>
-          <p:cNvPr id="76" name="Shape 76" descr="perceptron-arch"/>
+          <p:cNvPr id="5" name="Shape 76">
+            <a:extLst>
+              <a:ext uri="{FF2B5EF4-FFF2-40B4-BE49-F238E27FC236}">
+                <a16:creationId xmlns:a16="http://schemas.microsoft.com/office/drawing/2014/main" id="{BFA5DABC-7C8A-4748-860F-24F230EFBAD6}"/>
+              </a:ext>
+            </a:extLst>
+          </p:cNvPr>
           <p:cNvPicPr preferRelativeResize="0"/>
           <p:nvPr/>
         </p:nvPicPr>
@@ -21802,8 +23568,8 @@
         </p:blipFill>
         <p:spPr>
           <a:xfrm>
-            <a:off x="2590800" y="4495800"/>
-            <a:ext cx="3733800" cy="2020887"/>
+            <a:off x="2790825" y="4507778"/>
+            <a:ext cx="3562350" cy="2132012"/>
           </a:xfrm>
           <a:prstGeom prst="rect">
             <a:avLst/>
@@ -21844,6 +23610,39 @@
           <a:chExt cx="0" cy="0"/>
         </a:xfrm>
       </p:grpSpPr>
+      <p:pic>
+        <p:nvPicPr>
+          <p:cNvPr id="31" name="Shape 76">
+            <a:extLst>
+              <a:ext uri="{FF2B5EF4-FFF2-40B4-BE49-F238E27FC236}">
+                <a16:creationId xmlns:a16="http://schemas.microsoft.com/office/drawing/2014/main" id="{21D2BEE9-5E65-2C48-9718-93ADEDFBAD95}"/>
+              </a:ext>
+            </a:extLst>
+          </p:cNvPr>
+          <p:cNvPicPr preferRelativeResize="0"/>
+          <p:nvPr/>
+        </p:nvPicPr>
+        <p:blipFill rotWithShape="1">
+          <a:blip r:embed="rId3">
+            <a:alphaModFix/>
+          </a:blip>
+          <a:srcRect/>
+          <a:stretch/>
+        </p:blipFill>
+        <p:spPr>
+          <a:xfrm>
+            <a:off x="2267819" y="2024280"/>
+            <a:ext cx="3562350" cy="2132012"/>
+          </a:xfrm>
+          <a:prstGeom prst="rect">
+            <a:avLst/>
+          </a:prstGeom>
+          <a:noFill/>
+          <a:ln>
+            <a:noFill/>
+          </a:ln>
+        </p:spPr>
+      </p:pic>
       <p:sp>
         <p:nvSpPr>
           <p:cNvPr id="82" name="Shape 82"/>
@@ -21954,33 +23753,6 @@
           </a:p>
         </p:txBody>
       </p:sp>
-      <p:pic>
-        <p:nvPicPr>
-          <p:cNvPr id="84" name="Shape 84" descr="perceptron-arch"/>
-          <p:cNvPicPr preferRelativeResize="0"/>
-          <p:nvPr/>
-        </p:nvPicPr>
-        <p:blipFill rotWithShape="1">
-          <a:blip r:embed="rId3">
-            <a:alphaModFix/>
-          </a:blip>
-          <a:srcRect/>
-          <a:stretch/>
-        </p:blipFill>
-        <p:spPr>
-          <a:xfrm>
-            <a:off x="2286000" y="2133600"/>
-            <a:ext cx="3733800" cy="2020887"/>
-          </a:xfrm>
-          <a:prstGeom prst="rect">
-            <a:avLst/>
-          </a:prstGeom>
-          <a:noFill/>
-          <a:ln>
-            <a:noFill/>
-          </a:ln>
-        </p:spPr>
-      </p:pic>
       <p:sp>
         <p:nvSpPr>
           <p:cNvPr id="85" name="Shape 85"/>
@@ -22564,7 +24336,7 @@
         </p:nvCxnSpPr>
         <p:spPr>
           <a:xfrm flipH="1">
-            <a:off x="1981200" y="4191000"/>
+            <a:off x="2989118" y="3941654"/>
             <a:ext cx="304800" cy="228600"/>
           </a:xfrm>
           <a:prstGeom prst="straightConnector1">
@@ -22590,7 +24362,7 @@
         </p:nvSpPr>
         <p:spPr>
           <a:xfrm>
-            <a:off x="1508125" y="4406900"/>
+            <a:off x="2501900" y="4088552"/>
             <a:ext cx="431800" cy="244475"/>
           </a:xfrm>
           <a:prstGeom prst="rect">
@@ -22624,7 +24396,7 @@
               <a:buNone/>
             </a:pPr>
             <a:r>
-              <a:rPr lang="en-US" sz="1000" b="0" i="0" u="none">
+              <a:rPr lang="en-US" sz="1000" b="0" i="0" u="none" dirty="0">
                 <a:solidFill>
                   <a:schemeClr val="dk1"/>
                 </a:solidFill>
@@ -22635,7 +24407,7 @@
               </a:rPr>
               <a:t>Bias</a:t>
             </a:r>
-            <a:endParaRPr/>
+            <a:endParaRPr dirty="0"/>
           </a:p>
         </p:txBody>
       </p:sp>
@@ -23243,13 +25015,6 @@
   <p:clrMapOvr>
     <a:masterClrMapping/>
   </p:clrMapOvr>
-  <p:timing>
-    <p:tnLst>
-      <p:par>
-        <p:cTn id="1" dur="indefinite" restart="never" nodeType="tmRoot"/>
-      </p:par>
-    </p:tnLst>
-  </p:timing>
 </p:sld>
 </file>
 
@@ -23935,13 +25700,6 @@
   <p:clrMapOvr>
     <a:masterClrMapping/>
   </p:clrMapOvr>
-  <p:timing>
-    <p:tnLst>
-      <p:par>
-        <p:cTn id="1" dur="indefinite" restart="never" nodeType="tmRoot"/>
-      </p:par>
-    </p:tnLst>
-  </p:timing>
 </p:sld>
 </file>
 
@@ -24173,19 +25931,7 @@
                 <a:cs typeface="Arial"/>
                 <a:sym typeface="Arial"/>
               </a:rPr>
-              <a:t>Constructs a line (hyperplane) as a </a:t>
-            </a:r>
-            <a:r>
-              <a:rPr lang="en-US" sz="1400" b="0" i="0" u="none" strike="noStrike" cap="none" dirty="0" smtClean="0">
-                <a:solidFill>
-                  <a:schemeClr val="dk1"/>
-                </a:solidFill>
-                <a:latin typeface="Arial"/>
-                <a:ea typeface="Arial"/>
-                <a:cs typeface="Arial"/>
-                <a:sym typeface="Arial"/>
-              </a:rPr>
-              <a:t>classifier</a:t>
+              <a:t>Constructs a line (hyperplane) as a classifier</a:t>
             </a:r>
             <a:endParaRPr dirty="0"/>
           </a:p>
@@ -25634,13 +27380,6 @@
   <p:clrMapOvr>
     <a:masterClrMapping/>
   </p:clrMapOvr>
-  <p:timing>
-    <p:tnLst>
-      <p:par>
-        <p:cTn id="1" dur="indefinite" restart="never" nodeType="tmRoot"/>
-      </p:par>
-    </p:tnLst>
-  </p:timing>
 </p:sld>
 </file>
 
@@ -27087,7 +28826,7 @@
               <a:buNone/>
             </a:pPr>
             <a:r>
-              <a:rPr lang="en-US" sz="1800" b="0" i="0" u="none">
+              <a:rPr lang="en-US" sz="1800" b="0" i="0" u="none" dirty="0">
                 <a:solidFill>
                   <a:schemeClr val="dk1"/>
                 </a:solidFill>
@@ -27096,9 +28835,33 @@
                 <a:cs typeface="Arial"/>
                 <a:sym typeface="Arial"/>
               </a:rPr>
-              <a:t>Can we learn this decision surface? …Yes! Multi-Layer Perceptronsl.</a:t>
+              <a:t>Can we learn this decision surface? …Yes! </a:t>
             </a:r>
-            <a:endParaRPr/>
+            <a:r>
+              <a:rPr lang="en-US" sz="1800" b="0" i="1" u="none" dirty="0">
+                <a:solidFill>
+                  <a:schemeClr val="dk1"/>
+                </a:solidFill>
+                <a:latin typeface="Arial"/>
+                <a:ea typeface="Arial"/>
+                <a:cs typeface="Arial"/>
+                <a:sym typeface="Arial"/>
+              </a:rPr>
+              <a:t>Multi-Layer </a:t>
+            </a:r>
+            <a:r>
+              <a:rPr lang="en-US" sz="1800" b="0" i="1" u="none" dirty="0" err="1">
+                <a:solidFill>
+                  <a:schemeClr val="dk1"/>
+                </a:solidFill>
+                <a:latin typeface="Arial"/>
+                <a:ea typeface="Arial"/>
+                <a:cs typeface="Arial"/>
+                <a:sym typeface="Arial"/>
+              </a:rPr>
+              <a:t>Perceptrons</a:t>
+            </a:r>
+            <a:endParaRPr i="1" dirty="0"/>
           </a:p>
         </p:txBody>
       </p:sp>
@@ -27173,7 +28936,7 @@
               <a:buNone/>
             </a:pPr>
             <a:r>
-              <a:rPr lang="en-US" sz="4200" b="0" i="0" u="none" strike="noStrike" cap="none">
+              <a:rPr lang="en-US" sz="4200" b="0" i="0" u="none" strike="noStrike" cap="none" dirty="0">
                 <a:solidFill>
                   <a:schemeClr val="dk2"/>
                 </a:solidFill>
@@ -27182,9 +28945,33 @@
                 <a:cs typeface="Arial"/>
                 <a:sym typeface="Arial"/>
               </a:rPr>
-              <a:t>Multi-Layer Perceptrons</a:t>
+              <a:t>Multi-Layer </a:t>
             </a:r>
-            <a:endParaRPr/>
+            <a:r>
+              <a:rPr lang="en-US" sz="4200" b="0" i="0" u="none" strike="noStrike" cap="none" dirty="0" err="1">
+                <a:solidFill>
+                  <a:schemeClr val="dk2"/>
+                </a:solidFill>
+                <a:latin typeface="Arial"/>
+                <a:ea typeface="Arial"/>
+                <a:cs typeface="Arial"/>
+                <a:sym typeface="Arial"/>
+              </a:rPr>
+              <a:t>Perceptrons</a:t>
+            </a:r>
+            <a:r>
+              <a:rPr lang="en-US" sz="4200" b="0" i="0" u="none" strike="noStrike" cap="none" dirty="0">
+                <a:solidFill>
+                  <a:schemeClr val="dk2"/>
+                </a:solidFill>
+                <a:latin typeface="Arial"/>
+                <a:ea typeface="Arial"/>
+                <a:cs typeface="Arial"/>
+                <a:sym typeface="Arial"/>
+              </a:rPr>
+              <a:t> (ANNs)</a:t>
+            </a:r>
+            <a:endParaRPr dirty="0"/>
           </a:p>
         </p:txBody>
       </p:sp>
@@ -29494,7 +31281,7 @@
         <p:spPr>
           <a:xfrm>
             <a:off x="1635125" y="5346700"/>
-            <a:ext cx="608012" cy="457200"/>
+            <a:ext cx="996950" cy="457200"/>
           </a:xfrm>
           <a:prstGeom prst="rect">
             <a:avLst/>
@@ -29527,7 +31314,7 @@
               <a:buNone/>
             </a:pPr>
             <a:r>
-              <a:rPr lang="en-US" sz="1200" b="0" i="0" u="none">
+              <a:rPr lang="en-US" sz="1200" b="0" i="0" u="none" dirty="0">
                 <a:solidFill>
                   <a:schemeClr val="dk1"/>
                 </a:solidFill>
@@ -29536,10 +31323,10 @@
                 <a:cs typeface="Arial"/>
                 <a:sym typeface="Arial"/>
               </a:rPr>
-              <a:t>Linear</a:t>
+              <a:t>Linear/Input</a:t>
             </a:r>
             <a:br>
-              <a:rPr lang="en-US" sz="1200" b="0" i="0" u="none">
+              <a:rPr lang="en-US" sz="1200" b="0" i="0" u="none" dirty="0">
                 <a:solidFill>
                   <a:schemeClr val="dk1"/>
                 </a:solidFill>
@@ -29550,7 +31337,7 @@
               </a:rPr>
             </a:br>
             <a:r>
-              <a:rPr lang="en-US" sz="1200" b="0" i="0" u="none">
+              <a:rPr lang="en-US" sz="1200" b="0" i="0" u="none" dirty="0">
                 <a:solidFill>
                   <a:schemeClr val="dk1"/>
                 </a:solidFill>
@@ -29561,10 +31348,90 @@
               </a:rPr>
               <a:t>Unit</a:t>
             </a:r>
-            <a:endParaRPr/>
+            <a:endParaRPr dirty="0"/>
           </a:p>
         </p:txBody>
       </p:sp>
+      <p:sp>
+        <p:nvSpPr>
+          <p:cNvPr id="2" name="TextBox 1">
+            <a:extLst>
+              <a:ext uri="{FF2B5EF4-FFF2-40B4-BE49-F238E27FC236}">
+                <a16:creationId xmlns:a16="http://schemas.microsoft.com/office/drawing/2014/main" id="{D4077963-37E7-5947-92AE-E16CC5BDD67D}"/>
+              </a:ext>
+            </a:extLst>
+          </p:cNvPr>
+          <p:cNvSpPr txBox="1"/>
+          <p:nvPr/>
+        </p:nvSpPr>
+        <p:spPr>
+          <a:xfrm>
+            <a:off x="6816436" y="4100945"/>
+            <a:ext cx="1627369" cy="523220"/>
+          </a:xfrm>
+          <a:prstGeom prst="rect">
+            <a:avLst/>
+          </a:prstGeom>
+          <a:noFill/>
+        </p:spPr>
+        <p:txBody>
+          <a:bodyPr wrap="none" rtlCol="0">
+            <a:spAutoFit/>
+          </a:bodyPr>
+          <a:lstStyle/>
+          <a:p>
+            <a:r>
+              <a:rPr lang="en-US" dirty="0"/>
+              <a:t>Notice the smooth</a:t>
+            </a:r>
+          </a:p>
+          <a:p>
+            <a:r>
+              <a:rPr lang="en-US" dirty="0"/>
+              <a:t>Transfer function!</a:t>
+            </a:r>
+          </a:p>
+        </p:txBody>
+      </p:sp>
+      <p:cxnSp>
+        <p:nvCxnSpPr>
+          <p:cNvPr id="4" name="Straight Arrow Connector 3">
+            <a:extLst>
+              <a:ext uri="{FF2B5EF4-FFF2-40B4-BE49-F238E27FC236}">
+                <a16:creationId xmlns:a16="http://schemas.microsoft.com/office/drawing/2014/main" id="{AEF1011C-B8F4-FC48-AFCB-E211EBF2C513}"/>
+              </a:ext>
+            </a:extLst>
+          </p:cNvPr>
+          <p:cNvCxnSpPr/>
+          <p:nvPr/>
+        </p:nvCxnSpPr>
+        <p:spPr>
+          <a:xfrm flipH="1">
+            <a:off x="7024255" y="4624165"/>
+            <a:ext cx="138545" cy="335762"/>
+          </a:xfrm>
+          <a:prstGeom prst="straightConnector1">
+            <a:avLst/>
+          </a:prstGeom>
+          <a:ln>
+            <a:tailEnd type="triangle"/>
+          </a:ln>
+        </p:spPr>
+        <p:style>
+          <a:lnRef idx="2">
+            <a:schemeClr val="dk1"/>
+          </a:lnRef>
+          <a:fillRef idx="0">
+            <a:schemeClr val="dk1"/>
+          </a:fillRef>
+          <a:effectRef idx="1">
+            <a:schemeClr val="dk1"/>
+          </a:effectRef>
+          <a:fontRef idx="minor">
+            <a:schemeClr val="tx1"/>
+          </a:fontRef>
+        </p:style>
+      </p:cxnSp>
     </p:spTree>
   </p:cSld>
   <p:clrMapOvr>

--- a/notes/14-ANN.pptx
+++ b/notes/14-ANN.pptx
@@ -15078,33 +15078,6 @@
           </a:p>
         </p:txBody>
       </p:sp>
-      <p:pic>
-        <p:nvPicPr>
-          <p:cNvPr id="261" name="Shape 261"/>
-          <p:cNvPicPr preferRelativeResize="0"/>
-          <p:nvPr/>
-        </p:nvPicPr>
-        <p:blipFill rotWithShape="1">
-          <a:blip r:embed="rId3">
-            <a:alphaModFix/>
-          </a:blip>
-          <a:srcRect/>
-          <a:stretch/>
-        </p:blipFill>
-        <p:spPr>
-          <a:xfrm>
-            <a:off x="4410075" y="396874"/>
-            <a:ext cx="3392487" cy="628650"/>
-          </a:xfrm>
-          <a:prstGeom prst="rect">
-            <a:avLst/>
-          </a:prstGeom>
-          <a:noFill/>
-          <a:ln>
-            <a:noFill/>
-          </a:ln>
-        </p:spPr>
-      </p:pic>
       <p:sp>
         <p:nvSpPr>
           <p:cNvPr id="262" name="Shape 262"/>
@@ -17671,7 +17644,7 @@
                 <a:avLst/>
               </a:prstGeom>
               <a:blipFill>
-                <a:blip r:embed="rId4"/>
+                <a:blip r:embed="rId3"/>
                 <a:stretch>
                   <a:fillRect l="-3636" b="-11765"/>
                 </a:stretch>
@@ -17840,7 +17813,7 @@
                 <a:avLst/>
               </a:prstGeom>
               <a:blipFill>
-                <a:blip r:embed="rId5"/>
+                <a:blip r:embed="rId4"/>
                 <a:stretch>
                   <a:fillRect l="-2174" b="-38889"/>
                 </a:stretch>
@@ -17996,7 +17969,7 @@
                 <a:avLst/>
               </a:prstGeom>
               <a:blipFill>
-                <a:blip r:embed="rId6"/>
+                <a:blip r:embed="rId5"/>
                 <a:stretch>
                   <a:fillRect l="-2000" r="-1000" b="-27778"/>
                 </a:stretch>
@@ -18189,7 +18162,7 @@
                 <a:avLst/>
               </a:prstGeom>
               <a:blipFill>
-                <a:blip r:embed="rId7"/>
+                <a:blip r:embed="rId6"/>
                 <a:stretch>
                   <a:fillRect l="-2970" t="-22222" r="-990" b="-44444"/>
                 </a:stretch>
@@ -18390,7 +18363,7 @@
                 <a:avLst/>
               </a:prstGeom>
               <a:blipFill>
-                <a:blip r:embed="rId8"/>
+                <a:blip r:embed="rId7"/>
                 <a:stretch>
                   <a:fillRect l="-1563" b="-27778"/>
                 </a:stretch>
@@ -18583,7 +18556,7 @@
                 <a:avLst/>
               </a:prstGeom>
               <a:blipFill>
-                <a:blip r:embed="rId9"/>
+                <a:blip r:embed="rId8"/>
                 <a:stretch>
                   <a:fillRect l="-3093" t="-22222" r="-2062" b="-44444"/>
                 </a:stretch>
@@ -19267,7 +19240,7 @@
                 <a:avLst/>
               </a:prstGeom>
               <a:blipFill>
-                <a:blip r:embed="rId10"/>
+                <a:blip r:embed="rId9"/>
                 <a:stretch>
                   <a:fillRect l="-1156" b="-14286"/>
                 </a:stretch>

--- a/notes/14-ANN.pptx
+++ b/notes/14-ANN.pptx
@@ -5,7 +5,7 @@
     <p:sldMasterId id="2147483661" r:id="rId1"/>
   </p:sldMasterIdLst>
   <p:notesMasterIdLst>
-    <p:notesMasterId r:id="rId19"/>
+    <p:notesMasterId r:id="rId20"/>
   </p:notesMasterIdLst>
   <p:sldIdLst>
     <p:sldId id="274" r:id="rId2"/>
@@ -19,12 +19,13 @@
     <p:sldId id="259" r:id="rId10"/>
     <p:sldId id="260" r:id="rId11"/>
     <p:sldId id="261" r:id="rId12"/>
-    <p:sldId id="263" r:id="rId13"/>
-    <p:sldId id="262" r:id="rId14"/>
-    <p:sldId id="264" r:id="rId15"/>
-    <p:sldId id="265" r:id="rId16"/>
-    <p:sldId id="266" r:id="rId17"/>
-    <p:sldId id="267" r:id="rId18"/>
+    <p:sldId id="279" r:id="rId13"/>
+    <p:sldId id="263" r:id="rId14"/>
+    <p:sldId id="262" r:id="rId15"/>
+    <p:sldId id="264" r:id="rId16"/>
+    <p:sldId id="265" r:id="rId17"/>
+    <p:sldId id="266" r:id="rId18"/>
+    <p:sldId id="267" r:id="rId19"/>
   </p:sldIdLst>
   <p:sldSz cx="9144000" cy="6858000" type="screen4x3"/>
   <p:notesSz cx="6858000" cy="9144000"/>
@@ -2012,7 +2013,7 @@
                 <a:cs typeface="Arial"/>
                 <a:sym typeface="Arial"/>
               </a:rPr>
-              <a:t>13</a:t>
+              <a:t>14</a:t>
             </a:fld>
             <a:endParaRPr/>
           </a:p>
@@ -2197,7 +2198,7 @@
                 <a:cs typeface="Arial"/>
                 <a:sym typeface="Arial"/>
               </a:rPr>
-              <a:t>14</a:t>
+              <a:t>15</a:t>
             </a:fld>
             <a:endParaRPr/>
           </a:p>
@@ -2382,7 +2383,7 @@
                 <a:cs typeface="Arial"/>
                 <a:sym typeface="Arial"/>
               </a:rPr>
-              <a:t>15</a:t>
+              <a:t>16</a:t>
             </a:fld>
             <a:endParaRPr/>
           </a:p>
@@ -2567,7 +2568,7 @@
                 <a:cs typeface="Arial"/>
                 <a:sym typeface="Arial"/>
               </a:rPr>
-              <a:t>16</a:t>
+              <a:t>17</a:t>
             </a:fld>
             <a:endParaRPr/>
           </a:p>
@@ -2752,7 +2753,7 @@
                 <a:cs typeface="Arial"/>
                 <a:sym typeface="Arial"/>
               </a:rPr>
-              <a:t>17</a:t>
+              <a:t>18</a:t>
             </a:fld>
             <a:endParaRPr/>
           </a:p>
@@ -14944,6 +14945,111 @@
 </file>
 
 <file path=ppt/slides/slide12.xml><?xml version="1.0" encoding="utf-8"?>
+<p:sld xmlns:a="http://schemas.openxmlformats.org/drawingml/2006/main" xmlns:r="http://schemas.openxmlformats.org/officeDocument/2006/relationships" xmlns:p="http://schemas.openxmlformats.org/presentationml/2006/main">
+  <p:cSld>
+    <p:spTree>
+      <p:nvGrpSpPr>
+        <p:cNvPr id="1" name=""/>
+        <p:cNvGrpSpPr/>
+        <p:nvPr/>
+      </p:nvGrpSpPr>
+      <p:grpSpPr>
+        <a:xfrm>
+          <a:off x="0" y="0"/>
+          <a:ext cx="0" cy="0"/>
+          <a:chOff x="0" y="0"/>
+          <a:chExt cx="0" cy="0"/>
+        </a:xfrm>
+      </p:grpSpPr>
+      <p:sp>
+        <p:nvSpPr>
+          <p:cNvPr id="5" name="Title 4">
+            <a:extLst>
+              <a:ext uri="{FF2B5EF4-FFF2-40B4-BE49-F238E27FC236}">
+                <a16:creationId xmlns:a16="http://schemas.microsoft.com/office/drawing/2014/main" id="{BA4D7294-7CA7-6740-882F-8E044BD42F8B}"/>
+              </a:ext>
+            </a:extLst>
+          </p:cNvPr>
+          <p:cNvSpPr>
+            <a:spLocks noGrp="1"/>
+          </p:cNvSpPr>
+          <p:nvPr>
+            <p:ph type="title"/>
+          </p:nvPr>
+        </p:nvSpPr>
+        <p:spPr/>
+        <p:txBody>
+          <a:bodyPr/>
+          <a:lstStyle/>
+          <a:p>
+            <a:r>
+              <a:rPr lang="en-US"/>
+              <a:t>Back Propagation Training</a:t>
+            </a:r>
+          </a:p>
+        </p:txBody>
+      </p:sp>
+      <p:pic>
+        <p:nvPicPr>
+          <p:cNvPr id="1026" name="Picture 2" descr="Backpropagation GIF from machinelearningknowledge.ai">
+            <a:extLst>
+              <a:ext uri="{FF2B5EF4-FFF2-40B4-BE49-F238E27FC236}">
+                <a16:creationId xmlns:a16="http://schemas.microsoft.com/office/drawing/2014/main" id="{1BB768DD-5D1F-1340-9372-3B78BBBC363C}"/>
+              </a:ext>
+            </a:extLst>
+          </p:cNvPr>
+          <p:cNvPicPr>
+            <a:picLocks noChangeAspect="1" noChangeArrowheads="1"/>
+          </p:cNvPicPr>
+          <p:nvPr/>
+        </p:nvPicPr>
+        <p:blipFill>
+          <a:blip r:embed="rId2">
+            <a:extLst>
+              <a:ext uri="{28A0092B-C50C-407E-A947-70E740481C1C}">
+                <a14:useLocalDpi xmlns:a14="http://schemas.microsoft.com/office/drawing/2010/main" val="0"/>
+              </a:ext>
+            </a:extLst>
+          </a:blip>
+          <a:srcRect/>
+          <a:stretch>
+            <a:fillRect/>
+          </a:stretch>
+        </p:blipFill>
+        <p:spPr bwMode="auto">
+          <a:xfrm>
+            <a:off x="1505527" y="1699162"/>
+            <a:ext cx="5940301" cy="4455226"/>
+          </a:xfrm>
+          <a:prstGeom prst="rect">
+            <a:avLst/>
+          </a:prstGeom>
+          <a:noFill/>
+          <a:extLst>
+            <a:ext uri="{909E8E84-426E-40DD-AFC4-6F175D3DCCD1}">
+              <a14:hiddenFill xmlns:a14="http://schemas.microsoft.com/office/drawing/2010/main">
+                <a:solidFill>
+                  <a:srgbClr val="FFFFFF"/>
+                </a:solidFill>
+              </a14:hiddenFill>
+            </a:ext>
+          </a:extLst>
+        </p:spPr>
+      </p:pic>
+    </p:spTree>
+    <p:extLst>
+      <p:ext uri="{BB962C8B-B14F-4D97-AF65-F5344CB8AC3E}">
+        <p14:creationId xmlns:p14="http://schemas.microsoft.com/office/powerpoint/2010/main" val="934855935"/>
+      </p:ext>
+    </p:extLst>
+  </p:cSld>
+  <p:clrMapOvr>
+    <a:masterClrMapping/>
+  </p:clrMapOvr>
+</p:sld>
+</file>
+
+<file path=ppt/slides/slide13.xml><?xml version="1.0" encoding="utf-8"?>
 <p:sld xmlns:a="http://schemas.openxmlformats.org/drawingml/2006/main" xmlns:r="http://schemas.openxmlformats.org/officeDocument/2006/relationships" xmlns:p="http://schemas.openxmlformats.org/presentationml/2006/main">
   <p:cSld>
     <p:spTree>
@@ -17533,8 +17639,8 @@
           </p:txBody>
         </p:sp>
       </p:grpSp>
-      <mc:AlternateContent xmlns:mc="http://schemas.openxmlformats.org/markup-compatibility/2006">
-        <mc:Choice xmlns:a14="http://schemas.microsoft.com/office/drawing/2010/main" Requires="a14">
+      <mc:AlternateContent xmlns:mc="http://schemas.openxmlformats.org/markup-compatibility/2006" xmlns:a14="http://schemas.microsoft.com/office/drawing/2010/main">
+        <mc:Choice Requires="a14">
           <p:sp>
             <p:nvSpPr>
               <p:cNvPr id="2" name="TextBox 1">
@@ -17563,6 +17669,7 @@
               </a:bodyPr>
               <a:lstStyle/>
               <a:p>
+                <a:pPr/>
                 <a14:m>
                   <m:oMathPara xmlns:m="http://schemas.openxmlformats.org/officeDocument/2006/math">
                     <m:oMathParaPr>
@@ -17620,7 +17727,7 @@
             </p:txBody>
           </p:sp>
         </mc:Choice>
-        <mc:Fallback>
+        <mc:Fallback xmlns="">
           <p:sp>
             <p:nvSpPr>
               <p:cNvPr id="2" name="TextBox 1">
@@ -17665,8 +17772,8 @@
           </p:sp>
         </mc:Fallback>
       </mc:AlternateContent>
-      <mc:AlternateContent xmlns:mc="http://schemas.openxmlformats.org/markup-compatibility/2006">
-        <mc:Choice xmlns:a14="http://schemas.microsoft.com/office/drawing/2010/main" Requires="a14">
+      <mc:AlternateContent xmlns:mc="http://schemas.openxmlformats.org/markup-compatibility/2006" xmlns:a14="http://schemas.microsoft.com/office/drawing/2010/main">
+        <mc:Choice Requires="a14">
           <p:sp>
             <p:nvSpPr>
               <p:cNvPr id="3" name="TextBox 2">
@@ -17695,6 +17802,7 @@
               </a:bodyPr>
               <a:lstStyle/>
               <a:p>
+                <a:pPr/>
                 <a14:m>
                   <m:oMathPara xmlns:m="http://schemas.openxmlformats.org/officeDocument/2006/math">
                     <m:oMathParaPr>
@@ -17789,7 +17897,7 @@
             </p:txBody>
           </p:sp>
         </mc:Choice>
-        <mc:Fallback>
+        <mc:Fallback xmlns="">
           <p:sp>
             <p:nvSpPr>
               <p:cNvPr id="3" name="TextBox 2">
@@ -17834,8 +17942,8 @@
           </p:sp>
         </mc:Fallback>
       </mc:AlternateContent>
-      <mc:AlternateContent xmlns:mc="http://schemas.openxmlformats.org/markup-compatibility/2006">
-        <mc:Choice xmlns:a14="http://schemas.microsoft.com/office/drawing/2010/main" Requires="a14">
+      <mc:AlternateContent xmlns:mc="http://schemas.openxmlformats.org/markup-compatibility/2006" xmlns:a14="http://schemas.microsoft.com/office/drawing/2010/main">
+        <mc:Choice Requires="a14">
           <p:sp>
             <p:nvSpPr>
               <p:cNvPr id="4" name="TextBox 3">
@@ -17864,6 +17972,7 @@
               </a:bodyPr>
               <a:lstStyle/>
               <a:p>
+                <a:pPr/>
                 <a14:m>
                   <m:oMathPara xmlns:m="http://schemas.openxmlformats.org/officeDocument/2006/math">
                     <m:oMathParaPr>
@@ -17945,7 +18054,7 @@
             </p:txBody>
           </p:sp>
         </mc:Choice>
-        <mc:Fallback>
+        <mc:Fallback xmlns="">
           <p:sp>
             <p:nvSpPr>
               <p:cNvPr id="4" name="TextBox 3">
@@ -17990,8 +18099,8 @@
           </p:sp>
         </mc:Fallback>
       </mc:AlternateContent>
-      <mc:AlternateContent xmlns:mc="http://schemas.openxmlformats.org/markup-compatibility/2006">
-        <mc:Choice xmlns:a14="http://schemas.microsoft.com/office/drawing/2010/main" Requires="a14">
+      <mc:AlternateContent xmlns:mc="http://schemas.openxmlformats.org/markup-compatibility/2006" xmlns:a14="http://schemas.microsoft.com/office/drawing/2010/main">
+        <mc:Choice Requires="a14">
           <p:sp>
             <p:nvSpPr>
               <p:cNvPr id="5" name="TextBox 4">
@@ -18138,7 +18247,7 @@
             </p:txBody>
           </p:sp>
         </mc:Choice>
-        <mc:Fallback>
+        <mc:Fallback xmlns="">
           <p:sp>
             <p:nvSpPr>
               <p:cNvPr id="5" name="TextBox 4">
@@ -18183,8 +18292,8 @@
           </p:sp>
         </mc:Fallback>
       </mc:AlternateContent>
-      <mc:AlternateContent xmlns:mc="http://schemas.openxmlformats.org/markup-compatibility/2006">
-        <mc:Choice xmlns:a14="http://schemas.microsoft.com/office/drawing/2010/main" Requires="a14">
+      <mc:AlternateContent xmlns:mc="http://schemas.openxmlformats.org/markup-compatibility/2006" xmlns:a14="http://schemas.microsoft.com/office/drawing/2010/main">
+        <mc:Choice Requires="a14">
           <p:sp>
             <p:nvSpPr>
               <p:cNvPr id="68" name="TextBox 67">
@@ -18213,6 +18322,7 @@
               </a:bodyPr>
               <a:lstStyle/>
               <a:p>
+                <a:pPr/>
                 <a14:m>
                   <m:oMathPara xmlns:m="http://schemas.openxmlformats.org/officeDocument/2006/math">
                     <m:oMathParaPr>
@@ -18339,7 +18449,7 @@
             </p:txBody>
           </p:sp>
         </mc:Choice>
-        <mc:Fallback>
+        <mc:Fallback xmlns="">
           <p:sp>
             <p:nvSpPr>
               <p:cNvPr id="68" name="TextBox 67">
@@ -18384,8 +18494,8 @@
           </p:sp>
         </mc:Fallback>
       </mc:AlternateContent>
-      <mc:AlternateContent xmlns:mc="http://schemas.openxmlformats.org/markup-compatibility/2006">
-        <mc:Choice xmlns:a14="http://schemas.microsoft.com/office/drawing/2010/main" Requires="a14">
+      <mc:AlternateContent xmlns:mc="http://schemas.openxmlformats.org/markup-compatibility/2006" xmlns:a14="http://schemas.microsoft.com/office/drawing/2010/main">
+        <mc:Choice Requires="a14">
           <p:sp>
             <p:nvSpPr>
               <p:cNvPr id="69" name="TextBox 68">
@@ -18532,7 +18642,7 @@
             </p:txBody>
           </p:sp>
         </mc:Choice>
-        <mc:Fallback>
+        <mc:Fallback xmlns="">
           <p:sp>
             <p:nvSpPr>
               <p:cNvPr id="69" name="TextBox 68">
@@ -18752,8 +18862,8 @@
           </a:p>
         </p:txBody>
       </p:sp>
-      <mc:AlternateContent xmlns:mc="http://schemas.openxmlformats.org/markup-compatibility/2006">
-        <mc:Choice xmlns:a14="http://schemas.microsoft.com/office/drawing/2010/main" Requires="a14">
+      <mc:AlternateContent xmlns:mc="http://schemas.openxmlformats.org/markup-compatibility/2006" xmlns:a14="http://schemas.microsoft.com/office/drawing/2010/main">
+        <mc:Choice Requires="a14">
           <p:sp>
             <p:nvSpPr>
               <p:cNvPr id="9" name="TextBox 8">
@@ -19036,7 +19146,7 @@
                     <m:sSup>
                       <m:sSupPr>
                         <m:ctrlPr>
-                          <a:rPr lang="en-US" sz="1800" b="0" i="0" smtClean="0">
+                          <a:rPr lang="en-US" sz="1800" b="0" i="1" smtClean="0">
                             <a:latin typeface="Cambria Math" panose="02040503050406030204" pitchFamily="18" charset="0"/>
                           </a:rPr>
                         </m:ctrlPr>
@@ -19216,7 +19326,7 @@
             </p:txBody>
           </p:sp>
         </mc:Choice>
-        <mc:Fallback>
+        <mc:Fallback xmlns="">
           <p:sp>
             <p:nvSpPr>
               <p:cNvPr id="9" name="TextBox 8">
@@ -19349,7 +19459,7 @@
 </p:sld>
 </file>
 
-<file path=ppt/slides/slide13.xml><?xml version="1.0" encoding="utf-8"?>
+<file path=ppt/slides/slide14.xml><?xml version="1.0" encoding="utf-8"?>
 <p:sld xmlns:a="http://schemas.openxmlformats.org/drawingml/2006/main" xmlns:r="http://schemas.openxmlformats.org/officeDocument/2006/relationships" xmlns:p="http://schemas.openxmlformats.org/presentationml/2006/main">
   <p:cSld>
     <p:spTree>
@@ -20260,7 +20370,7 @@
 </p:sld>
 </file>
 
-<file path=ppt/slides/slide14.xml><?xml version="1.0" encoding="utf-8"?>
+<file path=ppt/slides/slide15.xml><?xml version="1.0" encoding="utf-8"?>
 <p:sld xmlns:a="http://schemas.openxmlformats.org/drawingml/2006/main" xmlns:r="http://schemas.openxmlformats.org/officeDocument/2006/relationships" xmlns:p="http://schemas.openxmlformats.org/presentationml/2006/main">
   <p:cSld>
     <p:spTree>
@@ -21533,8 +21643,8 @@
           </a:ln>
         </p:spPr>
       </p:pic>
-      <mc:AlternateContent xmlns:mc="http://schemas.openxmlformats.org/markup-compatibility/2006">
-        <mc:Choice xmlns:a14="http://schemas.microsoft.com/office/drawing/2010/main" Requires="a14">
+      <mc:AlternateContent xmlns:mc="http://schemas.openxmlformats.org/markup-compatibility/2006" xmlns:a14="http://schemas.microsoft.com/office/drawing/2010/main">
+        <mc:Choice Requires="a14">
           <p:sp>
             <p:nvSpPr>
               <p:cNvPr id="25" name="TextBox 24">
@@ -21563,6 +21673,7 @@
               </a:bodyPr>
               <a:lstStyle/>
               <a:p>
+                <a:pPr/>
                 <a14:m>
                   <m:oMathPara xmlns:m="http://schemas.openxmlformats.org/officeDocument/2006/math">
                     <m:oMathParaPr>
@@ -21688,7 +21799,7 @@
             </p:txBody>
           </p:sp>
         </mc:Choice>
-        <mc:Fallback>
+        <mc:Fallback xmlns="">
           <p:sp>
             <p:nvSpPr>
               <p:cNvPr id="25" name="TextBox 24">
@@ -21790,7 +21901,7 @@
 </p:sld>
 </file>
 
-<file path=ppt/slides/slide15.xml><?xml version="1.0" encoding="utf-8"?>
+<file path=ppt/slides/slide16.xml><?xml version="1.0" encoding="utf-8"?>
 <p:sld xmlns:a="http://schemas.openxmlformats.org/drawingml/2006/main" xmlns:r="http://schemas.openxmlformats.org/officeDocument/2006/relationships" xmlns:p="http://schemas.openxmlformats.org/presentationml/2006/main">
   <p:cSld>
     <p:spTree>
@@ -22024,7 +22135,7 @@
 </p:sld>
 </file>
 
-<file path=ppt/slides/slide16.xml><?xml version="1.0" encoding="utf-8"?>
+<file path=ppt/slides/slide17.xml><?xml version="1.0" encoding="utf-8"?>
 <p:sld xmlns:a="http://schemas.openxmlformats.org/drawingml/2006/main" xmlns:r="http://schemas.openxmlformats.org/officeDocument/2006/relationships" xmlns:p="http://schemas.openxmlformats.org/presentationml/2006/main">
   <p:cSld>
     <p:spTree>
@@ -22278,7 +22389,7 @@
 </p:sld>
 </file>
 
-<file path=ppt/slides/slide17.xml><?xml version="1.0" encoding="utf-8"?>
+<file path=ppt/slides/slide18.xml><?xml version="1.0" encoding="utf-8"?>
 <p:sld xmlns:a="http://schemas.openxmlformats.org/drawingml/2006/main" xmlns:r="http://schemas.openxmlformats.org/officeDocument/2006/relationships" xmlns:p="http://schemas.openxmlformats.org/presentationml/2006/main">
   <p:cSld>
     <p:spTree>

--- a/notes/14-ANN.pptx
+++ b/notes/14-ANN.pptx
@@ -5,7 +5,7 @@
     <p:sldMasterId id="2147483661" r:id="rId1"/>
   </p:sldMasterIdLst>
   <p:notesMasterIdLst>
-    <p:notesMasterId r:id="rId20"/>
+    <p:notesMasterId r:id="rId19"/>
   </p:notesMasterIdLst>
   <p:sldIdLst>
     <p:sldId id="274" r:id="rId2"/>
@@ -19,13 +19,12 @@
     <p:sldId id="259" r:id="rId10"/>
     <p:sldId id="260" r:id="rId11"/>
     <p:sldId id="261" r:id="rId12"/>
-    <p:sldId id="279" r:id="rId13"/>
-    <p:sldId id="263" r:id="rId14"/>
+    <p:sldId id="263" r:id="rId13"/>
+    <p:sldId id="264" r:id="rId14"/>
     <p:sldId id="262" r:id="rId15"/>
-    <p:sldId id="264" r:id="rId16"/>
-    <p:sldId id="265" r:id="rId17"/>
-    <p:sldId id="266" r:id="rId18"/>
-    <p:sldId id="267" r:id="rId19"/>
+    <p:sldId id="265" r:id="rId16"/>
+    <p:sldId id="266" r:id="rId17"/>
+    <p:sldId id="267" r:id="rId18"/>
   </p:sldIdLst>
   <p:sldSz cx="9144000" cy="6858000" type="screen4x3"/>
   <p:notesSz cx="6858000" cy="9144000"/>
@@ -1950,6 +1949,191 @@
   <p:cSld>
     <p:spTree>
       <p:nvGrpSpPr>
+        <p:cNvPr id="1" name="Shape 317"/>
+        <p:cNvGrpSpPr/>
+        <p:nvPr/>
+      </p:nvGrpSpPr>
+      <p:grpSpPr>
+        <a:xfrm>
+          <a:off x="0" y="0"/>
+          <a:ext cx="0" cy="0"/>
+          <a:chOff x="0" y="0"/>
+          <a:chExt cx="0" cy="0"/>
+        </a:xfrm>
+      </p:grpSpPr>
+      <p:sp>
+        <p:nvSpPr>
+          <p:cNvPr id="318" name="Shape 318"/>
+          <p:cNvSpPr txBox="1"/>
+          <p:nvPr/>
+        </p:nvSpPr>
+        <p:spPr>
+          <a:xfrm>
+            <a:off x="3886200" y="8686800"/>
+            <a:ext cx="2971800" cy="457200"/>
+          </a:xfrm>
+          <a:prstGeom prst="rect">
+            <a:avLst/>
+          </a:prstGeom>
+          <a:noFill/>
+          <a:ln>
+            <a:noFill/>
+          </a:ln>
+        </p:spPr>
+        <p:txBody>
+          <a:bodyPr spcFirstLastPara="1" wrap="square" lIns="91425" tIns="45700" rIns="91425" bIns="45700" anchor="b" anchorCtr="0">
+            <a:noAutofit/>
+          </a:bodyPr>
+          <a:lstStyle/>
+          <a:p>
+            <a:pPr marL="0" marR="0" lvl="0" indent="0" algn="r" rtl="0">
+              <a:lnSpc>
+                <a:spcPct val="100000"/>
+              </a:lnSpc>
+              <a:spcBef>
+                <a:spcPts val="0"/>
+              </a:spcBef>
+              <a:spcAft>
+                <a:spcPts val="0"/>
+              </a:spcAft>
+              <a:buClr>
+                <a:srgbClr val="000000"/>
+              </a:buClr>
+              <a:buFont typeface="Arial"/>
+              <a:buNone/>
+            </a:pPr>
+            <a:fld id="{00000000-1234-1234-1234-123412341234}" type="slidenum">
+              <a:rPr lang="en-US" sz="1200" b="0" i="0" u="none">
+                <a:solidFill>
+                  <a:srgbClr val="000000"/>
+                </a:solidFill>
+                <a:latin typeface="Arial"/>
+                <a:ea typeface="Arial"/>
+                <a:cs typeface="Arial"/>
+                <a:sym typeface="Arial"/>
+              </a:rPr>
+              <a:t>13</a:t>
+            </a:fld>
+            <a:endParaRPr/>
+          </a:p>
+        </p:txBody>
+      </p:sp>
+      <p:sp>
+        <p:nvSpPr>
+          <p:cNvPr id="319" name="Shape 319"/>
+          <p:cNvSpPr>
+            <a:spLocks noGrp="1" noRot="1" noChangeAspect="1"/>
+          </p:cNvSpPr>
+          <p:nvPr>
+            <p:ph type="sldImg" idx="2"/>
+          </p:nvPr>
+        </p:nvSpPr>
+        <p:spPr>
+          <a:xfrm>
+            <a:off x="1143000" y="685800"/>
+            <a:ext cx="4572000" cy="3429000"/>
+          </a:xfrm>
+          <a:custGeom>
+            <a:avLst/>
+            <a:gdLst/>
+            <a:ahLst/>
+            <a:cxnLst/>
+            <a:rect l="0" t="0" r="0" b="0"/>
+            <a:pathLst>
+              <a:path w="120000" h="120000" extrusionOk="0">
+                <a:moveTo>
+                  <a:pt x="0" y="0"/>
+                </a:moveTo>
+                <a:lnTo>
+                  <a:pt x="120000" y="0"/>
+                </a:lnTo>
+                <a:lnTo>
+                  <a:pt x="120000" y="120000"/>
+                </a:lnTo>
+                <a:lnTo>
+                  <a:pt x="0" y="120000"/>
+                </a:lnTo>
+                <a:close/>
+              </a:path>
+            </a:pathLst>
+          </a:custGeom>
+          <a:solidFill>
+            <a:srgbClr val="FFFFFF"/>
+          </a:solidFill>
+          <a:ln w="9525" cap="flat" cmpd="sng">
+            <a:solidFill>
+              <a:srgbClr val="000000"/>
+            </a:solidFill>
+            <a:prstDash val="solid"/>
+            <a:miter lim="8000"/>
+            <a:headEnd type="none" w="sm" len="sm"/>
+            <a:tailEnd type="none" w="sm" len="sm"/>
+          </a:ln>
+        </p:spPr>
+      </p:sp>
+      <p:sp>
+        <p:nvSpPr>
+          <p:cNvPr id="320" name="Shape 320"/>
+          <p:cNvSpPr txBox="1">
+            <a:spLocks noGrp="1"/>
+          </p:cNvSpPr>
+          <p:nvPr>
+            <p:ph type="body" idx="1"/>
+          </p:nvPr>
+        </p:nvSpPr>
+        <p:spPr>
+          <a:xfrm>
+            <a:off x="914400" y="4343400"/>
+            <a:ext cx="5029200" cy="4114800"/>
+          </a:xfrm>
+          <a:prstGeom prst="rect">
+            <a:avLst/>
+          </a:prstGeom>
+          <a:solidFill>
+            <a:srgbClr val="FFFFFF"/>
+          </a:solidFill>
+          <a:ln w="9525" cap="flat" cmpd="sng">
+            <a:solidFill>
+              <a:srgbClr val="000000"/>
+            </a:solidFill>
+            <a:prstDash val="solid"/>
+            <a:miter lim="8000"/>
+            <a:headEnd type="none" w="sm" len="sm"/>
+            <a:tailEnd type="none" w="sm" len="sm"/>
+          </a:ln>
+        </p:spPr>
+        <p:txBody>
+          <a:bodyPr spcFirstLastPara="1" wrap="square" lIns="91425" tIns="45700" rIns="91425" bIns="45700" anchor="t" anchorCtr="0">
+            <a:noAutofit/>
+          </a:bodyPr>
+          <a:lstStyle/>
+          <a:p>
+            <a:pPr marL="0" marR="0" lvl="0" indent="0" algn="l" rtl="0">
+              <a:spcBef>
+                <a:spcPts val="0"/>
+              </a:spcBef>
+              <a:spcAft>
+                <a:spcPts val="0"/>
+              </a:spcAft>
+              <a:buNone/>
+            </a:pPr>
+            <a:endParaRPr sz="1800" b="0" i="0" u="none" strike="noStrike" cap="none"/>
+          </a:p>
+        </p:txBody>
+      </p:sp>
+    </p:spTree>
+  </p:cSld>
+  <p:clrMapOvr>
+    <a:masterClrMapping/>
+  </p:clrMapOvr>
+</p:notes>
+</file>
+
+<file path=ppt/notesSlides/notesSlide14.xml><?xml version="1.0" encoding="utf-8"?>
+<p:notes xmlns:a="http://schemas.openxmlformats.org/drawingml/2006/main" xmlns:r="http://schemas.openxmlformats.org/officeDocument/2006/relationships" xmlns:p="http://schemas.openxmlformats.org/presentationml/2006/main" showMasterSp="0" showMasterPhAnim="0">
+  <p:cSld>
+    <p:spTree>
+      <p:nvGrpSpPr>
         <p:cNvPr id="1" name="Shape 242"/>
         <p:cNvGrpSpPr/>
         <p:nvPr/>
@@ -2130,191 +2314,6 @@
 </p:notes>
 </file>
 
-<file path=ppt/notesSlides/notesSlide14.xml><?xml version="1.0" encoding="utf-8"?>
-<p:notes xmlns:a="http://schemas.openxmlformats.org/drawingml/2006/main" xmlns:r="http://schemas.openxmlformats.org/officeDocument/2006/relationships" xmlns:p="http://schemas.openxmlformats.org/presentationml/2006/main" showMasterSp="0" showMasterPhAnim="0">
-  <p:cSld>
-    <p:spTree>
-      <p:nvGrpSpPr>
-        <p:cNvPr id="1" name="Shape 317"/>
-        <p:cNvGrpSpPr/>
-        <p:nvPr/>
-      </p:nvGrpSpPr>
-      <p:grpSpPr>
-        <a:xfrm>
-          <a:off x="0" y="0"/>
-          <a:ext cx="0" cy="0"/>
-          <a:chOff x="0" y="0"/>
-          <a:chExt cx="0" cy="0"/>
-        </a:xfrm>
-      </p:grpSpPr>
-      <p:sp>
-        <p:nvSpPr>
-          <p:cNvPr id="318" name="Shape 318"/>
-          <p:cNvSpPr txBox="1"/>
-          <p:nvPr/>
-        </p:nvSpPr>
-        <p:spPr>
-          <a:xfrm>
-            <a:off x="3886200" y="8686800"/>
-            <a:ext cx="2971800" cy="457200"/>
-          </a:xfrm>
-          <a:prstGeom prst="rect">
-            <a:avLst/>
-          </a:prstGeom>
-          <a:noFill/>
-          <a:ln>
-            <a:noFill/>
-          </a:ln>
-        </p:spPr>
-        <p:txBody>
-          <a:bodyPr spcFirstLastPara="1" wrap="square" lIns="91425" tIns="45700" rIns="91425" bIns="45700" anchor="b" anchorCtr="0">
-            <a:noAutofit/>
-          </a:bodyPr>
-          <a:lstStyle/>
-          <a:p>
-            <a:pPr marL="0" marR="0" lvl="0" indent="0" algn="r" rtl="0">
-              <a:lnSpc>
-                <a:spcPct val="100000"/>
-              </a:lnSpc>
-              <a:spcBef>
-                <a:spcPts val="0"/>
-              </a:spcBef>
-              <a:spcAft>
-                <a:spcPts val="0"/>
-              </a:spcAft>
-              <a:buClr>
-                <a:srgbClr val="000000"/>
-              </a:buClr>
-              <a:buFont typeface="Arial"/>
-              <a:buNone/>
-            </a:pPr>
-            <a:fld id="{00000000-1234-1234-1234-123412341234}" type="slidenum">
-              <a:rPr lang="en-US" sz="1200" b="0" i="0" u="none">
-                <a:solidFill>
-                  <a:srgbClr val="000000"/>
-                </a:solidFill>
-                <a:latin typeface="Arial"/>
-                <a:ea typeface="Arial"/>
-                <a:cs typeface="Arial"/>
-                <a:sym typeface="Arial"/>
-              </a:rPr>
-              <a:t>15</a:t>
-            </a:fld>
-            <a:endParaRPr/>
-          </a:p>
-        </p:txBody>
-      </p:sp>
-      <p:sp>
-        <p:nvSpPr>
-          <p:cNvPr id="319" name="Shape 319"/>
-          <p:cNvSpPr>
-            <a:spLocks noGrp="1" noRot="1" noChangeAspect="1"/>
-          </p:cNvSpPr>
-          <p:nvPr>
-            <p:ph type="sldImg" idx="2"/>
-          </p:nvPr>
-        </p:nvSpPr>
-        <p:spPr>
-          <a:xfrm>
-            <a:off x="1143000" y="685800"/>
-            <a:ext cx="4572000" cy="3429000"/>
-          </a:xfrm>
-          <a:custGeom>
-            <a:avLst/>
-            <a:gdLst/>
-            <a:ahLst/>
-            <a:cxnLst/>
-            <a:rect l="0" t="0" r="0" b="0"/>
-            <a:pathLst>
-              <a:path w="120000" h="120000" extrusionOk="0">
-                <a:moveTo>
-                  <a:pt x="0" y="0"/>
-                </a:moveTo>
-                <a:lnTo>
-                  <a:pt x="120000" y="0"/>
-                </a:lnTo>
-                <a:lnTo>
-                  <a:pt x="120000" y="120000"/>
-                </a:lnTo>
-                <a:lnTo>
-                  <a:pt x="0" y="120000"/>
-                </a:lnTo>
-                <a:close/>
-              </a:path>
-            </a:pathLst>
-          </a:custGeom>
-          <a:solidFill>
-            <a:srgbClr val="FFFFFF"/>
-          </a:solidFill>
-          <a:ln w="9525" cap="flat" cmpd="sng">
-            <a:solidFill>
-              <a:srgbClr val="000000"/>
-            </a:solidFill>
-            <a:prstDash val="solid"/>
-            <a:miter lim="8000"/>
-            <a:headEnd type="none" w="sm" len="sm"/>
-            <a:tailEnd type="none" w="sm" len="sm"/>
-          </a:ln>
-        </p:spPr>
-      </p:sp>
-      <p:sp>
-        <p:nvSpPr>
-          <p:cNvPr id="320" name="Shape 320"/>
-          <p:cNvSpPr txBox="1">
-            <a:spLocks noGrp="1"/>
-          </p:cNvSpPr>
-          <p:nvPr>
-            <p:ph type="body" idx="1"/>
-          </p:nvPr>
-        </p:nvSpPr>
-        <p:spPr>
-          <a:xfrm>
-            <a:off x="914400" y="4343400"/>
-            <a:ext cx="5029200" cy="4114800"/>
-          </a:xfrm>
-          <a:prstGeom prst="rect">
-            <a:avLst/>
-          </a:prstGeom>
-          <a:solidFill>
-            <a:srgbClr val="FFFFFF"/>
-          </a:solidFill>
-          <a:ln w="9525" cap="flat" cmpd="sng">
-            <a:solidFill>
-              <a:srgbClr val="000000"/>
-            </a:solidFill>
-            <a:prstDash val="solid"/>
-            <a:miter lim="8000"/>
-            <a:headEnd type="none" w="sm" len="sm"/>
-            <a:tailEnd type="none" w="sm" len="sm"/>
-          </a:ln>
-        </p:spPr>
-        <p:txBody>
-          <a:bodyPr spcFirstLastPara="1" wrap="square" lIns="91425" tIns="45700" rIns="91425" bIns="45700" anchor="t" anchorCtr="0">
-            <a:noAutofit/>
-          </a:bodyPr>
-          <a:lstStyle/>
-          <a:p>
-            <a:pPr marL="0" marR="0" lvl="0" indent="0" algn="l" rtl="0">
-              <a:spcBef>
-                <a:spcPts val="0"/>
-              </a:spcBef>
-              <a:spcAft>
-                <a:spcPts val="0"/>
-              </a:spcAft>
-              <a:buNone/>
-            </a:pPr>
-            <a:endParaRPr sz="1800" b="0" i="0" u="none" strike="noStrike" cap="none"/>
-          </a:p>
-        </p:txBody>
-      </p:sp>
-    </p:spTree>
-  </p:cSld>
-  <p:clrMapOvr>
-    <a:masterClrMapping/>
-  </p:clrMapOvr>
-</p:notes>
-</file>
-
 <file path=ppt/notesSlides/notesSlide15.xml><?xml version="1.0" encoding="utf-8"?>
 <p:notes xmlns:a="http://schemas.openxmlformats.org/drawingml/2006/main" xmlns:r="http://schemas.openxmlformats.org/officeDocument/2006/relationships" xmlns:p="http://schemas.openxmlformats.org/presentationml/2006/main" showMasterSp="0" showMasterPhAnim="0">
   <p:cSld>
@@ -2383,7 +2382,7 @@
                 <a:cs typeface="Arial"/>
                 <a:sym typeface="Arial"/>
               </a:rPr>
-              <a:t>16</a:t>
+              <a:t>15</a:t>
             </a:fld>
             <a:endParaRPr/>
           </a:p>
@@ -2568,7 +2567,7 @@
                 <a:cs typeface="Arial"/>
                 <a:sym typeface="Arial"/>
               </a:rPr>
-              <a:t>17</a:t>
+              <a:t>16</a:t>
             </a:fld>
             <a:endParaRPr/>
           </a:p>
@@ -2753,7 +2752,7 @@
                 <a:cs typeface="Arial"/>
                 <a:sym typeface="Arial"/>
               </a:rPr>
-              <a:t>18</a:t>
+              <a:t>17</a:t>
             </a:fld>
             <a:endParaRPr/>
           </a:p>
@@ -14949,111 +14948,6 @@
   <p:cSld>
     <p:spTree>
       <p:nvGrpSpPr>
-        <p:cNvPr id="1" name=""/>
-        <p:cNvGrpSpPr/>
-        <p:nvPr/>
-      </p:nvGrpSpPr>
-      <p:grpSpPr>
-        <a:xfrm>
-          <a:off x="0" y="0"/>
-          <a:ext cx="0" cy="0"/>
-          <a:chOff x="0" y="0"/>
-          <a:chExt cx="0" cy="0"/>
-        </a:xfrm>
-      </p:grpSpPr>
-      <p:sp>
-        <p:nvSpPr>
-          <p:cNvPr id="5" name="Title 4">
-            <a:extLst>
-              <a:ext uri="{FF2B5EF4-FFF2-40B4-BE49-F238E27FC236}">
-                <a16:creationId xmlns:a16="http://schemas.microsoft.com/office/drawing/2014/main" id="{BA4D7294-7CA7-6740-882F-8E044BD42F8B}"/>
-              </a:ext>
-            </a:extLst>
-          </p:cNvPr>
-          <p:cNvSpPr>
-            <a:spLocks noGrp="1"/>
-          </p:cNvSpPr>
-          <p:nvPr>
-            <p:ph type="title"/>
-          </p:nvPr>
-        </p:nvSpPr>
-        <p:spPr/>
-        <p:txBody>
-          <a:bodyPr/>
-          <a:lstStyle/>
-          <a:p>
-            <a:r>
-              <a:rPr lang="en-US"/>
-              <a:t>Back Propagation Training</a:t>
-            </a:r>
-          </a:p>
-        </p:txBody>
-      </p:sp>
-      <p:pic>
-        <p:nvPicPr>
-          <p:cNvPr id="1026" name="Picture 2" descr="Backpropagation GIF from machinelearningknowledge.ai">
-            <a:extLst>
-              <a:ext uri="{FF2B5EF4-FFF2-40B4-BE49-F238E27FC236}">
-                <a16:creationId xmlns:a16="http://schemas.microsoft.com/office/drawing/2014/main" id="{1BB768DD-5D1F-1340-9372-3B78BBBC363C}"/>
-              </a:ext>
-            </a:extLst>
-          </p:cNvPr>
-          <p:cNvPicPr>
-            <a:picLocks noChangeAspect="1" noChangeArrowheads="1"/>
-          </p:cNvPicPr>
-          <p:nvPr/>
-        </p:nvPicPr>
-        <p:blipFill>
-          <a:blip r:embed="rId2">
-            <a:extLst>
-              <a:ext uri="{28A0092B-C50C-407E-A947-70E740481C1C}">
-                <a14:useLocalDpi xmlns:a14="http://schemas.microsoft.com/office/drawing/2010/main" val="0"/>
-              </a:ext>
-            </a:extLst>
-          </a:blip>
-          <a:srcRect/>
-          <a:stretch>
-            <a:fillRect/>
-          </a:stretch>
-        </p:blipFill>
-        <p:spPr bwMode="auto">
-          <a:xfrm>
-            <a:off x="1505527" y="1699162"/>
-            <a:ext cx="5940301" cy="4455226"/>
-          </a:xfrm>
-          <a:prstGeom prst="rect">
-            <a:avLst/>
-          </a:prstGeom>
-          <a:noFill/>
-          <a:extLst>
-            <a:ext uri="{909E8E84-426E-40DD-AFC4-6F175D3DCCD1}">
-              <a14:hiddenFill xmlns:a14="http://schemas.microsoft.com/office/drawing/2010/main">
-                <a:solidFill>
-                  <a:srgbClr val="FFFFFF"/>
-                </a:solidFill>
-              </a14:hiddenFill>
-            </a:ext>
-          </a:extLst>
-        </p:spPr>
-      </p:pic>
-    </p:spTree>
-    <p:extLst>
-      <p:ext uri="{BB962C8B-B14F-4D97-AF65-F5344CB8AC3E}">
-        <p14:creationId xmlns:p14="http://schemas.microsoft.com/office/powerpoint/2010/main" val="934855935"/>
-      </p:ext>
-    </p:extLst>
-  </p:cSld>
-  <p:clrMapOvr>
-    <a:masterClrMapping/>
-  </p:clrMapOvr>
-</p:sld>
-</file>
-
-<file path=ppt/slides/slide13.xml><?xml version="1.0" encoding="utf-8"?>
-<p:sld xmlns:a="http://schemas.openxmlformats.org/drawingml/2006/main" xmlns:r="http://schemas.openxmlformats.org/officeDocument/2006/relationships" xmlns:p="http://schemas.openxmlformats.org/presentationml/2006/main">
-  <p:cSld>
-    <p:spTree>
-      <p:nvGrpSpPr>
         <p:cNvPr id="1" name="Shape 254"/>
         <p:cNvGrpSpPr/>
         <p:nvPr/>
@@ -15124,190 +15018,6 @@
               <a:t>Backpropagation</a:t>
             </a:r>
             <a:endParaRPr/>
-          </a:p>
-        </p:txBody>
-      </p:sp>
-      <p:sp>
-        <p:nvSpPr>
-          <p:cNvPr id="260" name="Shape 260"/>
-          <p:cNvSpPr txBox="1"/>
-          <p:nvPr/>
-        </p:nvSpPr>
-        <p:spPr>
-          <a:xfrm>
-            <a:off x="1143000" y="4495800"/>
-            <a:ext cx="1852612" cy="274637"/>
-          </a:xfrm>
-          <a:prstGeom prst="rect">
-            <a:avLst/>
-          </a:prstGeom>
-          <a:noFill/>
-          <a:ln>
-            <a:noFill/>
-          </a:ln>
-        </p:spPr>
-        <p:txBody>
-          <a:bodyPr spcFirstLastPara="1" wrap="square" lIns="91425" tIns="45700" rIns="91425" bIns="45700" anchor="t" anchorCtr="0">
-            <a:noAutofit/>
-          </a:bodyPr>
-          <a:lstStyle/>
-          <a:p>
-            <a:pPr marL="0" marR="0" lvl="0" indent="0" algn="l" rtl="0">
-              <a:lnSpc>
-                <a:spcPct val="100000"/>
-              </a:lnSpc>
-              <a:spcBef>
-                <a:spcPts val="0"/>
-              </a:spcBef>
-              <a:spcAft>
-                <a:spcPts val="0"/>
-              </a:spcAft>
-              <a:buClr>
-                <a:schemeClr val="dk1"/>
-              </a:buClr>
-              <a:buFont typeface="Arial"/>
-              <a:buNone/>
-            </a:pPr>
-            <a:r>
-              <a:rPr lang="en-US" sz="1200" b="0" i="0" u="none">
-                <a:solidFill>
-                  <a:schemeClr val="dk1"/>
-                </a:solidFill>
-                <a:latin typeface="Arial"/>
-                <a:ea typeface="Arial"/>
-                <a:cs typeface="Arial"/>
-                <a:sym typeface="Arial"/>
-              </a:rPr>
-              <a:t>This only works because</a:t>
-            </a:r>
-            <a:endParaRPr/>
-          </a:p>
-        </p:txBody>
-      </p:sp>
-      <p:sp>
-        <p:nvSpPr>
-          <p:cNvPr id="262" name="Shape 262"/>
-          <p:cNvSpPr txBox="1"/>
-          <p:nvPr/>
-        </p:nvSpPr>
-        <p:spPr>
-          <a:xfrm>
-            <a:off x="1209675" y="5486400"/>
-            <a:ext cx="6572250" cy="639762"/>
-          </a:xfrm>
-          <a:prstGeom prst="rect">
-            <a:avLst/>
-          </a:prstGeom>
-          <a:noFill/>
-          <a:ln>
-            <a:noFill/>
-          </a:ln>
-        </p:spPr>
-        <p:txBody>
-          <a:bodyPr spcFirstLastPara="1" wrap="square" lIns="91425" tIns="45700" rIns="91425" bIns="45700" anchor="t" anchorCtr="0">
-            <a:noAutofit/>
-          </a:bodyPr>
-          <a:lstStyle/>
-          <a:p>
-            <a:pPr marL="0" marR="0" lvl="0" indent="0" algn="l" rtl="0">
-              <a:lnSpc>
-                <a:spcPct val="100000"/>
-              </a:lnSpc>
-              <a:spcBef>
-                <a:spcPts val="0"/>
-              </a:spcBef>
-              <a:spcAft>
-                <a:spcPts val="0"/>
-              </a:spcAft>
-              <a:buClr>
-                <a:schemeClr val="dk1"/>
-              </a:buClr>
-              <a:buFont typeface="Arial"/>
-              <a:buNone/>
-            </a:pPr>
-            <a:r>
-              <a:rPr lang="en-US" sz="1200" b="0" i="0" u="none" dirty="0">
-                <a:solidFill>
-                  <a:schemeClr val="dk1"/>
-                </a:solidFill>
-                <a:latin typeface="Arial"/>
-                <a:ea typeface="Arial"/>
-                <a:cs typeface="Arial"/>
-                <a:sym typeface="Arial"/>
-              </a:rPr>
-              <a:t>and the output y is differentiable because the transfer function is differentiable.  Also note,</a:t>
-            </a:r>
-            <a:br>
-              <a:rPr lang="en-US" sz="1200" b="0" i="0" u="none" dirty="0">
-                <a:solidFill>
-                  <a:schemeClr val="dk1"/>
-                </a:solidFill>
-                <a:latin typeface="Arial"/>
-                <a:ea typeface="Arial"/>
-                <a:cs typeface="Arial"/>
-                <a:sym typeface="Arial"/>
-              </a:rPr>
-            </a:br>
-            <a:r>
-              <a:rPr lang="en-US" sz="1200" b="0" i="0" u="none" dirty="0">
-                <a:solidFill>
-                  <a:schemeClr val="dk1"/>
-                </a:solidFill>
-                <a:latin typeface="Arial"/>
-                <a:ea typeface="Arial"/>
-                <a:cs typeface="Arial"/>
-                <a:sym typeface="Arial"/>
-              </a:rPr>
-              <a:t>everything is based on the </a:t>
-            </a:r>
-            <a:r>
-              <a:rPr lang="en-US" sz="1200" b="0" i="1" u="none" dirty="0">
-                <a:solidFill>
-                  <a:schemeClr val="dk1"/>
-                </a:solidFill>
-                <a:latin typeface="Arial"/>
-                <a:ea typeface="Arial"/>
-                <a:cs typeface="Arial"/>
-                <a:sym typeface="Arial"/>
-              </a:rPr>
-              <a:t>rate of change</a:t>
-            </a:r>
-            <a:r>
-              <a:rPr lang="en-US" sz="1200" b="0" i="0" u="none" dirty="0">
-                <a:solidFill>
-                  <a:schemeClr val="dk1"/>
-                </a:solidFill>
-                <a:latin typeface="Arial"/>
-                <a:ea typeface="Arial"/>
-                <a:cs typeface="Arial"/>
-                <a:sym typeface="Arial"/>
-              </a:rPr>
-              <a:t> of the error…we are searching in the direction where</a:t>
-            </a:r>
-            <a:br>
-              <a:rPr lang="en-US" sz="1200" b="0" i="0" u="none" dirty="0">
-                <a:solidFill>
-                  <a:schemeClr val="dk1"/>
-                </a:solidFill>
-                <a:latin typeface="Arial"/>
-                <a:ea typeface="Arial"/>
-                <a:cs typeface="Arial"/>
-                <a:sym typeface="Arial"/>
-              </a:rPr>
-            </a:br>
-            <a:r>
-              <a:rPr lang="en-US" sz="1200" b="0" i="0" u="none" dirty="0">
-                <a:solidFill>
-                  <a:schemeClr val="dk1"/>
-                </a:solidFill>
-                <a:latin typeface="Arial"/>
-                <a:ea typeface="Arial"/>
-                <a:cs typeface="Arial"/>
-                <a:sym typeface="Arial"/>
-              </a:rPr>
-              <a:t>the rate of change will minimize the output error.</a:t>
-            </a:r>
-            <a:endParaRPr dirty="0"/>
           </a:p>
         </p:txBody>
       </p:sp>
@@ -17267,7 +16977,7 @@
             </p:nvSpPr>
             <p:spPr>
               <a:xfrm>
-                <a:off x="5394325" y="3332162"/>
+                <a:off x="5085570" y="3462787"/>
                 <a:ext cx="342900" cy="274637"/>
               </a:xfrm>
               <a:prstGeom prst="rect">
@@ -17301,7 +17011,7 @@
                   <a:buNone/>
                 </a:pPr>
                 <a:r>
-                  <a:rPr lang="en-US" sz="1200" b="0" i="0" u="none">
+                  <a:rPr lang="en-US" sz="1200" b="0" i="0" u="none" dirty="0" err="1">
                     <a:solidFill>
                       <a:schemeClr val="dk1"/>
                     </a:solidFill>
@@ -17313,7 +17023,7 @@
                   <a:t>δ</a:t>
                 </a:r>
                 <a:r>
-                  <a:rPr lang="en-US" sz="1200" b="0" i="0" u="none" baseline="-25000">
+                  <a:rPr lang="en-US" sz="1200" b="0" i="0" u="none" baseline="-25000" dirty="0" err="1">
                     <a:solidFill>
                       <a:schemeClr val="dk1"/>
                     </a:solidFill>
@@ -17336,7 +17046,7 @@
             </p:nvSpPr>
             <p:spPr>
               <a:xfrm>
-                <a:off x="4495799" y="2895600"/>
+                <a:off x="4034840" y="2989948"/>
                 <a:ext cx="395689" cy="274637"/>
               </a:xfrm>
               <a:prstGeom prst="rect">
@@ -17370,7 +17080,7 @@
                   <a:buNone/>
                 </a:pPr>
                 <a:r>
-                  <a:rPr lang="en-US" sz="1200" b="0" i="0" u="none">
+                  <a:rPr lang="en-US" sz="1200" b="0" i="0" u="none" dirty="0" err="1">
                     <a:solidFill>
                       <a:schemeClr val="dk1"/>
                     </a:solidFill>
@@ -17382,7 +17092,7 @@
                   <a:t>δ</a:t>
                 </a:r>
                 <a:r>
-                  <a:rPr lang="en-US" sz="1200" b="0" i="0" u="none" baseline="-25000">
+                  <a:rPr lang="en-US" sz="1200" b="0" i="0" u="none" baseline="-25000" dirty="0" err="1">
                     <a:solidFill>
                       <a:schemeClr val="dk1"/>
                     </a:solidFill>
@@ -17643,139 +17353,6 @@
         <mc:Choice Requires="a14">
           <p:sp>
             <p:nvSpPr>
-              <p:cNvPr id="2" name="TextBox 1">
-                <a:extLst>
-                  <a:ext uri="{FF2B5EF4-FFF2-40B4-BE49-F238E27FC236}">
-                    <a16:creationId xmlns:a16="http://schemas.microsoft.com/office/drawing/2014/main" id="{DFB09E90-7AC5-FC47-97D6-30658A5C4C5F}"/>
-                  </a:ext>
-                </a:extLst>
-              </p:cNvPr>
-              <p:cNvSpPr txBox="1"/>
-              <p:nvPr/>
-            </p:nvSpPr>
-            <p:spPr>
-              <a:xfrm>
-                <a:off x="4232402" y="3322320"/>
-                <a:ext cx="679196" cy="213360"/>
-              </a:xfrm>
-              <a:prstGeom prst="rect">
-                <a:avLst/>
-              </a:prstGeom>
-              <a:noFill/>
-            </p:spPr>
-            <p:txBody>
-              <a:bodyPr wrap="none" lIns="0" tIns="0" rIns="0" bIns="0" rtlCol="0">
-                <a:spAutoFit/>
-              </a:bodyPr>
-              <a:lstStyle/>
-              <a:p>
-                <a:pPr/>
-                <a14:m>
-                  <m:oMathPara xmlns:m="http://schemas.openxmlformats.org/officeDocument/2006/math">
-                    <m:oMathParaPr>
-                      <m:jc m:val="centerGroup"/>
-                    </m:oMathParaPr>
-                    <m:oMath xmlns:m="http://schemas.openxmlformats.org/officeDocument/2006/math">
-                      <m:r>
-                        <a:rPr lang="en-US" i="1" smtClean="0">
-                          <a:latin typeface="Cambria Math" panose="02040503050406030204" pitchFamily="18" charset="0"/>
-                        </a:rPr>
-                        <m:t>𝐴</m:t>
-                      </m:r>
-                      <m:r>
-                        <a:rPr lang="en-US" i="1" smtClean="0">
-                          <a:latin typeface="Cambria Math" panose="02040503050406030204" pitchFamily="18" charset="0"/>
-                        </a:rPr>
-                        <m:t>=</m:t>
-                      </m:r>
-                      <m:r>
-                        <a:rPr lang="el-GR" i="1" smtClean="0">
-                          <a:latin typeface="Cambria Math" panose="02040503050406030204" pitchFamily="18" charset="0"/>
-                        </a:rPr>
-                        <m:t>𝜋</m:t>
-                      </m:r>
-                      <m:sSup>
-                        <m:sSupPr>
-                          <m:ctrlPr>
-                            <a:rPr lang="en-US" i="1" smtClean="0">
-                              <a:latin typeface="Cambria Math" panose="02040503050406030204" pitchFamily="18" charset="0"/>
-                            </a:rPr>
-                          </m:ctrlPr>
-                        </m:sSupPr>
-                        <m:e>
-                          <m:r>
-                            <a:rPr lang="en-US" i="1" smtClean="0">
-                              <a:latin typeface="Cambria Math" panose="02040503050406030204" pitchFamily="18" charset="0"/>
-                            </a:rPr>
-                            <m:t>𝑟</m:t>
-                          </m:r>
-                        </m:e>
-                        <m:sup>
-                          <m:r>
-                            <a:rPr lang="en-US" i="1" smtClean="0">
-                              <a:latin typeface="Cambria Math" panose="02040503050406030204" pitchFamily="18" charset="0"/>
-                            </a:rPr>
-                            <m:t>2</m:t>
-                          </m:r>
-                        </m:sup>
-                      </m:sSup>
-                    </m:oMath>
-                  </m:oMathPara>
-                </a14:m>
-                <a:endParaRPr lang="en-US" dirty="0"/>
-              </a:p>
-            </p:txBody>
-          </p:sp>
-        </mc:Choice>
-        <mc:Fallback xmlns="">
-          <p:sp>
-            <p:nvSpPr>
-              <p:cNvPr id="2" name="TextBox 1">
-                <a:extLst>
-                  <a:ext uri="{FF2B5EF4-FFF2-40B4-BE49-F238E27FC236}">
-                    <a16:creationId xmlns:a16="http://schemas.microsoft.com/office/drawing/2014/main" id="{DFB09E90-7AC5-FC47-97D6-30658A5C4C5F}"/>
-                  </a:ext>
-                </a:extLst>
-              </p:cNvPr>
-              <p:cNvSpPr txBox="1">
-                <a:spLocks noRot="1" noChangeAspect="1" noMove="1" noResize="1" noEditPoints="1" noAdjustHandles="1" noChangeArrowheads="1" noChangeShapeType="1" noTextEdit="1"/>
-              </p:cNvSpPr>
-              <p:nvPr/>
-            </p:nvSpPr>
-            <p:spPr>
-              <a:xfrm>
-                <a:off x="4232402" y="3322320"/>
-                <a:ext cx="679196" cy="213360"/>
-              </a:xfrm>
-              <a:prstGeom prst="rect">
-                <a:avLst/>
-              </a:prstGeom>
-              <a:blipFill>
-                <a:blip r:embed="rId3"/>
-                <a:stretch>
-                  <a:fillRect l="-3636" b="-11765"/>
-                </a:stretch>
-              </a:blipFill>
-            </p:spPr>
-            <p:txBody>
-              <a:bodyPr/>
-              <a:lstStyle/>
-              <a:p>
-                <a:r>
-                  <a:rPr lang="en-US">
-                    <a:noFill/>
-                  </a:rPr>
-                  <a:t> </a:t>
-                </a:r>
-              </a:p>
-            </p:txBody>
-          </p:sp>
-        </mc:Fallback>
-      </mc:AlternateContent>
-      <mc:AlternateContent xmlns:mc="http://schemas.openxmlformats.org/markup-compatibility/2006" xmlns:a14="http://schemas.microsoft.com/office/drawing/2010/main">
-        <mc:Choice Requires="a14">
-          <p:sp>
-            <p:nvSpPr>
               <p:cNvPr id="3" name="TextBox 2">
                 <a:extLst>
                   <a:ext uri="{FF2B5EF4-FFF2-40B4-BE49-F238E27FC236}">
@@ -17942,8 +17519,8 @@
           </p:sp>
         </mc:Fallback>
       </mc:AlternateContent>
-      <mc:AlternateContent xmlns:mc="http://schemas.openxmlformats.org/markup-compatibility/2006" xmlns:a14="http://schemas.microsoft.com/office/drawing/2010/main">
-        <mc:Choice Requires="a14">
+      <mc:AlternateContent xmlns:mc="http://schemas.openxmlformats.org/markup-compatibility/2006">
+        <mc:Choice xmlns:a14="http://schemas.microsoft.com/office/drawing/2010/main" Requires="a14">
           <p:sp>
             <p:nvSpPr>
               <p:cNvPr id="4" name="TextBox 3">
@@ -17958,8 +17535,8 @@
             </p:nvSpPr>
             <p:spPr>
               <a:xfrm>
-                <a:off x="663575" y="2275932"/>
-                <a:ext cx="1247970" cy="215444"/>
+                <a:off x="663575" y="2335313"/>
+                <a:ext cx="928203" cy="409664"/>
               </a:xfrm>
               <a:prstGeom prst="rect">
                 <a:avLst/>
@@ -18011,41 +17588,61 @@
                         </a:rPr>
                         <m:t>=</m:t>
                       </m:r>
-                      <m:r>
-                        <a:rPr lang="en-US" b="0" i="1" smtClean="0">
-                          <a:latin typeface="Cambria Math" panose="02040503050406030204" pitchFamily="18" charset="0"/>
-                        </a:rPr>
-                        <m:t>𝑦</m:t>
-                      </m:r>
-                      <m:d>
-                        <m:dPr>
+                      <m:f>
+                        <m:fPr>
                           <m:ctrlPr>
                             <a:rPr lang="en-US" b="0" i="1" smtClean="0">
                               <a:latin typeface="Cambria Math" panose="02040503050406030204" pitchFamily="18" charset="0"/>
                             </a:rPr>
                           </m:ctrlPr>
-                        </m:dPr>
-                        <m:e>
+                        </m:fPr>
+                        <m:num>
                           <m:r>
                             <a:rPr lang="en-US" b="0" i="1" smtClean="0">
                               <a:latin typeface="Cambria Math" panose="02040503050406030204" pitchFamily="18" charset="0"/>
+                              <a:ea typeface="Cambria Math" panose="02040503050406030204" pitchFamily="18" charset="0"/>
                             </a:rPr>
-                            <m:t>1−</m:t>
+                            <m:t>𝜕</m:t>
                           </m:r>
                           <m:r>
                             <a:rPr lang="en-US" b="0" i="1" smtClean="0">
                               <a:latin typeface="Cambria Math" panose="02040503050406030204" pitchFamily="18" charset="0"/>
+                              <a:ea typeface="Cambria Math" panose="02040503050406030204" pitchFamily="18" charset="0"/>
                             </a:rPr>
-                            <m:t>𝑦</m:t>
+                            <m:t>𝐸</m:t>
                           </m:r>
-                        </m:e>
-                      </m:d>
-                      <m:r>
-                        <a:rPr lang="en-US" b="0" i="1" smtClean="0">
-                          <a:latin typeface="Cambria Math" panose="02040503050406030204" pitchFamily="18" charset="0"/>
-                        </a:rPr>
-                        <m:t>𝐸</m:t>
-                      </m:r>
+                        </m:num>
+                        <m:den>
+                          <m:r>
+                            <a:rPr lang="en-US" b="0" i="1" smtClean="0">
+                              <a:latin typeface="Cambria Math" panose="02040503050406030204" pitchFamily="18" charset="0"/>
+                              <a:ea typeface="Cambria Math" panose="02040503050406030204" pitchFamily="18" charset="0"/>
+                            </a:rPr>
+                            <m:t>𝜕</m:t>
+                          </m:r>
+                          <m:r>
+                            <a:rPr lang="en-US" b="0" i="1" smtClean="0">
+                              <a:latin typeface="Cambria Math" panose="02040503050406030204" pitchFamily="18" charset="0"/>
+                              <a:ea typeface="Cambria Math" panose="02040503050406030204" pitchFamily="18" charset="0"/>
+                            </a:rPr>
+                            <m:t>𝑤</m:t>
+                          </m:r>
+                          <m:r>
+                            <a:rPr lang="en-US" b="0" i="1" smtClean="0">
+                              <a:latin typeface="Cambria Math" panose="02040503050406030204" pitchFamily="18" charset="0"/>
+                              <a:ea typeface="Cambria Math" panose="02040503050406030204" pitchFamily="18" charset="0"/>
+                            </a:rPr>
+                            <m:t>∙</m:t>
+                          </m:r>
+                          <m:r>
+                            <a:rPr lang="en-US" b="0" i="1" smtClean="0">
+                              <a:latin typeface="Cambria Math" panose="02040503050406030204" pitchFamily="18" charset="0"/>
+                              <a:ea typeface="Cambria Math" panose="02040503050406030204" pitchFamily="18" charset="0"/>
+                            </a:rPr>
+                            <m:t>𝑥</m:t>
+                          </m:r>
+                        </m:den>
+                      </m:f>
                     </m:oMath>
                   </m:oMathPara>
                 </a14:m>
@@ -18054,7 +17651,7 @@
             </p:txBody>
           </p:sp>
         </mc:Choice>
-        <mc:Fallback xmlns="">
+        <mc:Fallback>
           <p:sp>
             <p:nvSpPr>
               <p:cNvPr id="4" name="TextBox 3">
@@ -18071,8 +17668,8 @@
             </p:nvSpPr>
             <p:spPr>
               <a:xfrm>
-                <a:off x="663575" y="2275932"/>
-                <a:ext cx="1247970" cy="215444"/>
+                <a:off x="663575" y="2335313"/>
+                <a:ext cx="928203" cy="409664"/>
               </a:xfrm>
               <a:prstGeom prst="rect">
                 <a:avLst/>
@@ -18080,7 +17677,7 @@
               <a:blipFill>
                 <a:blip r:embed="rId5"/>
                 <a:stretch>
-                  <a:fillRect l="-2000" r="-1000" b="-27778"/>
+                  <a:fillRect l="-4054" t="-2941" r="-1351" b="-11765"/>
                 </a:stretch>
               </a:blipFill>
             </p:spPr>
@@ -18099,8 +17696,8 @@
           </p:sp>
         </mc:Fallback>
       </mc:AlternateContent>
-      <mc:AlternateContent xmlns:mc="http://schemas.openxmlformats.org/markup-compatibility/2006" xmlns:a14="http://schemas.microsoft.com/office/drawing/2010/main">
-        <mc:Choice Requires="a14">
+      <mc:AlternateContent xmlns:mc="http://schemas.openxmlformats.org/markup-compatibility/2006">
+        <mc:Choice xmlns:a14="http://schemas.microsoft.com/office/drawing/2010/main" Requires="a14">
           <p:sp>
             <p:nvSpPr>
               <p:cNvPr id="5" name="TextBox 4">
@@ -18115,7 +17712,7 @@
             </p:nvSpPr>
             <p:spPr>
               <a:xfrm>
-                <a:off x="659245" y="2639070"/>
+                <a:off x="659245" y="3125960"/>
                 <a:ext cx="1277144" cy="215444"/>
               </a:xfrm>
               <a:prstGeom prst="rect">
@@ -18247,7 +17844,7 @@
             </p:txBody>
           </p:sp>
         </mc:Choice>
-        <mc:Fallback xmlns="">
+        <mc:Fallback>
           <p:sp>
             <p:nvSpPr>
               <p:cNvPr id="5" name="TextBox 4">
@@ -18264,7 +17861,7 @@
             </p:nvSpPr>
             <p:spPr>
               <a:xfrm>
-                <a:off x="659245" y="2639070"/>
+                <a:off x="659245" y="3125960"/>
                 <a:ext cx="1277144" cy="215444"/>
               </a:xfrm>
               <a:prstGeom prst="rect">
@@ -18273,7 +17870,7 @@
               <a:blipFill>
                 <a:blip r:embed="rId6"/>
                 <a:stretch>
-                  <a:fillRect l="-2970" t="-22222" r="-990" b="-44444"/>
+                  <a:fillRect l="-2941" t="-27778" r="-980" b="-44444"/>
                 </a:stretch>
               </a:blipFill>
             </p:spPr>
@@ -18292,210 +17889,8 @@
           </p:sp>
         </mc:Fallback>
       </mc:AlternateContent>
-      <mc:AlternateContent xmlns:mc="http://schemas.openxmlformats.org/markup-compatibility/2006" xmlns:a14="http://schemas.microsoft.com/office/drawing/2010/main">
-        <mc:Choice Requires="a14">
-          <p:sp>
-            <p:nvSpPr>
-              <p:cNvPr id="68" name="TextBox 67">
-                <a:extLst>
-                  <a:ext uri="{FF2B5EF4-FFF2-40B4-BE49-F238E27FC236}">
-                    <a16:creationId xmlns:a16="http://schemas.microsoft.com/office/drawing/2014/main" id="{4D313F58-B016-A048-BCFF-27F726EAFF8F}"/>
-                  </a:ext>
-                </a:extLst>
-              </p:cNvPr>
-              <p:cNvSpPr txBox="1"/>
-              <p:nvPr/>
-            </p:nvSpPr>
-            <p:spPr>
-              <a:xfrm>
-                <a:off x="663575" y="3190341"/>
-                <a:ext cx="1612814" cy="215444"/>
-              </a:xfrm>
-              <a:prstGeom prst="rect">
-                <a:avLst/>
-              </a:prstGeom>
-              <a:noFill/>
-            </p:spPr>
-            <p:txBody>
-              <a:bodyPr wrap="none" lIns="0" tIns="0" rIns="0" bIns="0" rtlCol="0">
-                <a:spAutoFit/>
-              </a:bodyPr>
-              <a:lstStyle/>
-              <a:p>
-                <a:pPr/>
-                <a14:m>
-                  <m:oMathPara xmlns:m="http://schemas.openxmlformats.org/officeDocument/2006/math">
-                    <m:oMathParaPr>
-                      <m:jc m:val="centerGroup"/>
-                    </m:oMathParaPr>
-                    <m:oMath xmlns:m="http://schemas.openxmlformats.org/officeDocument/2006/math">
-                      <m:sSub>
-                        <m:sSubPr>
-                          <m:ctrlPr>
-                            <a:rPr lang="en-US" i="1" smtClean="0">
-                              <a:latin typeface="Cambria Math" panose="02040503050406030204" pitchFamily="18" charset="0"/>
-                            </a:rPr>
-                          </m:ctrlPr>
-                        </m:sSubPr>
-                        <m:e>
-                          <m:r>
-                            <a:rPr lang="en-US" i="1" smtClean="0">
-                              <a:latin typeface="Cambria Math" panose="02040503050406030204" pitchFamily="18" charset="0"/>
-                              <a:ea typeface="Cambria Math" panose="02040503050406030204" pitchFamily="18" charset="0"/>
-                            </a:rPr>
-                            <m:t>𝛿</m:t>
-                          </m:r>
-                        </m:e>
-                        <m:sub>
-                          <m:r>
-                            <a:rPr lang="en-US" b="0" i="1" smtClean="0">
-                              <a:latin typeface="Cambria Math" panose="02040503050406030204" pitchFamily="18" charset="0"/>
-                            </a:rPr>
-                            <m:t>h</m:t>
-                          </m:r>
-                        </m:sub>
-                      </m:sSub>
-                      <m:r>
-                        <a:rPr lang="en-US" b="0" i="1" smtClean="0">
-                          <a:latin typeface="Cambria Math" panose="02040503050406030204" pitchFamily="18" charset="0"/>
-                        </a:rPr>
-                        <m:t>=</m:t>
-                      </m:r>
-                      <m:r>
-                        <a:rPr lang="en-US" b="0" i="1" smtClean="0">
-                          <a:latin typeface="Cambria Math" panose="02040503050406030204" pitchFamily="18" charset="0"/>
-                        </a:rPr>
-                        <m:t>𝑦</m:t>
-                      </m:r>
-                      <m:d>
-                        <m:dPr>
-                          <m:ctrlPr>
-                            <a:rPr lang="en-US" b="0" i="1" smtClean="0">
-                              <a:latin typeface="Cambria Math" panose="02040503050406030204" pitchFamily="18" charset="0"/>
-                            </a:rPr>
-                          </m:ctrlPr>
-                        </m:dPr>
-                        <m:e>
-                          <m:r>
-                            <a:rPr lang="en-US" b="0" i="1" smtClean="0">
-                              <a:latin typeface="Cambria Math" panose="02040503050406030204" pitchFamily="18" charset="0"/>
-                            </a:rPr>
-                            <m:t>1−</m:t>
-                          </m:r>
-                          <m:r>
-                            <a:rPr lang="en-US" b="0" i="1" smtClean="0">
-                              <a:latin typeface="Cambria Math" panose="02040503050406030204" pitchFamily="18" charset="0"/>
-                            </a:rPr>
-                            <m:t>𝑦</m:t>
-                          </m:r>
-                        </m:e>
-                      </m:d>
-                      <m:sSub>
-                        <m:sSubPr>
-                          <m:ctrlPr>
-                            <a:rPr lang="en-US" i="1">
-                              <a:latin typeface="Cambria Math" panose="02040503050406030204" pitchFamily="18" charset="0"/>
-                            </a:rPr>
-                          </m:ctrlPr>
-                        </m:sSubPr>
-                        <m:e>
-                          <m:r>
-                            <a:rPr lang="en-US" i="1">
-                              <a:latin typeface="Cambria Math" panose="02040503050406030204" pitchFamily="18" charset="0"/>
-                            </a:rPr>
-                            <m:t>𝑤</m:t>
-                          </m:r>
-                        </m:e>
-                        <m:sub>
-                          <m:r>
-                            <a:rPr lang="en-US" i="1">
-                              <a:latin typeface="Cambria Math" panose="02040503050406030204" pitchFamily="18" charset="0"/>
-                            </a:rPr>
-                            <m:t>h𝑜</m:t>
-                          </m:r>
-                        </m:sub>
-                      </m:sSub>
-                      <m:sSub>
-                        <m:sSubPr>
-                          <m:ctrlPr>
-                            <a:rPr lang="en-US" i="1">
-                              <a:latin typeface="Cambria Math" panose="02040503050406030204" pitchFamily="18" charset="0"/>
-                            </a:rPr>
-                          </m:ctrlPr>
-                        </m:sSubPr>
-                        <m:e>
-                          <m:r>
-                            <a:rPr lang="en-US" i="1">
-                              <a:latin typeface="Cambria Math" panose="02040503050406030204" pitchFamily="18" charset="0"/>
-                              <a:ea typeface="Cambria Math" panose="02040503050406030204" pitchFamily="18" charset="0"/>
-                            </a:rPr>
-                            <m:t>𝛿</m:t>
-                          </m:r>
-                        </m:e>
-                        <m:sub>
-                          <m:r>
-                            <a:rPr lang="en-US" i="1">
-                              <a:latin typeface="Cambria Math" panose="02040503050406030204" pitchFamily="18" charset="0"/>
-                            </a:rPr>
-                            <m:t>𝑜</m:t>
-                          </m:r>
-                        </m:sub>
-                      </m:sSub>
-                    </m:oMath>
-                  </m:oMathPara>
-                </a14:m>
-                <a:endParaRPr lang="en-US" dirty="0"/>
-              </a:p>
-            </p:txBody>
-          </p:sp>
-        </mc:Choice>
-        <mc:Fallback xmlns="">
-          <p:sp>
-            <p:nvSpPr>
-              <p:cNvPr id="68" name="TextBox 67">
-                <a:extLst>
-                  <a:ext uri="{FF2B5EF4-FFF2-40B4-BE49-F238E27FC236}">
-                    <a16:creationId xmlns:a16="http://schemas.microsoft.com/office/drawing/2014/main" id="{4D313F58-B016-A048-BCFF-27F726EAFF8F}"/>
-                  </a:ext>
-                </a:extLst>
-              </p:cNvPr>
-              <p:cNvSpPr txBox="1">
-                <a:spLocks noRot="1" noChangeAspect="1" noMove="1" noResize="1" noEditPoints="1" noAdjustHandles="1" noChangeArrowheads="1" noChangeShapeType="1" noTextEdit="1"/>
-              </p:cNvSpPr>
-              <p:nvPr/>
-            </p:nvSpPr>
-            <p:spPr>
-              <a:xfrm>
-                <a:off x="663575" y="3190341"/>
-                <a:ext cx="1612814" cy="215444"/>
-              </a:xfrm>
-              <a:prstGeom prst="rect">
-                <a:avLst/>
-              </a:prstGeom>
-              <a:blipFill>
-                <a:blip r:embed="rId7"/>
-                <a:stretch>
-                  <a:fillRect l="-1563" b="-27778"/>
-                </a:stretch>
-              </a:blipFill>
-            </p:spPr>
-            <p:txBody>
-              <a:bodyPr/>
-              <a:lstStyle/>
-              <a:p>
-                <a:r>
-                  <a:rPr lang="en-US">
-                    <a:noFill/>
-                  </a:rPr>
-                  <a:t> </a:t>
-                </a:r>
-              </a:p>
-            </p:txBody>
-          </p:sp>
-        </mc:Fallback>
-      </mc:AlternateContent>
-      <mc:AlternateContent xmlns:mc="http://schemas.openxmlformats.org/markup-compatibility/2006" xmlns:a14="http://schemas.microsoft.com/office/drawing/2010/main">
-        <mc:Choice Requires="a14">
+      <mc:AlternateContent xmlns:mc="http://schemas.openxmlformats.org/markup-compatibility/2006">
+        <mc:Choice xmlns:a14="http://schemas.microsoft.com/office/drawing/2010/main" Requires="a14">
           <p:sp>
             <p:nvSpPr>
               <p:cNvPr id="69" name="TextBox 68">
@@ -18510,7 +17905,7 @@
             </p:nvSpPr>
             <p:spPr>
               <a:xfrm>
-                <a:off x="659245" y="3553479"/>
+                <a:off x="659245" y="4586629"/>
                 <a:ext cx="1222386" cy="215444"/>
               </a:xfrm>
               <a:prstGeom prst="rect">
@@ -18642,7 +18037,7 @@
             </p:txBody>
           </p:sp>
         </mc:Choice>
-        <mc:Fallback xmlns="">
+        <mc:Fallback>
           <p:sp>
             <p:nvSpPr>
               <p:cNvPr id="69" name="TextBox 68">
@@ -18659,16 +18054,16 @@
             </p:nvSpPr>
             <p:spPr>
               <a:xfrm>
-                <a:off x="659245" y="3553479"/>
+                <a:off x="659245" y="4586629"/>
                 <a:ext cx="1222386" cy="215444"/>
               </a:xfrm>
               <a:prstGeom prst="rect">
                 <a:avLst/>
               </a:prstGeom>
               <a:blipFill>
-                <a:blip r:embed="rId8"/>
+                <a:blip r:embed="rId7"/>
                 <a:stretch>
-                  <a:fillRect l="-3093" t="-22222" r="-2062" b="-44444"/>
+                  <a:fillRect l="-3061" t="-21053" r="-2041" b="-42105"/>
                 </a:stretch>
               </a:blipFill>
             </p:spPr>
@@ -18701,7 +18096,7 @@
         </p:nvSpPr>
         <p:spPr>
           <a:xfrm>
-            <a:off x="2230582" y="1648687"/>
+            <a:off x="2349335" y="1648687"/>
             <a:ext cx="1226618" cy="307777"/>
           </a:xfrm>
           <a:prstGeom prst="rect">
@@ -18736,8 +18131,8 @@
         </p:nvSpPr>
         <p:spPr>
           <a:xfrm>
-            <a:off x="2230582" y="2244389"/>
-            <a:ext cx="1673856" cy="307777"/>
+            <a:off x="2337457" y="2363145"/>
+            <a:ext cx="1872629" cy="307777"/>
           </a:xfrm>
           <a:prstGeom prst="rect">
             <a:avLst/>
@@ -18752,7 +18147,7 @@
           <a:p>
             <a:r>
               <a:rPr lang="en-US" dirty="0"/>
-              <a:t>(output node error)</a:t>
+              <a:t>(error at output node)</a:t>
             </a:r>
           </a:p>
         </p:txBody>
@@ -18771,7 +18166,7 @@
         </p:nvSpPr>
         <p:spPr>
           <a:xfrm>
-            <a:off x="2230582" y="2590440"/>
+            <a:off x="2349333" y="3077330"/>
             <a:ext cx="1417376" cy="307777"/>
           </a:xfrm>
           <a:prstGeom prst="rect">
@@ -18806,8 +18201,8 @@
         </p:nvSpPr>
         <p:spPr>
           <a:xfrm>
-            <a:off x="2230582" y="3116286"/>
-            <a:ext cx="1713931" cy="307777"/>
+            <a:off x="2373083" y="3757553"/>
+            <a:ext cx="1912703" cy="307777"/>
           </a:xfrm>
           <a:prstGeom prst="rect">
             <a:avLst/>
@@ -18822,7 +18217,7 @@
           <a:p>
             <a:r>
               <a:rPr lang="en-US" dirty="0"/>
-              <a:t>(hidden node error)</a:t>
+              <a:t>(error at hidden node)</a:t>
             </a:r>
           </a:p>
         </p:txBody>
@@ -18841,7 +18236,7 @@
         </p:nvSpPr>
         <p:spPr>
           <a:xfrm>
-            <a:off x="2230582" y="3462337"/>
+            <a:off x="2361209" y="4519237"/>
             <a:ext cx="1417376" cy="307777"/>
           </a:xfrm>
           <a:prstGeom prst="rect">
@@ -18862,14 +18257,128 @@
           </a:p>
         </p:txBody>
       </p:sp>
-      <mc:AlternateContent xmlns:mc="http://schemas.openxmlformats.org/markup-compatibility/2006" xmlns:a14="http://schemas.microsoft.com/office/drawing/2010/main">
-        <mc:Choice Requires="a14">
+      <p:sp>
+        <p:nvSpPr>
+          <p:cNvPr id="11" name="Shape 310">
+            <a:extLst>
+              <a:ext uri="{FF2B5EF4-FFF2-40B4-BE49-F238E27FC236}">
+                <a16:creationId xmlns:a16="http://schemas.microsoft.com/office/drawing/2014/main" id="{736ABF31-285D-1B30-6E7F-A27DDBF06DC8}"/>
+              </a:ext>
+            </a:extLst>
+          </p:cNvPr>
+          <p:cNvSpPr txBox="1"/>
+          <p:nvPr/>
+        </p:nvSpPr>
+        <p:spPr>
+          <a:xfrm>
+            <a:off x="7288977" y="2898712"/>
+            <a:ext cx="342900" cy="274637"/>
+          </a:xfrm>
+          <a:prstGeom prst="rect">
+            <a:avLst/>
+          </a:prstGeom>
+          <a:noFill/>
+          <a:ln>
+            <a:noFill/>
+          </a:ln>
+        </p:spPr>
+        <p:txBody>
+          <a:bodyPr spcFirstLastPara="1" wrap="square" lIns="91425" tIns="45700" rIns="91425" bIns="45700" anchor="t" anchorCtr="0">
+            <a:noAutofit/>
+          </a:bodyPr>
+          <a:lstStyle/>
+          <a:p>
+            <a:pPr marL="0" marR="0" lvl="0" indent="0" algn="l" rtl="0">
+              <a:lnSpc>
+                <a:spcPct val="100000"/>
+              </a:lnSpc>
+              <a:spcBef>
+                <a:spcPts val="0"/>
+              </a:spcBef>
+              <a:spcAft>
+                <a:spcPts val="0"/>
+              </a:spcAft>
+              <a:buClr>
+                <a:schemeClr val="dk1"/>
+              </a:buClr>
+              <a:buFont typeface="Arial"/>
+              <a:buNone/>
+            </a:pPr>
+            <a:r>
+              <a:rPr lang="en-US" dirty="0"/>
+              <a:t>E</a:t>
+            </a:r>
+            <a:endParaRPr dirty="0"/>
+          </a:p>
+        </p:txBody>
+      </p:sp>
+      <p:sp>
+        <p:nvSpPr>
+          <p:cNvPr id="13" name="Shape 310">
+            <a:extLst>
+              <a:ext uri="{FF2B5EF4-FFF2-40B4-BE49-F238E27FC236}">
+                <a16:creationId xmlns:a16="http://schemas.microsoft.com/office/drawing/2014/main" id="{E21CEE37-B95A-17BB-F6E6-43F582E7371E}"/>
+              </a:ext>
+            </a:extLst>
+          </p:cNvPr>
+          <p:cNvSpPr txBox="1"/>
+          <p:nvPr/>
+        </p:nvSpPr>
+        <p:spPr>
+          <a:xfrm>
+            <a:off x="6360724" y="2409849"/>
+            <a:ext cx="511380" cy="248575"/>
+          </a:xfrm>
+          <a:prstGeom prst="rect">
+            <a:avLst/>
+          </a:prstGeom>
+          <a:noFill/>
+          <a:ln>
+            <a:noFill/>
+          </a:ln>
+        </p:spPr>
+        <p:txBody>
+          <a:bodyPr spcFirstLastPara="1" wrap="square" lIns="91425" tIns="45700" rIns="91425" bIns="45700" anchor="t" anchorCtr="0">
+            <a:noAutofit/>
+          </a:bodyPr>
+          <a:lstStyle/>
+          <a:p>
+            <a:pPr marL="0" marR="0" lvl="0" indent="0" algn="l" rtl="0">
+              <a:lnSpc>
+                <a:spcPct val="100000"/>
+              </a:lnSpc>
+              <a:spcBef>
+                <a:spcPts val="0"/>
+              </a:spcBef>
+              <a:spcAft>
+                <a:spcPts val="0"/>
+              </a:spcAft>
+              <a:buClr>
+                <a:schemeClr val="dk1"/>
+              </a:buClr>
+              <a:buFont typeface="Arial"/>
+              <a:buNone/>
+            </a:pPr>
+            <a:r>
+              <a:rPr lang="en-US" dirty="0"/>
+              <a:t>E</a:t>
+            </a:r>
+            <a:r>
+              <a:rPr lang="en-US" baseline="-25000" dirty="0"/>
+              <a:t>h</a:t>
+            </a:r>
+            <a:endParaRPr baseline="-25000" dirty="0"/>
+          </a:p>
+        </p:txBody>
+      </p:sp>
+      <mc:AlternateContent xmlns:mc="http://schemas.openxmlformats.org/markup-compatibility/2006">
+        <mc:Choice xmlns:a14="http://schemas.microsoft.com/office/drawing/2010/main" Requires="a14">
           <p:sp>
             <p:nvSpPr>
-              <p:cNvPr id="9" name="TextBox 8">
+              <p:cNvPr id="16" name="TextBox 15">
                 <a:extLst>
                   <a:ext uri="{FF2B5EF4-FFF2-40B4-BE49-F238E27FC236}">
-                    <a16:creationId xmlns:a16="http://schemas.microsoft.com/office/drawing/2014/main" id="{7E8D1D1C-D7AB-544D-9DED-1B35CC79BED6}"/>
+                    <a16:creationId xmlns:a16="http://schemas.microsoft.com/office/drawing/2014/main" id="{1C401679-799C-20D8-9203-AA3DC11A2DBF}"/>
                   </a:ext>
                 </a:extLst>
               </p:cNvPr>
@@ -18878,8 +18387,8 @@
             </p:nvSpPr>
             <p:spPr>
               <a:xfrm>
-                <a:off x="1349090" y="4863670"/>
-                <a:ext cx="6572250" cy="431849"/>
+                <a:off x="6662057" y="486890"/>
+                <a:ext cx="1609158" cy="307777"/>
               </a:xfrm>
               <a:prstGeom prst="rect">
                 <a:avLst/>
@@ -18887,452 +18396,86 @@
               <a:noFill/>
             </p:spPr>
             <p:txBody>
-              <a:bodyPr wrap="square" lIns="0" tIns="0" rIns="0" bIns="0" rtlCol="0">
+              <a:bodyPr wrap="none" rtlCol="0">
                 <a:spAutoFit/>
               </a:bodyPr>
               <a:lstStyle/>
               <a:p>
                 <a14:m>
-                  <m:oMath xmlns:m="http://schemas.openxmlformats.org/officeDocument/2006/math">
-                    <m:sSub>
-                      <m:sSubPr>
-                        <m:ctrlPr>
-                          <a:rPr lang="en-US" sz="1800" i="1" smtClean="0">
-                            <a:latin typeface="Cambria Math" panose="02040503050406030204" pitchFamily="18" charset="0"/>
-                          </a:rPr>
-                        </m:ctrlPr>
-                      </m:sSubPr>
-                      <m:e>
-                        <m:r>
-                          <a:rPr lang="en-US" sz="1800" i="1" smtClean="0">
-                            <a:latin typeface="Cambria Math" panose="02040503050406030204" pitchFamily="18" charset="0"/>
-                            <a:ea typeface="Cambria Math" panose="02040503050406030204" pitchFamily="18" charset="0"/>
-                          </a:rPr>
-                          <m:t>𝛿</m:t>
-                        </m:r>
-                      </m:e>
-                      <m:sub>
-                        <m:r>
-                          <a:rPr lang="en-US" sz="1800" b="0" i="1" smtClean="0">
-                            <a:latin typeface="Cambria Math" panose="02040503050406030204" pitchFamily="18" charset="0"/>
-                          </a:rPr>
-                          <m:t>𝑜</m:t>
-                        </m:r>
-                      </m:sub>
-                    </m:sSub>
-                    <m:r>
-                      <a:rPr lang="en-US" sz="1800" b="0" i="1" smtClean="0">
-                        <a:latin typeface="Cambria Math" panose="02040503050406030204" pitchFamily="18" charset="0"/>
-                      </a:rPr>
-                      <m:t>=</m:t>
-                    </m:r>
-                    <m:r>
-                      <a:rPr lang="en-US" sz="1800" b="0" i="1" smtClean="0">
-                        <a:latin typeface="Cambria Math" panose="02040503050406030204" pitchFamily="18" charset="0"/>
-                      </a:rPr>
-                      <m:t>𝑦</m:t>
-                    </m:r>
-                    <m:d>
-                      <m:dPr>
-                        <m:ctrlPr>
-                          <a:rPr lang="en-US" sz="1800" b="0" i="1" smtClean="0">
-                            <a:latin typeface="Cambria Math" panose="02040503050406030204" pitchFamily="18" charset="0"/>
-                          </a:rPr>
-                        </m:ctrlPr>
-                      </m:dPr>
-                      <m:e>
-                        <m:r>
-                          <a:rPr lang="en-US" sz="1800" b="0" i="1" smtClean="0">
-                            <a:latin typeface="Cambria Math" panose="02040503050406030204" pitchFamily="18" charset="0"/>
-                          </a:rPr>
-                          <m:t>1−</m:t>
-                        </m:r>
-                        <m:r>
-                          <a:rPr lang="en-US" sz="1800" b="0" i="1" smtClean="0">
-                            <a:latin typeface="Cambria Math" panose="02040503050406030204" pitchFamily="18" charset="0"/>
-                          </a:rPr>
-                          <m:t>𝑦</m:t>
-                        </m:r>
-                      </m:e>
-                    </m:d>
-                    <m:r>
-                      <a:rPr lang="en-US" sz="1800" b="0" i="1" smtClean="0">
-                        <a:latin typeface="Cambria Math" panose="02040503050406030204" pitchFamily="18" charset="0"/>
-                      </a:rPr>
-                      <m:t>𝐸</m:t>
-                    </m:r>
-                    <m:r>
-                      <a:rPr lang="en-US" sz="1800" b="0" i="1" smtClean="0">
-                        <a:latin typeface="Cambria Math" panose="02040503050406030204" pitchFamily="18" charset="0"/>
-                      </a:rPr>
-                      <m:t>=</m:t>
-                    </m:r>
-                    <m:f>
-                      <m:fPr>
-                        <m:ctrlPr>
-                          <a:rPr lang="en-US" sz="1800" b="0" i="1" smtClean="0">
-                            <a:latin typeface="Cambria Math" panose="02040503050406030204" pitchFamily="18" charset="0"/>
-                          </a:rPr>
-                        </m:ctrlPr>
-                      </m:fPr>
-                      <m:num>
-                        <m:r>
-                          <a:rPr lang="en-US" sz="1800" b="0" i="1" smtClean="0">
-                            <a:latin typeface="Cambria Math" panose="02040503050406030204" pitchFamily="18" charset="0"/>
-                          </a:rPr>
-                          <m:t>𝜕</m:t>
-                        </m:r>
-                        <m:r>
-                          <a:rPr lang="en-US" sz="1800" b="0" i="1" smtClean="0">
-                            <a:latin typeface="Cambria Math" panose="02040503050406030204" pitchFamily="18" charset="0"/>
-                          </a:rPr>
-                          <m:t>𝐸</m:t>
-                        </m:r>
-                      </m:num>
-                      <m:den>
-                        <m:r>
-                          <a:rPr lang="en-US" sz="1800" b="0" i="1" smtClean="0">
-                            <a:latin typeface="Cambria Math" panose="02040503050406030204" pitchFamily="18" charset="0"/>
-                          </a:rPr>
-                          <m:t>𝜕</m:t>
-                        </m:r>
-                        <m:r>
-                          <a:rPr lang="en-US" sz="1800" b="1" i="1" smtClean="0">
-                            <a:latin typeface="Cambria Math" panose="02040503050406030204" pitchFamily="18" charset="0"/>
-                          </a:rPr>
-                          <m:t>𝒘</m:t>
-                        </m:r>
-                        <m:r>
-                          <a:rPr lang="en-US" sz="1800" b="1" i="1" smtClean="0">
-                            <a:latin typeface="Cambria Math" panose="02040503050406030204" pitchFamily="18" charset="0"/>
-                            <a:ea typeface="Cambria Math" panose="02040503050406030204" pitchFamily="18" charset="0"/>
-                          </a:rPr>
-                          <m:t>∙</m:t>
-                        </m:r>
-                        <m:r>
-                          <a:rPr lang="en-US" sz="1800" b="1" i="1" smtClean="0">
-                            <a:latin typeface="Cambria Math" panose="02040503050406030204" pitchFamily="18" charset="0"/>
-                            <a:ea typeface="Cambria Math" panose="02040503050406030204" pitchFamily="18" charset="0"/>
-                          </a:rPr>
-                          <m:t>𝒙</m:t>
-                        </m:r>
-                      </m:den>
-                    </m:f>
-                    <m:r>
-                      <a:rPr lang="en-US" sz="1800" b="0" i="1" smtClean="0">
-                        <a:latin typeface="Cambria Math" panose="02040503050406030204" pitchFamily="18" charset="0"/>
-                      </a:rPr>
-                      <m:t>=</m:t>
-                    </m:r>
-                    <m:f>
-                      <m:fPr>
-                        <m:ctrlPr>
-                          <a:rPr lang="en-US" sz="1800" b="0" i="1" smtClean="0">
-                            <a:latin typeface="Cambria Math" panose="02040503050406030204" pitchFamily="18" charset="0"/>
-                          </a:rPr>
-                        </m:ctrlPr>
-                      </m:fPr>
-                      <m:num>
-                        <m:r>
-                          <a:rPr lang="en-US" sz="1800" b="0" i="1" smtClean="0">
-                            <a:latin typeface="Cambria Math" panose="02040503050406030204" pitchFamily="18" charset="0"/>
-                          </a:rPr>
-                          <m:t>𝜕</m:t>
-                        </m:r>
-                        <m:sSup>
-                          <m:sSupPr>
-                            <m:ctrlPr>
-                              <a:rPr lang="en-US" sz="1800" b="0" i="1" smtClean="0">
-                                <a:latin typeface="Cambria Math" panose="02040503050406030204" pitchFamily="18" charset="0"/>
-                              </a:rPr>
-                            </m:ctrlPr>
-                          </m:sSupPr>
-                          <m:e>
-                            <m:r>
-                              <a:rPr lang="en-US" sz="1800" i="1">
-                                <a:latin typeface="Cambria Math" panose="02040503050406030204" pitchFamily="18" charset="0"/>
-                              </a:rPr>
-                              <m:t>(</m:t>
-                            </m:r>
-                            <m:sSup>
-                              <m:sSupPr>
-                                <m:ctrlPr>
-                                  <a:rPr lang="en-US" sz="1800" i="1">
-                                    <a:latin typeface="Cambria Math" panose="02040503050406030204" pitchFamily="18" charset="0"/>
-                                  </a:rPr>
-                                </m:ctrlPr>
-                              </m:sSupPr>
-                              <m:e>
-                                <m:r>
-                                  <a:rPr lang="en-US" sz="1800" i="1">
-                                    <a:latin typeface="Cambria Math" panose="02040503050406030204" pitchFamily="18" charset="0"/>
-                                  </a:rPr>
-                                  <m:t>𝑦</m:t>
-                                </m:r>
-                              </m:e>
-                              <m:sup>
-                                <m:r>
-                                  <a:rPr lang="en-US" sz="1800" i="1">
-                                    <a:latin typeface="Cambria Math" panose="02040503050406030204" pitchFamily="18" charset="0"/>
-                                  </a:rPr>
-                                  <m:t>′</m:t>
-                                </m:r>
-                              </m:sup>
-                            </m:sSup>
-                            <m:r>
-                              <a:rPr lang="en-US" sz="1800" i="1">
-                                <a:latin typeface="Cambria Math" panose="02040503050406030204" pitchFamily="18" charset="0"/>
-                              </a:rPr>
-                              <m:t>−</m:t>
-                            </m:r>
-                            <m:r>
-                              <a:rPr lang="en-US" sz="1800" i="1">
-                                <a:latin typeface="Cambria Math" panose="02040503050406030204" pitchFamily="18" charset="0"/>
-                              </a:rPr>
-                              <m:t>𝑦</m:t>
-                            </m:r>
-                            <m:r>
-                              <a:rPr lang="en-US" sz="1800" i="1">
-                                <a:latin typeface="Cambria Math" panose="02040503050406030204" pitchFamily="18" charset="0"/>
-                              </a:rPr>
-                              <m:t>)</m:t>
-                            </m:r>
-                          </m:e>
-                          <m:sup>
-                            <m:r>
-                              <a:rPr lang="en-US" sz="1800" b="0" i="1" smtClean="0">
-                                <a:latin typeface="Cambria Math" panose="02040503050406030204" pitchFamily="18" charset="0"/>
-                              </a:rPr>
-                              <m:t>2</m:t>
-                            </m:r>
-                          </m:sup>
-                        </m:sSup>
-                      </m:num>
-                      <m:den>
-                        <m:r>
-                          <a:rPr lang="en-US" sz="1800" b="0" i="1" smtClean="0">
-                            <a:latin typeface="Cambria Math" panose="02040503050406030204" pitchFamily="18" charset="0"/>
-                          </a:rPr>
-                          <m:t>𝜕</m:t>
-                        </m:r>
-                        <m:r>
-                          <a:rPr lang="en-US" sz="1800" b="1" i="1">
-                            <a:latin typeface="Cambria Math" panose="02040503050406030204" pitchFamily="18" charset="0"/>
-                          </a:rPr>
-                          <m:t>𝒘</m:t>
-                        </m:r>
-                        <m:r>
-                          <a:rPr lang="en-US" sz="1800" b="1" i="1">
-                            <a:latin typeface="Cambria Math" panose="02040503050406030204" pitchFamily="18" charset="0"/>
-                            <a:ea typeface="Cambria Math" panose="02040503050406030204" pitchFamily="18" charset="0"/>
-                          </a:rPr>
-                          <m:t>∙</m:t>
-                        </m:r>
-                        <m:r>
-                          <a:rPr lang="en-US" sz="1800" b="1" i="1">
-                            <a:latin typeface="Cambria Math" panose="02040503050406030204" pitchFamily="18" charset="0"/>
-                            <a:ea typeface="Cambria Math" panose="02040503050406030204" pitchFamily="18" charset="0"/>
-                          </a:rPr>
-                          <m:t>𝒙</m:t>
-                        </m:r>
-                      </m:den>
-                    </m:f>
-                    <m:r>
-                      <a:rPr lang="en-US" sz="1800" b="0" i="0" smtClean="0">
-                        <a:latin typeface="Cambria Math" panose="02040503050406030204" pitchFamily="18" charset="0"/>
-                      </a:rPr>
-                      <m:t>=2(</m:t>
-                    </m:r>
-                    <m:sSup>
-                      <m:sSupPr>
-                        <m:ctrlPr>
-                          <a:rPr lang="en-US" sz="1800" b="0" i="1" smtClean="0">
-                            <a:latin typeface="Cambria Math" panose="02040503050406030204" pitchFamily="18" charset="0"/>
-                          </a:rPr>
-                        </m:ctrlPr>
-                      </m:sSupPr>
-                      <m:e>
-                        <m:r>
-                          <m:rPr>
-                            <m:sty m:val="p"/>
-                          </m:rPr>
-                          <a:rPr lang="en-US" sz="1800" b="0" i="0" smtClean="0">
-                            <a:latin typeface="Cambria Math" panose="02040503050406030204" pitchFamily="18" charset="0"/>
-                          </a:rPr>
-                          <m:t>y</m:t>
-                        </m:r>
-                      </m:e>
-                      <m:sup>
-                        <m:r>
-                          <a:rPr lang="en-US" sz="1800" b="0" i="0" smtClean="0">
-                            <a:latin typeface="Cambria Math" panose="02040503050406030204" pitchFamily="18" charset="0"/>
-                          </a:rPr>
-                          <m:t>′</m:t>
-                        </m:r>
-                      </m:sup>
-                    </m:sSup>
-                    <m:r>
-                      <a:rPr lang="en-US" sz="1800" b="0" i="0" smtClean="0">
-                        <a:latin typeface="Cambria Math" panose="02040503050406030204" pitchFamily="18" charset="0"/>
-                      </a:rPr>
-                      <m:t>−</m:t>
-                    </m:r>
-                    <m:r>
-                      <m:rPr>
-                        <m:sty m:val="p"/>
-                      </m:rPr>
-                      <a:rPr lang="en-US" sz="1800" b="0" i="0" smtClean="0">
-                        <a:latin typeface="Cambria Math" panose="02040503050406030204" pitchFamily="18" charset="0"/>
-                      </a:rPr>
-                      <m:t>y</m:t>
-                    </m:r>
-                  </m:oMath>
+                  <m:oMathPara xmlns:m="http://schemas.openxmlformats.org/officeDocument/2006/math">
+                    <m:oMathParaPr>
+                      <m:jc m:val="centerGroup"/>
+                    </m:oMathParaPr>
+                    <m:oMath xmlns:m="http://schemas.openxmlformats.org/officeDocument/2006/math">
+                      <m:r>
+                        <a:rPr lang="en-US" i="1" smtClean="0">
+                          <a:latin typeface="Cambria Math" panose="02040503050406030204" pitchFamily="18" charset="0"/>
+                          <a:ea typeface="Cambria Math" panose="02040503050406030204" pitchFamily="18" charset="0"/>
+                        </a:rPr>
+                        <m:t>𝛼</m:t>
+                      </m:r>
+                      <m:r>
+                        <a:rPr lang="en-US" b="0" i="1" smtClean="0">
+                          <a:latin typeface="Cambria Math" panose="02040503050406030204" pitchFamily="18" charset="0"/>
+                          <a:ea typeface="Cambria Math" panose="02040503050406030204" pitchFamily="18" charset="0"/>
+                        </a:rPr>
+                        <m:t>=</m:t>
+                      </m:r>
+                      <m:r>
+                        <m:rPr>
+                          <m:nor/>
+                        </m:rPr>
+                        <a:rPr lang="en-US" b="0" i="0" smtClean="0">
+                          <a:latin typeface="Cambria Math" panose="02040503050406030204" pitchFamily="18" charset="0"/>
+                          <a:ea typeface="Cambria Math" panose="02040503050406030204" pitchFamily="18" charset="0"/>
+                        </a:rPr>
+                        <m:t> </m:t>
+                      </m:r>
+                      <m:r>
+                        <m:rPr>
+                          <m:nor/>
+                        </m:rPr>
+                        <a:rPr lang="en-US" b="0" i="0" smtClean="0">
+                          <a:latin typeface="Cambria Math" panose="02040503050406030204" pitchFamily="18" charset="0"/>
+                          <a:ea typeface="Cambria Math" panose="02040503050406030204" pitchFamily="18" charset="0"/>
+                        </a:rPr>
+                        <m:t>learning</m:t>
+                      </m:r>
+                      <m:r>
+                        <m:rPr>
+                          <m:nor/>
+                        </m:rPr>
+                        <a:rPr lang="en-US" b="0" i="0" smtClean="0">
+                          <a:latin typeface="Cambria Math" panose="02040503050406030204" pitchFamily="18" charset="0"/>
+                          <a:ea typeface="Cambria Math" panose="02040503050406030204" pitchFamily="18" charset="0"/>
+                        </a:rPr>
+                        <m:t> </m:t>
+                      </m:r>
+                      <m:r>
+                        <m:rPr>
+                          <m:nor/>
+                        </m:rPr>
+                        <a:rPr lang="en-US" b="0" i="0" smtClean="0">
+                          <a:latin typeface="Cambria Math" panose="02040503050406030204" pitchFamily="18" charset="0"/>
+                          <a:ea typeface="Cambria Math" panose="02040503050406030204" pitchFamily="18" charset="0"/>
+                        </a:rPr>
+                        <m:t>rate</m:t>
+                      </m:r>
+                    </m:oMath>
+                  </m:oMathPara>
                 </a14:m>
-                <a:r>
-                  <a:rPr lang="en-US" sz="1800" dirty="0"/>
-                  <a:t>)</a:t>
-                </a:r>
-                <a14:m>
-                  <m:oMath xmlns:m="http://schemas.openxmlformats.org/officeDocument/2006/math">
-                    <m:d>
-                      <m:dPr>
-                        <m:ctrlPr>
-                          <a:rPr lang="en-US" sz="1800" i="1" dirty="0" smtClean="0">
-                            <a:latin typeface="Cambria Math" panose="02040503050406030204" pitchFamily="18" charset="0"/>
-                          </a:rPr>
-                        </m:ctrlPr>
-                      </m:dPr>
-                      <m:e>
-                        <m:f>
-                          <m:fPr>
-                            <m:ctrlPr>
-                              <a:rPr lang="en-US" sz="1800" i="1" dirty="0">
-                                <a:latin typeface="Cambria Math" panose="02040503050406030204" pitchFamily="18" charset="0"/>
-                              </a:rPr>
-                            </m:ctrlPr>
-                          </m:fPr>
-                          <m:num>
-                            <m:r>
-                              <a:rPr lang="en-US" sz="1800" i="1" dirty="0">
-                                <a:latin typeface="Cambria Math" panose="02040503050406030204" pitchFamily="18" charset="0"/>
-                              </a:rPr>
-                              <m:t>𝜕</m:t>
-                            </m:r>
-                            <m:r>
-                              <a:rPr lang="en-US" sz="1800" i="1" dirty="0">
-                                <a:latin typeface="Cambria Math" panose="02040503050406030204" pitchFamily="18" charset="0"/>
-                              </a:rPr>
-                              <m:t>𝑦</m:t>
-                            </m:r>
-                            <m:r>
-                              <a:rPr lang="en-US" sz="1800" b="0" i="1" dirty="0" smtClean="0">
-                                <a:latin typeface="Cambria Math" panose="02040503050406030204" pitchFamily="18" charset="0"/>
-                              </a:rPr>
-                              <m:t>′</m:t>
-                            </m:r>
-                          </m:num>
-                          <m:den>
-                            <m:r>
-                              <a:rPr lang="en-US" sz="1800" i="1" dirty="0">
-                                <a:latin typeface="Cambria Math" panose="02040503050406030204" pitchFamily="18" charset="0"/>
-                              </a:rPr>
-                              <m:t>𝜕</m:t>
-                            </m:r>
-                            <m:r>
-                              <a:rPr lang="en-US" sz="1800" b="1" i="1">
-                                <a:latin typeface="Cambria Math" panose="02040503050406030204" pitchFamily="18" charset="0"/>
-                              </a:rPr>
-                              <m:t>𝒘</m:t>
-                            </m:r>
-                            <m:r>
-                              <a:rPr lang="en-US" sz="1800" b="1" i="1">
-                                <a:latin typeface="Cambria Math" panose="02040503050406030204" pitchFamily="18" charset="0"/>
-                                <a:ea typeface="Cambria Math" panose="02040503050406030204" pitchFamily="18" charset="0"/>
-                              </a:rPr>
-                              <m:t>∙</m:t>
-                            </m:r>
-                            <m:r>
-                              <a:rPr lang="en-US" sz="1800" b="1" i="1">
-                                <a:latin typeface="Cambria Math" panose="02040503050406030204" pitchFamily="18" charset="0"/>
-                                <a:ea typeface="Cambria Math" panose="02040503050406030204" pitchFamily="18" charset="0"/>
-                              </a:rPr>
-                              <m:t>𝒙</m:t>
-                            </m:r>
-                          </m:den>
-                        </m:f>
-                        <m:r>
-                          <a:rPr lang="en-US" sz="1800" i="1" dirty="0">
-                            <a:latin typeface="Cambria Math" panose="02040503050406030204" pitchFamily="18" charset="0"/>
-                          </a:rPr>
-                          <m:t>− </m:t>
-                        </m:r>
-                        <m:f>
-                          <m:fPr>
-                            <m:ctrlPr>
-                              <a:rPr lang="en-US" sz="1800" i="1" dirty="0">
-                                <a:latin typeface="Cambria Math" panose="02040503050406030204" pitchFamily="18" charset="0"/>
-                              </a:rPr>
-                            </m:ctrlPr>
-                          </m:fPr>
-                          <m:num>
-                            <m:r>
-                              <a:rPr lang="en-US" sz="1800" i="1" dirty="0">
-                                <a:latin typeface="Cambria Math" panose="02040503050406030204" pitchFamily="18" charset="0"/>
-                              </a:rPr>
-                              <m:t>𝜕</m:t>
-                            </m:r>
-                            <m:r>
-                              <a:rPr lang="en-US" sz="1800" i="1" dirty="0">
-                                <a:latin typeface="Cambria Math" panose="02040503050406030204" pitchFamily="18" charset="0"/>
-                              </a:rPr>
-                              <m:t>𝑦</m:t>
-                            </m:r>
-                          </m:num>
-                          <m:den>
-                            <m:r>
-                              <a:rPr lang="en-US" sz="1800" i="1" dirty="0">
-                                <a:latin typeface="Cambria Math" panose="02040503050406030204" pitchFamily="18" charset="0"/>
-                              </a:rPr>
-                              <m:t>𝜕</m:t>
-                            </m:r>
-                            <m:r>
-                              <a:rPr lang="en-US" sz="1800" b="1" i="1">
-                                <a:latin typeface="Cambria Math" panose="02040503050406030204" pitchFamily="18" charset="0"/>
-                              </a:rPr>
-                              <m:t>𝒘</m:t>
-                            </m:r>
-                            <m:r>
-                              <a:rPr lang="en-US" sz="1800" b="1" i="1">
-                                <a:latin typeface="Cambria Math" panose="02040503050406030204" pitchFamily="18" charset="0"/>
-                                <a:ea typeface="Cambria Math" panose="02040503050406030204" pitchFamily="18" charset="0"/>
-                              </a:rPr>
-                              <m:t>∙</m:t>
-                            </m:r>
-                            <m:r>
-                              <a:rPr lang="en-US" sz="1800" b="1" i="1">
-                                <a:latin typeface="Cambria Math" panose="02040503050406030204" pitchFamily="18" charset="0"/>
-                                <a:ea typeface="Cambria Math" panose="02040503050406030204" pitchFamily="18" charset="0"/>
-                              </a:rPr>
-                              <m:t>𝒙</m:t>
-                            </m:r>
-                          </m:den>
-                        </m:f>
-                      </m:e>
-                    </m:d>
-                  </m:oMath>
-                </a14:m>
-                <a:endParaRPr lang="en-US" sz="1800" dirty="0"/>
+                <a:endParaRPr lang="en-US" dirty="0"/>
               </a:p>
             </p:txBody>
           </p:sp>
         </mc:Choice>
-        <mc:Fallback xmlns="">
+        <mc:Fallback>
           <p:sp>
             <p:nvSpPr>
-              <p:cNvPr id="9" name="TextBox 8">
+              <p:cNvPr id="16" name="TextBox 15">
                 <a:extLst>
                   <a:ext uri="{FF2B5EF4-FFF2-40B4-BE49-F238E27FC236}">
-                    <a16:creationId xmlns:a16="http://schemas.microsoft.com/office/drawing/2014/main" id="{7E8D1D1C-D7AB-544D-9DED-1B35CC79BED6}"/>
+                    <a16:creationId xmlns:a16="http://schemas.microsoft.com/office/drawing/2014/main" id="{1C401679-799C-20D8-9203-AA3DC11A2DBF}"/>
                   </a:ext>
                 </a:extLst>
               </p:cNvPr>
@@ -19343,8 +18486,315 @@
             </p:nvSpPr>
             <p:spPr>
               <a:xfrm>
-                <a:off x="1349090" y="4863670"/>
-                <a:ext cx="6572250" cy="431849"/>
+                <a:off x="6662057" y="486890"/>
+                <a:ext cx="1609158" cy="307777"/>
+              </a:xfrm>
+              <a:prstGeom prst="rect">
+                <a:avLst/>
+              </a:prstGeom>
+              <a:blipFill>
+                <a:blip r:embed="rId8"/>
+                <a:stretch>
+                  <a:fillRect b="-16000"/>
+                </a:stretch>
+              </a:blipFill>
+            </p:spPr>
+            <p:txBody>
+              <a:bodyPr/>
+              <a:lstStyle/>
+              <a:p>
+                <a:r>
+                  <a:rPr lang="en-US">
+                    <a:noFill/>
+                  </a:rPr>
+                  <a:t> </a:t>
+                </a:r>
+              </a:p>
+            </p:txBody>
+          </p:sp>
+        </mc:Fallback>
+      </mc:AlternateContent>
+      <mc:AlternateContent xmlns:mc="http://schemas.openxmlformats.org/markup-compatibility/2006">
+        <mc:Choice xmlns:a14="http://schemas.microsoft.com/office/drawing/2010/main" Requires="a14">
+          <p:sp>
+            <p:nvSpPr>
+              <p:cNvPr id="18" name="TextBox 17">
+                <a:extLst>
+                  <a:ext uri="{FF2B5EF4-FFF2-40B4-BE49-F238E27FC236}">
+                    <a16:creationId xmlns:a16="http://schemas.microsoft.com/office/drawing/2014/main" id="{9C402EAA-86FA-C2F3-8897-4C88B562FD4E}"/>
+                  </a:ext>
+                </a:extLst>
+              </p:cNvPr>
+              <p:cNvSpPr txBox="1"/>
+              <p:nvPr/>
+            </p:nvSpPr>
+            <p:spPr>
+              <a:xfrm>
+                <a:off x="609766" y="3723385"/>
+                <a:ext cx="1750607" cy="409664"/>
+              </a:xfrm>
+              <a:prstGeom prst="rect">
+                <a:avLst/>
+              </a:prstGeom>
+              <a:noFill/>
+            </p:spPr>
+            <p:txBody>
+              <a:bodyPr wrap="none" lIns="0" tIns="0" rIns="0" bIns="0" rtlCol="0">
+                <a:spAutoFit/>
+              </a:bodyPr>
+              <a:lstStyle/>
+              <a:p>
+                <a14:m>
+                  <m:oMathPara xmlns:m="http://schemas.openxmlformats.org/officeDocument/2006/math">
+                    <m:oMathParaPr>
+                      <m:jc m:val="centerGroup"/>
+                    </m:oMathParaPr>
+                    <m:oMath xmlns:m="http://schemas.openxmlformats.org/officeDocument/2006/math">
+                      <m:sSub>
+                        <m:sSubPr>
+                          <m:ctrlPr>
+                            <a:rPr lang="en-US" i="1" smtClean="0">
+                              <a:latin typeface="Cambria Math" panose="02040503050406030204" pitchFamily="18" charset="0"/>
+                            </a:rPr>
+                          </m:ctrlPr>
+                        </m:sSubPr>
+                        <m:e>
+                          <m:r>
+                            <a:rPr lang="en-US" i="1" smtClean="0">
+                              <a:latin typeface="Cambria Math" panose="02040503050406030204" pitchFamily="18" charset="0"/>
+                              <a:ea typeface="Cambria Math" panose="02040503050406030204" pitchFamily="18" charset="0"/>
+                            </a:rPr>
+                            <m:t>𝛿</m:t>
+                          </m:r>
+                        </m:e>
+                        <m:sub>
+                          <m:r>
+                            <a:rPr lang="en-US" b="0" i="1" smtClean="0">
+                              <a:latin typeface="Cambria Math" panose="02040503050406030204" pitchFamily="18" charset="0"/>
+                            </a:rPr>
+                            <m:t>h</m:t>
+                          </m:r>
+                        </m:sub>
+                      </m:sSub>
+                      <m:r>
+                        <a:rPr lang="en-US" b="0" i="1" smtClean="0">
+                          <a:latin typeface="Cambria Math" panose="02040503050406030204" pitchFamily="18" charset="0"/>
+                        </a:rPr>
+                        <m:t>=</m:t>
+                      </m:r>
+                      <m:f>
+                        <m:fPr>
+                          <m:ctrlPr>
+                            <a:rPr lang="en-US" b="0" i="1" smtClean="0">
+                              <a:latin typeface="Cambria Math" panose="02040503050406030204" pitchFamily="18" charset="0"/>
+                            </a:rPr>
+                          </m:ctrlPr>
+                        </m:fPr>
+                        <m:num>
+                          <m:r>
+                            <a:rPr lang="en-US" b="0" i="1" smtClean="0">
+                              <a:latin typeface="Cambria Math" panose="02040503050406030204" pitchFamily="18" charset="0"/>
+                              <a:ea typeface="Cambria Math" panose="02040503050406030204" pitchFamily="18" charset="0"/>
+                            </a:rPr>
+                            <m:t>𝜕</m:t>
+                          </m:r>
+                          <m:sSub>
+                            <m:sSubPr>
+                              <m:ctrlPr>
+                                <a:rPr lang="en-US" b="0" i="1" smtClean="0">
+                                  <a:latin typeface="Cambria Math" panose="02040503050406030204" pitchFamily="18" charset="0"/>
+                                  <a:ea typeface="Cambria Math" panose="02040503050406030204" pitchFamily="18" charset="0"/>
+                                </a:rPr>
+                              </m:ctrlPr>
+                            </m:sSubPr>
+                            <m:e>
+                              <m:r>
+                                <a:rPr lang="en-US" b="0" i="1" smtClean="0">
+                                  <a:latin typeface="Cambria Math" panose="02040503050406030204" pitchFamily="18" charset="0"/>
+                                  <a:ea typeface="Cambria Math" panose="02040503050406030204" pitchFamily="18" charset="0"/>
+                                </a:rPr>
+                                <m:t>𝐸</m:t>
+                              </m:r>
+                            </m:e>
+                            <m:sub>
+                              <m:r>
+                                <a:rPr lang="en-US" b="0" i="1" smtClean="0">
+                                  <a:latin typeface="Cambria Math" panose="02040503050406030204" pitchFamily="18" charset="0"/>
+                                  <a:ea typeface="Cambria Math" panose="02040503050406030204" pitchFamily="18" charset="0"/>
+                                </a:rPr>
+                                <m:t>h</m:t>
+                              </m:r>
+                            </m:sub>
+                          </m:sSub>
+                        </m:num>
+                        <m:den>
+                          <m:r>
+                            <a:rPr lang="en-US" b="0" i="1" smtClean="0">
+                              <a:latin typeface="Cambria Math" panose="02040503050406030204" pitchFamily="18" charset="0"/>
+                              <a:ea typeface="Cambria Math" panose="02040503050406030204" pitchFamily="18" charset="0"/>
+                            </a:rPr>
+                            <m:t>𝜕</m:t>
+                          </m:r>
+                          <m:r>
+                            <a:rPr lang="en-US" b="0" i="1" smtClean="0">
+                              <a:latin typeface="Cambria Math" panose="02040503050406030204" pitchFamily="18" charset="0"/>
+                              <a:ea typeface="Cambria Math" panose="02040503050406030204" pitchFamily="18" charset="0"/>
+                            </a:rPr>
+                            <m:t>𝑤</m:t>
+                          </m:r>
+                          <m:r>
+                            <a:rPr lang="en-US" b="0" i="1" smtClean="0">
+                              <a:latin typeface="Cambria Math" panose="02040503050406030204" pitchFamily="18" charset="0"/>
+                              <a:ea typeface="Cambria Math" panose="02040503050406030204" pitchFamily="18" charset="0"/>
+                            </a:rPr>
+                            <m:t>∙</m:t>
+                          </m:r>
+                          <m:r>
+                            <a:rPr lang="en-US" b="0" i="1" smtClean="0">
+                              <a:latin typeface="Cambria Math" panose="02040503050406030204" pitchFamily="18" charset="0"/>
+                              <a:ea typeface="Cambria Math" panose="02040503050406030204" pitchFamily="18" charset="0"/>
+                            </a:rPr>
+                            <m:t>𝑥</m:t>
+                          </m:r>
+                        </m:den>
+                      </m:f>
+                      <m:r>
+                        <a:rPr lang="en-US" b="0" i="1" smtClean="0">
+                          <a:latin typeface="Cambria Math" panose="02040503050406030204" pitchFamily="18" charset="0"/>
+                        </a:rPr>
+                        <m:t>=</m:t>
+                      </m:r>
+                      <m:f>
+                        <m:fPr>
+                          <m:ctrlPr>
+                            <a:rPr lang="en-US" b="0" i="1" smtClean="0">
+                              <a:latin typeface="Cambria Math" panose="02040503050406030204" pitchFamily="18" charset="0"/>
+                            </a:rPr>
+                          </m:ctrlPr>
+                        </m:fPr>
+                        <m:num>
+                          <m:r>
+                            <a:rPr lang="en-US" b="0" i="1" smtClean="0">
+                              <a:latin typeface="Cambria Math" panose="02040503050406030204" pitchFamily="18" charset="0"/>
+                              <a:ea typeface="Cambria Math" panose="02040503050406030204" pitchFamily="18" charset="0"/>
+                            </a:rPr>
+                            <m:t>𝜕</m:t>
+                          </m:r>
+                          <m:sSub>
+                            <m:sSubPr>
+                              <m:ctrlPr>
+                                <a:rPr lang="en-US" b="0" i="1" smtClean="0">
+                                  <a:latin typeface="Cambria Math" panose="02040503050406030204" pitchFamily="18" charset="0"/>
+                                  <a:ea typeface="Cambria Math" panose="02040503050406030204" pitchFamily="18" charset="0"/>
+                                </a:rPr>
+                              </m:ctrlPr>
+                            </m:sSubPr>
+                            <m:e>
+                              <m:r>
+                                <a:rPr lang="en-US" b="0" i="1" smtClean="0">
+                                  <a:latin typeface="Cambria Math" panose="02040503050406030204" pitchFamily="18" charset="0"/>
+                                  <a:ea typeface="Cambria Math" panose="02040503050406030204" pitchFamily="18" charset="0"/>
+                                </a:rPr>
+                                <m:t>𝑤</m:t>
+                              </m:r>
+                            </m:e>
+                            <m:sub>
+                              <m:r>
+                                <a:rPr lang="en-US" b="0" i="1" smtClean="0">
+                                  <a:latin typeface="Cambria Math" panose="02040503050406030204" pitchFamily="18" charset="0"/>
+                                  <a:ea typeface="Cambria Math" panose="02040503050406030204" pitchFamily="18" charset="0"/>
+                                </a:rPr>
+                                <m:t>h𝑜</m:t>
+                              </m:r>
+                            </m:sub>
+                          </m:sSub>
+                          <m:sSub>
+                            <m:sSubPr>
+                              <m:ctrlPr>
+                                <a:rPr lang="en-US" b="0" i="1" smtClean="0">
+                                  <a:latin typeface="Cambria Math" panose="02040503050406030204" pitchFamily="18" charset="0"/>
+                                  <a:ea typeface="Cambria Math" panose="02040503050406030204" pitchFamily="18" charset="0"/>
+                                </a:rPr>
+                              </m:ctrlPr>
+                            </m:sSubPr>
+                            <m:e>
+                              <m:r>
+                                <a:rPr lang="en-US" b="0" i="1" smtClean="0">
+                                  <a:latin typeface="Cambria Math" panose="02040503050406030204" pitchFamily="18" charset="0"/>
+                                  <a:ea typeface="Cambria Math" panose="02040503050406030204" pitchFamily="18" charset="0"/>
+                                </a:rPr>
+                                <m:t>𝛿</m:t>
+                              </m:r>
+                            </m:e>
+                            <m:sub>
+                              <m:r>
+                                <a:rPr lang="en-US" b="0" i="1" smtClean="0">
+                                  <a:latin typeface="Cambria Math" panose="02040503050406030204" pitchFamily="18" charset="0"/>
+                                  <a:ea typeface="Cambria Math" panose="02040503050406030204" pitchFamily="18" charset="0"/>
+                                </a:rPr>
+                                <m:t>𝑜</m:t>
+                              </m:r>
+                            </m:sub>
+                          </m:sSub>
+                        </m:num>
+                        <m:den>
+                          <m:r>
+                            <a:rPr lang="en-US" b="0" i="1" smtClean="0">
+                              <a:latin typeface="Cambria Math" panose="02040503050406030204" pitchFamily="18" charset="0"/>
+                              <a:ea typeface="Cambria Math" panose="02040503050406030204" pitchFamily="18" charset="0"/>
+                            </a:rPr>
+                            <m:t>𝜕</m:t>
+                          </m:r>
+                          <m:r>
+                            <a:rPr lang="en-US" b="0" i="1" smtClean="0">
+                              <a:latin typeface="Cambria Math" panose="02040503050406030204" pitchFamily="18" charset="0"/>
+                              <a:ea typeface="Cambria Math" panose="02040503050406030204" pitchFamily="18" charset="0"/>
+                            </a:rPr>
+                            <m:t>𝑤</m:t>
+                          </m:r>
+                          <m:r>
+                            <a:rPr lang="en-US" b="0" i="1" smtClean="0">
+                              <a:latin typeface="Cambria Math" panose="02040503050406030204" pitchFamily="18" charset="0"/>
+                              <a:ea typeface="Cambria Math" panose="02040503050406030204" pitchFamily="18" charset="0"/>
+                            </a:rPr>
+                            <m:t>∙</m:t>
+                          </m:r>
+                          <m:r>
+                            <a:rPr lang="en-US" b="0" i="1" smtClean="0">
+                              <a:latin typeface="Cambria Math" panose="02040503050406030204" pitchFamily="18" charset="0"/>
+                              <a:ea typeface="Cambria Math" panose="02040503050406030204" pitchFamily="18" charset="0"/>
+                            </a:rPr>
+                            <m:t>𝑥</m:t>
+                          </m:r>
+                        </m:den>
+                      </m:f>
+                    </m:oMath>
+                  </m:oMathPara>
+                </a14:m>
+                <a:endParaRPr lang="en-US" dirty="0"/>
+              </a:p>
+            </p:txBody>
+          </p:sp>
+        </mc:Choice>
+        <mc:Fallback>
+          <p:sp>
+            <p:nvSpPr>
+              <p:cNvPr id="18" name="TextBox 17">
+                <a:extLst>
+                  <a:ext uri="{FF2B5EF4-FFF2-40B4-BE49-F238E27FC236}">
+                    <a16:creationId xmlns:a16="http://schemas.microsoft.com/office/drawing/2014/main" id="{9C402EAA-86FA-C2F3-8897-4C88B562FD4E}"/>
+                  </a:ext>
+                </a:extLst>
+              </p:cNvPr>
+              <p:cNvSpPr txBox="1">
+                <a:spLocks noRot="1" noChangeAspect="1" noMove="1" noResize="1" noEditPoints="1" noAdjustHandles="1" noChangeArrowheads="1" noChangeShapeType="1" noTextEdit="1"/>
+              </p:cNvSpPr>
+              <p:nvPr/>
+            </p:nvSpPr>
+            <p:spPr>
+              <a:xfrm>
+                <a:off x="609766" y="3723385"/>
+                <a:ext cx="1750607" cy="409664"/>
               </a:xfrm>
               <a:prstGeom prst="rect">
                 <a:avLst/>
@@ -19352,7 +18802,7 @@
               <a:blipFill>
                 <a:blip r:embed="rId9"/>
                 <a:stretch>
-                  <a:fillRect l="-1156" b="-14286"/>
+                  <a:fillRect l="-2174" t="-6061" b="-12121"/>
                 </a:stretch>
               </a:blipFill>
             </p:spPr>
@@ -19373,10 +18823,10 @@
       </mc:AlternateContent>
       <p:sp>
         <p:nvSpPr>
-          <p:cNvPr id="10" name="TextBox 9">
+          <p:cNvPr id="19" name="TextBox 18">
             <a:extLst>
               <a:ext uri="{FF2B5EF4-FFF2-40B4-BE49-F238E27FC236}">
-                <a16:creationId xmlns:a16="http://schemas.microsoft.com/office/drawing/2014/main" id="{9C0038DD-6EE8-A846-BDDC-89591B0509AE}"/>
+                <a16:creationId xmlns:a16="http://schemas.microsoft.com/office/drawing/2014/main" id="{EABF245E-2DBF-740C-6145-30098884138F}"/>
               </a:ext>
             </a:extLst>
           </p:cNvPr>
@@ -19385,8 +18835,8 @@
         </p:nvSpPr>
         <p:spPr>
           <a:xfrm>
-            <a:off x="6483927" y="4184073"/>
-            <a:ext cx="2392001" cy="523220"/>
+            <a:off x="950026" y="5640779"/>
+            <a:ext cx="6340197" cy="307777"/>
           </a:xfrm>
           <a:prstGeom prst="rect">
             <a:avLst/>
@@ -19400,965 +18850,13 @@
           <a:lstStyle/>
           <a:p>
             <a:r>
-              <a:rPr lang="en-US" dirty="0"/>
-              <a:t>For this to work transfer</a:t>
+              <a:rPr lang="en-US" b="1" dirty="0"/>
+              <a:t>Note</a:t>
             </a:r>
-          </a:p>
-          <a:p>
             <a:r>
               <a:rPr lang="en-US" dirty="0"/>
-              <a:t>Function has to be smooth!!</a:t>
+              <a:t>: These computations only work if the transfer functions are differentiable.</a:t>
             </a:r>
-          </a:p>
-        </p:txBody>
-      </p:sp>
-      <p:cxnSp>
-        <p:nvCxnSpPr>
-          <p:cNvPr id="12" name="Straight Arrow Connector 11">
-            <a:extLst>
-              <a:ext uri="{FF2B5EF4-FFF2-40B4-BE49-F238E27FC236}">
-                <a16:creationId xmlns:a16="http://schemas.microsoft.com/office/drawing/2014/main" id="{037EFD1F-B3C5-054C-AD7F-0379A8097D53}"/>
-              </a:ext>
-            </a:extLst>
-          </p:cNvPr>
-          <p:cNvCxnSpPr/>
-          <p:nvPr/>
-        </p:nvCxnSpPr>
-        <p:spPr>
-          <a:xfrm flipH="1">
-            <a:off x="6148390" y="4495800"/>
-            <a:ext cx="220660" cy="274637"/>
-          </a:xfrm>
-          <a:prstGeom prst="straightConnector1">
-            <a:avLst/>
-          </a:prstGeom>
-          <a:ln>
-            <a:tailEnd type="triangle"/>
-          </a:ln>
-        </p:spPr>
-        <p:style>
-          <a:lnRef idx="1">
-            <a:schemeClr val="accent2"/>
-          </a:lnRef>
-          <a:fillRef idx="0">
-            <a:schemeClr val="accent2"/>
-          </a:fillRef>
-          <a:effectRef idx="0">
-            <a:schemeClr val="accent2"/>
-          </a:effectRef>
-          <a:fontRef idx="minor">
-            <a:schemeClr val="tx1"/>
-          </a:fontRef>
-        </p:style>
-      </p:cxnSp>
-    </p:spTree>
-  </p:cSld>
-  <p:clrMapOvr>
-    <a:masterClrMapping/>
-  </p:clrMapOvr>
-</p:sld>
-</file>
-
-<file path=ppt/slides/slide14.xml><?xml version="1.0" encoding="utf-8"?>
-<p:sld xmlns:a="http://schemas.openxmlformats.org/drawingml/2006/main" xmlns:r="http://schemas.openxmlformats.org/officeDocument/2006/relationships" xmlns:p="http://schemas.openxmlformats.org/presentationml/2006/main">
-  <p:cSld>
-    <p:spTree>
-      <p:nvGrpSpPr>
-        <p:cNvPr id="1" name="Shape 246"/>
-        <p:cNvGrpSpPr/>
-        <p:nvPr/>
-      </p:nvGrpSpPr>
-      <p:grpSpPr>
-        <a:xfrm>
-          <a:off x="0" y="0"/>
-          <a:ext cx="0" cy="0"/>
-          <a:chOff x="0" y="0"/>
-          <a:chExt cx="0" cy="0"/>
-        </a:xfrm>
-      </p:grpSpPr>
-      <p:sp>
-        <p:nvSpPr>
-          <p:cNvPr id="247" name="Shape 247"/>
-          <p:cNvSpPr txBox="1">
-            <a:spLocks noGrp="1"/>
-          </p:cNvSpPr>
-          <p:nvPr>
-            <p:ph type="title"/>
-          </p:nvPr>
-        </p:nvSpPr>
-        <p:spPr>
-          <a:xfrm>
-            <a:off x="1524000" y="190500"/>
-            <a:ext cx="7010400" cy="1527175"/>
-          </a:xfrm>
-          <a:prstGeom prst="rect">
-            <a:avLst/>
-          </a:prstGeom>
-          <a:noFill/>
-          <a:ln>
-            <a:noFill/>
-          </a:ln>
-        </p:spPr>
-        <p:txBody>
-          <a:bodyPr spcFirstLastPara="1" wrap="square" lIns="91425" tIns="45700" rIns="91425" bIns="45700" anchor="ctr" anchorCtr="0">
-            <a:noAutofit/>
-          </a:bodyPr>
-          <a:lstStyle/>
-          <a:p>
-            <a:pPr marL="0" marR="0" lvl="0" indent="0" algn="l" rtl="0">
-              <a:lnSpc>
-                <a:spcPct val="100000"/>
-              </a:lnSpc>
-              <a:spcBef>
-                <a:spcPts val="0"/>
-              </a:spcBef>
-              <a:spcAft>
-                <a:spcPts val="0"/>
-              </a:spcAft>
-              <a:buClr>
-                <a:schemeClr val="dk2"/>
-              </a:buClr>
-              <a:buFont typeface="Arial"/>
-              <a:buNone/>
-            </a:pPr>
-            <a:r>
-              <a:rPr lang="en-US" sz="4200" b="0" i="0" u="none" strike="noStrike" cap="none">
-                <a:solidFill>
-                  <a:schemeClr val="dk2"/>
-                </a:solidFill>
-                <a:latin typeface="Arial"/>
-                <a:ea typeface="Arial"/>
-                <a:cs typeface="Arial"/>
-                <a:sym typeface="Arial"/>
-              </a:rPr>
-              <a:t>Backpropagation Algorithm</a:t>
-            </a:r>
-            <a:endParaRPr/>
-          </a:p>
-        </p:txBody>
-      </p:sp>
-      <p:sp>
-        <p:nvSpPr>
-          <p:cNvPr id="248" name="Shape 248"/>
-          <p:cNvSpPr txBox="1"/>
-          <p:nvPr/>
-        </p:nvSpPr>
-        <p:spPr>
-          <a:xfrm>
-            <a:off x="1892300" y="1828800"/>
-            <a:ext cx="7185025" cy="2867025"/>
-          </a:xfrm>
-          <a:prstGeom prst="rect">
-            <a:avLst/>
-          </a:prstGeom>
-          <a:noFill/>
-          <a:ln w="9525" cap="flat" cmpd="sng">
-            <a:solidFill>
-              <a:schemeClr val="dk1"/>
-            </a:solidFill>
-            <a:prstDash val="solid"/>
-            <a:miter lim="8000"/>
-            <a:headEnd type="none" w="sm" len="sm"/>
-            <a:tailEnd type="none" w="sm" len="sm"/>
-          </a:ln>
-        </p:spPr>
-        <p:txBody>
-          <a:bodyPr spcFirstLastPara="1" wrap="square" lIns="91425" tIns="45700" rIns="91425" bIns="45700" anchor="t" anchorCtr="0">
-            <a:noAutofit/>
-          </a:bodyPr>
-          <a:lstStyle/>
-          <a:p>
-            <a:pPr marL="0" marR="0" lvl="0" indent="0" algn="l" rtl="0">
-              <a:lnSpc>
-                <a:spcPct val="100000"/>
-              </a:lnSpc>
-              <a:spcBef>
-                <a:spcPts val="0"/>
-              </a:spcBef>
-              <a:spcAft>
-                <a:spcPts val="0"/>
-              </a:spcAft>
-              <a:buClr>
-                <a:schemeClr val="dk1"/>
-              </a:buClr>
-              <a:buFont typeface="Arial"/>
-              <a:buNone/>
-            </a:pPr>
-            <a:r>
-              <a:rPr lang="en-US" sz="1400" b="0" i="0" u="none" dirty="0">
-                <a:solidFill>
-                  <a:schemeClr val="dk1"/>
-                </a:solidFill>
-                <a:latin typeface="Arial"/>
-                <a:ea typeface="Arial"/>
-                <a:cs typeface="Arial"/>
-                <a:sym typeface="Arial"/>
-              </a:rPr>
-              <a:t>Initialize the weights in the network (often randomly)</a:t>
-            </a:r>
-            <a:endParaRPr dirty="0"/>
-          </a:p>
-          <a:p>
-            <a:pPr marL="0" marR="0" lvl="0" indent="0" algn="l" rtl="0">
-              <a:lnSpc>
-                <a:spcPct val="100000"/>
-              </a:lnSpc>
-              <a:spcBef>
-                <a:spcPts val="0"/>
-              </a:spcBef>
-              <a:spcAft>
-                <a:spcPts val="0"/>
-              </a:spcAft>
-              <a:buClr>
-                <a:schemeClr val="dk1"/>
-              </a:buClr>
-              <a:buFont typeface="Arial"/>
-              <a:buNone/>
-            </a:pPr>
-            <a:r>
-              <a:rPr lang="en-US" sz="1400" b="0" i="0" u="none" dirty="0">
-                <a:solidFill>
-                  <a:schemeClr val="dk1"/>
-                </a:solidFill>
-                <a:latin typeface="Arial"/>
-                <a:ea typeface="Arial"/>
-                <a:cs typeface="Arial"/>
-                <a:sym typeface="Arial"/>
-              </a:rPr>
-              <a:t>  Do</a:t>
-            </a:r>
-            <a:endParaRPr dirty="0"/>
-          </a:p>
-          <a:p>
-            <a:pPr marL="0" marR="0" lvl="0" indent="0" algn="l" rtl="0">
-              <a:lnSpc>
-                <a:spcPct val="100000"/>
-              </a:lnSpc>
-              <a:spcBef>
-                <a:spcPts val="0"/>
-              </a:spcBef>
-              <a:spcAft>
-                <a:spcPts val="0"/>
-              </a:spcAft>
-              <a:buClr>
-                <a:schemeClr val="dk1"/>
-              </a:buClr>
-              <a:buFont typeface="Arial"/>
-              <a:buNone/>
-            </a:pPr>
-            <a:r>
-              <a:rPr lang="en-US" sz="1400" b="0" i="0" u="none" dirty="0">
-                <a:solidFill>
-                  <a:schemeClr val="dk1"/>
-                </a:solidFill>
-                <a:latin typeface="Arial"/>
-                <a:ea typeface="Arial"/>
-                <a:cs typeface="Arial"/>
-                <a:sym typeface="Arial"/>
-              </a:rPr>
-              <a:t>         For each example e in the training set</a:t>
-            </a:r>
-            <a:endParaRPr dirty="0"/>
-          </a:p>
-          <a:p>
-            <a:pPr marL="0" marR="0" lvl="0" indent="0" algn="l" rtl="0">
-              <a:lnSpc>
-                <a:spcPct val="100000"/>
-              </a:lnSpc>
-              <a:spcBef>
-                <a:spcPts val="0"/>
-              </a:spcBef>
-              <a:spcAft>
-                <a:spcPts val="0"/>
-              </a:spcAft>
-              <a:buClr>
-                <a:schemeClr val="dk1"/>
-              </a:buClr>
-              <a:buFont typeface="Arial"/>
-              <a:buNone/>
-            </a:pPr>
-            <a:r>
-              <a:rPr lang="en-US" sz="1400" b="0" i="0" u="none" dirty="0">
-                <a:solidFill>
-                  <a:schemeClr val="dk1"/>
-                </a:solidFill>
-                <a:latin typeface="Arial"/>
-                <a:ea typeface="Arial"/>
-                <a:cs typeface="Arial"/>
-                <a:sym typeface="Arial"/>
-              </a:rPr>
-              <a:t>              // forward pass</a:t>
-            </a:r>
-            <a:endParaRPr dirty="0"/>
-          </a:p>
-          <a:p>
-            <a:pPr marL="0" marR="0" lvl="0" indent="0" algn="l" rtl="0">
-              <a:lnSpc>
-                <a:spcPct val="100000"/>
-              </a:lnSpc>
-              <a:spcBef>
-                <a:spcPts val="0"/>
-              </a:spcBef>
-              <a:spcAft>
-                <a:spcPts val="0"/>
-              </a:spcAft>
-              <a:buClr>
-                <a:schemeClr val="dk1"/>
-              </a:buClr>
-              <a:buFont typeface="Arial"/>
-              <a:buNone/>
-            </a:pPr>
-            <a:r>
-              <a:rPr lang="en-US" sz="1400" b="0" i="0" u="none" dirty="0">
-                <a:solidFill>
-                  <a:schemeClr val="dk1"/>
-                </a:solidFill>
-                <a:latin typeface="Arial"/>
-                <a:ea typeface="Arial"/>
-                <a:cs typeface="Arial"/>
-                <a:sym typeface="Arial"/>
-              </a:rPr>
-              <a:t>              y = compute neural net output</a:t>
-            </a:r>
-            <a:endParaRPr dirty="0"/>
-          </a:p>
-          <a:p>
-            <a:pPr marL="0" marR="0" lvl="0" indent="0" algn="l" rtl="0">
-              <a:lnSpc>
-                <a:spcPct val="100000"/>
-              </a:lnSpc>
-              <a:spcBef>
-                <a:spcPts val="0"/>
-              </a:spcBef>
-              <a:spcAft>
-                <a:spcPts val="0"/>
-              </a:spcAft>
-              <a:buClr>
-                <a:schemeClr val="dk1"/>
-              </a:buClr>
-              <a:buFont typeface="Arial"/>
-              <a:buNone/>
-            </a:pPr>
-            <a:r>
-              <a:rPr lang="en-US" sz="1400" b="0" i="0" u="none" dirty="0">
-                <a:solidFill>
-                  <a:schemeClr val="dk1"/>
-                </a:solidFill>
-                <a:latin typeface="Arial"/>
-                <a:ea typeface="Arial"/>
-                <a:cs typeface="Arial"/>
-                <a:sym typeface="Arial"/>
-              </a:rPr>
-              <a:t>              y’ = label for e from training data</a:t>
-            </a:r>
-            <a:endParaRPr dirty="0"/>
-          </a:p>
-          <a:p>
-            <a:pPr marL="0" marR="0" lvl="0" indent="0" algn="l" rtl="0">
-              <a:lnSpc>
-                <a:spcPct val="100000"/>
-              </a:lnSpc>
-              <a:spcBef>
-                <a:spcPts val="0"/>
-              </a:spcBef>
-              <a:spcAft>
-                <a:spcPts val="0"/>
-              </a:spcAft>
-              <a:buClr>
-                <a:schemeClr val="dk1"/>
-              </a:buClr>
-              <a:buFont typeface="Arial"/>
-              <a:buNone/>
-            </a:pPr>
-            <a:r>
-              <a:rPr lang="en-US" sz="1400" b="0" i="0" u="none" dirty="0">
-                <a:solidFill>
-                  <a:schemeClr val="dk1"/>
-                </a:solidFill>
-                <a:latin typeface="Arial"/>
-                <a:ea typeface="Arial"/>
-                <a:cs typeface="Arial"/>
-                <a:sym typeface="Arial"/>
-              </a:rPr>
-              <a:t>              Calculate error </a:t>
-            </a:r>
-            <a:r>
-              <a:rPr lang="en-US" dirty="0">
-                <a:solidFill>
-                  <a:schemeClr val="dk1"/>
-                </a:solidFill>
-              </a:rPr>
-              <a:t>E</a:t>
-            </a:r>
-            <a:r>
-              <a:rPr lang="en-US" sz="1400" b="0" i="0" u="none" dirty="0">
-                <a:solidFill>
-                  <a:schemeClr val="dk1"/>
-                </a:solidFill>
-                <a:latin typeface="Arial"/>
-                <a:ea typeface="Arial"/>
-                <a:cs typeface="Arial"/>
-                <a:sym typeface="Arial"/>
-              </a:rPr>
-              <a:t> = (y’ - y)</a:t>
-            </a:r>
-            <a:r>
-              <a:rPr lang="en-US" sz="1400" b="0" i="0" u="none" baseline="30000" dirty="0">
-                <a:solidFill>
-                  <a:schemeClr val="dk1"/>
-                </a:solidFill>
-                <a:latin typeface="Arial"/>
-                <a:ea typeface="Arial"/>
-                <a:cs typeface="Arial"/>
-                <a:sym typeface="Arial"/>
-              </a:rPr>
-              <a:t>2</a:t>
-            </a:r>
-            <a:r>
-              <a:rPr lang="en-US" sz="1400" b="0" i="0" u="none" dirty="0">
-                <a:solidFill>
-                  <a:schemeClr val="dk1"/>
-                </a:solidFill>
-                <a:latin typeface="Arial"/>
-                <a:ea typeface="Arial"/>
-                <a:cs typeface="Arial"/>
-                <a:sym typeface="Arial"/>
-              </a:rPr>
-              <a:t> at the output units</a:t>
-            </a:r>
-            <a:endParaRPr dirty="0"/>
-          </a:p>
-          <a:p>
-            <a:pPr marL="0" marR="0" lvl="0" indent="0" algn="l" rtl="0">
-              <a:lnSpc>
-                <a:spcPct val="100000"/>
-              </a:lnSpc>
-              <a:spcBef>
-                <a:spcPts val="0"/>
-              </a:spcBef>
-              <a:spcAft>
-                <a:spcPts val="0"/>
-              </a:spcAft>
-              <a:buClr>
-                <a:schemeClr val="dk1"/>
-              </a:buClr>
-              <a:buFont typeface="Arial"/>
-              <a:buNone/>
-            </a:pPr>
-            <a:r>
-              <a:rPr lang="en-US" sz="1400" b="0" i="0" u="none" dirty="0">
-                <a:solidFill>
-                  <a:schemeClr val="dk1"/>
-                </a:solidFill>
-                <a:latin typeface="Arial"/>
-                <a:ea typeface="Arial"/>
-                <a:cs typeface="Arial"/>
-                <a:sym typeface="Arial"/>
-              </a:rPr>
-              <a:t>               // backward pass</a:t>
-            </a:r>
-            <a:endParaRPr dirty="0"/>
-          </a:p>
-          <a:p>
-            <a:pPr marL="0" marR="0" lvl="0" indent="0" algn="l" rtl="0">
-              <a:lnSpc>
-                <a:spcPct val="100000"/>
-              </a:lnSpc>
-              <a:spcBef>
-                <a:spcPts val="0"/>
-              </a:spcBef>
-              <a:spcAft>
-                <a:spcPts val="0"/>
-              </a:spcAft>
-              <a:buClr>
-                <a:schemeClr val="dk1"/>
-              </a:buClr>
-              <a:buFont typeface="Arial"/>
-              <a:buNone/>
-            </a:pPr>
-            <a:r>
-              <a:rPr lang="en-US" sz="1400" b="0" i="0" u="none" dirty="0">
-                <a:solidFill>
-                  <a:schemeClr val="dk1"/>
-                </a:solidFill>
-                <a:latin typeface="Arial"/>
-                <a:ea typeface="Arial"/>
-                <a:cs typeface="Arial"/>
-                <a:sym typeface="Arial"/>
-              </a:rPr>
-              <a:t>              Compute error </a:t>
-            </a:r>
-            <a:r>
-              <a:rPr lang="en-US" sz="1400" b="0" i="0" u="none" dirty="0" err="1">
-                <a:solidFill>
-                  <a:schemeClr val="dk1"/>
-                </a:solidFill>
-                <a:latin typeface="Arial"/>
-                <a:ea typeface="Arial"/>
-                <a:cs typeface="Arial"/>
-                <a:sym typeface="Arial"/>
-              </a:rPr>
-              <a:t>δ</a:t>
-            </a:r>
-            <a:r>
-              <a:rPr lang="en-US" sz="1400" b="0" i="0" u="none" baseline="-25000" dirty="0" err="1">
-                <a:solidFill>
-                  <a:schemeClr val="dk1"/>
-                </a:solidFill>
-                <a:latin typeface="Arial"/>
-                <a:ea typeface="Arial"/>
-                <a:cs typeface="Arial"/>
-                <a:sym typeface="Arial"/>
-              </a:rPr>
-              <a:t>o</a:t>
-            </a:r>
-            <a:r>
-              <a:rPr lang="en-US" sz="1400" b="0" i="0" u="none" dirty="0">
-                <a:solidFill>
-                  <a:schemeClr val="dk1"/>
-                </a:solidFill>
-                <a:latin typeface="Arial"/>
-                <a:ea typeface="Arial"/>
-                <a:cs typeface="Arial"/>
-                <a:sym typeface="Arial"/>
-              </a:rPr>
-              <a:t> for weights from a hidden node h to the output node o using </a:t>
-            </a:r>
-            <a:r>
-              <a:rPr lang="en-US" dirty="0">
-                <a:solidFill>
-                  <a:schemeClr val="dk1"/>
-                </a:solidFill>
-              </a:rPr>
-              <a:t>E</a:t>
-            </a:r>
-            <a:r>
-              <a:rPr lang="en-US" sz="1400" b="0" i="0" u="none" dirty="0">
-                <a:solidFill>
-                  <a:schemeClr val="dk1"/>
-                </a:solidFill>
-                <a:latin typeface="Arial"/>
-                <a:ea typeface="Arial"/>
-                <a:cs typeface="Arial"/>
-                <a:sym typeface="Arial"/>
-              </a:rPr>
-              <a:t> </a:t>
-            </a:r>
-            <a:endParaRPr dirty="0"/>
-          </a:p>
-          <a:p>
-            <a:pPr marL="0" marR="0" lvl="0" indent="0" algn="l" rtl="0">
-              <a:lnSpc>
-                <a:spcPct val="100000"/>
-              </a:lnSpc>
-              <a:spcBef>
-                <a:spcPts val="0"/>
-              </a:spcBef>
-              <a:spcAft>
-                <a:spcPts val="0"/>
-              </a:spcAft>
-              <a:buClr>
-                <a:schemeClr val="dk1"/>
-              </a:buClr>
-              <a:buFont typeface="Arial"/>
-              <a:buNone/>
-            </a:pPr>
-            <a:r>
-              <a:rPr lang="en-US" sz="1400" b="0" i="0" u="none" dirty="0">
-                <a:solidFill>
-                  <a:schemeClr val="dk1"/>
-                </a:solidFill>
-                <a:latin typeface="Arial"/>
-                <a:ea typeface="Arial"/>
-                <a:cs typeface="Arial"/>
-                <a:sym typeface="Arial"/>
-              </a:rPr>
-              <a:t>              Compute error </a:t>
-            </a:r>
-            <a:r>
-              <a:rPr lang="en-US" sz="1400" b="0" i="0" u="none" dirty="0" err="1">
-                <a:solidFill>
-                  <a:schemeClr val="dk1"/>
-                </a:solidFill>
-                <a:latin typeface="Arial"/>
-                <a:ea typeface="Arial"/>
-                <a:cs typeface="Arial"/>
-                <a:sym typeface="Arial"/>
-              </a:rPr>
-              <a:t>δ</a:t>
-            </a:r>
-            <a:r>
-              <a:rPr lang="en-US" sz="1400" b="0" i="0" u="none" baseline="-25000" dirty="0" err="1">
-                <a:solidFill>
-                  <a:schemeClr val="dk1"/>
-                </a:solidFill>
-                <a:latin typeface="Arial"/>
-                <a:ea typeface="Arial"/>
-                <a:cs typeface="Arial"/>
-                <a:sym typeface="Arial"/>
-              </a:rPr>
-              <a:t>h</a:t>
-            </a:r>
-            <a:r>
-              <a:rPr lang="en-US" sz="1400" b="0" i="0" u="none" dirty="0">
-                <a:solidFill>
-                  <a:schemeClr val="dk1"/>
-                </a:solidFill>
-                <a:latin typeface="Arial"/>
-                <a:ea typeface="Arial"/>
-                <a:cs typeface="Arial"/>
-                <a:sym typeface="Arial"/>
-              </a:rPr>
-              <a:t> for weights from an input node </a:t>
-            </a:r>
-            <a:r>
-              <a:rPr lang="en-US" sz="1400" b="0" i="0" u="none" dirty="0" err="1">
-                <a:solidFill>
-                  <a:schemeClr val="dk1"/>
-                </a:solidFill>
-                <a:latin typeface="Arial"/>
-                <a:ea typeface="Arial"/>
-                <a:cs typeface="Arial"/>
-                <a:sym typeface="Arial"/>
-              </a:rPr>
-              <a:t>i</a:t>
-            </a:r>
-            <a:r>
-              <a:rPr lang="en-US" sz="1400" b="0" i="0" u="none" dirty="0">
-                <a:solidFill>
-                  <a:schemeClr val="dk1"/>
-                </a:solidFill>
-                <a:latin typeface="Arial"/>
-                <a:ea typeface="Arial"/>
-                <a:cs typeface="Arial"/>
-                <a:sym typeface="Arial"/>
-              </a:rPr>
-              <a:t> to hidden node h using </a:t>
-            </a:r>
-            <a:r>
-              <a:rPr lang="en-US" sz="1400" b="0" i="0" u="none" dirty="0" err="1">
-                <a:solidFill>
-                  <a:schemeClr val="dk1"/>
-                </a:solidFill>
-                <a:latin typeface="Arial"/>
-                <a:ea typeface="Arial"/>
-                <a:cs typeface="Arial"/>
-                <a:sym typeface="Arial"/>
-              </a:rPr>
-              <a:t>δ</a:t>
-            </a:r>
-            <a:r>
-              <a:rPr lang="en-US" sz="1400" b="0" i="0" u="none" baseline="-25000" dirty="0" err="1">
-                <a:solidFill>
-                  <a:schemeClr val="dk1"/>
-                </a:solidFill>
-                <a:latin typeface="Arial"/>
-                <a:ea typeface="Arial"/>
-                <a:cs typeface="Arial"/>
-                <a:sym typeface="Arial"/>
-              </a:rPr>
-              <a:t>o</a:t>
-            </a:r>
-            <a:endParaRPr dirty="0"/>
-          </a:p>
-          <a:p>
-            <a:pPr marL="0" marR="0" lvl="0" indent="0" algn="l" rtl="0">
-              <a:lnSpc>
-                <a:spcPct val="100000"/>
-              </a:lnSpc>
-              <a:spcBef>
-                <a:spcPts val="0"/>
-              </a:spcBef>
-              <a:spcAft>
-                <a:spcPts val="0"/>
-              </a:spcAft>
-              <a:buClr>
-                <a:schemeClr val="dk1"/>
-              </a:buClr>
-              <a:buFont typeface="Arial"/>
-              <a:buNone/>
-            </a:pPr>
-            <a:r>
-              <a:rPr lang="en-US" sz="1400" b="0" i="0" u="none" dirty="0">
-                <a:solidFill>
-                  <a:schemeClr val="dk1"/>
-                </a:solidFill>
-                <a:latin typeface="Arial"/>
-                <a:ea typeface="Arial"/>
-                <a:cs typeface="Arial"/>
-                <a:sym typeface="Arial"/>
-              </a:rPr>
-              <a:t>              Update the weights in the network</a:t>
-            </a:r>
-            <a:endParaRPr dirty="0"/>
-          </a:p>
-          <a:p>
-            <a:pPr marL="0" marR="0" lvl="0" indent="0" algn="l" rtl="0">
-              <a:lnSpc>
-                <a:spcPct val="100000"/>
-              </a:lnSpc>
-              <a:spcBef>
-                <a:spcPts val="0"/>
-              </a:spcBef>
-              <a:spcAft>
-                <a:spcPts val="0"/>
-              </a:spcAft>
-              <a:buClr>
-                <a:schemeClr val="dk1"/>
-              </a:buClr>
-              <a:buFont typeface="Arial"/>
-              <a:buNone/>
-            </a:pPr>
-            <a:r>
-              <a:rPr lang="en-US" sz="1400" b="0" i="0" u="none" dirty="0">
-                <a:solidFill>
-                  <a:schemeClr val="dk1"/>
-                </a:solidFill>
-                <a:latin typeface="Arial"/>
-                <a:ea typeface="Arial"/>
-                <a:cs typeface="Arial"/>
-                <a:sym typeface="Arial"/>
-              </a:rPr>
-              <a:t>  Until all examples classified correctly or stopping criterion satisfied</a:t>
-            </a:r>
-            <a:endParaRPr dirty="0"/>
-          </a:p>
-          <a:p>
-            <a:pPr marL="0" marR="0" lvl="0" indent="0" algn="l" rtl="0">
-              <a:lnSpc>
-                <a:spcPct val="100000"/>
-              </a:lnSpc>
-              <a:spcBef>
-                <a:spcPts val="0"/>
-              </a:spcBef>
-              <a:spcAft>
-                <a:spcPts val="0"/>
-              </a:spcAft>
-              <a:buClr>
-                <a:schemeClr val="dk1"/>
-              </a:buClr>
-              <a:buFont typeface="Arial"/>
-              <a:buNone/>
-            </a:pPr>
-            <a:r>
-              <a:rPr lang="en-US" sz="1400" b="0" i="0" u="none" dirty="0">
-                <a:solidFill>
-                  <a:schemeClr val="dk1"/>
-                </a:solidFill>
-                <a:latin typeface="Arial"/>
-                <a:ea typeface="Arial"/>
-                <a:cs typeface="Arial"/>
-                <a:sym typeface="Arial"/>
-              </a:rPr>
-              <a:t>  Return the network</a:t>
-            </a:r>
-            <a:endParaRPr dirty="0"/>
-          </a:p>
-        </p:txBody>
-      </p:sp>
-      <p:sp>
-        <p:nvSpPr>
-          <p:cNvPr id="249" name="Shape 249"/>
-          <p:cNvSpPr txBox="1"/>
-          <p:nvPr/>
-        </p:nvSpPr>
-        <p:spPr>
-          <a:xfrm>
-            <a:off x="990600" y="6172200"/>
-            <a:ext cx="3716337" cy="274637"/>
-          </a:xfrm>
-          <a:prstGeom prst="rect">
-            <a:avLst/>
-          </a:prstGeom>
-          <a:noFill/>
-          <a:ln>
-            <a:noFill/>
-          </a:ln>
-        </p:spPr>
-        <p:txBody>
-          <a:bodyPr spcFirstLastPara="1" wrap="square" lIns="91425" tIns="45700" rIns="91425" bIns="45700" anchor="t" anchorCtr="0">
-            <a:noAutofit/>
-          </a:bodyPr>
-          <a:lstStyle/>
-          <a:p>
-            <a:pPr marL="0" marR="0" lvl="0" indent="0" algn="l" rtl="0">
-              <a:lnSpc>
-                <a:spcPct val="100000"/>
-              </a:lnSpc>
-              <a:spcBef>
-                <a:spcPts val="0"/>
-              </a:spcBef>
-              <a:spcAft>
-                <a:spcPts val="0"/>
-              </a:spcAft>
-              <a:buClr>
-                <a:schemeClr val="dk1"/>
-              </a:buClr>
-              <a:buFont typeface="Arial"/>
-              <a:buNone/>
-            </a:pPr>
-            <a:r>
-              <a:rPr lang="en-US" sz="1200" b="0" i="0" u="none">
-                <a:solidFill>
-                  <a:schemeClr val="dk1"/>
-                </a:solidFill>
-                <a:latin typeface="Arial"/>
-                <a:ea typeface="Arial"/>
-                <a:cs typeface="Arial"/>
-                <a:sym typeface="Arial"/>
-              </a:rPr>
-              <a:t>Source: http://en.wikipedia.org/wiki/Backpropagation</a:t>
-            </a:r>
-            <a:endParaRPr/>
-          </a:p>
-        </p:txBody>
-      </p:sp>
-      <p:sp>
-        <p:nvSpPr>
-          <p:cNvPr id="250" name="Shape 250"/>
-          <p:cNvSpPr txBox="1"/>
-          <p:nvPr/>
-        </p:nvSpPr>
-        <p:spPr>
-          <a:xfrm>
-            <a:off x="119062" y="1828800"/>
-            <a:ext cx="1709737" cy="854075"/>
-          </a:xfrm>
-          <a:prstGeom prst="rect">
-            <a:avLst/>
-          </a:prstGeom>
-          <a:noFill/>
-          <a:ln>
-            <a:noFill/>
-          </a:ln>
-        </p:spPr>
-        <p:txBody>
-          <a:bodyPr spcFirstLastPara="1" wrap="square" lIns="91425" tIns="45700" rIns="91425" bIns="45700" anchor="t" anchorCtr="0">
-            <a:noAutofit/>
-          </a:bodyPr>
-          <a:lstStyle/>
-          <a:p>
-            <a:pPr marL="0" marR="0" lvl="0" indent="0" algn="l" rtl="0">
-              <a:lnSpc>
-                <a:spcPct val="100000"/>
-              </a:lnSpc>
-              <a:spcBef>
-                <a:spcPts val="0"/>
-              </a:spcBef>
-              <a:spcAft>
-                <a:spcPts val="0"/>
-              </a:spcAft>
-              <a:buClr>
-                <a:schemeClr val="dk1"/>
-              </a:buClr>
-              <a:buFont typeface="Arial"/>
-              <a:buNone/>
-            </a:pPr>
-            <a:r>
-              <a:rPr lang="en-US" sz="1000" b="0" i="0" u="none">
-                <a:solidFill>
-                  <a:schemeClr val="dk1"/>
-                </a:solidFill>
-                <a:latin typeface="Arial"/>
-                <a:ea typeface="Arial"/>
-                <a:cs typeface="Arial"/>
-                <a:sym typeface="Arial"/>
-              </a:rPr>
-              <a:t>Note: this algorithm is for </a:t>
-            </a:r>
-            <a:br>
-              <a:rPr lang="en-US" sz="1000" b="0" i="0" u="none">
-                <a:solidFill>
-                  <a:schemeClr val="dk1"/>
-                </a:solidFill>
-                <a:latin typeface="Arial"/>
-                <a:ea typeface="Arial"/>
-                <a:cs typeface="Arial"/>
-                <a:sym typeface="Arial"/>
-              </a:rPr>
-            </a:br>
-            <a:r>
-              <a:rPr lang="en-US" sz="1000" b="0" i="0" u="none">
-                <a:solidFill>
-                  <a:schemeClr val="dk1"/>
-                </a:solidFill>
-                <a:latin typeface="Arial"/>
-                <a:ea typeface="Arial"/>
-                <a:cs typeface="Arial"/>
-                <a:sym typeface="Arial"/>
-              </a:rPr>
-              <a:t>a NN with a single output </a:t>
-            </a:r>
-            <a:br>
-              <a:rPr lang="en-US" sz="1000" b="0" i="0" u="none">
-                <a:solidFill>
-                  <a:schemeClr val="dk1"/>
-                </a:solidFill>
-                <a:latin typeface="Arial"/>
-                <a:ea typeface="Arial"/>
-                <a:cs typeface="Arial"/>
-                <a:sym typeface="Arial"/>
-              </a:rPr>
-            </a:br>
-            <a:r>
-              <a:rPr lang="en-US" sz="1000" b="0" i="0" u="none">
-                <a:solidFill>
-                  <a:schemeClr val="dk1"/>
-                </a:solidFill>
-                <a:latin typeface="Arial"/>
-                <a:ea typeface="Arial"/>
-                <a:cs typeface="Arial"/>
-                <a:sym typeface="Arial"/>
-              </a:rPr>
-              <a:t>node o and a single hidden</a:t>
-            </a:r>
-            <a:br>
-              <a:rPr lang="en-US" sz="1000" b="0" i="0" u="none">
-                <a:solidFill>
-                  <a:schemeClr val="dk1"/>
-                </a:solidFill>
-                <a:latin typeface="Arial"/>
-                <a:ea typeface="Arial"/>
-                <a:cs typeface="Arial"/>
-                <a:sym typeface="Arial"/>
-              </a:rPr>
-            </a:br>
-            <a:r>
-              <a:rPr lang="en-US" sz="1000" b="0" i="0" u="none">
-                <a:solidFill>
-                  <a:schemeClr val="dk1"/>
-                </a:solidFill>
-                <a:latin typeface="Arial"/>
-                <a:ea typeface="Arial"/>
-                <a:cs typeface="Arial"/>
-                <a:sym typeface="Arial"/>
-              </a:rPr>
-              <a:t>layer. It can easily </a:t>
-            </a:r>
-            <a:br>
-              <a:rPr lang="en-US" sz="1000" b="0" i="0" u="none">
-                <a:solidFill>
-                  <a:schemeClr val="dk1"/>
-                </a:solidFill>
-                <a:latin typeface="Arial"/>
-                <a:ea typeface="Arial"/>
-                <a:cs typeface="Arial"/>
-                <a:sym typeface="Arial"/>
-              </a:rPr>
-            </a:br>
-            <a:r>
-              <a:rPr lang="en-US" sz="1000" b="0" i="0" u="none">
-                <a:solidFill>
-                  <a:schemeClr val="dk1"/>
-                </a:solidFill>
-                <a:latin typeface="Arial"/>
-                <a:ea typeface="Arial"/>
-                <a:cs typeface="Arial"/>
-                <a:sym typeface="Arial"/>
-              </a:rPr>
-              <a:t>be generalized.</a:t>
-            </a:r>
-            <a:endParaRPr/>
           </a:p>
         </p:txBody>
       </p:sp>
@@ -20370,7 +18868,7 @@
 </p:sld>
 </file>
 
-<file path=ppt/slides/slide15.xml><?xml version="1.0" encoding="utf-8"?>
+<file path=ppt/slides/slide13.xml><?xml version="1.0" encoding="utf-8"?>
 <p:sld xmlns:a="http://schemas.openxmlformats.org/drawingml/2006/main" xmlns:r="http://schemas.openxmlformats.org/officeDocument/2006/relationships" xmlns:p="http://schemas.openxmlformats.org/presentationml/2006/main">
   <p:cSld>
     <p:spTree>
@@ -20622,727 +19120,6 @@
           </a:p>
         </p:txBody>
       </p:sp>
-      <p:grpSp>
-        <p:nvGrpSpPr>
-          <p:cNvPr id="324" name="Shape 324"/>
-          <p:cNvGrpSpPr/>
-          <p:nvPr/>
-        </p:nvGrpSpPr>
-        <p:grpSpPr>
-          <a:xfrm>
-            <a:off x="1478556" y="4553668"/>
-            <a:ext cx="1654175" cy="793750"/>
-            <a:chOff x="1708150" y="5503862"/>
-            <a:chExt cx="1654175" cy="793750"/>
-          </a:xfrm>
-        </p:grpSpPr>
-        <p:cxnSp>
-          <p:nvCxnSpPr>
-            <p:cNvPr id="325" name="Shape 325"/>
-            <p:cNvCxnSpPr/>
-            <p:nvPr/>
-          </p:nvCxnSpPr>
-          <p:spPr>
-            <a:xfrm>
-              <a:off x="2860675" y="5891212"/>
-              <a:ext cx="501650" cy="1587"/>
-            </a:xfrm>
-            <a:prstGeom prst="straightConnector1">
-              <a:avLst/>
-            </a:prstGeom>
-            <a:noFill/>
-            <a:ln w="11100" cap="flat" cmpd="sng">
-              <a:solidFill>
-                <a:srgbClr val="000000"/>
-              </a:solidFill>
-              <a:prstDash val="solid"/>
-              <a:miter lim="8000"/>
-              <a:headEnd type="none" w="sm" len="sm"/>
-              <a:tailEnd type="none" w="sm" len="sm"/>
-            </a:ln>
-          </p:spPr>
-        </p:cxnSp>
-        <p:sp>
-          <p:nvSpPr>
-            <p:cNvPr id="326" name="Shape 326"/>
-            <p:cNvSpPr txBox="1"/>
-            <p:nvPr/>
-          </p:nvSpPr>
-          <p:spPr>
-            <a:xfrm>
-              <a:off x="3219450" y="6099175"/>
-              <a:ext cx="73025" cy="198437"/>
-            </a:xfrm>
-            <a:prstGeom prst="rect">
-              <a:avLst/>
-            </a:prstGeom>
-            <a:noFill/>
-            <a:ln>
-              <a:noFill/>
-            </a:ln>
-          </p:spPr>
-          <p:txBody>
-            <a:bodyPr spcFirstLastPara="1" wrap="square" lIns="0" tIns="0" rIns="0" bIns="0" anchor="t" anchorCtr="0">
-              <a:noAutofit/>
-            </a:bodyPr>
-            <a:lstStyle/>
-            <a:p>
-              <a:pPr marL="0" marR="0" lvl="0" indent="0" algn="l" rtl="0">
-                <a:lnSpc>
-                  <a:spcPct val="100000"/>
-                </a:lnSpc>
-                <a:spcBef>
-                  <a:spcPts val="0"/>
-                </a:spcBef>
-                <a:spcAft>
-                  <a:spcPts val="0"/>
-                </a:spcAft>
-                <a:buClr>
-                  <a:srgbClr val="000000"/>
-                </a:buClr>
-                <a:buFont typeface="Times New Roman"/>
-                <a:buNone/>
-              </a:pPr>
-              <a:r>
-                <a:rPr lang="en-US" sz="1300" b="0" i="1" u="none">
-                  <a:solidFill>
-                    <a:srgbClr val="000000"/>
-                  </a:solidFill>
-                  <a:latin typeface="Times New Roman"/>
-                  <a:ea typeface="Times New Roman"/>
-                  <a:cs typeface="Times New Roman"/>
-                  <a:sym typeface="Times New Roman"/>
-                </a:rPr>
-                <a:t>k</a:t>
-              </a:r>
-              <a:endParaRPr/>
-            </a:p>
-          </p:txBody>
-        </p:sp>
-        <p:sp>
-          <p:nvSpPr>
-            <p:cNvPr id="327" name="Shape 327"/>
-            <p:cNvSpPr txBox="1"/>
-            <p:nvPr/>
-          </p:nvSpPr>
-          <p:spPr>
-            <a:xfrm>
-              <a:off x="3216275" y="5703887"/>
-              <a:ext cx="73025" cy="198437"/>
-            </a:xfrm>
-            <a:prstGeom prst="rect">
-              <a:avLst/>
-            </a:prstGeom>
-            <a:noFill/>
-            <a:ln>
-              <a:noFill/>
-            </a:ln>
-          </p:spPr>
-          <p:txBody>
-            <a:bodyPr spcFirstLastPara="1" wrap="square" lIns="0" tIns="0" rIns="0" bIns="0" anchor="t" anchorCtr="0">
-              <a:noAutofit/>
-            </a:bodyPr>
-            <a:lstStyle/>
-            <a:p>
-              <a:pPr marL="0" marR="0" lvl="0" indent="0" algn="l" rtl="0">
-                <a:lnSpc>
-                  <a:spcPct val="100000"/>
-                </a:lnSpc>
-                <a:spcBef>
-                  <a:spcPts val="0"/>
-                </a:spcBef>
-                <a:spcAft>
-                  <a:spcPts val="0"/>
-                </a:spcAft>
-                <a:buClr>
-                  <a:srgbClr val="000000"/>
-                </a:buClr>
-                <a:buFont typeface="Times New Roman"/>
-                <a:buNone/>
-              </a:pPr>
-              <a:r>
-                <a:rPr lang="en-US" sz="1300" b="0" i="1" u="none">
-                  <a:solidFill>
-                    <a:srgbClr val="000000"/>
-                  </a:solidFill>
-                  <a:latin typeface="Times New Roman"/>
-                  <a:ea typeface="Times New Roman"/>
-                  <a:cs typeface="Times New Roman"/>
-                  <a:sym typeface="Times New Roman"/>
-                </a:rPr>
-                <a:t>x</a:t>
-              </a:r>
-              <a:endParaRPr/>
-            </a:p>
-          </p:txBody>
-        </p:sp>
-        <p:sp>
-          <p:nvSpPr>
-            <p:cNvPr id="328" name="Shape 328"/>
-            <p:cNvSpPr txBox="1"/>
-            <p:nvPr/>
-          </p:nvSpPr>
-          <p:spPr>
-            <a:xfrm>
-              <a:off x="2085975" y="5884862"/>
-              <a:ext cx="73025" cy="198437"/>
-            </a:xfrm>
-            <a:prstGeom prst="rect">
-              <a:avLst/>
-            </a:prstGeom>
-            <a:noFill/>
-            <a:ln>
-              <a:noFill/>
-            </a:ln>
-          </p:spPr>
-          <p:txBody>
-            <a:bodyPr spcFirstLastPara="1" wrap="square" lIns="0" tIns="0" rIns="0" bIns="0" anchor="t" anchorCtr="0">
-              <a:noAutofit/>
-            </a:bodyPr>
-            <a:lstStyle/>
-            <a:p>
-              <a:pPr marL="0" marR="0" lvl="0" indent="0" algn="l" rtl="0">
-                <a:lnSpc>
-                  <a:spcPct val="100000"/>
-                </a:lnSpc>
-                <a:spcBef>
-                  <a:spcPts val="0"/>
-                </a:spcBef>
-                <a:spcAft>
-                  <a:spcPts val="0"/>
-                </a:spcAft>
-                <a:buClr>
-                  <a:srgbClr val="000000"/>
-                </a:buClr>
-                <a:buFont typeface="Times New Roman"/>
-                <a:buNone/>
-              </a:pPr>
-              <a:r>
-                <a:rPr lang="en-US" sz="1300" b="0" i="1" u="none">
-                  <a:solidFill>
-                    <a:srgbClr val="000000"/>
-                  </a:solidFill>
-                  <a:latin typeface="Times New Roman"/>
-                  <a:ea typeface="Times New Roman"/>
-                  <a:cs typeface="Times New Roman"/>
-                  <a:sym typeface="Times New Roman"/>
-                </a:rPr>
-                <a:t>k</a:t>
-              </a:r>
-              <a:endParaRPr/>
-            </a:p>
-          </p:txBody>
-        </p:sp>
-        <p:sp>
-          <p:nvSpPr>
-            <p:cNvPr id="329" name="Shape 329"/>
-            <p:cNvSpPr txBox="1"/>
-            <p:nvPr/>
-          </p:nvSpPr>
-          <p:spPr>
-            <a:xfrm>
-              <a:off x="3006725" y="5930900"/>
-              <a:ext cx="185737" cy="334962"/>
-            </a:xfrm>
-            <a:prstGeom prst="rect">
-              <a:avLst/>
-            </a:prstGeom>
-            <a:noFill/>
-            <a:ln>
-              <a:noFill/>
-            </a:ln>
-          </p:spPr>
-          <p:txBody>
-            <a:bodyPr spcFirstLastPara="1" wrap="square" lIns="0" tIns="0" rIns="0" bIns="0" anchor="t" anchorCtr="0">
-              <a:noAutofit/>
-            </a:bodyPr>
-            <a:lstStyle/>
-            <a:p>
-              <a:pPr marL="0" marR="0" lvl="0" indent="0" algn="l" rtl="0">
-                <a:lnSpc>
-                  <a:spcPct val="100000"/>
-                </a:lnSpc>
-                <a:spcBef>
-                  <a:spcPts val="0"/>
-                </a:spcBef>
-                <a:spcAft>
-                  <a:spcPts val="0"/>
-                </a:spcAft>
-                <a:buClr>
-                  <a:srgbClr val="000000"/>
-                </a:buClr>
-                <a:buFont typeface="Times New Roman"/>
-                <a:buNone/>
-              </a:pPr>
-              <a:r>
-                <a:rPr lang="en-US" sz="2200" b="0" i="1" u="none">
-                  <a:solidFill>
-                    <a:srgbClr val="000000"/>
-                  </a:solidFill>
-                  <a:latin typeface="Times New Roman"/>
-                  <a:ea typeface="Times New Roman"/>
-                  <a:cs typeface="Times New Roman"/>
-                  <a:sym typeface="Times New Roman"/>
-                </a:rPr>
-                <a:t>w</a:t>
-              </a:r>
-              <a:endParaRPr/>
-            </a:p>
-          </p:txBody>
-        </p:sp>
-        <p:sp>
-          <p:nvSpPr>
-            <p:cNvPr id="330" name="Shape 330"/>
-            <p:cNvSpPr txBox="1"/>
-            <p:nvPr/>
-          </p:nvSpPr>
-          <p:spPr>
-            <a:xfrm>
-              <a:off x="3028950" y="5535612"/>
-              <a:ext cx="171450" cy="334962"/>
-            </a:xfrm>
-            <a:prstGeom prst="rect">
-              <a:avLst/>
-            </a:prstGeom>
-            <a:noFill/>
-            <a:ln>
-              <a:noFill/>
-            </a:ln>
-          </p:spPr>
-          <p:txBody>
-            <a:bodyPr spcFirstLastPara="1" wrap="square" lIns="0" tIns="0" rIns="0" bIns="0" anchor="t" anchorCtr="0">
-              <a:noAutofit/>
-            </a:bodyPr>
-            <a:lstStyle/>
-            <a:p>
-              <a:pPr marL="0" marR="0" lvl="0" indent="0" algn="l" rtl="0">
-                <a:lnSpc>
-                  <a:spcPct val="100000"/>
-                </a:lnSpc>
-                <a:spcBef>
-                  <a:spcPts val="0"/>
-                </a:spcBef>
-                <a:spcAft>
-                  <a:spcPts val="0"/>
-                </a:spcAft>
-                <a:buClr>
-                  <a:srgbClr val="000000"/>
-                </a:buClr>
-                <a:buFont typeface="Times New Roman"/>
-                <a:buNone/>
-              </a:pPr>
-              <a:r>
-                <a:rPr lang="en-US" sz="2200" i="1" dirty="0">
-                  <a:latin typeface="Times New Roman"/>
-                  <a:cs typeface="Times New Roman"/>
-                  <a:sym typeface="Times New Roman"/>
-                </a:rPr>
-                <a:t>E</a:t>
-              </a:r>
-              <a:endParaRPr dirty="0"/>
-            </a:p>
-          </p:txBody>
-        </p:sp>
-        <p:sp>
-          <p:nvSpPr>
-            <p:cNvPr id="331" name="Shape 331"/>
-            <p:cNvSpPr txBox="1"/>
-            <p:nvPr/>
-          </p:nvSpPr>
-          <p:spPr>
-            <a:xfrm>
-              <a:off x="1874837" y="5716587"/>
-              <a:ext cx="185737" cy="334962"/>
-            </a:xfrm>
-            <a:prstGeom prst="rect">
-              <a:avLst/>
-            </a:prstGeom>
-            <a:noFill/>
-            <a:ln>
-              <a:noFill/>
-            </a:ln>
-          </p:spPr>
-          <p:txBody>
-            <a:bodyPr spcFirstLastPara="1" wrap="square" lIns="0" tIns="0" rIns="0" bIns="0" anchor="t" anchorCtr="0">
-              <a:noAutofit/>
-            </a:bodyPr>
-            <a:lstStyle/>
-            <a:p>
-              <a:pPr marL="0" marR="0" lvl="0" indent="0" algn="l" rtl="0">
-                <a:lnSpc>
-                  <a:spcPct val="100000"/>
-                </a:lnSpc>
-                <a:spcBef>
-                  <a:spcPts val="0"/>
-                </a:spcBef>
-                <a:spcAft>
-                  <a:spcPts val="0"/>
-                </a:spcAft>
-                <a:buClr>
-                  <a:srgbClr val="000000"/>
-                </a:buClr>
-                <a:buFont typeface="Times New Roman"/>
-                <a:buNone/>
-              </a:pPr>
-              <a:r>
-                <a:rPr lang="en-US" sz="2200" b="0" i="1" u="none" dirty="0">
-                  <a:solidFill>
-                    <a:srgbClr val="000000"/>
-                  </a:solidFill>
-                  <a:latin typeface="Times New Roman"/>
-                  <a:ea typeface="Times New Roman"/>
-                  <a:cs typeface="Times New Roman"/>
-                  <a:sym typeface="Times New Roman"/>
-                </a:rPr>
-                <a:t>w</a:t>
-              </a:r>
-              <a:endParaRPr dirty="0"/>
-            </a:p>
-          </p:txBody>
-        </p:sp>
-        <p:sp>
-          <p:nvSpPr>
-            <p:cNvPr id="332" name="Shape 332"/>
-            <p:cNvSpPr txBox="1"/>
-            <p:nvPr/>
-          </p:nvSpPr>
-          <p:spPr>
-            <a:xfrm>
-              <a:off x="2874962" y="5899150"/>
-              <a:ext cx="138112" cy="334962"/>
-            </a:xfrm>
-            <a:prstGeom prst="rect">
-              <a:avLst/>
-            </a:prstGeom>
-            <a:noFill/>
-            <a:ln>
-              <a:noFill/>
-            </a:ln>
-          </p:spPr>
-          <p:txBody>
-            <a:bodyPr spcFirstLastPara="1" wrap="square" lIns="0" tIns="0" rIns="0" bIns="0" anchor="t" anchorCtr="0">
-              <a:noAutofit/>
-            </a:bodyPr>
-            <a:lstStyle/>
-            <a:p>
-              <a:pPr marL="0" marR="0" lvl="0" indent="0" algn="l" rtl="0">
-                <a:lnSpc>
-                  <a:spcPct val="100000"/>
-                </a:lnSpc>
-                <a:spcBef>
-                  <a:spcPts val="0"/>
-                </a:spcBef>
-                <a:spcAft>
-                  <a:spcPts val="0"/>
-                </a:spcAft>
-                <a:buClr>
-                  <a:srgbClr val="000000"/>
-                </a:buClr>
-                <a:buFont typeface="Noto Sans Symbols"/>
-                <a:buNone/>
-              </a:pPr>
-              <a:r>
-                <a:rPr lang="en-US" sz="2200" b="0" i="0" u="none" dirty="0">
-                  <a:solidFill>
-                    <a:srgbClr val="000000"/>
-                  </a:solidFill>
-                  <a:latin typeface="Noto Sans Symbols"/>
-                  <a:ea typeface="Noto Sans Symbols"/>
-                  <a:cs typeface="Noto Sans Symbols"/>
-                  <a:sym typeface="Noto Sans Symbols"/>
-                </a:rPr>
-                <a:t>∂</a:t>
-              </a:r>
-              <a:endParaRPr dirty="0"/>
-            </a:p>
-          </p:txBody>
-        </p:sp>
-        <p:sp>
-          <p:nvSpPr>
-            <p:cNvPr id="333" name="Shape 333"/>
-            <p:cNvSpPr txBox="1"/>
-            <p:nvPr/>
-          </p:nvSpPr>
-          <p:spPr>
-            <a:xfrm>
-              <a:off x="2897187" y="5503862"/>
-              <a:ext cx="138112" cy="334962"/>
-            </a:xfrm>
-            <a:prstGeom prst="rect">
-              <a:avLst/>
-            </a:prstGeom>
-            <a:noFill/>
-            <a:ln>
-              <a:noFill/>
-            </a:ln>
-          </p:spPr>
-          <p:txBody>
-            <a:bodyPr spcFirstLastPara="1" wrap="square" lIns="0" tIns="0" rIns="0" bIns="0" anchor="t" anchorCtr="0">
-              <a:noAutofit/>
-            </a:bodyPr>
-            <a:lstStyle/>
-            <a:p>
-              <a:pPr marL="0" marR="0" lvl="0" indent="0" algn="l" rtl="0">
-                <a:lnSpc>
-                  <a:spcPct val="100000"/>
-                </a:lnSpc>
-                <a:spcBef>
-                  <a:spcPts val="0"/>
-                </a:spcBef>
-                <a:spcAft>
-                  <a:spcPts val="0"/>
-                </a:spcAft>
-                <a:buClr>
-                  <a:srgbClr val="000000"/>
-                </a:buClr>
-                <a:buFont typeface="Noto Sans Symbols"/>
-                <a:buNone/>
-              </a:pPr>
-              <a:r>
-                <a:rPr lang="en-US" sz="2200" b="0" i="0" u="none">
-                  <a:solidFill>
-                    <a:srgbClr val="000000"/>
-                  </a:solidFill>
-                  <a:latin typeface="Noto Sans Symbols"/>
-                  <a:ea typeface="Noto Sans Symbols"/>
-                  <a:cs typeface="Noto Sans Symbols"/>
-                  <a:sym typeface="Noto Sans Symbols"/>
-                </a:rPr>
-                <a:t>∂</a:t>
-              </a:r>
-              <a:endParaRPr/>
-            </a:p>
-          </p:txBody>
-        </p:sp>
-        <p:sp>
-          <p:nvSpPr>
-            <p:cNvPr id="334" name="Shape 334"/>
-            <p:cNvSpPr txBox="1"/>
-            <p:nvPr/>
-          </p:nvSpPr>
-          <p:spPr>
-            <a:xfrm>
-              <a:off x="2509837" y="5684837"/>
-              <a:ext cx="153987" cy="334962"/>
-            </a:xfrm>
-            <a:prstGeom prst="rect">
-              <a:avLst/>
-            </a:prstGeom>
-            <a:noFill/>
-            <a:ln>
-              <a:noFill/>
-            </a:ln>
-          </p:spPr>
-          <p:txBody>
-            <a:bodyPr spcFirstLastPara="1" wrap="square" lIns="0" tIns="0" rIns="0" bIns="0" anchor="t" anchorCtr="0">
-              <a:noAutofit/>
-            </a:bodyPr>
-            <a:lstStyle/>
-            <a:p>
-              <a:pPr marL="0" marR="0" lvl="0" indent="0" algn="l" rtl="0">
-                <a:lnSpc>
-                  <a:spcPct val="100000"/>
-                </a:lnSpc>
-                <a:spcBef>
-                  <a:spcPts val="0"/>
-                </a:spcBef>
-                <a:spcAft>
-                  <a:spcPts val="0"/>
-                </a:spcAft>
-                <a:buClr>
-                  <a:srgbClr val="000000"/>
-                </a:buClr>
-                <a:buFont typeface="Noto Sans Symbols"/>
-                <a:buNone/>
-              </a:pPr>
-              <a:r>
-                <a:rPr lang="en-US" sz="2200" b="0" i="0" u="none" dirty="0">
-                  <a:solidFill>
-                    <a:srgbClr val="000000"/>
-                  </a:solidFill>
-                  <a:latin typeface="Noto Sans Symbols"/>
-                  <a:ea typeface="Noto Sans Symbols"/>
-                  <a:cs typeface="Noto Sans Symbols"/>
-                  <a:sym typeface="Noto Sans Symbols"/>
-                </a:rPr>
-                <a:t>−</a:t>
-              </a:r>
-              <a:endParaRPr dirty="0"/>
-            </a:p>
-          </p:txBody>
-        </p:sp>
-        <p:sp>
-          <p:nvSpPr>
-            <p:cNvPr id="335" name="Shape 335"/>
-            <p:cNvSpPr txBox="1"/>
-            <p:nvPr/>
-          </p:nvSpPr>
-          <p:spPr>
-            <a:xfrm>
-              <a:off x="2289175" y="5684837"/>
-              <a:ext cx="153987" cy="334962"/>
-            </a:xfrm>
-            <a:prstGeom prst="rect">
-              <a:avLst/>
-            </a:prstGeom>
-            <a:noFill/>
-            <a:ln>
-              <a:noFill/>
-            </a:ln>
-          </p:spPr>
-          <p:txBody>
-            <a:bodyPr spcFirstLastPara="1" wrap="square" lIns="0" tIns="0" rIns="0" bIns="0" anchor="t" anchorCtr="0">
-              <a:noAutofit/>
-            </a:bodyPr>
-            <a:lstStyle/>
-            <a:p>
-              <a:pPr marL="0" marR="0" lvl="0" indent="0" algn="l" rtl="0">
-                <a:lnSpc>
-                  <a:spcPct val="100000"/>
-                </a:lnSpc>
-                <a:spcBef>
-                  <a:spcPts val="0"/>
-                </a:spcBef>
-                <a:spcAft>
-                  <a:spcPts val="0"/>
-                </a:spcAft>
-                <a:buClr>
-                  <a:srgbClr val="000000"/>
-                </a:buClr>
-                <a:buFont typeface="Noto Sans Symbols"/>
-                <a:buNone/>
-              </a:pPr>
-              <a:r>
-                <a:rPr lang="en-US" sz="2200" b="0" i="0" u="none" dirty="0">
-                  <a:solidFill>
-                    <a:srgbClr val="000000"/>
-                  </a:solidFill>
-                  <a:latin typeface="Noto Sans Symbols"/>
-                  <a:ea typeface="Noto Sans Symbols"/>
-                  <a:cs typeface="Noto Sans Symbols"/>
-                  <a:sym typeface="Noto Sans Symbols"/>
-                </a:rPr>
-                <a:t>=</a:t>
-              </a:r>
-              <a:endParaRPr dirty="0"/>
-            </a:p>
-          </p:txBody>
-        </p:sp>
-        <p:sp>
-          <p:nvSpPr>
-            <p:cNvPr id="336" name="Shape 336"/>
-            <p:cNvSpPr txBox="1"/>
-            <p:nvPr/>
-          </p:nvSpPr>
-          <p:spPr>
-            <a:xfrm>
-              <a:off x="1708150" y="5684837"/>
-              <a:ext cx="171450" cy="334962"/>
-            </a:xfrm>
-            <a:prstGeom prst="rect">
-              <a:avLst/>
-            </a:prstGeom>
-            <a:noFill/>
-            <a:ln>
-              <a:noFill/>
-            </a:ln>
-          </p:spPr>
-          <p:txBody>
-            <a:bodyPr spcFirstLastPara="1" wrap="square" lIns="0" tIns="0" rIns="0" bIns="0" anchor="t" anchorCtr="0">
-              <a:noAutofit/>
-            </a:bodyPr>
-            <a:lstStyle/>
-            <a:p>
-              <a:pPr marL="0" marR="0" lvl="0" indent="0" algn="l" rtl="0">
-                <a:lnSpc>
-                  <a:spcPct val="100000"/>
-                </a:lnSpc>
-                <a:spcBef>
-                  <a:spcPts val="0"/>
-                </a:spcBef>
-                <a:spcAft>
-                  <a:spcPts val="0"/>
-                </a:spcAft>
-                <a:buClr>
-                  <a:srgbClr val="000000"/>
-                </a:buClr>
-                <a:buFont typeface="Noto Sans Symbols"/>
-                <a:buNone/>
-              </a:pPr>
-              <a:r>
-                <a:rPr lang="en-US" sz="2200" b="0" i="0" u="none" dirty="0" err="1">
-                  <a:solidFill>
-                    <a:srgbClr val="000000"/>
-                  </a:solidFill>
-                  <a:latin typeface="Noto Sans Symbols"/>
-                  <a:ea typeface="Noto Sans Symbols"/>
-                  <a:cs typeface="Noto Sans Symbols"/>
-                  <a:sym typeface="Noto Sans Symbols"/>
-                </a:rPr>
-                <a:t>Δ</a:t>
-              </a:r>
-              <a:endParaRPr dirty="0"/>
-            </a:p>
-          </p:txBody>
-        </p:sp>
-        <p:sp>
-          <p:nvSpPr>
-            <p:cNvPr id="337" name="Shape 337"/>
-            <p:cNvSpPr txBox="1"/>
-            <p:nvPr/>
-          </p:nvSpPr>
-          <p:spPr>
-            <a:xfrm>
-              <a:off x="2638425" y="5684837"/>
-              <a:ext cx="168275" cy="334962"/>
-            </a:xfrm>
-            <a:prstGeom prst="rect">
-              <a:avLst/>
-            </a:prstGeom>
-            <a:noFill/>
-            <a:ln>
-              <a:noFill/>
-            </a:ln>
-          </p:spPr>
-          <p:txBody>
-            <a:bodyPr spcFirstLastPara="1" wrap="square" lIns="0" tIns="0" rIns="0" bIns="0" anchor="t" anchorCtr="0">
-              <a:noAutofit/>
-            </a:bodyPr>
-            <a:lstStyle/>
-            <a:p>
-              <a:pPr marL="0" marR="0" lvl="0" indent="0" algn="l" rtl="0">
-                <a:lnSpc>
-                  <a:spcPct val="100000"/>
-                </a:lnSpc>
-                <a:spcBef>
-                  <a:spcPts val="0"/>
-                </a:spcBef>
-                <a:spcAft>
-                  <a:spcPts val="0"/>
-                </a:spcAft>
-                <a:buClr>
-                  <a:srgbClr val="000000"/>
-                </a:buClr>
-                <a:buFont typeface="Noto Sans Symbols"/>
-                <a:buNone/>
-              </a:pPr>
-              <a:r>
-                <a:rPr lang="en-US" sz="2200" b="0" i="1" u="none">
-                  <a:solidFill>
-                    <a:srgbClr val="000000"/>
-                  </a:solidFill>
-                  <a:latin typeface="Noto Sans Symbols"/>
-                  <a:ea typeface="Noto Sans Symbols"/>
-                  <a:cs typeface="Noto Sans Symbols"/>
-                  <a:sym typeface="Noto Sans Symbols"/>
-                </a:rPr>
-                <a:t>η</a:t>
-              </a:r>
-              <a:endParaRPr/>
-            </a:p>
-          </p:txBody>
-        </p:sp>
-      </p:grpSp>
       <p:pic>
         <p:nvPicPr>
           <p:cNvPr id="338" name="Shape 338" descr="error"/>
@@ -21589,62 +19366,8 @@
           </a:p>
         </p:txBody>
       </p:sp>
-      <p:pic>
-        <p:nvPicPr>
-          <p:cNvPr id="342" name="Shape 342"/>
-          <p:cNvPicPr preferRelativeResize="0"/>
-          <p:nvPr/>
-        </p:nvPicPr>
-        <p:blipFill rotWithShape="1">
-          <a:blip r:embed="rId4">
-            <a:alphaModFix/>
-          </a:blip>
-          <a:srcRect/>
-          <a:stretch/>
-        </p:blipFill>
-        <p:spPr>
-          <a:xfrm>
-            <a:off x="-3200400" y="914400"/>
-            <a:ext cx="2514600" cy="601662"/>
-          </a:xfrm>
-          <a:prstGeom prst="rect">
-            <a:avLst/>
-          </a:prstGeom>
-          <a:noFill/>
-          <a:ln>
-            <a:noFill/>
-          </a:ln>
-        </p:spPr>
-      </p:pic>
-      <p:pic>
-        <p:nvPicPr>
-          <p:cNvPr id="343" name="Shape 343"/>
-          <p:cNvPicPr preferRelativeResize="0"/>
-          <p:nvPr/>
-        </p:nvPicPr>
-        <p:blipFill rotWithShape="1">
-          <a:blip r:embed="rId5">
-            <a:alphaModFix/>
-          </a:blip>
-          <a:srcRect/>
-          <a:stretch/>
-        </p:blipFill>
-        <p:spPr>
-          <a:xfrm>
-            <a:off x="-3048000" y="2819400"/>
-            <a:ext cx="1752600" cy="820737"/>
-          </a:xfrm>
-          <a:prstGeom prst="rect">
-            <a:avLst/>
-          </a:prstGeom>
-          <a:noFill/>
-          <a:ln>
-            <a:noFill/>
-          </a:ln>
-        </p:spPr>
-      </p:pic>
-      <mc:AlternateContent xmlns:mc="http://schemas.openxmlformats.org/markup-compatibility/2006" xmlns:a14="http://schemas.microsoft.com/office/drawing/2010/main">
-        <mc:Choice Requires="a14">
+      <mc:AlternateContent xmlns:mc="http://schemas.openxmlformats.org/markup-compatibility/2006">
+        <mc:Choice xmlns:a14="http://schemas.microsoft.com/office/drawing/2010/main" Requires="a14">
           <p:sp>
             <p:nvSpPr>
               <p:cNvPr id="25" name="TextBox 24">
@@ -21660,7 +19383,7 @@
             <p:spPr>
               <a:xfrm>
                 <a:off x="1410074" y="2672638"/>
-                <a:ext cx="2376805" cy="338554"/>
+                <a:ext cx="2163477" cy="307777"/>
               </a:xfrm>
               <a:prstGeom prst="rect">
                 <a:avLst/>
@@ -21683,14 +19406,14 @@
                       <m:sSub>
                         <m:sSubPr>
                           <m:ctrlPr>
-                            <a:rPr lang="en-US" sz="2200" b="0" i="1" smtClean="0">
+                            <a:rPr lang="en-US" sz="2000" b="0" i="1" smtClean="0">
                               <a:latin typeface="Cambria Math" panose="02040503050406030204" pitchFamily="18" charset="0"/>
                             </a:rPr>
                           </m:ctrlPr>
                         </m:sSubPr>
                         <m:e>
                           <m:r>
-                            <a:rPr lang="en-US" sz="2200" b="0" i="1" smtClean="0">
+                            <a:rPr lang="en-US" sz="2000" b="0" i="1" smtClean="0">
                               <a:latin typeface="Cambria Math" panose="02040503050406030204" pitchFamily="18" charset="0"/>
                             </a:rPr>
                             <m:t>𝐸</m:t>
@@ -21698,7 +19421,7 @@
                         </m:e>
                         <m:sub>
                           <m:r>
-                            <a:rPr lang="en-US" sz="2200" b="0" i="1" smtClean="0">
+                            <a:rPr lang="en-US" sz="2000" b="0" i="1" smtClean="0">
                               <a:latin typeface="Cambria Math" panose="02040503050406030204" pitchFamily="18" charset="0"/>
                             </a:rPr>
                             <m:t>𝑥</m:t>
@@ -21706,19 +19429,19 @@
                         </m:sub>
                       </m:sSub>
                       <m:r>
-                        <a:rPr lang="en-US" sz="2200" b="0" i="1" smtClean="0">
+                        <a:rPr lang="en-US" sz="2000" b="0" i="1" smtClean="0">
                           <a:latin typeface="Cambria Math" panose="02040503050406030204" pitchFamily="18" charset="0"/>
                         </a:rPr>
                         <m:t>(</m:t>
                       </m:r>
                       <m:r>
-                        <a:rPr lang="en-US" sz="2200" b="0" i="1" smtClean="0">
+                        <a:rPr lang="en-US" sz="2000" b="0" i="1" smtClean="0">
                           <a:latin typeface="Cambria Math" panose="02040503050406030204" pitchFamily="18" charset="0"/>
                         </a:rPr>
                         <m:t>𝑤</m:t>
                       </m:r>
                       <m:r>
-                        <a:rPr lang="en-US" sz="2200" b="0" i="1" smtClean="0">
+                        <a:rPr lang="en-US" sz="2000" b="0" i="1" smtClean="0">
                           <a:latin typeface="Cambria Math" panose="02040503050406030204" pitchFamily="18" charset="0"/>
                         </a:rPr>
                         <m:t>)= </m:t>
@@ -21726,14 +19449,14 @@
                       <m:sSup>
                         <m:sSupPr>
                           <m:ctrlPr>
-                            <a:rPr lang="en-US" sz="2200" b="0" i="1" smtClean="0">
+                            <a:rPr lang="en-US" sz="2000" b="0" i="1" smtClean="0">
                               <a:latin typeface="Cambria Math" panose="02040503050406030204" pitchFamily="18" charset="0"/>
                             </a:rPr>
                           </m:ctrlPr>
                         </m:sSupPr>
                         <m:e>
                           <m:r>
-                            <a:rPr lang="en-US" sz="2200" b="0" i="1" smtClean="0">
+                            <a:rPr lang="en-US" sz="2000" b="0" i="1" smtClean="0">
                               <a:latin typeface="Cambria Math" panose="02040503050406030204" pitchFamily="18" charset="0"/>
                             </a:rPr>
                             <m:t>(</m:t>
@@ -21741,14 +19464,14 @@
                           <m:sSup>
                             <m:sSupPr>
                               <m:ctrlPr>
-                                <a:rPr lang="en-US" sz="2200" b="0" i="1" smtClean="0">
+                                <a:rPr lang="en-US" sz="2000" b="0" i="1" smtClean="0">
                                   <a:latin typeface="Cambria Math" panose="02040503050406030204" pitchFamily="18" charset="0"/>
                                 </a:rPr>
                               </m:ctrlPr>
                             </m:sSupPr>
                             <m:e>
                               <m:r>
-                                <a:rPr lang="en-US" sz="2200" b="0" i="1" smtClean="0">
+                                <a:rPr lang="en-US" sz="2000" b="0" i="1" smtClean="0">
                                   <a:latin typeface="Cambria Math" panose="02040503050406030204" pitchFamily="18" charset="0"/>
                                 </a:rPr>
                                 <m:t>𝑦</m:t>
@@ -21756,7 +19479,7 @@
                             </m:e>
                             <m:sup>
                               <m:r>
-                                <a:rPr lang="en-US" sz="2200" b="0" i="1" smtClean="0">
+                                <a:rPr lang="en-US" sz="2000" b="0" i="1" smtClean="0">
                                   <a:latin typeface="Cambria Math" panose="02040503050406030204" pitchFamily="18" charset="0"/>
                                 </a:rPr>
                                 <m:t>′</m:t>
@@ -21764,19 +19487,19 @@
                             </m:sup>
                           </m:sSup>
                           <m:r>
-                            <a:rPr lang="en-US" sz="2200" b="0" i="1" smtClean="0">
+                            <a:rPr lang="en-US" sz="2000" b="0" i="1" smtClean="0">
                               <a:latin typeface="Cambria Math" panose="02040503050406030204" pitchFamily="18" charset="0"/>
                             </a:rPr>
                             <m:t>−</m:t>
                           </m:r>
                           <m:r>
-                            <a:rPr lang="en-US" sz="2200" b="0" i="1" smtClean="0">
+                            <a:rPr lang="en-US" sz="2000" b="0" i="1" smtClean="0">
                               <a:latin typeface="Cambria Math" panose="02040503050406030204" pitchFamily="18" charset="0"/>
                             </a:rPr>
                             <m:t>𝑦</m:t>
                           </m:r>
                           <m:r>
-                            <a:rPr lang="en-US" sz="2200" b="0" i="1" smtClean="0">
+                            <a:rPr lang="en-US" sz="2000" b="0" i="1" smtClean="0">
                               <a:latin typeface="Cambria Math" panose="02040503050406030204" pitchFamily="18" charset="0"/>
                             </a:rPr>
                             <m:t>)</m:t>
@@ -21784,7 +19507,7 @@
                         </m:e>
                         <m:sup>
                           <m:r>
-                            <a:rPr lang="en-US" sz="2200" b="0" i="1" smtClean="0">
+                            <a:rPr lang="en-US" sz="2000" b="0" i="1" smtClean="0">
                               <a:latin typeface="Cambria Math" panose="02040503050406030204" pitchFamily="18" charset="0"/>
                             </a:rPr>
                             <m:t>2</m:t>
@@ -21794,12 +19517,12 @@
                     </m:oMath>
                   </m:oMathPara>
                 </a14:m>
-                <a:endParaRPr lang="en-US" sz="2200" dirty="0"/>
+                <a:endParaRPr lang="en-US" sz="2000" dirty="0"/>
               </a:p>
             </p:txBody>
           </p:sp>
         </mc:Choice>
-        <mc:Fallback xmlns="">
+        <mc:Fallback>
           <p:sp>
             <p:nvSpPr>
               <p:cNvPr id="25" name="TextBox 24">
@@ -21817,15 +19540,15 @@
             <p:spPr>
               <a:xfrm>
                 <a:off x="1410074" y="2672638"/>
-                <a:ext cx="2376805" cy="338554"/>
+                <a:ext cx="2163477" cy="307777"/>
               </a:xfrm>
               <a:prstGeom prst="rect">
                 <a:avLst/>
               </a:prstGeom>
               <a:blipFill>
-                <a:blip r:embed="rId6"/>
+                <a:blip r:embed="rId4"/>
                 <a:stretch>
-                  <a:fillRect l="-1596" t="-3571" b="-35714"/>
+                  <a:fillRect l="-1163" t="-8000" b="-40000"/>
                 </a:stretch>
               </a:blipFill>
             </p:spPr>
@@ -21893,6 +19616,179 @@
           </a:p>
         </p:txBody>
       </p:sp>
+      <mc:AlternateContent xmlns:mc="http://schemas.openxmlformats.org/markup-compatibility/2006">
+        <mc:Choice xmlns:a14="http://schemas.microsoft.com/office/drawing/2010/main" Requires="a14">
+          <p:sp>
+            <p:nvSpPr>
+              <p:cNvPr id="3" name="TextBox 2">
+                <a:extLst>
+                  <a:ext uri="{FF2B5EF4-FFF2-40B4-BE49-F238E27FC236}">
+                    <a16:creationId xmlns:a16="http://schemas.microsoft.com/office/drawing/2014/main" id="{B7E9EB3E-1D63-815C-625D-40E90C2099F3}"/>
+                  </a:ext>
+                </a:extLst>
+              </p:cNvPr>
+              <p:cNvSpPr txBox="1"/>
+              <p:nvPr/>
+            </p:nvSpPr>
+            <p:spPr>
+              <a:xfrm>
+                <a:off x="1524000" y="4831416"/>
+                <a:ext cx="1516083" cy="585225"/>
+              </a:xfrm>
+              <a:prstGeom prst="rect">
+                <a:avLst/>
+              </a:prstGeom>
+              <a:noFill/>
+            </p:spPr>
+            <p:txBody>
+              <a:bodyPr wrap="square" lIns="0" tIns="0" rIns="0" bIns="0" rtlCol="0">
+                <a:spAutoFit/>
+              </a:bodyPr>
+              <a:lstStyle/>
+              <a:p>
+                <a14:m>
+                  <m:oMathPara xmlns:m="http://schemas.openxmlformats.org/officeDocument/2006/math">
+                    <m:oMathParaPr>
+                      <m:jc m:val="centerGroup"/>
+                    </m:oMathParaPr>
+                    <m:oMath xmlns:m="http://schemas.openxmlformats.org/officeDocument/2006/math">
+                      <m:r>
+                        <a:rPr lang="en-US" sz="2000" i="1" smtClean="0">
+                          <a:latin typeface="Cambria Math" panose="02040503050406030204" pitchFamily="18" charset="0"/>
+                          <a:ea typeface="Cambria Math" panose="02040503050406030204" pitchFamily="18" charset="0"/>
+                        </a:rPr>
+                        <m:t>∆</m:t>
+                      </m:r>
+                      <m:r>
+                        <a:rPr lang="en-US" sz="2000" b="0" i="1" smtClean="0">
+                          <a:latin typeface="Cambria Math" panose="02040503050406030204" pitchFamily="18" charset="0"/>
+                          <a:ea typeface="Cambria Math" panose="02040503050406030204" pitchFamily="18" charset="0"/>
+                        </a:rPr>
+                        <m:t>𝑤</m:t>
+                      </m:r>
+                      <m:r>
+                        <a:rPr lang="en-US" sz="2000" b="0" i="1" smtClean="0">
+                          <a:latin typeface="Cambria Math" panose="02040503050406030204" pitchFamily="18" charset="0"/>
+                          <a:ea typeface="Cambria Math" panose="02040503050406030204" pitchFamily="18" charset="0"/>
+                        </a:rPr>
+                        <m:t>=−</m:t>
+                      </m:r>
+                      <m:f>
+                        <m:fPr>
+                          <m:ctrlPr>
+                            <a:rPr lang="en-US" sz="2000" b="0" i="1" smtClean="0">
+                              <a:latin typeface="Cambria Math" panose="02040503050406030204" pitchFamily="18" charset="0"/>
+                              <a:ea typeface="Cambria Math" panose="02040503050406030204" pitchFamily="18" charset="0"/>
+                            </a:rPr>
+                          </m:ctrlPr>
+                        </m:fPr>
+                        <m:num>
+                          <m:r>
+                            <a:rPr lang="en-US" sz="2000" b="0" i="1" smtClean="0">
+                              <a:latin typeface="Cambria Math" panose="02040503050406030204" pitchFamily="18" charset="0"/>
+                              <a:ea typeface="Cambria Math" panose="02040503050406030204" pitchFamily="18" charset="0"/>
+                            </a:rPr>
+                            <m:t>𝜕</m:t>
+                          </m:r>
+                          <m:sSub>
+                            <m:sSubPr>
+                              <m:ctrlPr>
+                                <a:rPr lang="en-US" sz="2000" b="0" i="1" smtClean="0">
+                                  <a:latin typeface="Cambria Math" panose="02040503050406030204" pitchFamily="18" charset="0"/>
+                                  <a:ea typeface="Cambria Math" panose="02040503050406030204" pitchFamily="18" charset="0"/>
+                                </a:rPr>
+                              </m:ctrlPr>
+                            </m:sSubPr>
+                            <m:e>
+                              <m:r>
+                                <a:rPr lang="en-US" sz="2000" b="0" i="1" smtClean="0">
+                                  <a:latin typeface="Cambria Math" panose="02040503050406030204" pitchFamily="18" charset="0"/>
+                                  <a:ea typeface="Cambria Math" panose="02040503050406030204" pitchFamily="18" charset="0"/>
+                                </a:rPr>
+                                <m:t>𝐸</m:t>
+                              </m:r>
+                            </m:e>
+                            <m:sub>
+                              <m:r>
+                                <a:rPr lang="en-US" sz="2000" b="0" i="1" smtClean="0">
+                                  <a:latin typeface="Cambria Math" panose="02040503050406030204" pitchFamily="18" charset="0"/>
+                                  <a:ea typeface="Cambria Math" panose="02040503050406030204" pitchFamily="18" charset="0"/>
+                                </a:rPr>
+                                <m:t>𝑥</m:t>
+                              </m:r>
+                            </m:sub>
+                          </m:sSub>
+                        </m:num>
+                        <m:den>
+                          <m:r>
+                            <a:rPr lang="en-US" sz="2000" b="0" i="1" smtClean="0">
+                              <a:latin typeface="Cambria Math" panose="02040503050406030204" pitchFamily="18" charset="0"/>
+                              <a:ea typeface="Cambria Math" panose="02040503050406030204" pitchFamily="18" charset="0"/>
+                            </a:rPr>
+                            <m:t>𝜕</m:t>
+                          </m:r>
+                          <m:r>
+                            <a:rPr lang="en-US" sz="2000" b="0" i="1" smtClean="0">
+                              <a:latin typeface="Cambria Math" panose="02040503050406030204" pitchFamily="18" charset="0"/>
+                              <a:ea typeface="Cambria Math" panose="02040503050406030204" pitchFamily="18" charset="0"/>
+                            </a:rPr>
+                            <m:t>𝑤</m:t>
+                          </m:r>
+                        </m:den>
+                      </m:f>
+                    </m:oMath>
+                  </m:oMathPara>
+                </a14:m>
+                <a:endParaRPr lang="en-US" sz="2000" dirty="0"/>
+              </a:p>
+            </p:txBody>
+          </p:sp>
+        </mc:Choice>
+        <mc:Fallback>
+          <p:sp>
+            <p:nvSpPr>
+              <p:cNvPr id="3" name="TextBox 2">
+                <a:extLst>
+                  <a:ext uri="{FF2B5EF4-FFF2-40B4-BE49-F238E27FC236}">
+                    <a16:creationId xmlns:a16="http://schemas.microsoft.com/office/drawing/2014/main" id="{B7E9EB3E-1D63-815C-625D-40E90C2099F3}"/>
+                  </a:ext>
+                </a:extLst>
+              </p:cNvPr>
+              <p:cNvSpPr txBox="1">
+                <a:spLocks noRot="1" noChangeAspect="1" noMove="1" noResize="1" noEditPoints="1" noAdjustHandles="1" noChangeArrowheads="1" noChangeShapeType="1" noTextEdit="1"/>
+              </p:cNvSpPr>
+              <p:nvPr/>
+            </p:nvSpPr>
+            <p:spPr>
+              <a:xfrm>
+                <a:off x="1524000" y="4831416"/>
+                <a:ext cx="1516083" cy="585225"/>
+              </a:xfrm>
+              <a:prstGeom prst="rect">
+                <a:avLst/>
+              </a:prstGeom>
+              <a:blipFill>
+                <a:blip r:embed="rId5"/>
+                <a:stretch>
+                  <a:fillRect t="-2128" b="-12766"/>
+                </a:stretch>
+              </a:blipFill>
+            </p:spPr>
+            <p:txBody>
+              <a:bodyPr/>
+              <a:lstStyle/>
+              <a:p>
+                <a:r>
+                  <a:rPr lang="en-US">
+                    <a:noFill/>
+                  </a:rPr>
+                  <a:t> </a:t>
+                </a:r>
+              </a:p>
+            </p:txBody>
+          </p:sp>
+        </mc:Fallback>
+      </mc:AlternateContent>
     </p:spTree>
   </p:cSld>
   <p:clrMapOvr>
@@ -21901,7 +19797,918 @@
 </p:sld>
 </file>
 
-<file path=ppt/slides/slide16.xml><?xml version="1.0" encoding="utf-8"?>
+<file path=ppt/slides/slide14.xml><?xml version="1.0" encoding="utf-8"?>
+<p:sld xmlns:a="http://schemas.openxmlformats.org/drawingml/2006/main" xmlns:r="http://schemas.openxmlformats.org/officeDocument/2006/relationships" xmlns:p="http://schemas.openxmlformats.org/presentationml/2006/main">
+  <p:cSld>
+    <p:spTree>
+      <p:nvGrpSpPr>
+        <p:cNvPr id="1" name="Shape 246"/>
+        <p:cNvGrpSpPr/>
+        <p:nvPr/>
+      </p:nvGrpSpPr>
+      <p:grpSpPr>
+        <a:xfrm>
+          <a:off x="0" y="0"/>
+          <a:ext cx="0" cy="0"/>
+          <a:chOff x="0" y="0"/>
+          <a:chExt cx="0" cy="0"/>
+        </a:xfrm>
+      </p:grpSpPr>
+      <p:sp>
+        <p:nvSpPr>
+          <p:cNvPr id="247" name="Shape 247"/>
+          <p:cNvSpPr txBox="1">
+            <a:spLocks noGrp="1"/>
+          </p:cNvSpPr>
+          <p:nvPr>
+            <p:ph type="title"/>
+          </p:nvPr>
+        </p:nvSpPr>
+        <p:spPr>
+          <a:xfrm>
+            <a:off x="1524000" y="190500"/>
+            <a:ext cx="7010400" cy="1527175"/>
+          </a:xfrm>
+          <a:prstGeom prst="rect">
+            <a:avLst/>
+          </a:prstGeom>
+          <a:noFill/>
+          <a:ln>
+            <a:noFill/>
+          </a:ln>
+        </p:spPr>
+        <p:txBody>
+          <a:bodyPr spcFirstLastPara="1" wrap="square" lIns="91425" tIns="45700" rIns="91425" bIns="45700" anchor="ctr" anchorCtr="0">
+            <a:noAutofit/>
+          </a:bodyPr>
+          <a:lstStyle/>
+          <a:p>
+            <a:pPr marL="0" marR="0" lvl="0" indent="0" algn="l" rtl="0">
+              <a:lnSpc>
+                <a:spcPct val="100000"/>
+              </a:lnSpc>
+              <a:spcBef>
+                <a:spcPts val="0"/>
+              </a:spcBef>
+              <a:spcAft>
+                <a:spcPts val="0"/>
+              </a:spcAft>
+              <a:buClr>
+                <a:schemeClr val="dk2"/>
+              </a:buClr>
+              <a:buFont typeface="Arial"/>
+              <a:buNone/>
+            </a:pPr>
+            <a:r>
+              <a:rPr lang="en-US" sz="4200" b="0" i="0" u="none" strike="noStrike" cap="none">
+                <a:solidFill>
+                  <a:schemeClr val="dk2"/>
+                </a:solidFill>
+                <a:latin typeface="Arial"/>
+                <a:ea typeface="Arial"/>
+                <a:cs typeface="Arial"/>
+                <a:sym typeface="Arial"/>
+              </a:rPr>
+              <a:t>Backpropagation Algorithm</a:t>
+            </a:r>
+            <a:endParaRPr/>
+          </a:p>
+        </p:txBody>
+      </p:sp>
+      <p:sp>
+        <p:nvSpPr>
+          <p:cNvPr id="248" name="Shape 248"/>
+          <p:cNvSpPr txBox="1"/>
+          <p:nvPr/>
+        </p:nvSpPr>
+        <p:spPr>
+          <a:xfrm>
+            <a:off x="1892300" y="1828800"/>
+            <a:ext cx="7185025" cy="2867025"/>
+          </a:xfrm>
+          <a:prstGeom prst="rect">
+            <a:avLst/>
+          </a:prstGeom>
+          <a:noFill/>
+          <a:ln w="9525" cap="flat" cmpd="sng">
+            <a:solidFill>
+              <a:schemeClr val="dk1"/>
+            </a:solidFill>
+            <a:prstDash val="solid"/>
+            <a:miter lim="8000"/>
+            <a:headEnd type="none" w="sm" len="sm"/>
+            <a:tailEnd type="none" w="sm" len="sm"/>
+          </a:ln>
+        </p:spPr>
+        <p:txBody>
+          <a:bodyPr spcFirstLastPara="1" wrap="square" lIns="91425" tIns="45700" rIns="91425" bIns="45700" anchor="t" anchorCtr="0">
+            <a:noAutofit/>
+          </a:bodyPr>
+          <a:lstStyle/>
+          <a:p>
+            <a:pPr marL="0" marR="0" lvl="0" indent="0" algn="l" rtl="0">
+              <a:lnSpc>
+                <a:spcPct val="100000"/>
+              </a:lnSpc>
+              <a:spcBef>
+                <a:spcPts val="0"/>
+              </a:spcBef>
+              <a:spcAft>
+                <a:spcPts val="0"/>
+              </a:spcAft>
+              <a:buClr>
+                <a:schemeClr val="dk1"/>
+              </a:buClr>
+              <a:buFont typeface="Arial"/>
+              <a:buNone/>
+            </a:pPr>
+            <a:r>
+              <a:rPr lang="en-US" sz="1400" b="0" i="0" u="none" dirty="0">
+                <a:solidFill>
+                  <a:schemeClr val="dk1"/>
+                </a:solidFill>
+                <a:latin typeface="Arial"/>
+                <a:ea typeface="Arial"/>
+                <a:cs typeface="Arial"/>
+                <a:sym typeface="Arial"/>
+              </a:rPr>
+              <a:t>Initialize the weights in the network (often randomly)</a:t>
+            </a:r>
+            <a:endParaRPr dirty="0"/>
+          </a:p>
+          <a:p>
+            <a:pPr marL="0" marR="0" lvl="0" indent="0" algn="l" rtl="0">
+              <a:lnSpc>
+                <a:spcPct val="100000"/>
+              </a:lnSpc>
+              <a:spcBef>
+                <a:spcPts val="0"/>
+              </a:spcBef>
+              <a:spcAft>
+                <a:spcPts val="0"/>
+              </a:spcAft>
+              <a:buClr>
+                <a:schemeClr val="dk1"/>
+              </a:buClr>
+              <a:buFont typeface="Arial"/>
+              <a:buNone/>
+            </a:pPr>
+            <a:r>
+              <a:rPr lang="en-US" sz="1400" b="0" i="0" u="none" dirty="0">
+                <a:solidFill>
+                  <a:schemeClr val="dk1"/>
+                </a:solidFill>
+                <a:latin typeface="Arial"/>
+                <a:ea typeface="Arial"/>
+                <a:cs typeface="Arial"/>
+                <a:sym typeface="Arial"/>
+              </a:rPr>
+              <a:t>  Do</a:t>
+            </a:r>
+            <a:endParaRPr dirty="0"/>
+          </a:p>
+          <a:p>
+            <a:pPr marL="0" marR="0" lvl="0" indent="0" algn="l" rtl="0">
+              <a:lnSpc>
+                <a:spcPct val="100000"/>
+              </a:lnSpc>
+              <a:spcBef>
+                <a:spcPts val="0"/>
+              </a:spcBef>
+              <a:spcAft>
+                <a:spcPts val="0"/>
+              </a:spcAft>
+              <a:buClr>
+                <a:schemeClr val="dk1"/>
+              </a:buClr>
+              <a:buFont typeface="Arial"/>
+              <a:buNone/>
+            </a:pPr>
+            <a:r>
+              <a:rPr lang="en-US" sz="1400" b="0" i="0" u="none" dirty="0">
+                <a:solidFill>
+                  <a:schemeClr val="dk1"/>
+                </a:solidFill>
+                <a:latin typeface="Arial"/>
+                <a:ea typeface="Arial"/>
+                <a:cs typeface="Arial"/>
+                <a:sym typeface="Arial"/>
+              </a:rPr>
+              <a:t>         For each example e in the training set</a:t>
+            </a:r>
+            <a:endParaRPr dirty="0"/>
+          </a:p>
+          <a:p>
+            <a:pPr marL="0" marR="0" lvl="0" indent="0" algn="l" rtl="0">
+              <a:lnSpc>
+                <a:spcPct val="100000"/>
+              </a:lnSpc>
+              <a:spcBef>
+                <a:spcPts val="0"/>
+              </a:spcBef>
+              <a:spcAft>
+                <a:spcPts val="0"/>
+              </a:spcAft>
+              <a:buClr>
+                <a:schemeClr val="dk1"/>
+              </a:buClr>
+              <a:buFont typeface="Arial"/>
+              <a:buNone/>
+            </a:pPr>
+            <a:r>
+              <a:rPr lang="en-US" sz="1400" b="0" i="0" u="none" dirty="0">
+                <a:solidFill>
+                  <a:schemeClr val="dk1"/>
+                </a:solidFill>
+                <a:latin typeface="Arial"/>
+                <a:ea typeface="Arial"/>
+                <a:cs typeface="Arial"/>
+                <a:sym typeface="Arial"/>
+              </a:rPr>
+              <a:t>              // forward pass</a:t>
+            </a:r>
+            <a:endParaRPr dirty="0"/>
+          </a:p>
+          <a:p>
+            <a:pPr marL="0" marR="0" lvl="0" indent="0" algn="l" rtl="0">
+              <a:lnSpc>
+                <a:spcPct val="100000"/>
+              </a:lnSpc>
+              <a:spcBef>
+                <a:spcPts val="0"/>
+              </a:spcBef>
+              <a:spcAft>
+                <a:spcPts val="0"/>
+              </a:spcAft>
+              <a:buClr>
+                <a:schemeClr val="dk1"/>
+              </a:buClr>
+              <a:buFont typeface="Arial"/>
+              <a:buNone/>
+            </a:pPr>
+            <a:r>
+              <a:rPr lang="en-US" sz="1400" b="0" i="0" u="none" dirty="0">
+                <a:solidFill>
+                  <a:schemeClr val="dk1"/>
+                </a:solidFill>
+                <a:latin typeface="Arial"/>
+                <a:ea typeface="Arial"/>
+                <a:cs typeface="Arial"/>
+                <a:sym typeface="Arial"/>
+              </a:rPr>
+              <a:t>              y = compute neural net output</a:t>
+            </a:r>
+            <a:endParaRPr dirty="0"/>
+          </a:p>
+          <a:p>
+            <a:pPr marL="0" marR="0" lvl="0" indent="0" algn="l" rtl="0">
+              <a:lnSpc>
+                <a:spcPct val="100000"/>
+              </a:lnSpc>
+              <a:spcBef>
+                <a:spcPts val="0"/>
+              </a:spcBef>
+              <a:spcAft>
+                <a:spcPts val="0"/>
+              </a:spcAft>
+              <a:buClr>
+                <a:schemeClr val="dk1"/>
+              </a:buClr>
+              <a:buFont typeface="Arial"/>
+              <a:buNone/>
+            </a:pPr>
+            <a:r>
+              <a:rPr lang="en-US" sz="1400" b="0" i="0" u="none" dirty="0">
+                <a:solidFill>
+                  <a:schemeClr val="dk1"/>
+                </a:solidFill>
+                <a:latin typeface="Arial"/>
+                <a:ea typeface="Arial"/>
+                <a:cs typeface="Arial"/>
+                <a:sym typeface="Arial"/>
+              </a:rPr>
+              <a:t>              y’ = label for e from training data</a:t>
+            </a:r>
+            <a:endParaRPr dirty="0"/>
+          </a:p>
+          <a:p>
+            <a:pPr marL="0" marR="0" lvl="0" indent="0" algn="l" rtl="0">
+              <a:lnSpc>
+                <a:spcPct val="100000"/>
+              </a:lnSpc>
+              <a:spcBef>
+                <a:spcPts val="0"/>
+              </a:spcBef>
+              <a:spcAft>
+                <a:spcPts val="0"/>
+              </a:spcAft>
+              <a:buClr>
+                <a:schemeClr val="dk1"/>
+              </a:buClr>
+              <a:buFont typeface="Arial"/>
+              <a:buNone/>
+            </a:pPr>
+            <a:r>
+              <a:rPr lang="en-US" sz="1400" b="0" i="0" u="none" dirty="0">
+                <a:solidFill>
+                  <a:schemeClr val="dk1"/>
+                </a:solidFill>
+                <a:latin typeface="Arial"/>
+                <a:ea typeface="Arial"/>
+                <a:cs typeface="Arial"/>
+                <a:sym typeface="Arial"/>
+              </a:rPr>
+              <a:t>              Calculate error </a:t>
+            </a:r>
+            <a:r>
+              <a:rPr lang="en-US" dirty="0">
+                <a:solidFill>
+                  <a:schemeClr val="dk1"/>
+                </a:solidFill>
+              </a:rPr>
+              <a:t>E</a:t>
+            </a:r>
+            <a:r>
+              <a:rPr lang="en-US" sz="1400" b="0" i="0" u="none" dirty="0">
+                <a:solidFill>
+                  <a:schemeClr val="dk1"/>
+                </a:solidFill>
+                <a:latin typeface="Arial"/>
+                <a:ea typeface="Arial"/>
+                <a:cs typeface="Arial"/>
+                <a:sym typeface="Arial"/>
+              </a:rPr>
+              <a:t> = (y’ - y)</a:t>
+            </a:r>
+            <a:r>
+              <a:rPr lang="en-US" sz="1400" b="0" i="0" u="none" baseline="30000" dirty="0">
+                <a:solidFill>
+                  <a:schemeClr val="dk1"/>
+                </a:solidFill>
+                <a:latin typeface="Arial"/>
+                <a:ea typeface="Arial"/>
+                <a:cs typeface="Arial"/>
+                <a:sym typeface="Arial"/>
+              </a:rPr>
+              <a:t>2</a:t>
+            </a:r>
+            <a:r>
+              <a:rPr lang="en-US" sz="1400" b="0" i="0" u="none" dirty="0">
+                <a:solidFill>
+                  <a:schemeClr val="dk1"/>
+                </a:solidFill>
+                <a:latin typeface="Arial"/>
+                <a:ea typeface="Arial"/>
+                <a:cs typeface="Arial"/>
+                <a:sym typeface="Arial"/>
+              </a:rPr>
+              <a:t> at the output units</a:t>
+            </a:r>
+            <a:endParaRPr dirty="0"/>
+          </a:p>
+          <a:p>
+            <a:pPr marL="0" marR="0" lvl="0" indent="0" algn="l" rtl="0">
+              <a:lnSpc>
+                <a:spcPct val="100000"/>
+              </a:lnSpc>
+              <a:spcBef>
+                <a:spcPts val="0"/>
+              </a:spcBef>
+              <a:spcAft>
+                <a:spcPts val="0"/>
+              </a:spcAft>
+              <a:buClr>
+                <a:schemeClr val="dk1"/>
+              </a:buClr>
+              <a:buFont typeface="Arial"/>
+              <a:buNone/>
+            </a:pPr>
+            <a:r>
+              <a:rPr lang="en-US" sz="1400" b="0" i="0" u="none" dirty="0">
+                <a:solidFill>
+                  <a:schemeClr val="dk1"/>
+                </a:solidFill>
+                <a:latin typeface="Arial"/>
+                <a:ea typeface="Arial"/>
+                <a:cs typeface="Arial"/>
+                <a:sym typeface="Arial"/>
+              </a:rPr>
+              <a:t>               // backward pass</a:t>
+            </a:r>
+            <a:endParaRPr dirty="0"/>
+          </a:p>
+          <a:p>
+            <a:pPr marL="0" marR="0" lvl="0" indent="0" algn="l" rtl="0">
+              <a:lnSpc>
+                <a:spcPct val="100000"/>
+              </a:lnSpc>
+              <a:spcBef>
+                <a:spcPts val="0"/>
+              </a:spcBef>
+              <a:spcAft>
+                <a:spcPts val="0"/>
+              </a:spcAft>
+              <a:buClr>
+                <a:schemeClr val="dk1"/>
+              </a:buClr>
+              <a:buFont typeface="Arial"/>
+              <a:buNone/>
+            </a:pPr>
+            <a:r>
+              <a:rPr lang="en-US" sz="1400" b="0" i="0" u="none" dirty="0">
+                <a:solidFill>
+                  <a:schemeClr val="dk1"/>
+                </a:solidFill>
+                <a:latin typeface="Arial"/>
+                <a:ea typeface="Arial"/>
+                <a:cs typeface="Arial"/>
+                <a:sym typeface="Arial"/>
+              </a:rPr>
+              <a:t>              Compute error </a:t>
+            </a:r>
+            <a:r>
+              <a:rPr lang="en-US" sz="1400" b="0" i="0" u="none" dirty="0" err="1">
+                <a:solidFill>
+                  <a:schemeClr val="dk1"/>
+                </a:solidFill>
+                <a:latin typeface="Arial"/>
+                <a:ea typeface="Arial"/>
+                <a:cs typeface="Arial"/>
+                <a:sym typeface="Arial"/>
+              </a:rPr>
+              <a:t>δ</a:t>
+            </a:r>
+            <a:r>
+              <a:rPr lang="en-US" sz="1400" b="0" i="0" u="none" baseline="-25000" dirty="0" err="1">
+                <a:solidFill>
+                  <a:schemeClr val="dk1"/>
+                </a:solidFill>
+                <a:latin typeface="Arial"/>
+                <a:ea typeface="Arial"/>
+                <a:cs typeface="Arial"/>
+                <a:sym typeface="Arial"/>
+              </a:rPr>
+              <a:t>o</a:t>
+            </a:r>
+            <a:r>
+              <a:rPr lang="en-US" sz="1400" b="0" i="0" u="none" dirty="0">
+                <a:solidFill>
+                  <a:schemeClr val="dk1"/>
+                </a:solidFill>
+                <a:latin typeface="Arial"/>
+                <a:ea typeface="Arial"/>
+                <a:cs typeface="Arial"/>
+                <a:sym typeface="Arial"/>
+              </a:rPr>
+              <a:t> for weights from a hidden node h to the output node o using </a:t>
+            </a:r>
+            <a:r>
+              <a:rPr lang="en-US" dirty="0">
+                <a:solidFill>
+                  <a:schemeClr val="dk1"/>
+                </a:solidFill>
+              </a:rPr>
+              <a:t>E</a:t>
+            </a:r>
+            <a:r>
+              <a:rPr lang="en-US" sz="1400" b="0" i="0" u="none" dirty="0">
+                <a:solidFill>
+                  <a:schemeClr val="dk1"/>
+                </a:solidFill>
+                <a:latin typeface="Arial"/>
+                <a:ea typeface="Arial"/>
+                <a:cs typeface="Arial"/>
+                <a:sym typeface="Arial"/>
+              </a:rPr>
+              <a:t> </a:t>
+            </a:r>
+            <a:endParaRPr dirty="0"/>
+          </a:p>
+          <a:p>
+            <a:pPr marL="0" marR="0" lvl="0" indent="0" algn="l" rtl="0">
+              <a:lnSpc>
+                <a:spcPct val="100000"/>
+              </a:lnSpc>
+              <a:spcBef>
+                <a:spcPts val="0"/>
+              </a:spcBef>
+              <a:spcAft>
+                <a:spcPts val="0"/>
+              </a:spcAft>
+              <a:buClr>
+                <a:schemeClr val="dk1"/>
+              </a:buClr>
+              <a:buFont typeface="Arial"/>
+              <a:buNone/>
+            </a:pPr>
+            <a:r>
+              <a:rPr lang="en-US" sz="1400" b="0" i="0" u="none" dirty="0">
+                <a:solidFill>
+                  <a:schemeClr val="dk1"/>
+                </a:solidFill>
+                <a:latin typeface="Arial"/>
+                <a:ea typeface="Arial"/>
+                <a:cs typeface="Arial"/>
+                <a:sym typeface="Arial"/>
+              </a:rPr>
+              <a:t>              Compute error </a:t>
+            </a:r>
+            <a:r>
+              <a:rPr lang="en-US" sz="1400" b="0" i="0" u="none" dirty="0" err="1">
+                <a:solidFill>
+                  <a:schemeClr val="dk1"/>
+                </a:solidFill>
+                <a:latin typeface="Arial"/>
+                <a:ea typeface="Arial"/>
+                <a:cs typeface="Arial"/>
+                <a:sym typeface="Arial"/>
+              </a:rPr>
+              <a:t>δ</a:t>
+            </a:r>
+            <a:r>
+              <a:rPr lang="en-US" sz="1400" b="0" i="0" u="none" baseline="-25000" dirty="0" err="1">
+                <a:solidFill>
+                  <a:schemeClr val="dk1"/>
+                </a:solidFill>
+                <a:latin typeface="Arial"/>
+                <a:ea typeface="Arial"/>
+                <a:cs typeface="Arial"/>
+                <a:sym typeface="Arial"/>
+              </a:rPr>
+              <a:t>h</a:t>
+            </a:r>
+            <a:r>
+              <a:rPr lang="en-US" sz="1400" b="0" i="0" u="none" dirty="0">
+                <a:solidFill>
+                  <a:schemeClr val="dk1"/>
+                </a:solidFill>
+                <a:latin typeface="Arial"/>
+                <a:ea typeface="Arial"/>
+                <a:cs typeface="Arial"/>
+                <a:sym typeface="Arial"/>
+              </a:rPr>
+              <a:t> for weights from an input node </a:t>
+            </a:r>
+            <a:r>
+              <a:rPr lang="en-US" sz="1400" b="0" i="0" u="none" dirty="0" err="1">
+                <a:solidFill>
+                  <a:schemeClr val="dk1"/>
+                </a:solidFill>
+                <a:latin typeface="Arial"/>
+                <a:ea typeface="Arial"/>
+                <a:cs typeface="Arial"/>
+                <a:sym typeface="Arial"/>
+              </a:rPr>
+              <a:t>i</a:t>
+            </a:r>
+            <a:r>
+              <a:rPr lang="en-US" sz="1400" b="0" i="0" u="none" dirty="0">
+                <a:solidFill>
+                  <a:schemeClr val="dk1"/>
+                </a:solidFill>
+                <a:latin typeface="Arial"/>
+                <a:ea typeface="Arial"/>
+                <a:cs typeface="Arial"/>
+                <a:sym typeface="Arial"/>
+              </a:rPr>
+              <a:t> to hidden node h using </a:t>
+            </a:r>
+            <a:r>
+              <a:rPr lang="en-US" sz="1400" b="0" i="0" u="none" dirty="0" err="1">
+                <a:solidFill>
+                  <a:schemeClr val="dk1"/>
+                </a:solidFill>
+                <a:latin typeface="Arial"/>
+                <a:ea typeface="Arial"/>
+                <a:cs typeface="Arial"/>
+                <a:sym typeface="Arial"/>
+              </a:rPr>
+              <a:t>δ</a:t>
+            </a:r>
+            <a:r>
+              <a:rPr lang="en-US" sz="1400" b="0" i="0" u="none" baseline="-25000" dirty="0" err="1">
+                <a:solidFill>
+                  <a:schemeClr val="dk1"/>
+                </a:solidFill>
+                <a:latin typeface="Arial"/>
+                <a:ea typeface="Arial"/>
+                <a:cs typeface="Arial"/>
+                <a:sym typeface="Arial"/>
+              </a:rPr>
+              <a:t>o</a:t>
+            </a:r>
+            <a:endParaRPr dirty="0"/>
+          </a:p>
+          <a:p>
+            <a:pPr marL="0" marR="0" lvl="0" indent="0" algn="l" rtl="0">
+              <a:lnSpc>
+                <a:spcPct val="100000"/>
+              </a:lnSpc>
+              <a:spcBef>
+                <a:spcPts val="0"/>
+              </a:spcBef>
+              <a:spcAft>
+                <a:spcPts val="0"/>
+              </a:spcAft>
+              <a:buClr>
+                <a:schemeClr val="dk1"/>
+              </a:buClr>
+              <a:buFont typeface="Arial"/>
+              <a:buNone/>
+            </a:pPr>
+            <a:r>
+              <a:rPr lang="en-US" sz="1400" b="0" i="0" u="none" dirty="0">
+                <a:solidFill>
+                  <a:schemeClr val="dk1"/>
+                </a:solidFill>
+                <a:latin typeface="Arial"/>
+                <a:ea typeface="Arial"/>
+                <a:cs typeface="Arial"/>
+                <a:sym typeface="Arial"/>
+              </a:rPr>
+              <a:t>              Update the weights in the network</a:t>
+            </a:r>
+            <a:endParaRPr dirty="0"/>
+          </a:p>
+          <a:p>
+            <a:pPr marL="0" marR="0" lvl="0" indent="0" algn="l" rtl="0">
+              <a:lnSpc>
+                <a:spcPct val="100000"/>
+              </a:lnSpc>
+              <a:spcBef>
+                <a:spcPts val="0"/>
+              </a:spcBef>
+              <a:spcAft>
+                <a:spcPts val="0"/>
+              </a:spcAft>
+              <a:buClr>
+                <a:schemeClr val="dk1"/>
+              </a:buClr>
+              <a:buFont typeface="Arial"/>
+              <a:buNone/>
+            </a:pPr>
+            <a:r>
+              <a:rPr lang="en-US" sz="1400" b="0" i="0" u="none" dirty="0">
+                <a:solidFill>
+                  <a:schemeClr val="dk1"/>
+                </a:solidFill>
+                <a:latin typeface="Arial"/>
+                <a:ea typeface="Arial"/>
+                <a:cs typeface="Arial"/>
+                <a:sym typeface="Arial"/>
+              </a:rPr>
+              <a:t>  Until all examples classified correctly or stopping criterion satisfied</a:t>
+            </a:r>
+            <a:endParaRPr dirty="0"/>
+          </a:p>
+          <a:p>
+            <a:pPr marL="0" marR="0" lvl="0" indent="0" algn="l" rtl="0">
+              <a:lnSpc>
+                <a:spcPct val="100000"/>
+              </a:lnSpc>
+              <a:spcBef>
+                <a:spcPts val="0"/>
+              </a:spcBef>
+              <a:spcAft>
+                <a:spcPts val="0"/>
+              </a:spcAft>
+              <a:buClr>
+                <a:schemeClr val="dk1"/>
+              </a:buClr>
+              <a:buFont typeface="Arial"/>
+              <a:buNone/>
+            </a:pPr>
+            <a:r>
+              <a:rPr lang="en-US" sz="1400" b="0" i="0" u="none" dirty="0">
+                <a:solidFill>
+                  <a:schemeClr val="dk1"/>
+                </a:solidFill>
+                <a:latin typeface="Arial"/>
+                <a:ea typeface="Arial"/>
+                <a:cs typeface="Arial"/>
+                <a:sym typeface="Arial"/>
+              </a:rPr>
+              <a:t>  Return the network</a:t>
+            </a:r>
+            <a:endParaRPr dirty="0"/>
+          </a:p>
+        </p:txBody>
+      </p:sp>
+      <p:sp>
+        <p:nvSpPr>
+          <p:cNvPr id="249" name="Shape 249"/>
+          <p:cNvSpPr txBox="1"/>
+          <p:nvPr/>
+        </p:nvSpPr>
+        <p:spPr>
+          <a:xfrm>
+            <a:off x="990600" y="6172200"/>
+            <a:ext cx="3716337" cy="274637"/>
+          </a:xfrm>
+          <a:prstGeom prst="rect">
+            <a:avLst/>
+          </a:prstGeom>
+          <a:noFill/>
+          <a:ln>
+            <a:noFill/>
+          </a:ln>
+        </p:spPr>
+        <p:txBody>
+          <a:bodyPr spcFirstLastPara="1" wrap="square" lIns="91425" tIns="45700" rIns="91425" bIns="45700" anchor="t" anchorCtr="0">
+            <a:noAutofit/>
+          </a:bodyPr>
+          <a:lstStyle/>
+          <a:p>
+            <a:pPr marL="0" marR="0" lvl="0" indent="0" algn="l" rtl="0">
+              <a:lnSpc>
+                <a:spcPct val="100000"/>
+              </a:lnSpc>
+              <a:spcBef>
+                <a:spcPts val="0"/>
+              </a:spcBef>
+              <a:spcAft>
+                <a:spcPts val="0"/>
+              </a:spcAft>
+              <a:buClr>
+                <a:schemeClr val="dk1"/>
+              </a:buClr>
+              <a:buFont typeface="Arial"/>
+              <a:buNone/>
+            </a:pPr>
+            <a:r>
+              <a:rPr lang="en-US" sz="1200" b="0" i="0" u="none">
+                <a:solidFill>
+                  <a:schemeClr val="dk1"/>
+                </a:solidFill>
+                <a:latin typeface="Arial"/>
+                <a:ea typeface="Arial"/>
+                <a:cs typeface="Arial"/>
+                <a:sym typeface="Arial"/>
+              </a:rPr>
+              <a:t>Source: http://en.wikipedia.org/wiki/Backpropagation</a:t>
+            </a:r>
+            <a:endParaRPr/>
+          </a:p>
+        </p:txBody>
+      </p:sp>
+      <p:sp>
+        <p:nvSpPr>
+          <p:cNvPr id="250" name="Shape 250"/>
+          <p:cNvSpPr txBox="1"/>
+          <p:nvPr/>
+        </p:nvSpPr>
+        <p:spPr>
+          <a:xfrm>
+            <a:off x="119062" y="1828800"/>
+            <a:ext cx="1709737" cy="854075"/>
+          </a:xfrm>
+          <a:prstGeom prst="rect">
+            <a:avLst/>
+          </a:prstGeom>
+          <a:noFill/>
+          <a:ln>
+            <a:noFill/>
+          </a:ln>
+        </p:spPr>
+        <p:txBody>
+          <a:bodyPr spcFirstLastPara="1" wrap="square" lIns="91425" tIns="45700" rIns="91425" bIns="45700" anchor="t" anchorCtr="0">
+            <a:noAutofit/>
+          </a:bodyPr>
+          <a:lstStyle/>
+          <a:p>
+            <a:pPr marL="0" marR="0" lvl="0" indent="0" algn="l" rtl="0">
+              <a:lnSpc>
+                <a:spcPct val="100000"/>
+              </a:lnSpc>
+              <a:spcBef>
+                <a:spcPts val="0"/>
+              </a:spcBef>
+              <a:spcAft>
+                <a:spcPts val="0"/>
+              </a:spcAft>
+              <a:buClr>
+                <a:schemeClr val="dk1"/>
+              </a:buClr>
+              <a:buFont typeface="Arial"/>
+              <a:buNone/>
+            </a:pPr>
+            <a:r>
+              <a:rPr lang="en-US" sz="1000" b="0" i="0" u="none">
+                <a:solidFill>
+                  <a:schemeClr val="dk1"/>
+                </a:solidFill>
+                <a:latin typeface="Arial"/>
+                <a:ea typeface="Arial"/>
+                <a:cs typeface="Arial"/>
+                <a:sym typeface="Arial"/>
+              </a:rPr>
+              <a:t>Note: this algorithm is for </a:t>
+            </a:r>
+            <a:br>
+              <a:rPr lang="en-US" sz="1000" b="0" i="0" u="none">
+                <a:solidFill>
+                  <a:schemeClr val="dk1"/>
+                </a:solidFill>
+                <a:latin typeface="Arial"/>
+                <a:ea typeface="Arial"/>
+                <a:cs typeface="Arial"/>
+                <a:sym typeface="Arial"/>
+              </a:rPr>
+            </a:br>
+            <a:r>
+              <a:rPr lang="en-US" sz="1000" b="0" i="0" u="none">
+                <a:solidFill>
+                  <a:schemeClr val="dk1"/>
+                </a:solidFill>
+                <a:latin typeface="Arial"/>
+                <a:ea typeface="Arial"/>
+                <a:cs typeface="Arial"/>
+                <a:sym typeface="Arial"/>
+              </a:rPr>
+              <a:t>a NN with a single output </a:t>
+            </a:r>
+            <a:br>
+              <a:rPr lang="en-US" sz="1000" b="0" i="0" u="none">
+                <a:solidFill>
+                  <a:schemeClr val="dk1"/>
+                </a:solidFill>
+                <a:latin typeface="Arial"/>
+                <a:ea typeface="Arial"/>
+                <a:cs typeface="Arial"/>
+                <a:sym typeface="Arial"/>
+              </a:rPr>
+            </a:br>
+            <a:r>
+              <a:rPr lang="en-US" sz="1000" b="0" i="0" u="none">
+                <a:solidFill>
+                  <a:schemeClr val="dk1"/>
+                </a:solidFill>
+                <a:latin typeface="Arial"/>
+                <a:ea typeface="Arial"/>
+                <a:cs typeface="Arial"/>
+                <a:sym typeface="Arial"/>
+              </a:rPr>
+              <a:t>node o and a single hidden</a:t>
+            </a:r>
+            <a:br>
+              <a:rPr lang="en-US" sz="1000" b="0" i="0" u="none">
+                <a:solidFill>
+                  <a:schemeClr val="dk1"/>
+                </a:solidFill>
+                <a:latin typeface="Arial"/>
+                <a:ea typeface="Arial"/>
+                <a:cs typeface="Arial"/>
+                <a:sym typeface="Arial"/>
+              </a:rPr>
+            </a:br>
+            <a:r>
+              <a:rPr lang="en-US" sz="1000" b="0" i="0" u="none">
+                <a:solidFill>
+                  <a:schemeClr val="dk1"/>
+                </a:solidFill>
+                <a:latin typeface="Arial"/>
+                <a:ea typeface="Arial"/>
+                <a:cs typeface="Arial"/>
+                <a:sym typeface="Arial"/>
+              </a:rPr>
+              <a:t>layer. It can easily </a:t>
+            </a:r>
+            <a:br>
+              <a:rPr lang="en-US" sz="1000" b="0" i="0" u="none">
+                <a:solidFill>
+                  <a:schemeClr val="dk1"/>
+                </a:solidFill>
+                <a:latin typeface="Arial"/>
+                <a:ea typeface="Arial"/>
+                <a:cs typeface="Arial"/>
+                <a:sym typeface="Arial"/>
+              </a:rPr>
+            </a:br>
+            <a:r>
+              <a:rPr lang="en-US" sz="1000" b="0" i="0" u="none">
+                <a:solidFill>
+                  <a:schemeClr val="dk1"/>
+                </a:solidFill>
+                <a:latin typeface="Arial"/>
+                <a:ea typeface="Arial"/>
+                <a:cs typeface="Arial"/>
+                <a:sym typeface="Arial"/>
+              </a:rPr>
+              <a:t>be generalized.</a:t>
+            </a:r>
+            <a:endParaRPr/>
+          </a:p>
+        </p:txBody>
+      </p:sp>
+    </p:spTree>
+  </p:cSld>
+  <p:clrMapOvr>
+    <a:masterClrMapping/>
+  </p:clrMapOvr>
+</p:sld>
+</file>
+
+<file path=ppt/slides/slide15.xml><?xml version="1.0" encoding="utf-8"?>
 <p:sld xmlns:a="http://schemas.openxmlformats.org/drawingml/2006/main" xmlns:r="http://schemas.openxmlformats.org/officeDocument/2006/relationships" xmlns:p="http://schemas.openxmlformats.org/presentationml/2006/main">
   <p:cSld>
     <p:spTree>
@@ -22135,7 +20942,7 @@
 </p:sld>
 </file>
 
-<file path=ppt/slides/slide17.xml><?xml version="1.0" encoding="utf-8"?>
+<file path=ppt/slides/slide16.xml><?xml version="1.0" encoding="utf-8"?>
 <p:sld xmlns:a="http://schemas.openxmlformats.org/drawingml/2006/main" xmlns:r="http://schemas.openxmlformats.org/officeDocument/2006/relationships" xmlns:p="http://schemas.openxmlformats.org/presentationml/2006/main">
   <p:cSld>
     <p:spTree>
@@ -22389,7 +21196,7 @@
 </p:sld>
 </file>
 
-<file path=ppt/slides/slide18.xml><?xml version="1.0" encoding="utf-8"?>
+<file path=ppt/slides/slide17.xml><?xml version="1.0" encoding="utf-8"?>
 <p:sld xmlns:a="http://schemas.openxmlformats.org/drawingml/2006/main" xmlns:r="http://schemas.openxmlformats.org/officeDocument/2006/relationships" xmlns:p="http://schemas.openxmlformats.org/presentationml/2006/main">
   <p:cSld>
     <p:spTree>

--- a/notes/14-ANN.pptx
+++ b/notes/14-ANN.pptx
@@ -17536,7 +17536,7 @@
             <p:spPr>
               <a:xfrm>
                 <a:off x="663575" y="2335313"/>
-                <a:ext cx="928203" cy="409664"/>
+                <a:ext cx="695510" cy="409664"/>
               </a:xfrm>
               <a:prstGeom prst="rect">
                 <a:avLst/>
@@ -17627,20 +17627,6 @@
                             </a:rPr>
                             <m:t>𝑤</m:t>
                           </m:r>
-                          <m:r>
-                            <a:rPr lang="en-US" b="0" i="1" smtClean="0">
-                              <a:latin typeface="Cambria Math" panose="02040503050406030204" pitchFamily="18" charset="0"/>
-                              <a:ea typeface="Cambria Math" panose="02040503050406030204" pitchFamily="18" charset="0"/>
-                            </a:rPr>
-                            <m:t>∙</m:t>
-                          </m:r>
-                          <m:r>
-                            <a:rPr lang="en-US" b="0" i="1" smtClean="0">
-                              <a:latin typeface="Cambria Math" panose="02040503050406030204" pitchFamily="18" charset="0"/>
-                              <a:ea typeface="Cambria Math" panose="02040503050406030204" pitchFamily="18" charset="0"/>
-                            </a:rPr>
-                            <m:t>𝑥</m:t>
-                          </m:r>
                         </m:den>
                       </m:f>
                     </m:oMath>
@@ -17669,7 +17655,7 @@
             <p:spPr>
               <a:xfrm>
                 <a:off x="663575" y="2335313"/>
-                <a:ext cx="928203" cy="409664"/>
+                <a:ext cx="695510" cy="409664"/>
               </a:xfrm>
               <a:prstGeom prst="rect">
                 <a:avLst/>
@@ -17677,7 +17663,7 @@
               <a:blipFill>
                 <a:blip r:embed="rId5"/>
                 <a:stretch>
-                  <a:fillRect l="-4054" t="-2941" r="-1351" b="-11765"/>
+                  <a:fillRect l="-5357" t="-2941" r="-3571" b="-11765"/>
                 </a:stretch>
               </a:blipFill>
             </p:spPr>
@@ -17815,6 +17801,9 @@
                       <m:sSubPr>
                         <m:ctrlPr>
                           <a:rPr lang="en-US" i="1" smtClean="0">
+                            <a:solidFill>
+                              <a:srgbClr val="FF0000"/>
+                            </a:solidFill>
                             <a:latin typeface="Cambria Math" panose="02040503050406030204" pitchFamily="18" charset="0"/>
                           </a:rPr>
                         </m:ctrlPr>
@@ -17822,6 +17811,9 @@
                       <m:e>
                         <m:r>
                           <a:rPr lang="en-US" i="1" smtClean="0">
+                            <a:solidFill>
+                              <a:srgbClr val="FF0000"/>
+                            </a:solidFill>
                             <a:latin typeface="Cambria Math" panose="02040503050406030204" pitchFamily="18" charset="0"/>
                             <a:ea typeface="Cambria Math" panose="02040503050406030204" pitchFamily="18" charset="0"/>
                           </a:rPr>
@@ -17831,6 +17823,9 @@
                       <m:sub>
                         <m:r>
                           <a:rPr lang="en-US" b="0" i="1" smtClean="0">
+                            <a:solidFill>
+                              <a:srgbClr val="FF0000"/>
+                            </a:solidFill>
                             <a:latin typeface="Cambria Math" panose="02040503050406030204" pitchFamily="18" charset="0"/>
                           </a:rPr>
                           <m:t>𝑜</m:t>
@@ -18008,6 +18003,9 @@
                       <m:sSubPr>
                         <m:ctrlPr>
                           <a:rPr lang="en-US" i="1" smtClean="0">
+                            <a:solidFill>
+                              <a:srgbClr val="FF0000"/>
+                            </a:solidFill>
                             <a:latin typeface="Cambria Math" panose="02040503050406030204" pitchFamily="18" charset="0"/>
                           </a:rPr>
                         </m:ctrlPr>
@@ -18015,6 +18013,9 @@
                       <m:e>
                         <m:r>
                           <a:rPr lang="en-US" i="1" smtClean="0">
+                            <a:solidFill>
+                              <a:srgbClr val="FF0000"/>
+                            </a:solidFill>
                             <a:latin typeface="Cambria Math" panose="02040503050406030204" pitchFamily="18" charset="0"/>
                             <a:ea typeface="Cambria Math" panose="02040503050406030204" pitchFamily="18" charset="0"/>
                           </a:rPr>
@@ -18024,6 +18025,9 @@
                       <m:sub>
                         <m:r>
                           <a:rPr lang="en-US" b="0" i="1" smtClean="0">
+                            <a:solidFill>
+                              <a:srgbClr val="FF0000"/>
+                            </a:solidFill>
                             <a:latin typeface="Cambria Math" panose="02040503050406030204" pitchFamily="18" charset="0"/>
                           </a:rPr>
                           <m:t>h</m:t>
@@ -18371,8 +18375,8 @@
           </a:p>
         </p:txBody>
       </p:sp>
-      <mc:AlternateContent xmlns:mc="http://schemas.openxmlformats.org/markup-compatibility/2006">
-        <mc:Choice xmlns:a14="http://schemas.microsoft.com/office/drawing/2010/main" Requires="a14">
+      <mc:AlternateContent xmlns:mc="http://schemas.openxmlformats.org/markup-compatibility/2006" xmlns:a14="http://schemas.microsoft.com/office/drawing/2010/main">
+        <mc:Choice Requires="a14">
           <p:sp>
             <p:nvSpPr>
               <p:cNvPr id="16" name="TextBox 15">
@@ -18401,6 +18405,7 @@
               </a:bodyPr>
               <a:lstStyle/>
               <a:p>
+                <a:pPr/>
                 <a14:m>
                   <m:oMathPara xmlns:m="http://schemas.openxmlformats.org/officeDocument/2006/math">
                     <m:oMathParaPr>
@@ -18469,7 +18474,7 @@
             </p:txBody>
           </p:sp>
         </mc:Choice>
-        <mc:Fallback>
+        <mc:Fallback xmlns="">
           <p:sp>
             <p:nvSpPr>
               <p:cNvPr id="16" name="TextBox 15">
@@ -18531,7 +18536,7 @@
             <p:spPr>
               <a:xfrm>
                 <a:off x="609766" y="3723385"/>
-                <a:ext cx="1750607" cy="409664"/>
+                <a:ext cx="1609223" cy="409664"/>
               </a:xfrm>
               <a:prstGeom prst="rect">
                 <a:avLst/>
@@ -18544,6 +18549,7 @@
               </a:bodyPr>
               <a:lstStyle/>
               <a:p>
+                <a:pPr/>
                 <a14:m>
                   <m:oMathPara xmlns:m="http://schemas.openxmlformats.org/officeDocument/2006/math">
                     <m:oMathParaPr>
@@ -18642,20 +18648,6 @@
                             </a:rPr>
                             <m:t>𝑤</m:t>
                           </m:r>
-                          <m:r>
-                            <a:rPr lang="en-US" b="0" i="1" smtClean="0">
-                              <a:latin typeface="Cambria Math" panose="02040503050406030204" pitchFamily="18" charset="0"/>
-                              <a:ea typeface="Cambria Math" panose="02040503050406030204" pitchFamily="18" charset="0"/>
-                            </a:rPr>
-                            <m:t>∙</m:t>
-                          </m:r>
-                          <m:r>
-                            <a:rPr lang="en-US" b="0" i="1" smtClean="0">
-                              <a:latin typeface="Cambria Math" panose="02040503050406030204" pitchFamily="18" charset="0"/>
-                              <a:ea typeface="Cambria Math" panose="02040503050406030204" pitchFamily="18" charset="0"/>
-                            </a:rPr>
-                            <m:t>𝑥</m:t>
-                          </m:r>
                         </m:den>
                       </m:f>
                       <m:r>
@@ -18708,34 +18700,6 @@
                               </m:r>
                             </m:sub>
                           </m:sSub>
-                          <m:sSub>
-                            <m:sSubPr>
-                              <m:ctrlPr>
-                                <a:rPr lang="en-US" b="0" i="1" smtClean="0">
-                                  <a:latin typeface="Cambria Math" panose="02040503050406030204" pitchFamily="18" charset="0"/>
-                                  <a:ea typeface="Cambria Math" panose="02040503050406030204" pitchFamily="18" charset="0"/>
-                                </a:rPr>
-                              </m:ctrlPr>
-                            </m:sSubPr>
-                            <m:e>
-                              <m:r>
-                                <a:rPr lang="en-US" b="0" i="1" smtClean="0">
-                                  <a:latin typeface="Cambria Math" panose="02040503050406030204" pitchFamily="18" charset="0"/>
-                                  <a:ea typeface="Cambria Math" panose="02040503050406030204" pitchFamily="18" charset="0"/>
-                                </a:rPr>
-                                <m:t>𝛿</m:t>
-                              </m:r>
-                            </m:e>
-                            <m:sub>
-                              <m:r>
-                                <a:rPr lang="en-US" b="0" i="1" smtClean="0">
-                                  <a:latin typeface="Cambria Math" panose="02040503050406030204" pitchFamily="18" charset="0"/>
-                                  <a:ea typeface="Cambria Math" panose="02040503050406030204" pitchFamily="18" charset="0"/>
-                                </a:rPr>
-                                <m:t>𝑜</m:t>
-                              </m:r>
-                            </m:sub>
-                          </m:sSub>
                         </m:num>
                         <m:den>
                           <m:r>
@@ -18752,22 +18716,45 @@
                             </a:rPr>
                             <m:t>𝑤</m:t>
                           </m:r>
-                          <m:r>
-                            <a:rPr lang="en-US" b="0" i="1" smtClean="0">
+                        </m:den>
+                      </m:f>
+                      <m:sSub>
+                        <m:sSubPr>
+                          <m:ctrlPr>
+                            <a:rPr lang="en-US" i="1" smtClean="0">
+                              <a:solidFill>
+                                <a:srgbClr val="FF0000"/>
+                              </a:solidFill>
                               <a:latin typeface="Cambria Math" panose="02040503050406030204" pitchFamily="18" charset="0"/>
                               <a:ea typeface="Cambria Math" panose="02040503050406030204" pitchFamily="18" charset="0"/>
                             </a:rPr>
-                            <m:t>∙</m:t>
-                          </m:r>
+                          </m:ctrlPr>
+                        </m:sSubPr>
+                        <m:e>
                           <m:r>
-                            <a:rPr lang="en-US" b="0" i="1" smtClean="0">
+                            <a:rPr lang="en-US" i="1">
+                              <a:solidFill>
+                                <a:srgbClr val="FF0000"/>
+                              </a:solidFill>
                               <a:latin typeface="Cambria Math" panose="02040503050406030204" pitchFamily="18" charset="0"/>
                               <a:ea typeface="Cambria Math" panose="02040503050406030204" pitchFamily="18" charset="0"/>
                             </a:rPr>
-                            <m:t>𝑥</m:t>
+                            <m:t>𝛿</m:t>
                           </m:r>
-                        </m:den>
-                      </m:f>
+                        </m:e>
+                        <m:sub>
+                          <m:r>
+                            <a:rPr lang="en-US" i="1">
+                              <a:solidFill>
+                                <a:srgbClr val="FF0000"/>
+                              </a:solidFill>
+                              <a:latin typeface="Cambria Math" panose="02040503050406030204" pitchFamily="18" charset="0"/>
+                              <a:ea typeface="Cambria Math" panose="02040503050406030204" pitchFamily="18" charset="0"/>
+                            </a:rPr>
+                            <m:t>𝑜</m:t>
+                          </m:r>
+                        </m:sub>
+                      </m:sSub>
                     </m:oMath>
                   </m:oMathPara>
                 </a14:m>
@@ -18794,7 +18781,7 @@
             <p:spPr>
               <a:xfrm>
                 <a:off x="609766" y="3723385"/>
-                <a:ext cx="1750607" cy="409664"/>
+                <a:ext cx="1609223" cy="409664"/>
               </a:xfrm>
               <a:prstGeom prst="rect">
                 <a:avLst/>
@@ -18802,7 +18789,7 @@
               <a:blipFill>
                 <a:blip r:embed="rId9"/>
                 <a:stretch>
-                  <a:fillRect l="-2174" t="-6061" b="-12121"/>
+                  <a:fillRect l="-2362" t="-6061" b="-12121"/>
                 </a:stretch>
               </a:blipFill>
             </p:spPr>
@@ -19383,7 +19370,7 @@
             <p:spPr>
               <a:xfrm>
                 <a:off x="1410074" y="2672638"/>
-                <a:ext cx="2163477" cy="307777"/>
+                <a:ext cx="1652760" cy="307777"/>
               </a:xfrm>
               <a:prstGeom prst="rect">
                 <a:avLst/>
@@ -19403,48 +19390,17 @@
                       <m:jc m:val="centerGroup"/>
                     </m:oMathParaPr>
                     <m:oMath xmlns:m="http://schemas.openxmlformats.org/officeDocument/2006/math">
-                      <m:sSub>
-                        <m:sSubPr>
-                          <m:ctrlPr>
-                            <a:rPr lang="en-US" sz="2000" b="0" i="1" smtClean="0">
-                              <a:latin typeface="Cambria Math" panose="02040503050406030204" pitchFamily="18" charset="0"/>
-                            </a:rPr>
-                          </m:ctrlPr>
-                        </m:sSubPr>
-                        <m:e>
-                          <m:r>
-                            <a:rPr lang="en-US" sz="2000" b="0" i="1" smtClean="0">
-                              <a:latin typeface="Cambria Math" panose="02040503050406030204" pitchFamily="18" charset="0"/>
-                            </a:rPr>
-                            <m:t>𝐸</m:t>
-                          </m:r>
-                        </m:e>
-                        <m:sub>
-                          <m:r>
-                            <a:rPr lang="en-US" sz="2000" b="0" i="1" smtClean="0">
-                              <a:latin typeface="Cambria Math" panose="02040503050406030204" pitchFamily="18" charset="0"/>
-                            </a:rPr>
-                            <m:t>𝑥</m:t>
-                          </m:r>
-                        </m:sub>
-                      </m:sSub>
                       <m:r>
                         <a:rPr lang="en-US" sz="2000" b="0" i="1" smtClean="0">
                           <a:latin typeface="Cambria Math" panose="02040503050406030204" pitchFamily="18" charset="0"/>
                         </a:rPr>
-                        <m:t>(</m:t>
+                        <m:t>𝐸</m:t>
                       </m:r>
                       <m:r>
                         <a:rPr lang="en-US" sz="2000" b="0" i="1" smtClean="0">
                           <a:latin typeface="Cambria Math" panose="02040503050406030204" pitchFamily="18" charset="0"/>
                         </a:rPr>
-                        <m:t>𝑤</m:t>
-                      </m:r>
-                      <m:r>
-                        <a:rPr lang="en-US" sz="2000" b="0" i="1" smtClean="0">
-                          <a:latin typeface="Cambria Math" panose="02040503050406030204" pitchFamily="18" charset="0"/>
-                        </a:rPr>
-                        <m:t>)= </m:t>
+                        <m:t>= </m:t>
                       </m:r>
                       <m:sSup>
                         <m:sSupPr>
@@ -19540,7 +19496,7 @@
             <p:spPr>
               <a:xfrm>
                 <a:off x="1410074" y="2672638"/>
-                <a:ext cx="2163477" cy="307777"/>
+                <a:ext cx="1652760" cy="307777"/>
               </a:xfrm>
               <a:prstGeom prst="rect">
                 <a:avLst/>
@@ -19548,7 +19504,7 @@
               <a:blipFill>
                 <a:blip r:embed="rId4"/>
                 <a:stretch>
-                  <a:fillRect l="-1163" t="-8000" b="-40000"/>
+                  <a:fillRect l="-2290" t="-8000" r="-763" b="-40000"/>
                 </a:stretch>
               </a:blipFill>
             </p:spPr>
@@ -19646,6 +19602,7 @@
               </a:bodyPr>
               <a:lstStyle/>
               <a:p>
+                <a:pPr/>
                 <a14:m>
                   <m:oMathPara xmlns:m="http://schemas.openxmlformats.org/officeDocument/2006/math">
                     <m:oMathParaPr>
@@ -19690,34 +19647,13 @@
                             </a:rPr>
                             <m:t>𝜕</m:t>
                           </m:r>
-                          <m:sSub>
-                            <m:sSubPr>
-                              <m:ctrlPr>
-                                <a:rPr lang="en-US" sz="2000" b="0" i="1" smtClean="0">
-                                  <a:latin typeface="Cambria Math" panose="02040503050406030204" pitchFamily="18" charset="0"/>
-                                  <a:ea typeface="Cambria Math" panose="02040503050406030204" pitchFamily="18" charset="0"/>
-                                </a:rPr>
-                              </m:ctrlPr>
-                            </m:sSubPr>
-                            <m:e>
-                              <m:r>
-                                <a:rPr lang="en-US" sz="2000" b="0" i="1" smtClean="0">
-                                  <a:latin typeface="Cambria Math" panose="02040503050406030204" pitchFamily="18" charset="0"/>
-                                  <a:ea typeface="Cambria Math" panose="02040503050406030204" pitchFamily="18" charset="0"/>
-                                </a:rPr>
-                                <m:t>𝐸</m:t>
-                              </m:r>
-                            </m:e>
-                            <m:sub>
-                              <m:r>
-                                <a:rPr lang="en-US" sz="2000" b="0" i="1" smtClean="0">
-                                  <a:latin typeface="Cambria Math" panose="02040503050406030204" pitchFamily="18" charset="0"/>
-                                  <a:ea typeface="Cambria Math" panose="02040503050406030204" pitchFamily="18" charset="0"/>
-                                </a:rPr>
-                                <m:t>𝑥</m:t>
-                              </m:r>
-                            </m:sub>
-                          </m:sSub>
+                          <m:r>
+                            <a:rPr lang="en-US" sz="2000" b="0" i="1" smtClean="0">
+                              <a:latin typeface="Cambria Math" panose="02040503050406030204" pitchFamily="18" charset="0"/>
+                              <a:ea typeface="Cambria Math" panose="02040503050406030204" pitchFamily="18" charset="0"/>
+                            </a:rPr>
+                            <m:t>𝐸</m:t>
+                          </m:r>
                         </m:num>
                         <m:den>
                           <m:r>
